--- a/Team_Alpha_Presentation.pptx
+++ b/Team_Alpha_Presentation.pptx
@@ -5,13 +5,18 @@
     <p:sldMasterId id="2147483660" r:id="rId1"/>
   </p:sldMasterIdLst>
   <p:sldIdLst>
-    <p:sldId id="256" r:id="rId2"/>
+    <p:sldId id="270" r:id="rId2"/>
     <p:sldId id="257" r:id="rId3"/>
-    <p:sldId id="258" r:id="rId4"/>
-    <p:sldId id="261" r:id="rId5"/>
-    <p:sldId id="259" r:id="rId6"/>
-    <p:sldId id="267" r:id="rId7"/>
-    <p:sldId id="264" r:id="rId8"/>
+    <p:sldId id="269" r:id="rId4"/>
+    <p:sldId id="258" r:id="rId5"/>
+    <p:sldId id="268" r:id="rId6"/>
+    <p:sldId id="261" r:id="rId7"/>
+    <p:sldId id="259" r:id="rId8"/>
+    <p:sldId id="271" r:id="rId9"/>
+    <p:sldId id="256" r:id="rId10"/>
+    <p:sldId id="267" r:id="rId11"/>
+    <p:sldId id="272" r:id="rId12"/>
+    <p:sldId id="264" r:id="rId13"/>
   </p:sldIdLst>
   <p:sldSz cx="12192000" cy="6858000"/>
   <p:notesSz cx="6858000" cy="9144000"/>
@@ -110,6 +115,11 @@
       </a:defRPr>
     </a:lvl9pPr>
   </p:defaultTextStyle>
+  <p:extLst>
+    <p:ext uri="{EFAFB233-063F-42B5-8137-9DF3F51BA10A}">
+      <p15:sldGuideLst xmlns:p15="http://schemas.microsoft.com/office/powerpoint/2012/main"/>
+    </p:ext>
+  </p:extLst>
 </p:presentation>
 </file>
 
@@ -265,7 +275,7 @@
           <a:p>
             <a:fld id="{81B8F32D-D8B6-4B9E-9CBF-DCAC30B7B93D}" type="datetimeFigureOut">
               <a:rPr lang="en-US" smtClean="0"/>
-              <a:t>11/30/21</a:t>
+              <a:t>12/7/21</a:t>
             </a:fld>
             <a:endParaRPr lang="en-US"/>
           </a:p>
@@ -581,7 +591,7 @@
           <a:p>
             <a:fld id="{81B8F32D-D8B6-4B9E-9CBF-DCAC30B7B93D}" type="datetimeFigureOut">
               <a:rPr lang="en-US" smtClean="0"/>
-              <a:t>11/30/21</a:t>
+              <a:t>12/7/21</a:t>
             </a:fld>
             <a:endParaRPr lang="en-US"/>
           </a:p>
@@ -886,7 +896,7 @@
           <a:p>
             <a:fld id="{81B8F32D-D8B6-4B9E-9CBF-DCAC30B7B93D}" type="datetimeFigureOut">
               <a:rPr lang="en-US" smtClean="0"/>
-              <a:t>11/30/21</a:t>
+              <a:t>12/7/21</a:t>
             </a:fld>
             <a:endParaRPr lang="en-US"/>
           </a:p>
@@ -1093,7 +1103,7 @@
           <a:p>
             <a:fld id="{81B8F32D-D8B6-4B9E-9CBF-DCAC30B7B93D}" type="datetimeFigureOut">
               <a:rPr lang="en-US" smtClean="0"/>
-              <a:t>11/30/21</a:t>
+              <a:t>12/7/21</a:t>
             </a:fld>
             <a:endParaRPr lang="en-US"/>
           </a:p>
@@ -1441,7 +1451,7 @@
           <a:p>
             <a:fld id="{81B8F32D-D8B6-4B9E-9CBF-DCAC30B7B93D}" type="datetimeFigureOut">
               <a:rPr lang="en-US" smtClean="0"/>
-              <a:t>11/30/21</a:t>
+              <a:t>12/7/21</a:t>
             </a:fld>
             <a:endParaRPr lang="en-US"/>
           </a:p>
@@ -1912,7 +1922,7 @@
           <a:p>
             <a:fld id="{81B8F32D-D8B6-4B9E-9CBF-DCAC30B7B93D}" type="datetimeFigureOut">
               <a:rPr lang="en-US" smtClean="0"/>
-              <a:t>11/30/21</a:t>
+              <a:t>12/7/21</a:t>
             </a:fld>
             <a:endParaRPr lang="en-US"/>
           </a:p>
@@ -2447,7 +2457,7 @@
           <a:p>
             <a:fld id="{81B8F32D-D8B6-4B9E-9CBF-DCAC30B7B93D}" type="datetimeFigureOut">
               <a:rPr lang="en-US" smtClean="0"/>
-              <a:t>11/30/21</a:t>
+              <a:t>12/7/21</a:t>
             </a:fld>
             <a:endParaRPr lang="en-US"/>
           </a:p>
@@ -2664,7 +2674,7 @@
           <a:p>
             <a:fld id="{81B8F32D-D8B6-4B9E-9CBF-DCAC30B7B93D}" type="datetimeFigureOut">
               <a:rPr lang="en-US" smtClean="0"/>
-              <a:t>11/30/21</a:t>
+              <a:t>12/7/21</a:t>
             </a:fld>
             <a:endParaRPr lang="en-US"/>
           </a:p>
@@ -2869,7 +2879,7 @@
           <a:p>
             <a:fld id="{81B8F32D-D8B6-4B9E-9CBF-DCAC30B7B93D}" type="datetimeFigureOut">
               <a:rPr lang="en-US" smtClean="0"/>
-              <a:t>11/30/21</a:t>
+              <a:t>12/7/21</a:t>
             </a:fld>
             <a:endParaRPr lang="en-US"/>
           </a:p>
@@ -3199,7 +3209,7 @@
           <a:p>
             <a:fld id="{81B8F32D-D8B6-4B9E-9CBF-DCAC30B7B93D}" type="datetimeFigureOut">
               <a:rPr lang="en-US" smtClean="0"/>
-              <a:t>11/30/21</a:t>
+              <a:t>12/7/21</a:t>
             </a:fld>
             <a:endParaRPr lang="en-US"/>
           </a:p>
@@ -3509,7 +3519,7 @@
           <a:p>
             <a:fld id="{81B8F32D-D8B6-4B9E-9CBF-DCAC30B7B93D}" type="datetimeFigureOut">
               <a:rPr lang="en-US" smtClean="0"/>
-              <a:t>11/30/21</a:t>
+              <a:t>12/7/21</a:t>
             </a:fld>
             <a:endParaRPr lang="en-US"/>
           </a:p>
@@ -3750,7 +3760,7 @@
             <a:fld id="{81B8F32D-D8B6-4B9E-9CBF-DCAC30B7B93D}" type="datetimeFigureOut">
               <a:rPr lang="en-US" smtClean="0"/>
               <a:pPr/>
-              <a:t>11/30/21</a:t>
+              <a:t>12/7/21</a:t>
             </a:fld>
             <a:endParaRPr lang="en-US" dirty="0"/>
           </a:p>
@@ -4242,14 +4252,6 @@
 <file path=ppt/slides/slide1.xml><?xml version="1.0" encoding="utf-8"?>
 <p:sld xmlns:a="http://schemas.openxmlformats.org/drawingml/2006/main" xmlns:r="http://schemas.openxmlformats.org/officeDocument/2006/relationships" xmlns:p="http://schemas.openxmlformats.org/presentationml/2006/main">
   <p:cSld>
-    <p:bg>
-      <p:bgPr>
-        <a:solidFill>
-          <a:schemeClr val="bg1"/>
-        </a:solidFill>
-        <a:effectLst/>
-      </p:bgPr>
-    </p:bg>
     <p:spTree>
       <p:nvGrpSpPr>
         <p:cNvPr id="1" name=""/>
@@ -4264,411 +4266,99 @@
           <a:chExt cx="0" cy="0"/>
         </a:xfrm>
       </p:grpSpPr>
-      <p:cxnSp>
-        <p:nvCxnSpPr>
-          <p:cNvPr id="17" name="Straight Connector 16">
-            <a:extLst>
-              <a:ext uri="{FF2B5EF4-FFF2-40B4-BE49-F238E27FC236}">
-                <a16:creationId xmlns:a16="http://schemas.microsoft.com/office/drawing/2014/main" id="{108D74AC-B125-4E11-BA53-E9E383966DF8}"/>
-              </a:ext>
-              <a:ext uri="{C183D7F6-B498-43B3-948B-1728B52AA6E4}">
-                <adec:decorative xmlns:adec="http://schemas.microsoft.com/office/drawing/2017/decorative" val="1"/>
-              </a:ext>
-            </a:extLst>
-          </p:cNvPr>
-          <p:cNvCxnSpPr>
-            <a:cxnSpLocks noGrp="1" noRot="1" noChangeAspect="1" noMove="1" noResize="1" noEditPoints="1" noAdjustHandles="1" noChangeArrowheads="1" noChangeShapeType="1"/>
-          </p:cNvCxnSpPr>
-          <p:nvPr>
-            <p:extLst>
-              <p:ext uri="{386F3935-93C4-4BCD-93E2-E3B085C9AB24}">
-                <p16:designElem xmlns:p16="http://schemas.microsoft.com/office/powerpoint/2015/main" val="1"/>
-              </p:ext>
-            </p:extLst>
-          </p:nvPr>
-        </p:nvCxnSpPr>
-        <p:spPr>
-          <a:xfrm>
-            <a:off x="482600" y="489855"/>
-            <a:ext cx="11147071" cy="0"/>
-          </a:xfrm>
-          <a:prstGeom prst="line">
-            <a:avLst/>
-          </a:prstGeom>
-          <a:ln w="28575">
-            <a:solidFill>
-              <a:schemeClr val="tx2"/>
-            </a:solidFill>
-          </a:ln>
-        </p:spPr>
-        <p:style>
-          <a:lnRef idx="1">
-            <a:schemeClr val="dk1"/>
-          </a:lnRef>
-          <a:fillRef idx="0">
-            <a:schemeClr val="dk1"/>
-          </a:fillRef>
-          <a:effectRef idx="0">
-            <a:schemeClr val="dk1"/>
-          </a:effectRef>
-          <a:fontRef idx="minor">
-            <a:schemeClr val="tx1"/>
-          </a:fontRef>
-        </p:style>
-      </p:cxnSp>
-      <p:cxnSp>
-        <p:nvCxnSpPr>
-          <p:cNvPr id="19" name="Straight Connector 18">
-            <a:extLst>
-              <a:ext uri="{FF2B5EF4-FFF2-40B4-BE49-F238E27FC236}">
-                <a16:creationId xmlns:a16="http://schemas.microsoft.com/office/drawing/2014/main" id="{9DC76EBE-FB9D-4054-B5D8-19E3EAFE40B2}"/>
-              </a:ext>
-              <a:ext uri="{C183D7F6-B498-43B3-948B-1728B52AA6E4}">
-                <adec:decorative xmlns:adec="http://schemas.microsoft.com/office/drawing/2017/decorative" val="1"/>
-              </a:ext>
-            </a:extLst>
-          </p:cNvPr>
-          <p:cNvCxnSpPr>
-            <a:cxnSpLocks noGrp="1" noRot="1" noChangeAspect="1" noMove="1" noResize="1" noEditPoints="1" noAdjustHandles="1" noChangeArrowheads="1" noChangeShapeType="1"/>
-          </p:cNvCxnSpPr>
-          <p:nvPr>
-            <p:extLst>
-              <p:ext uri="{386F3935-93C4-4BCD-93E2-E3B085C9AB24}">
-                <p16:designElem xmlns:p16="http://schemas.microsoft.com/office/powerpoint/2015/main" val="1"/>
-              </p:ext>
-            </p:extLst>
-          </p:nvPr>
-        </p:nvCxnSpPr>
-        <p:spPr>
-          <a:xfrm>
-            <a:off x="482600" y="6368138"/>
-            <a:ext cx="11147071" cy="0"/>
-          </a:xfrm>
-          <a:prstGeom prst="line">
-            <a:avLst/>
-          </a:prstGeom>
-          <a:ln w="28575">
-            <a:solidFill>
-              <a:schemeClr val="tx2"/>
-            </a:solidFill>
-          </a:ln>
-        </p:spPr>
-        <p:style>
-          <a:lnRef idx="1">
-            <a:schemeClr val="dk1"/>
-          </a:lnRef>
-          <a:fillRef idx="0">
-            <a:schemeClr val="dk1"/>
-          </a:fillRef>
-          <a:effectRef idx="0">
-            <a:schemeClr val="dk1"/>
-          </a:effectRef>
-          <a:fontRef idx="minor">
-            <a:schemeClr val="tx1"/>
-          </a:fontRef>
-        </p:style>
-      </p:cxnSp>
-      <p:cxnSp>
-        <p:nvCxnSpPr>
-          <p:cNvPr id="21" name="Straight Connector 20">
-            <a:extLst>
-              <a:ext uri="{FF2B5EF4-FFF2-40B4-BE49-F238E27FC236}">
-                <a16:creationId xmlns:a16="http://schemas.microsoft.com/office/drawing/2014/main" id="{7DA568B4-06BE-42A6-A5B6-A0FC251DAE00}"/>
-              </a:ext>
-              <a:ext uri="{C183D7F6-B498-43B3-948B-1728B52AA6E4}">
-                <adec:decorative xmlns:adec="http://schemas.microsoft.com/office/drawing/2017/decorative" val="1"/>
-              </a:ext>
-            </a:extLst>
-          </p:cNvPr>
-          <p:cNvCxnSpPr>
-            <a:cxnSpLocks noGrp="1" noRot="1" noChangeAspect="1" noMove="1" noResize="1" noEditPoints="1" noAdjustHandles="1" noChangeArrowheads="1" noChangeShapeType="1"/>
-          </p:cNvCxnSpPr>
-          <p:nvPr>
-            <p:extLst>
-              <p:ext uri="{386F3935-93C4-4BCD-93E2-E3B085C9AB24}">
-                <p16:designElem xmlns:p16="http://schemas.microsoft.com/office/powerpoint/2015/main" val="1"/>
-              </p:ext>
-            </p:extLst>
-          </p:nvPr>
-        </p:nvCxnSpPr>
-        <p:spPr>
-          <a:xfrm>
-            <a:off x="482600" y="489855"/>
-            <a:ext cx="11147071" cy="0"/>
-          </a:xfrm>
-          <a:prstGeom prst="line">
-            <a:avLst/>
-          </a:prstGeom>
-          <a:ln w="28575">
-            <a:solidFill>
-              <a:schemeClr val="tx2"/>
-            </a:solidFill>
-          </a:ln>
-        </p:spPr>
-        <p:style>
-          <a:lnRef idx="1">
-            <a:schemeClr val="dk1"/>
-          </a:lnRef>
-          <a:fillRef idx="0">
-            <a:schemeClr val="dk1"/>
-          </a:fillRef>
-          <a:effectRef idx="0">
-            <a:schemeClr val="dk1"/>
-          </a:effectRef>
-          <a:fontRef idx="minor">
-            <a:schemeClr val="tx1"/>
-          </a:fontRef>
-        </p:style>
-      </p:cxnSp>
-      <p:cxnSp>
-        <p:nvCxnSpPr>
-          <p:cNvPr id="23" name="Straight Connector 22">
-            <a:extLst>
-              <a:ext uri="{FF2B5EF4-FFF2-40B4-BE49-F238E27FC236}">
-                <a16:creationId xmlns:a16="http://schemas.microsoft.com/office/drawing/2014/main" id="{ACC85BFE-0D03-41B5-87E4-5FA667FA5588}"/>
-              </a:ext>
-              <a:ext uri="{C183D7F6-B498-43B3-948B-1728B52AA6E4}">
-                <adec:decorative xmlns:adec="http://schemas.microsoft.com/office/drawing/2017/decorative" val="1"/>
-              </a:ext>
-            </a:extLst>
-          </p:cNvPr>
-          <p:cNvCxnSpPr>
-            <a:cxnSpLocks noGrp="1" noRot="1" noChangeAspect="1" noMove="1" noResize="1" noEditPoints="1" noAdjustHandles="1" noChangeArrowheads="1" noChangeShapeType="1"/>
-          </p:cNvCxnSpPr>
-          <p:nvPr>
-            <p:extLst>
-              <p:ext uri="{386F3935-93C4-4BCD-93E2-E3B085C9AB24}">
-                <p16:designElem xmlns:p16="http://schemas.microsoft.com/office/powerpoint/2015/main" val="1"/>
-              </p:ext>
-            </p:extLst>
-          </p:nvPr>
-        </p:nvCxnSpPr>
-        <p:spPr>
-          <a:xfrm>
-            <a:off x="482600" y="6368138"/>
-            <a:ext cx="11147071" cy="0"/>
-          </a:xfrm>
-          <a:prstGeom prst="line">
-            <a:avLst/>
-          </a:prstGeom>
-          <a:ln w="28575">
-            <a:solidFill>
-              <a:schemeClr val="tx2"/>
-            </a:solidFill>
-          </a:ln>
-        </p:spPr>
-        <p:style>
-          <a:lnRef idx="1">
-            <a:schemeClr val="dk1"/>
-          </a:lnRef>
-          <a:fillRef idx="0">
-            <a:schemeClr val="dk1"/>
-          </a:fillRef>
-          <a:effectRef idx="0">
-            <a:schemeClr val="dk1"/>
-          </a:effectRef>
-          <a:fontRef idx="minor">
-            <a:schemeClr val="tx1"/>
-          </a:fontRef>
-        </p:style>
-      </p:cxnSp>
-      <p:sp useBgFill="1">
+      <p:sp>
         <p:nvSpPr>
-          <p:cNvPr id="25" name="Rectangle 24">
-            <a:extLst>
-              <a:ext uri="{FF2B5EF4-FFF2-40B4-BE49-F238E27FC236}">
-                <a16:creationId xmlns:a16="http://schemas.microsoft.com/office/drawing/2014/main" id="{92B0CFF1-78D7-4A83-A95E-71F9E3831622}"/>
-              </a:ext>
-              <a:ext uri="{C183D7F6-B498-43B3-948B-1728B52AA6E4}">
-                <adec:decorative xmlns:adec="http://schemas.microsoft.com/office/drawing/2017/decorative" val="1"/>
+          <p:cNvPr id="2" name="Title 1">
+            <a:extLst>
+              <a:ext uri="{FF2B5EF4-FFF2-40B4-BE49-F238E27FC236}">
+                <a16:creationId xmlns:a16="http://schemas.microsoft.com/office/drawing/2014/main" id="{C492FCD0-55FA-684E-ACA0-18DF757B9157}"/>
               </a:ext>
             </a:extLst>
           </p:cNvPr>
           <p:cNvSpPr>
-            <a:spLocks noGrp="1" noRot="1" noChangeAspect="1" noMove="1" noResize="1" noEditPoints="1" noAdjustHandles="1" noChangeArrowheads="1" noChangeShapeType="1" noTextEdit="1"/>
+            <a:spLocks noGrp="1"/>
           </p:cNvSpPr>
           <p:nvPr>
-            <p:extLst>
-              <p:ext uri="{386F3935-93C4-4BCD-93E2-E3B085C9AB24}">
-                <p16:designElem xmlns:p16="http://schemas.microsoft.com/office/powerpoint/2015/main" val="1"/>
-              </p:ext>
-            </p:extLst>
+            <p:ph type="title"/>
           </p:nvPr>
         </p:nvSpPr>
-        <p:spPr>
-          <a:xfrm>
-            <a:off x="0" y="0"/>
-            <a:ext cx="12192000" cy="6858001"/>
-          </a:xfrm>
-          <a:prstGeom prst="rect">
-            <a:avLst/>
-          </a:prstGeom>
-          <a:ln>
-            <a:noFill/>
-          </a:ln>
-        </p:spPr>
-        <p:style>
-          <a:lnRef idx="2">
-            <a:schemeClr val="accent1">
-              <a:shade val="50000"/>
-            </a:schemeClr>
-          </a:lnRef>
-          <a:fillRef idx="1">
-            <a:schemeClr val="accent1"/>
-          </a:fillRef>
-          <a:effectRef idx="0">
-            <a:schemeClr val="accent1"/>
-          </a:effectRef>
-          <a:fontRef idx="minor">
-            <a:schemeClr val="lt1"/>
-          </a:fontRef>
-        </p:style>
+        <p:spPr/>
         <p:txBody>
-          <a:bodyPr rtlCol="0" anchor="ctr"/>
+          <a:bodyPr/>
           <a:lstStyle/>
           <a:p>
-            <a:pPr algn="ctr"/>
-            <a:endParaRPr lang="en-US" dirty="0"/>
+            <a:r>
+              <a:rPr lang="en-US" sz="4000" b="1" dirty="0"/>
+              <a:t>Alert Correlation Engine using Mutual Information</a:t>
+            </a:r>
+            <a:br>
+              <a:rPr lang="en-US" sz="4000" b="1" dirty="0"/>
+            </a:br>
+            <a:endParaRPr lang="en-US" sz="4000" dirty="0"/>
           </a:p>
         </p:txBody>
       </p:sp>
-      <p:pic>
-        <p:nvPicPr>
-          <p:cNvPr id="5" name="Picture 4">
-            <a:extLst>
-              <a:ext uri="{FF2B5EF4-FFF2-40B4-BE49-F238E27FC236}">
-                <a16:creationId xmlns:a16="http://schemas.microsoft.com/office/drawing/2014/main" id="{1496901E-8C81-684D-A83F-7BB81F070535}"/>
-              </a:ext>
-            </a:extLst>
-          </p:cNvPr>
-          <p:cNvPicPr>
-            <a:picLocks noChangeAspect="1"/>
-          </p:cNvPicPr>
-          <p:nvPr/>
-        </p:nvPicPr>
-        <p:blipFill rotWithShape="1">
-          <a:blip r:embed="rId2"/>
-          <a:srcRect r="1" b="5411"/>
-          <a:stretch/>
-        </p:blipFill>
-        <p:spPr>
-          <a:xfrm>
-            <a:off x="482600" y="489855"/>
-            <a:ext cx="11147070" cy="5878283"/>
-          </a:xfrm>
-          <a:prstGeom prst="rect">
-            <a:avLst/>
-          </a:prstGeom>
-        </p:spPr>
-      </p:pic>
-      <p:cxnSp>
-        <p:nvCxnSpPr>
-          <p:cNvPr id="27" name="Straight Connector 26">
-            <a:extLst>
-              <a:ext uri="{FF2B5EF4-FFF2-40B4-BE49-F238E27FC236}">
-                <a16:creationId xmlns:a16="http://schemas.microsoft.com/office/drawing/2014/main" id="{6108BD3D-CFD0-4A15-ACF6-EBC254CD7CF1}"/>
-              </a:ext>
-              <a:ext uri="{C183D7F6-B498-43B3-948B-1728B52AA6E4}">
-                <adec:decorative xmlns:adec="http://schemas.microsoft.com/office/drawing/2017/decorative" val="1"/>
-              </a:ext>
-            </a:extLst>
-          </p:cNvPr>
-          <p:cNvCxnSpPr>
-            <a:cxnSpLocks noGrp="1" noRot="1" noChangeAspect="1" noMove="1" noResize="1" noEditPoints="1" noAdjustHandles="1" noChangeArrowheads="1" noChangeShapeType="1"/>
-          </p:cNvCxnSpPr>
+      <p:sp>
+        <p:nvSpPr>
+          <p:cNvPr id="3" name="Content Placeholder 2">
+            <a:extLst>
+              <a:ext uri="{FF2B5EF4-FFF2-40B4-BE49-F238E27FC236}">
+                <a16:creationId xmlns:a16="http://schemas.microsoft.com/office/drawing/2014/main" id="{DA6D9236-35EC-174B-9BF4-74BD2F5A992A}"/>
+              </a:ext>
+            </a:extLst>
+          </p:cNvPr>
+          <p:cNvSpPr>
+            <a:spLocks noGrp="1"/>
+          </p:cNvSpPr>
           <p:nvPr>
-            <p:extLst>
-              <p:ext uri="{386F3935-93C4-4BCD-93E2-E3B085C9AB24}">
-                <p16:designElem xmlns:p16="http://schemas.microsoft.com/office/powerpoint/2015/main" val="1"/>
-              </p:ext>
-            </p:extLst>
+            <p:ph idx="1"/>
           </p:nvPr>
-        </p:nvCxnSpPr>
-        <p:spPr>
-          <a:xfrm>
-            <a:off x="482600" y="489855"/>
-            <a:ext cx="11147071" cy="0"/>
-          </a:xfrm>
-          <a:prstGeom prst="line">
-            <a:avLst/>
-          </a:prstGeom>
-          <a:ln w="28575">
-            <a:solidFill>
-              <a:schemeClr val="tx2"/>
-            </a:solidFill>
-          </a:ln>
-        </p:spPr>
-        <p:style>
-          <a:lnRef idx="1">
-            <a:schemeClr val="dk1"/>
-          </a:lnRef>
-          <a:fillRef idx="0">
-            <a:schemeClr val="dk1"/>
-          </a:fillRef>
-          <a:effectRef idx="0">
-            <a:schemeClr val="dk1"/>
-          </a:effectRef>
-          <a:fontRef idx="minor">
-            <a:schemeClr val="tx1"/>
-          </a:fontRef>
-        </p:style>
-      </p:cxnSp>
-      <p:cxnSp>
-        <p:nvCxnSpPr>
-          <p:cNvPr id="29" name="Straight Connector 28">
-            <a:extLst>
-              <a:ext uri="{FF2B5EF4-FFF2-40B4-BE49-F238E27FC236}">
-                <a16:creationId xmlns:a16="http://schemas.microsoft.com/office/drawing/2014/main" id="{DB2019E5-6C31-4640-A135-6BBA7FFCF694}"/>
-              </a:ext>
-              <a:ext uri="{C183D7F6-B498-43B3-948B-1728B52AA6E4}">
-                <adec:decorative xmlns:adec="http://schemas.microsoft.com/office/drawing/2017/decorative" val="1"/>
-              </a:ext>
-            </a:extLst>
-          </p:cNvPr>
-          <p:cNvCxnSpPr>
-            <a:cxnSpLocks noGrp="1" noRot="1" noChangeAspect="1" noMove="1" noResize="1" noEditPoints="1" noAdjustHandles="1" noChangeArrowheads="1" noChangeShapeType="1"/>
-          </p:cNvCxnSpPr>
-          <p:nvPr>
-            <p:extLst>
-              <p:ext uri="{386F3935-93C4-4BCD-93E2-E3B085C9AB24}">
-                <p16:designElem xmlns:p16="http://schemas.microsoft.com/office/powerpoint/2015/main" val="1"/>
-              </p:ext>
-            </p:extLst>
-          </p:nvPr>
-        </p:nvCxnSpPr>
-        <p:spPr>
-          <a:xfrm>
-            <a:off x="482600" y="6368138"/>
-            <a:ext cx="11147071" cy="0"/>
-          </a:xfrm>
-          <a:prstGeom prst="line">
-            <a:avLst/>
-          </a:prstGeom>
-          <a:ln w="28575">
-            <a:solidFill>
-              <a:schemeClr val="tx2"/>
-            </a:solidFill>
-          </a:ln>
-        </p:spPr>
-        <p:style>
-          <a:lnRef idx="1">
-            <a:schemeClr val="dk1"/>
-          </a:lnRef>
-          <a:fillRef idx="0">
-            <a:schemeClr val="dk1"/>
-          </a:fillRef>
-          <a:effectRef idx="0">
-            <a:schemeClr val="dk1"/>
-          </a:effectRef>
-          <a:fontRef idx="minor">
-            <a:schemeClr val="tx1"/>
-          </a:fontRef>
-        </p:style>
-      </p:cxnSp>
+        </p:nvSpPr>
+        <p:spPr/>
+        <p:txBody>
+          <a:bodyPr/>
+          <a:lstStyle/>
+          <a:p>
+            <a:pPr algn="r"/>
+            <a:r>
+              <a:rPr lang="en-US" b="1" dirty="0"/>
+              <a:t>CS-410 – Fall 2020</a:t>
+            </a:r>
+          </a:p>
+          <a:p>
+            <a:pPr algn="r"/>
+            <a:r>
+              <a:rPr lang="en-US" b="1" dirty="0"/>
+              <a:t>Team Alpha</a:t>
+            </a:r>
+          </a:p>
+          <a:p>
+            <a:pPr algn="r"/>
+            <a:r>
+              <a:rPr lang="en-US" sz="1600" dirty="0"/>
+              <a:t>Abhijit Bhadra()</a:t>
+            </a:r>
+          </a:p>
+          <a:p>
+            <a:pPr algn="r"/>
+            <a:r>
+              <a:rPr lang="en-US" sz="1600" dirty="0"/>
+              <a:t>Sanjeev Kumar()</a:t>
+            </a:r>
+          </a:p>
+          <a:p>
+            <a:pPr algn="r"/>
+            <a:r>
+              <a:rPr lang="en-US" sz="1600" dirty="0"/>
+              <a:t>Swati Nanda()</a:t>
+            </a:r>
+          </a:p>
+        </p:txBody>
+      </p:sp>
     </p:spTree>
     <p:extLst>
       <p:ext uri="{BB962C8B-B14F-4D97-AF65-F5344CB8AC3E}">
-        <p14:creationId xmlns:p14="http://schemas.microsoft.com/office/powerpoint/2010/main" val="3815100322"/>
+        <p14:creationId xmlns:p14="http://schemas.microsoft.com/office/powerpoint/2010/main" val="1377527880"/>
       </p:ext>
     </p:extLst>
   </p:cSld>
@@ -4678,7 +4368,7 @@
 </p:sld>
 </file>
 
-<file path=ppt/slides/slide2.xml><?xml version="1.0" encoding="utf-8"?>
+<file path=ppt/slides/slide10.xml><?xml version="1.0" encoding="utf-8"?>
 <p:sld xmlns:a="http://schemas.openxmlformats.org/drawingml/2006/main" xmlns:r="http://schemas.openxmlformats.org/officeDocument/2006/relationships" xmlns:p="http://schemas.openxmlformats.org/presentationml/2006/main">
   <p:cSld>
     <p:spTree>
@@ -4709,8 +4399,8 @@
         </p:nvSpPr>
         <p:spPr>
           <a:xfrm>
-            <a:off x="356839" y="802890"/>
-            <a:ext cx="10455094" cy="3139321"/>
+            <a:off x="408878" y="669074"/>
+            <a:ext cx="9969190" cy="369332"/>
           </a:xfrm>
           <a:prstGeom prst="rect">
             <a:avLst/>
@@ -4724,110 +4414,139 @@
           <a:lstStyle/>
           <a:p>
             <a:r>
+              <a:rPr lang="en-IN" b="1" dirty="0"/>
+              <a:t>Scenarios</a:t>
+            </a:r>
+            <a:r>
               <a:rPr lang="en-IN" dirty="0"/>
-              <a:t>We would like to answer the following sample questions through Knowledge Graph</a:t>
-            </a:r>
-          </a:p>
-          <a:p>
-            <a:endParaRPr lang="en-IN" dirty="0"/>
-          </a:p>
+              <a:t> </a:t>
+            </a:r>
+          </a:p>
+        </p:txBody>
+      </p:sp>
+      <p:sp>
+        <p:nvSpPr>
+          <p:cNvPr id="6" name="TextBox 5">
+            <a:extLst>
+              <a:ext uri="{FF2B5EF4-FFF2-40B4-BE49-F238E27FC236}">
+                <a16:creationId xmlns:a16="http://schemas.microsoft.com/office/drawing/2014/main" id="{22E596F1-2D56-3D4B-9F13-F8AF4F37BA75}"/>
+              </a:ext>
+            </a:extLst>
+          </p:cNvPr>
+          <p:cNvSpPr txBox="1"/>
+          <p:nvPr/>
+        </p:nvSpPr>
+        <p:spPr>
+          <a:xfrm>
+            <a:off x="408878" y="1196124"/>
+            <a:ext cx="11243372" cy="2739211"/>
+          </a:xfrm>
+          <a:prstGeom prst="rect">
+            <a:avLst/>
+          </a:prstGeom>
+          <a:noFill/>
+        </p:spPr>
+        <p:txBody>
+          <a:bodyPr wrap="square" rtlCol="0">
+            <a:spAutoFit/>
+          </a:bodyPr>
+          <a:lstStyle/>
           <a:p>
             <a:pPr marL="285750" indent="-285750">
               <a:buFont typeface="Arial" panose="020B0604020202020204" pitchFamily="34" charset="0"/>
               <a:buChar char="•"/>
             </a:pPr>
             <a:r>
-              <a:rPr lang="en-IN" b="1" dirty="0"/>
-              <a:t>Diagnose</a:t>
-            </a:r>
-            <a:r>
-              <a:rPr lang="en-IN" dirty="0"/>
-              <a:t> related alerts of an incident</a:t>
-            </a:r>
-          </a:p>
-          <a:p>
-            <a:endParaRPr lang="en-IN" dirty="0"/>
-          </a:p>
-          <a:p>
-            <a:pPr marL="285750" indent="-285750">
+              <a:rPr lang="en-IN" sz="1600" dirty="0"/>
+              <a:t>Is my system healthy?</a:t>
+            </a:r>
+          </a:p>
+          <a:p>
+            <a:pPr lvl="1"/>
+            <a:r>
+              <a:rPr lang="en-IN" sz="1200" dirty="0"/>
+              <a:t>Get the alert in a given time duration</a:t>
+            </a:r>
+          </a:p>
+          <a:p>
+            <a:pPr lvl="1"/>
+            <a:endParaRPr lang="en-IN" sz="1200" dirty="0"/>
+          </a:p>
+          <a:p>
+            <a:pPr marL="342900" indent="-342900">
               <a:buFont typeface="Arial" panose="020B0604020202020204" pitchFamily="34" charset="0"/>
               <a:buChar char="•"/>
             </a:pPr>
             <a:r>
-              <a:rPr lang="en-IN" b="1" dirty="0"/>
-              <a:t>Annotate</a:t>
-            </a:r>
-            <a:r>
-              <a:rPr lang="en-IN" dirty="0"/>
-              <a:t> root cause with time window based on manual feedback</a:t>
-            </a:r>
-          </a:p>
-          <a:p>
-            <a:endParaRPr lang="en-IN" dirty="0"/>
-          </a:p>
-          <a:p>
-            <a:pPr marL="285750" indent="-285750">
+              <a:rPr lang="en-IN" sz="1600" dirty="0"/>
+              <a:t>What could have caused that alert?</a:t>
+            </a:r>
+          </a:p>
+          <a:p>
+            <a:pPr lvl="1"/>
+            <a:r>
+              <a:rPr lang="en-IN" sz="1200" dirty="0"/>
+              <a:t>Diagnose the alert - Get Correlated alerts</a:t>
+            </a:r>
+          </a:p>
+          <a:p>
+            <a:pPr lvl="1"/>
+            <a:r>
+              <a:rPr lang="en-IN" sz="1200" dirty="0"/>
+              <a:t>Provide feedback and mark an alert as “root-cause” alert</a:t>
+            </a:r>
+          </a:p>
+          <a:p>
+            <a:pPr lvl="1"/>
+            <a:endParaRPr lang="en-IN" sz="1200" dirty="0"/>
+          </a:p>
+          <a:p>
+            <a:pPr marL="342900" indent="-342900">
               <a:buFont typeface="Arial" panose="020B0604020202020204" pitchFamily="34" charset="0"/>
               <a:buChar char="•"/>
             </a:pPr>
             <a:r>
-              <a:rPr lang="en-IN" dirty="0"/>
-              <a:t>Get </a:t>
-            </a:r>
-            <a:r>
-              <a:rPr lang="en-IN" b="1" dirty="0"/>
-              <a:t>Alert Counts </a:t>
-            </a:r>
-            <a:r>
-              <a:rPr lang="en-IN" dirty="0"/>
-              <a:t>in each duration</a:t>
-            </a:r>
-          </a:p>
-          <a:p>
-            <a:endParaRPr lang="en-IN" dirty="0"/>
-          </a:p>
-          <a:p>
-            <a:pPr marL="285750" indent="-285750">
+              <a:rPr lang="en-IN" sz="1600" dirty="0"/>
+              <a:t>Get Impacted Devices due to that</a:t>
+            </a:r>
+          </a:p>
+          <a:p>
+            <a:pPr marL="342900" indent="-342900">
               <a:buFont typeface="Arial" panose="020B0604020202020204" pitchFamily="34" charset="0"/>
               <a:buChar char="•"/>
             </a:pPr>
-            <a:r>
-              <a:rPr lang="en-IN" dirty="0"/>
-              <a:t>Get </a:t>
-            </a:r>
-            <a:r>
-              <a:rPr lang="en-IN" b="1" dirty="0"/>
-              <a:t>Impacted Devices </a:t>
-            </a:r>
-            <a:r>
-              <a:rPr lang="en-IN" dirty="0"/>
-              <a:t>due to an Alert in each duration</a:t>
-            </a:r>
-          </a:p>
-          <a:p>
-            <a:endParaRPr lang="en-IN" dirty="0"/>
-          </a:p>
-          <a:p>
-            <a:pPr marL="285750" indent="-285750">
+            <a:endParaRPr lang="en-IN" sz="1600" dirty="0"/>
+          </a:p>
+          <a:p>
+            <a:pPr marL="342900" indent="-342900">
               <a:buFont typeface="Arial" panose="020B0604020202020204" pitchFamily="34" charset="0"/>
               <a:buChar char="•"/>
             </a:pPr>
             <a:r>
-              <a:rPr lang="en-IN" b="1" dirty="0"/>
-              <a:t>Unhealthy services </a:t>
-            </a:r>
-            <a:r>
-              <a:rPr lang="en-IN" dirty="0"/>
-              <a:t>in each duration</a:t>
-            </a:r>
-            <a:endParaRPr lang="en-US" dirty="0"/>
+              <a:rPr lang="en-IN" sz="1600" dirty="0"/>
+              <a:t>What are the Unhealthy services</a:t>
+            </a:r>
+            <a:br>
+              <a:rPr lang="en-IN" sz="1600" dirty="0"/>
+            </a:br>
+            <a:br>
+              <a:rPr lang="en-IN" sz="1600" dirty="0"/>
+            </a:br>
+            <a:r>
+              <a:rPr lang="en-IN" sz="1600" dirty="0">
+                <a:solidFill>
+                  <a:srgbClr val="FF0000"/>
+                </a:solidFill>
+              </a:rPr>
+              <a:t>&lt;TODO&gt; add queries </a:t>
+            </a:r>
           </a:p>
         </p:txBody>
       </p:sp>
     </p:spTree>
     <p:extLst>
       <p:ext uri="{BB962C8B-B14F-4D97-AF65-F5344CB8AC3E}">
-        <p14:creationId xmlns:p14="http://schemas.microsoft.com/office/powerpoint/2010/main" val="3986884241"/>
+        <p14:creationId xmlns:p14="http://schemas.microsoft.com/office/powerpoint/2010/main" val="3471218948"/>
       </p:ext>
     </p:extLst>
   </p:cSld>
@@ -4837,7 +4556,7 @@
 </p:sld>
 </file>
 
-<file path=ppt/slides/slide3.xml><?xml version="1.0" encoding="utf-8"?>
+<file path=ppt/slides/slide11.xml><?xml version="1.0" encoding="utf-8"?>
 <p:sld xmlns:a="http://schemas.openxmlformats.org/drawingml/2006/main" xmlns:r="http://schemas.openxmlformats.org/officeDocument/2006/relationships" xmlns:p="http://schemas.openxmlformats.org/presentationml/2006/main">
   <p:cSld>
     <p:spTree>
@@ -4868,117 +4587,6 @@
         </p:nvSpPr>
         <p:spPr>
           <a:xfrm>
-            <a:off x="356839" y="802889"/>
-            <a:ext cx="11471094" cy="2308324"/>
-          </a:xfrm>
-          <a:prstGeom prst="rect">
-            <a:avLst/>
-          </a:prstGeom>
-          <a:noFill/>
-        </p:spPr>
-        <p:txBody>
-          <a:bodyPr wrap="square" rtlCol="0">
-            <a:spAutoFit/>
-          </a:bodyPr>
-          <a:lstStyle/>
-          <a:p>
-            <a:r>
-              <a:rPr lang="en-IN" dirty="0"/>
-              <a:t>How have we achieved this ?</a:t>
-            </a:r>
-          </a:p>
-          <a:p>
-            <a:endParaRPr lang="en-IN" dirty="0"/>
-          </a:p>
-          <a:p>
-            <a:pPr marL="285750" indent="-285750">
-              <a:buFont typeface="Arial" panose="020B0604020202020204" pitchFamily="34" charset="0"/>
-              <a:buChar char="•"/>
-            </a:pPr>
-            <a:r>
-              <a:rPr lang="en-IN" dirty="0"/>
-              <a:t>Correlate these alerts using Mutual Information</a:t>
-            </a:r>
-          </a:p>
-          <a:p>
-            <a:endParaRPr lang="en-IN" dirty="0"/>
-          </a:p>
-          <a:p>
-            <a:pPr marL="285750" indent="-285750">
-              <a:buFont typeface="Arial" panose="020B0604020202020204" pitchFamily="34" charset="0"/>
-              <a:buChar char="•"/>
-            </a:pPr>
-            <a:r>
-              <a:rPr lang="en-IN" dirty="0"/>
-              <a:t>Build a ontology based Knowledge Graph using Neo4j</a:t>
-            </a:r>
-          </a:p>
-          <a:p>
-            <a:endParaRPr lang="en-IN" dirty="0"/>
-          </a:p>
-          <a:p>
-            <a:pPr marL="285750" indent="-285750">
-              <a:buFont typeface="Arial" panose="020B0604020202020204" pitchFamily="34" charset="0"/>
-              <a:buChar char="•"/>
-            </a:pPr>
-            <a:r>
-              <a:rPr lang="en-IN" dirty="0"/>
-              <a:t>Querying layer to extract all relevant information  and visualizing the cypher query result in Neo4j browser</a:t>
-            </a:r>
-          </a:p>
-          <a:p>
-            <a:pPr marL="285750" indent="-285750">
-              <a:buFont typeface="Arial" panose="020B0604020202020204" pitchFamily="34" charset="0"/>
-              <a:buChar char="•"/>
-            </a:pPr>
-            <a:endParaRPr lang="en-IN" dirty="0"/>
-          </a:p>
-        </p:txBody>
-      </p:sp>
-    </p:spTree>
-    <p:extLst>
-      <p:ext uri="{BB962C8B-B14F-4D97-AF65-F5344CB8AC3E}">
-        <p14:creationId xmlns:p14="http://schemas.microsoft.com/office/powerpoint/2010/main" val="1360768870"/>
-      </p:ext>
-    </p:extLst>
-  </p:cSld>
-  <p:clrMapOvr>
-    <a:masterClrMapping/>
-  </p:clrMapOvr>
-</p:sld>
-</file>
-
-<file path=ppt/slides/slide4.xml><?xml version="1.0" encoding="utf-8"?>
-<p:sld xmlns:a="http://schemas.openxmlformats.org/drawingml/2006/main" xmlns:r="http://schemas.openxmlformats.org/officeDocument/2006/relationships" xmlns:p="http://schemas.openxmlformats.org/presentationml/2006/main">
-  <p:cSld>
-    <p:spTree>
-      <p:nvGrpSpPr>
-        <p:cNvPr id="1" name=""/>
-        <p:cNvGrpSpPr/>
-        <p:nvPr/>
-      </p:nvGrpSpPr>
-      <p:grpSpPr>
-        <a:xfrm>
-          <a:off x="0" y="0"/>
-          <a:ext cx="0" cy="0"/>
-          <a:chOff x="0" y="0"/>
-          <a:chExt cx="0" cy="0"/>
-        </a:xfrm>
-      </p:grpSpPr>
-      <p:sp>
-        <p:nvSpPr>
-          <p:cNvPr id="5" name="TextBox 4">
-            <a:extLst>
-              <a:ext uri="{FF2B5EF4-FFF2-40B4-BE49-F238E27FC236}">
-                <a16:creationId xmlns:a16="http://schemas.microsoft.com/office/drawing/2014/main" id="{1AF10CC2-7967-9B44-A222-6896FA1E60F1}"/>
-              </a:ext>
-            </a:extLst>
-          </p:cNvPr>
-          <p:cNvSpPr txBox="1"/>
-          <p:nvPr/>
-        </p:nvSpPr>
-        <p:spPr>
-          <a:xfrm>
             <a:off x="408878" y="669074"/>
             <a:ext cx="9969190" cy="369332"/>
           </a:xfrm>
@@ -4994,235 +4602,16 @@
           <a:lstStyle/>
           <a:p>
             <a:r>
-              <a:rPr lang="en-IN" dirty="0"/>
-              <a:t>How to calculate Mutual Information </a:t>
-            </a:r>
-          </a:p>
-        </p:txBody>
-      </p:sp>
-      <p:sp>
-        <p:nvSpPr>
-          <p:cNvPr id="3" name="TextBox 2">
-            <a:extLst>
-              <a:ext uri="{FF2B5EF4-FFF2-40B4-BE49-F238E27FC236}">
-                <a16:creationId xmlns:a16="http://schemas.microsoft.com/office/drawing/2014/main" id="{9C9F5C9E-4A77-9840-9027-51C2C965456B}"/>
-              </a:ext>
-            </a:extLst>
-          </p:cNvPr>
-          <p:cNvSpPr txBox="1"/>
-          <p:nvPr/>
-        </p:nvSpPr>
-        <p:spPr>
-          <a:xfrm>
-            <a:off x="564994" y="1115122"/>
-            <a:ext cx="9879981" cy="4801314"/>
-          </a:xfrm>
-          <a:prstGeom prst="rect">
-            <a:avLst/>
-          </a:prstGeom>
-          <a:noFill/>
-        </p:spPr>
-        <p:txBody>
-          <a:bodyPr wrap="square" rtlCol="0">
-            <a:spAutoFit/>
-          </a:bodyPr>
-          <a:lstStyle/>
-          <a:p>
-            <a:pPr marL="285750" indent="-285750">
-              <a:buFont typeface="Arial" panose="020B0604020202020204" pitchFamily="34" charset="0"/>
-              <a:buChar char="•"/>
-            </a:pPr>
-            <a:r>
-              <a:rPr lang="en-US" dirty="0"/>
-              <a:t>Identify the syntagmatic relationship between the alerts over specified time</a:t>
-            </a:r>
-          </a:p>
-          <a:p>
-            <a:pPr marL="285750" indent="-285750">
-              <a:buFont typeface="Arial" panose="020B0604020202020204" pitchFamily="34" charset="0"/>
-              <a:buChar char="•"/>
-            </a:pPr>
-            <a:endParaRPr lang="en-US" dirty="0"/>
-          </a:p>
-          <a:p>
-            <a:pPr marL="285750" indent="-285750">
-              <a:buFont typeface="Arial" panose="020B0604020202020204" pitchFamily="34" charset="0"/>
-              <a:buChar char="•"/>
-            </a:pPr>
-            <a:r>
-              <a:rPr lang="en-US" dirty="0"/>
-              <a:t>Divide the time as 5 mnts window</a:t>
-            </a:r>
-          </a:p>
-          <a:p>
-            <a:endParaRPr lang="en-US" dirty="0"/>
-          </a:p>
-          <a:p>
-            <a:r>
-              <a:rPr lang="en-US" dirty="0"/>
-              <a:t>t</a:t>
-            </a:r>
-            <a:r>
-              <a:rPr lang="en-US" baseline="-25000" dirty="0"/>
-              <a:t>i</a:t>
-            </a:r>
-            <a:r>
-              <a:rPr lang="en-US" dirty="0"/>
-              <a:t> = 1 means Alert gets generated on i</a:t>
-            </a:r>
-            <a:r>
-              <a:rPr lang="en-US" baseline="30000" dirty="0"/>
-              <a:t>th</a:t>
-            </a:r>
-            <a:r>
-              <a:rPr lang="en-US" dirty="0"/>
-              <a:t>  window</a:t>
-            </a:r>
-          </a:p>
-          <a:p>
-            <a:r>
-              <a:rPr lang="en-US" dirty="0"/>
-              <a:t>t</a:t>
-            </a:r>
-            <a:r>
-              <a:rPr lang="en-US" baseline="-25000" dirty="0"/>
-              <a:t>i</a:t>
-            </a:r>
-            <a:r>
-              <a:rPr lang="en-US" dirty="0"/>
-              <a:t> = 0 means Alert has not generated on i</a:t>
-            </a:r>
-            <a:r>
-              <a:rPr lang="en-US" baseline="30000" dirty="0"/>
-              <a:t>th</a:t>
-            </a:r>
-            <a:r>
-              <a:rPr lang="en-US" dirty="0"/>
-              <a:t>  window</a:t>
-            </a:r>
-          </a:p>
-          <a:p>
-            <a:endParaRPr lang="en-US" dirty="0"/>
-          </a:p>
-          <a:p>
-            <a:pPr marL="285750" indent="-285750">
-              <a:buFont typeface="Arial" panose="020B0604020202020204" pitchFamily="34" charset="0"/>
-              <a:buChar char="•"/>
-            </a:pPr>
-            <a:r>
-              <a:rPr lang="en-US" dirty="0"/>
-              <a:t>I(A1,A2) = H(A1) – H(A1|A2) = H(A2) – H(A2|A1)</a:t>
-            </a:r>
-          </a:p>
-          <a:p>
-            <a:pPr marL="285750" indent="-285750">
-              <a:buFont typeface="Arial" panose="020B0604020202020204" pitchFamily="34" charset="0"/>
-              <a:buChar char="•"/>
-            </a:pPr>
-            <a:endParaRPr lang="en-US" dirty="0"/>
-          </a:p>
-          <a:p>
-            <a:pPr marL="285750" indent="-285750">
-              <a:buFont typeface="Arial" panose="020B0604020202020204" pitchFamily="34" charset="0"/>
-              <a:buChar char="•"/>
-            </a:pPr>
-            <a:r>
-              <a:rPr lang="en-US" dirty="0"/>
-              <a:t>More mutual information == more correlation </a:t>
-            </a:r>
-          </a:p>
-          <a:p>
-            <a:pPr marL="285750" indent="-285750">
-              <a:buFont typeface="Arial" panose="020B0604020202020204" pitchFamily="34" charset="0"/>
-              <a:buChar char="•"/>
-            </a:pPr>
-            <a:endParaRPr lang="en-US" dirty="0"/>
-          </a:p>
-          <a:p>
-            <a:pPr marL="285750" indent="-285750">
-              <a:buFont typeface="Arial" panose="020B0604020202020204" pitchFamily="34" charset="0"/>
-              <a:buChar char="•"/>
-            </a:pPr>
-            <a:r>
-              <a:rPr lang="en-US" dirty="0"/>
-              <a:t>Calculate only p(A1|t</a:t>
-            </a:r>
-            <a:r>
-              <a:rPr lang="en-US" baseline="-25000" dirty="0"/>
-              <a:t>i</a:t>
-            </a:r>
-            <a:r>
-              <a:rPr lang="en-US" dirty="0"/>
-              <a:t>=1) , p(A2| t</a:t>
-            </a:r>
-            <a:r>
-              <a:rPr lang="en-US" baseline="-25000" dirty="0"/>
-              <a:t>i</a:t>
-            </a:r>
-            <a:r>
-              <a:rPr lang="en-US" dirty="0"/>
-              <a:t>=1) , p(A1 | t</a:t>
-            </a:r>
-            <a:r>
-              <a:rPr lang="en-US" baseline="-25000" dirty="0"/>
-              <a:t>i</a:t>
-            </a:r>
-            <a:r>
-              <a:rPr lang="en-US" dirty="0"/>
-              <a:t>=1) U p(A2 | t</a:t>
-            </a:r>
-            <a:r>
-              <a:rPr lang="en-US" baseline="-25000" dirty="0"/>
-              <a:t>i</a:t>
-            </a:r>
-            <a:r>
-              <a:rPr lang="en-US" dirty="0"/>
-              <a:t>=1) to get Mutual Information </a:t>
-            </a:r>
-          </a:p>
-          <a:p>
-            <a:pPr marL="285750" indent="-285750">
-              <a:buFont typeface="Arial" panose="020B0604020202020204" pitchFamily="34" charset="0"/>
-              <a:buChar char="•"/>
-            </a:pPr>
-            <a:endParaRPr lang="en-US" dirty="0"/>
-          </a:p>
-          <a:p>
-            <a:pPr marL="285750" indent="-285750">
-              <a:buFont typeface="Arial" panose="020B0604020202020204" pitchFamily="34" charset="0"/>
-              <a:buChar char="•"/>
-            </a:pPr>
-            <a:r>
-              <a:rPr lang="en-US" dirty="0"/>
-              <a:t>Apply Smoothing during calculation </a:t>
-            </a:r>
-          </a:p>
-          <a:p>
-            <a:pPr marL="285750" indent="-285750">
-              <a:buFont typeface="Arial" panose="020B0604020202020204" pitchFamily="34" charset="0"/>
-              <a:buChar char="•"/>
-            </a:pPr>
-            <a:endParaRPr lang="en-US" dirty="0"/>
-          </a:p>
-          <a:p>
-            <a:pPr marL="285750" indent="-285750">
-              <a:buFont typeface="Arial" panose="020B0604020202020204" pitchFamily="34" charset="0"/>
-              <a:buChar char="•"/>
-            </a:pPr>
-            <a:r>
-              <a:rPr lang="en-US" dirty="0"/>
-              <a:t>Send ontology information to neo4j </a:t>
-            </a:r>
-          </a:p>
-          <a:p>
-            <a:endParaRPr lang="en-US" dirty="0"/>
+              <a:rPr lang="en-IN" b="1" dirty="0"/>
+              <a:t>Demo</a:t>
+            </a:r>
           </a:p>
         </p:txBody>
       </p:sp>
     </p:spTree>
     <p:extLst>
       <p:ext uri="{BB962C8B-B14F-4D97-AF65-F5344CB8AC3E}">
-        <p14:creationId xmlns:p14="http://schemas.microsoft.com/office/powerpoint/2010/main" val="919176008"/>
+        <p14:creationId xmlns:p14="http://schemas.microsoft.com/office/powerpoint/2010/main" val="1481577415"/>
       </p:ext>
     </p:extLst>
   </p:cSld>
@@ -5232,217 +4621,7 @@
 </p:sld>
 </file>
 
-<file path=ppt/slides/slide5.xml><?xml version="1.0" encoding="utf-8"?>
-<p:sld xmlns:a="http://schemas.openxmlformats.org/drawingml/2006/main" xmlns:r="http://schemas.openxmlformats.org/officeDocument/2006/relationships" xmlns:p="http://schemas.openxmlformats.org/presentationml/2006/main">
-  <p:cSld>
-    <p:spTree>
-      <p:nvGrpSpPr>
-        <p:cNvPr id="1" name=""/>
-        <p:cNvGrpSpPr/>
-        <p:nvPr/>
-      </p:nvGrpSpPr>
-      <p:grpSpPr>
-        <a:xfrm>
-          <a:off x="0" y="0"/>
-          <a:ext cx="0" cy="0"/>
-          <a:chOff x="0" y="0"/>
-          <a:chExt cx="0" cy="0"/>
-        </a:xfrm>
-      </p:grpSpPr>
-      <p:sp>
-        <p:nvSpPr>
-          <p:cNvPr id="5" name="TextBox 4">
-            <a:extLst>
-              <a:ext uri="{FF2B5EF4-FFF2-40B4-BE49-F238E27FC236}">
-                <a16:creationId xmlns:a16="http://schemas.microsoft.com/office/drawing/2014/main" id="{1AF10CC2-7967-9B44-A222-6896FA1E60F1}"/>
-              </a:ext>
-            </a:extLst>
-          </p:cNvPr>
-          <p:cNvSpPr txBox="1"/>
-          <p:nvPr/>
-        </p:nvSpPr>
-        <p:spPr>
-          <a:xfrm>
-            <a:off x="356839" y="802889"/>
-            <a:ext cx="9969190" cy="646331"/>
-          </a:xfrm>
-          <a:prstGeom prst="rect">
-            <a:avLst/>
-          </a:prstGeom>
-          <a:noFill/>
-        </p:spPr>
-        <p:txBody>
-          <a:bodyPr wrap="square" rtlCol="0">
-            <a:spAutoFit/>
-          </a:bodyPr>
-          <a:lstStyle/>
-          <a:p>
-            <a:r>
-              <a:rPr lang="en-IN" dirty="0"/>
-              <a:t>Sample Data for 2 incidents </a:t>
-            </a:r>
-          </a:p>
-          <a:p>
-            <a:pPr marL="285750" indent="-285750">
-              <a:buFont typeface="Arial" panose="020B0604020202020204" pitchFamily="34" charset="0"/>
-              <a:buChar char="•"/>
-            </a:pPr>
-            <a:endParaRPr lang="en-IN" dirty="0"/>
-          </a:p>
-        </p:txBody>
-      </p:sp>
-      <p:pic>
-        <p:nvPicPr>
-          <p:cNvPr id="2" name="Picture 1">
-            <a:extLst>
-              <a:ext uri="{FF2B5EF4-FFF2-40B4-BE49-F238E27FC236}">
-                <a16:creationId xmlns:a16="http://schemas.microsoft.com/office/drawing/2014/main" id="{76198EA9-F655-0E4E-8EA3-D3C9005724A4}"/>
-              </a:ext>
-            </a:extLst>
-          </p:cNvPr>
-          <p:cNvPicPr>
-            <a:picLocks noChangeAspect="1"/>
-          </p:cNvPicPr>
-          <p:nvPr/>
-        </p:nvPicPr>
-        <p:blipFill>
-          <a:blip r:embed="rId2"/>
-          <a:stretch>
-            <a:fillRect/>
-          </a:stretch>
-        </p:blipFill>
-        <p:spPr>
-          <a:xfrm>
-            <a:off x="1943100" y="1384300"/>
-            <a:ext cx="8305800" cy="4089400"/>
-          </a:xfrm>
-          <a:prstGeom prst="rect">
-            <a:avLst/>
-          </a:prstGeom>
-        </p:spPr>
-      </p:pic>
-    </p:spTree>
-    <p:extLst>
-      <p:ext uri="{BB962C8B-B14F-4D97-AF65-F5344CB8AC3E}">
-        <p14:creationId xmlns:p14="http://schemas.microsoft.com/office/powerpoint/2010/main" val="4179915230"/>
-      </p:ext>
-    </p:extLst>
-  </p:cSld>
-  <p:clrMapOvr>
-    <a:masterClrMapping/>
-  </p:clrMapOvr>
-</p:sld>
-</file>
-
-<file path=ppt/slides/slide6.xml><?xml version="1.0" encoding="utf-8"?>
-<p:sld xmlns:a="http://schemas.openxmlformats.org/drawingml/2006/main" xmlns:r="http://schemas.openxmlformats.org/officeDocument/2006/relationships" xmlns:p="http://schemas.openxmlformats.org/presentationml/2006/main">
-  <p:cSld>
-    <p:spTree>
-      <p:nvGrpSpPr>
-        <p:cNvPr id="1" name=""/>
-        <p:cNvGrpSpPr/>
-        <p:nvPr/>
-      </p:nvGrpSpPr>
-      <p:grpSpPr>
-        <a:xfrm>
-          <a:off x="0" y="0"/>
-          <a:ext cx="0" cy="0"/>
-          <a:chOff x="0" y="0"/>
-          <a:chExt cx="0" cy="0"/>
-        </a:xfrm>
-      </p:grpSpPr>
-      <p:sp>
-        <p:nvSpPr>
-          <p:cNvPr id="5" name="TextBox 4">
-            <a:extLst>
-              <a:ext uri="{FF2B5EF4-FFF2-40B4-BE49-F238E27FC236}">
-                <a16:creationId xmlns:a16="http://schemas.microsoft.com/office/drawing/2014/main" id="{1AF10CC2-7967-9B44-A222-6896FA1E60F1}"/>
-              </a:ext>
-            </a:extLst>
-          </p:cNvPr>
-          <p:cNvSpPr txBox="1"/>
-          <p:nvPr/>
-        </p:nvSpPr>
-        <p:spPr>
-          <a:xfrm>
-            <a:off x="408878" y="669074"/>
-            <a:ext cx="9969190" cy="369332"/>
-          </a:xfrm>
-          <a:prstGeom prst="rect">
-            <a:avLst/>
-          </a:prstGeom>
-          <a:noFill/>
-        </p:spPr>
-        <p:txBody>
-          <a:bodyPr wrap="square" rtlCol="0">
-            <a:spAutoFit/>
-          </a:bodyPr>
-          <a:lstStyle/>
-          <a:p>
-            <a:r>
-              <a:rPr lang="en-IN" dirty="0"/>
-              <a:t>Validation Against Real scenario</a:t>
-            </a:r>
-          </a:p>
-        </p:txBody>
-      </p:sp>
-      <p:sp>
-        <p:nvSpPr>
-          <p:cNvPr id="3" name="TextBox 2">
-            <a:extLst>
-              <a:ext uri="{FF2B5EF4-FFF2-40B4-BE49-F238E27FC236}">
-                <a16:creationId xmlns:a16="http://schemas.microsoft.com/office/drawing/2014/main" id="{9C9F5C9E-4A77-9840-9027-51C2C965456B}"/>
-              </a:ext>
-            </a:extLst>
-          </p:cNvPr>
-          <p:cNvSpPr txBox="1"/>
-          <p:nvPr/>
-        </p:nvSpPr>
-        <p:spPr>
-          <a:xfrm>
-            <a:off x="564994" y="1115122"/>
-            <a:ext cx="9879981" cy="369332"/>
-          </a:xfrm>
-          <a:prstGeom prst="rect">
-            <a:avLst/>
-          </a:prstGeom>
-          <a:noFill/>
-        </p:spPr>
-        <p:txBody>
-          <a:bodyPr wrap="square" rtlCol="0">
-            <a:spAutoFit/>
-          </a:bodyPr>
-          <a:lstStyle/>
-          <a:p>
-            <a:pPr marL="285750" indent="-285750">
-              <a:buFont typeface="Arial" panose="020B0604020202020204" pitchFamily="34" charset="0"/>
-              <a:buChar char="•"/>
-            </a:pPr>
-            <a:r>
-              <a:rPr lang="en-US" dirty="0">
-                <a:solidFill>
-                  <a:srgbClr val="FF0000"/>
-                </a:solidFill>
-              </a:rPr>
-              <a:t>Swati – Please fill up the scenario details </a:t>
-            </a:r>
-          </a:p>
-        </p:txBody>
-      </p:sp>
-    </p:spTree>
-    <p:extLst>
-      <p:ext uri="{BB962C8B-B14F-4D97-AF65-F5344CB8AC3E}">
-        <p14:creationId xmlns:p14="http://schemas.microsoft.com/office/powerpoint/2010/main" val="3471218948"/>
-      </p:ext>
-    </p:extLst>
-  </p:cSld>
-  <p:clrMapOvr>
-    <a:masterClrMapping/>
-  </p:clrMapOvr>
-</p:sld>
-</file>
-
-<file path=ppt/slides/slide7.xml><?xml version="1.0" encoding="utf-8"?>
+<file path=ppt/slides/slide12.xml><?xml version="1.0" encoding="utf-8"?>
 <p:sld xmlns:a="http://schemas.openxmlformats.org/drawingml/2006/main" xmlns:r="http://schemas.openxmlformats.org/officeDocument/2006/relationships" xmlns:p="http://schemas.openxmlformats.org/presentationml/2006/main">
   <p:cSld>
     <p:bg>
@@ -9243,6 +8422,3043 @@
     <p:extLst>
       <p:ext uri="{BB962C8B-B14F-4D97-AF65-F5344CB8AC3E}">
         <p14:creationId xmlns:p14="http://schemas.microsoft.com/office/powerpoint/2010/main" val="1269485644"/>
+      </p:ext>
+    </p:extLst>
+  </p:cSld>
+  <p:clrMapOvr>
+    <a:masterClrMapping/>
+  </p:clrMapOvr>
+</p:sld>
+</file>
+
+<file path=ppt/slides/slide2.xml><?xml version="1.0" encoding="utf-8"?>
+<p:sld xmlns:a="http://schemas.openxmlformats.org/drawingml/2006/main" xmlns:r="http://schemas.openxmlformats.org/officeDocument/2006/relationships" xmlns:p="http://schemas.openxmlformats.org/presentationml/2006/main">
+  <p:cSld>
+    <p:spTree>
+      <p:nvGrpSpPr>
+        <p:cNvPr id="1" name=""/>
+        <p:cNvGrpSpPr/>
+        <p:nvPr/>
+      </p:nvGrpSpPr>
+      <p:grpSpPr>
+        <a:xfrm>
+          <a:off x="0" y="0"/>
+          <a:ext cx="0" cy="0"/>
+          <a:chOff x="0" y="0"/>
+          <a:chExt cx="0" cy="0"/>
+        </a:xfrm>
+      </p:grpSpPr>
+      <p:sp>
+        <p:nvSpPr>
+          <p:cNvPr id="5" name="TextBox 4">
+            <a:extLst>
+              <a:ext uri="{FF2B5EF4-FFF2-40B4-BE49-F238E27FC236}">
+                <a16:creationId xmlns:a16="http://schemas.microsoft.com/office/drawing/2014/main" id="{1AF10CC2-7967-9B44-A222-6896FA1E60F1}"/>
+              </a:ext>
+            </a:extLst>
+          </p:cNvPr>
+          <p:cNvSpPr txBox="1"/>
+          <p:nvPr/>
+        </p:nvSpPr>
+        <p:spPr>
+          <a:xfrm>
+            <a:off x="356839" y="802890"/>
+            <a:ext cx="10455094" cy="3139321"/>
+          </a:xfrm>
+          <a:prstGeom prst="rect">
+            <a:avLst/>
+          </a:prstGeom>
+          <a:noFill/>
+        </p:spPr>
+        <p:txBody>
+          <a:bodyPr wrap="square" rtlCol="0">
+            <a:spAutoFit/>
+          </a:bodyPr>
+          <a:lstStyle/>
+          <a:p>
+            <a:r>
+              <a:rPr lang="en-IN" dirty="0"/>
+              <a:t>We would like to answer the following sample questions through Knowledge Graph</a:t>
+            </a:r>
+          </a:p>
+          <a:p>
+            <a:endParaRPr lang="en-IN" dirty="0"/>
+          </a:p>
+          <a:p>
+            <a:pPr marL="285750" indent="-285750">
+              <a:buFont typeface="Arial" panose="020B0604020202020204" pitchFamily="34" charset="0"/>
+              <a:buChar char="•"/>
+            </a:pPr>
+            <a:r>
+              <a:rPr lang="en-IN" b="1" dirty="0"/>
+              <a:t>Diagnose</a:t>
+            </a:r>
+            <a:r>
+              <a:rPr lang="en-IN" dirty="0"/>
+              <a:t> related alerts of an incident</a:t>
+            </a:r>
+          </a:p>
+          <a:p>
+            <a:endParaRPr lang="en-IN" dirty="0"/>
+          </a:p>
+          <a:p>
+            <a:pPr marL="285750" indent="-285750">
+              <a:buFont typeface="Arial" panose="020B0604020202020204" pitchFamily="34" charset="0"/>
+              <a:buChar char="•"/>
+            </a:pPr>
+            <a:r>
+              <a:rPr lang="en-IN" b="1" dirty="0"/>
+              <a:t>Annotate</a:t>
+            </a:r>
+            <a:r>
+              <a:rPr lang="en-IN" dirty="0"/>
+              <a:t> root cause with time window based on manual feedback</a:t>
+            </a:r>
+          </a:p>
+          <a:p>
+            <a:endParaRPr lang="en-IN" dirty="0"/>
+          </a:p>
+          <a:p>
+            <a:pPr marL="285750" indent="-285750">
+              <a:buFont typeface="Arial" panose="020B0604020202020204" pitchFamily="34" charset="0"/>
+              <a:buChar char="•"/>
+            </a:pPr>
+            <a:r>
+              <a:rPr lang="en-IN" dirty="0"/>
+              <a:t>Get </a:t>
+            </a:r>
+            <a:r>
+              <a:rPr lang="en-IN" b="1" dirty="0"/>
+              <a:t>Alert Counts </a:t>
+            </a:r>
+            <a:r>
+              <a:rPr lang="en-IN" dirty="0"/>
+              <a:t>in each duration</a:t>
+            </a:r>
+          </a:p>
+          <a:p>
+            <a:endParaRPr lang="en-IN" dirty="0"/>
+          </a:p>
+          <a:p>
+            <a:pPr marL="285750" indent="-285750">
+              <a:buFont typeface="Arial" panose="020B0604020202020204" pitchFamily="34" charset="0"/>
+              <a:buChar char="•"/>
+            </a:pPr>
+            <a:r>
+              <a:rPr lang="en-IN" dirty="0"/>
+              <a:t>Get </a:t>
+            </a:r>
+            <a:r>
+              <a:rPr lang="en-IN" b="1" dirty="0"/>
+              <a:t>Impacted Devices </a:t>
+            </a:r>
+            <a:r>
+              <a:rPr lang="en-IN" dirty="0"/>
+              <a:t>due to an Alert in each duration</a:t>
+            </a:r>
+          </a:p>
+          <a:p>
+            <a:endParaRPr lang="en-IN" dirty="0"/>
+          </a:p>
+          <a:p>
+            <a:pPr marL="285750" indent="-285750">
+              <a:buFont typeface="Arial" panose="020B0604020202020204" pitchFamily="34" charset="0"/>
+              <a:buChar char="•"/>
+            </a:pPr>
+            <a:r>
+              <a:rPr lang="en-IN" b="1" dirty="0"/>
+              <a:t>Unhealthy services </a:t>
+            </a:r>
+            <a:r>
+              <a:rPr lang="en-IN" dirty="0"/>
+              <a:t>in each duration</a:t>
+            </a:r>
+            <a:endParaRPr lang="en-US" dirty="0"/>
+          </a:p>
+        </p:txBody>
+      </p:sp>
+    </p:spTree>
+    <p:extLst>
+      <p:ext uri="{BB962C8B-B14F-4D97-AF65-F5344CB8AC3E}">
+        <p14:creationId xmlns:p14="http://schemas.microsoft.com/office/powerpoint/2010/main" val="3986884241"/>
+      </p:ext>
+    </p:extLst>
+  </p:cSld>
+  <p:clrMapOvr>
+    <a:masterClrMapping/>
+  </p:clrMapOvr>
+</p:sld>
+</file>
+
+<file path=ppt/slides/slide3.xml><?xml version="1.0" encoding="utf-8"?>
+<p:sld xmlns:a="http://schemas.openxmlformats.org/drawingml/2006/main" xmlns:r="http://schemas.openxmlformats.org/officeDocument/2006/relationships" xmlns:p="http://schemas.openxmlformats.org/presentationml/2006/main">
+  <p:cSld>
+    <p:spTree>
+      <p:nvGrpSpPr>
+        <p:cNvPr id="1" name=""/>
+        <p:cNvGrpSpPr/>
+        <p:nvPr/>
+      </p:nvGrpSpPr>
+      <p:grpSpPr>
+        <a:xfrm>
+          <a:off x="0" y="0"/>
+          <a:ext cx="0" cy="0"/>
+          <a:chOff x="0" y="0"/>
+          <a:chExt cx="0" cy="0"/>
+        </a:xfrm>
+      </p:grpSpPr>
+      <p:pic>
+        <p:nvPicPr>
+          <p:cNvPr id="4" name="Picture 3">
+            <a:extLst>
+              <a:ext uri="{FF2B5EF4-FFF2-40B4-BE49-F238E27FC236}">
+                <a16:creationId xmlns:a16="http://schemas.microsoft.com/office/drawing/2014/main" id="{EC2833F9-D6E4-694D-8F2E-C8294DBBDFCA}"/>
+              </a:ext>
+            </a:extLst>
+          </p:cNvPr>
+          <p:cNvPicPr>
+            <a:picLocks noChangeAspect="1"/>
+          </p:cNvPicPr>
+          <p:nvPr/>
+        </p:nvPicPr>
+        <p:blipFill>
+          <a:blip r:embed="rId2"/>
+          <a:stretch>
+            <a:fillRect/>
+          </a:stretch>
+        </p:blipFill>
+        <p:spPr>
+          <a:xfrm>
+            <a:off x="1843138" y="929840"/>
+            <a:ext cx="8158112" cy="3428279"/>
+          </a:xfrm>
+          <a:prstGeom prst="rect">
+            <a:avLst/>
+          </a:prstGeom>
+        </p:spPr>
+      </p:pic>
+      <p:pic>
+        <p:nvPicPr>
+          <p:cNvPr id="5" name="Picture 4">
+            <a:extLst>
+              <a:ext uri="{FF2B5EF4-FFF2-40B4-BE49-F238E27FC236}">
+                <a16:creationId xmlns:a16="http://schemas.microsoft.com/office/drawing/2014/main" id="{D476BE5B-5218-994F-B4C7-A6523B45C160}"/>
+              </a:ext>
+            </a:extLst>
+          </p:cNvPr>
+          <p:cNvPicPr>
+            <a:picLocks noChangeAspect="1"/>
+          </p:cNvPicPr>
+          <p:nvPr/>
+        </p:nvPicPr>
+        <p:blipFill rotWithShape="1">
+          <a:blip r:embed="rId3"/>
+          <a:srcRect r="1" b="5411"/>
+          <a:stretch/>
+        </p:blipFill>
+        <p:spPr>
+          <a:xfrm>
+            <a:off x="6635750" y="4622322"/>
+            <a:ext cx="2371370" cy="1250516"/>
+          </a:xfrm>
+          <a:prstGeom prst="rect">
+            <a:avLst/>
+          </a:prstGeom>
+        </p:spPr>
+      </p:pic>
+      <p:pic>
+        <p:nvPicPr>
+          <p:cNvPr id="6" name="Picture 5">
+            <a:extLst>
+              <a:ext uri="{FF2B5EF4-FFF2-40B4-BE49-F238E27FC236}">
+                <a16:creationId xmlns:a16="http://schemas.microsoft.com/office/drawing/2014/main" id="{6E30466F-19A8-9347-8272-8993526A7E1B}"/>
+              </a:ext>
+            </a:extLst>
+          </p:cNvPr>
+          <p:cNvPicPr>
+            <a:picLocks noChangeAspect="1"/>
+          </p:cNvPicPr>
+          <p:nvPr/>
+        </p:nvPicPr>
+        <p:blipFill>
+          <a:blip r:embed="rId4"/>
+          <a:stretch>
+            <a:fillRect/>
+          </a:stretch>
+        </p:blipFill>
+        <p:spPr>
+          <a:xfrm>
+            <a:off x="2667000" y="4622322"/>
+            <a:ext cx="1898650" cy="1449109"/>
+          </a:xfrm>
+          <a:prstGeom prst="rect">
+            <a:avLst/>
+          </a:prstGeom>
+        </p:spPr>
+      </p:pic>
+      <p:pic>
+        <p:nvPicPr>
+          <p:cNvPr id="7" name="Picture 6">
+            <a:extLst>
+              <a:ext uri="{FF2B5EF4-FFF2-40B4-BE49-F238E27FC236}">
+                <a16:creationId xmlns:a16="http://schemas.microsoft.com/office/drawing/2014/main" id="{3223C7EF-5528-D744-A1DD-AF2AF3E4C4C1}"/>
+              </a:ext>
+            </a:extLst>
+          </p:cNvPr>
+          <p:cNvPicPr>
+            <a:picLocks noChangeAspect="1"/>
+          </p:cNvPicPr>
+          <p:nvPr/>
+        </p:nvPicPr>
+        <p:blipFill>
+          <a:blip r:embed="rId5"/>
+          <a:stretch>
+            <a:fillRect/>
+          </a:stretch>
+        </p:blipFill>
+        <p:spPr>
+          <a:xfrm>
+            <a:off x="8204200" y="4285973"/>
+            <a:ext cx="790220" cy="361750"/>
+          </a:xfrm>
+          <a:prstGeom prst="rect">
+            <a:avLst/>
+          </a:prstGeom>
+        </p:spPr>
+      </p:pic>
+      <p:sp>
+        <p:nvSpPr>
+          <p:cNvPr id="8" name="TextBox 7">
+            <a:extLst>
+              <a:ext uri="{FF2B5EF4-FFF2-40B4-BE49-F238E27FC236}">
+                <a16:creationId xmlns:a16="http://schemas.microsoft.com/office/drawing/2014/main" id="{5F4FE948-65ED-C14C-B521-F9768E26CA19}"/>
+              </a:ext>
+            </a:extLst>
+          </p:cNvPr>
+          <p:cNvSpPr txBox="1"/>
+          <p:nvPr/>
+        </p:nvSpPr>
+        <p:spPr>
+          <a:xfrm>
+            <a:off x="2771420" y="4358513"/>
+            <a:ext cx="2003780" cy="284880"/>
+          </a:xfrm>
+          <a:prstGeom prst="rect">
+            <a:avLst/>
+          </a:prstGeom>
+          <a:noFill/>
+        </p:spPr>
+        <p:txBody>
+          <a:bodyPr wrap="square" rtlCol="0">
+            <a:spAutoFit/>
+          </a:bodyPr>
+          <a:lstStyle/>
+          <a:p>
+            <a:r>
+              <a:rPr lang="en-US" sz="1200" b="1" i="1" dirty="0">
+                <a:latin typeface="Arial" panose="020B0604020202020204" pitchFamily="34" charset="0"/>
+                <a:ea typeface="Brush Script MT" panose="03060802040406070304" pitchFamily="66" charset="-122"/>
+                <a:cs typeface="Arial" panose="020B0604020202020204" pitchFamily="34" charset="0"/>
+              </a:rPr>
+              <a:t>Mutual </a:t>
+            </a:r>
+            <a:r>
+              <a:rPr lang="en-US" sz="1200" b="1" i="1" dirty="0">
+                <a:ea typeface="Brush Script MT" panose="03060802040406070304" pitchFamily="66" charset="-122"/>
+                <a:cs typeface="Arial" panose="020B0604020202020204" pitchFamily="34" charset="0"/>
+              </a:rPr>
+              <a:t>Information</a:t>
+            </a:r>
+            <a:r>
+              <a:rPr lang="en-US" sz="1200" b="1" i="1" dirty="0">
+                <a:latin typeface="Arial" panose="020B0604020202020204" pitchFamily="34" charset="0"/>
+                <a:ea typeface="Brush Script MT" panose="03060802040406070304" pitchFamily="66" charset="-122"/>
+                <a:cs typeface="Arial" panose="020B0604020202020204" pitchFamily="34" charset="0"/>
+              </a:rPr>
+              <a:t> I(X,Y)</a:t>
+            </a:r>
+          </a:p>
+        </p:txBody>
+      </p:sp>
+      <p:sp>
+        <p:nvSpPr>
+          <p:cNvPr id="9" name="Title 1">
+            <a:extLst>
+              <a:ext uri="{FF2B5EF4-FFF2-40B4-BE49-F238E27FC236}">
+                <a16:creationId xmlns:a16="http://schemas.microsoft.com/office/drawing/2014/main" id="{B525E79E-23D3-8949-9423-C247DB498778}"/>
+              </a:ext>
+            </a:extLst>
+          </p:cNvPr>
+          <p:cNvSpPr>
+            <a:spLocks noGrp="1"/>
+          </p:cNvSpPr>
+          <p:nvPr>
+            <p:ph type="title"/>
+          </p:nvPr>
+        </p:nvSpPr>
+        <p:spPr>
+          <a:xfrm>
+            <a:off x="444500" y="665637"/>
+            <a:ext cx="8661400" cy="774192"/>
+          </a:xfrm>
+        </p:spPr>
+        <p:txBody>
+          <a:bodyPr/>
+          <a:lstStyle/>
+          <a:p>
+            <a:r>
+              <a:rPr lang="en-US" sz="2800" b="1" dirty="0"/>
+              <a:t>Architecture</a:t>
+            </a:r>
+            <a:br>
+              <a:rPr lang="en-US" sz="2800" b="1" dirty="0"/>
+            </a:br>
+            <a:endParaRPr lang="en-US" sz="2800" dirty="0"/>
+          </a:p>
+        </p:txBody>
+      </p:sp>
+      <p:sp>
+        <p:nvSpPr>
+          <p:cNvPr id="10" name="Title 1">
+            <a:extLst>
+              <a:ext uri="{FF2B5EF4-FFF2-40B4-BE49-F238E27FC236}">
+                <a16:creationId xmlns:a16="http://schemas.microsoft.com/office/drawing/2014/main" id="{E138F0F1-9A02-7946-950B-7F7E9F823393}"/>
+              </a:ext>
+            </a:extLst>
+          </p:cNvPr>
+          <p:cNvSpPr txBox="1">
+            <a:spLocks/>
+          </p:cNvSpPr>
+          <p:nvPr/>
+        </p:nvSpPr>
+        <p:spPr>
+          <a:xfrm>
+            <a:off x="641350" y="3999090"/>
+            <a:ext cx="8661400" cy="774192"/>
+          </a:xfrm>
+          <a:prstGeom prst="rect">
+            <a:avLst/>
+          </a:prstGeom>
+        </p:spPr>
+        <p:txBody>
+          <a:bodyPr vert="horz" lIns="91440" tIns="45720" rIns="91440" bIns="45720" rtlCol="0" anchor="ctr">
+            <a:noAutofit/>
+          </a:bodyPr>
+          <a:lstStyle>
+            <a:lvl1pPr algn="l" defTabSz="914400" rtl="0" eaLnBrk="1" latinLnBrk="0" hangingPunct="1">
+              <a:lnSpc>
+                <a:spcPct val="100000"/>
+              </a:lnSpc>
+              <a:spcBef>
+                <a:spcPct val="0"/>
+              </a:spcBef>
+              <a:buNone/>
+              <a:defRPr sz="6600" kern="1200">
+                <a:solidFill>
+                  <a:schemeClr val="tx1"/>
+                </a:solidFill>
+                <a:latin typeface="+mj-lt"/>
+                <a:ea typeface="+mj-ea"/>
+                <a:cs typeface="+mj-cs"/>
+              </a:defRPr>
+            </a:lvl1pPr>
+          </a:lstStyle>
+          <a:p>
+            <a:r>
+              <a:rPr lang="en-US" sz="2800" b="1" dirty="0"/>
+              <a:t>Main Concepts</a:t>
+            </a:r>
+            <a:br>
+              <a:rPr lang="en-US" sz="2800" b="1" dirty="0"/>
+            </a:br>
+            <a:endParaRPr lang="en-US" sz="2800" dirty="0"/>
+          </a:p>
+        </p:txBody>
+      </p:sp>
+    </p:spTree>
+    <p:extLst>
+      <p:ext uri="{BB962C8B-B14F-4D97-AF65-F5344CB8AC3E}">
+        <p14:creationId xmlns:p14="http://schemas.microsoft.com/office/powerpoint/2010/main" val="3533770779"/>
+      </p:ext>
+    </p:extLst>
+  </p:cSld>
+  <p:clrMapOvr>
+    <a:masterClrMapping/>
+  </p:clrMapOvr>
+</p:sld>
+</file>
+
+<file path=ppt/slides/slide4.xml><?xml version="1.0" encoding="utf-8"?>
+<p:sld xmlns:a="http://schemas.openxmlformats.org/drawingml/2006/main" xmlns:r="http://schemas.openxmlformats.org/officeDocument/2006/relationships" xmlns:p="http://schemas.openxmlformats.org/presentationml/2006/main">
+  <p:cSld>
+    <p:spTree>
+      <p:nvGrpSpPr>
+        <p:cNvPr id="1" name=""/>
+        <p:cNvGrpSpPr/>
+        <p:nvPr/>
+      </p:nvGrpSpPr>
+      <p:grpSpPr>
+        <a:xfrm>
+          <a:off x="0" y="0"/>
+          <a:ext cx="0" cy="0"/>
+          <a:chOff x="0" y="0"/>
+          <a:chExt cx="0" cy="0"/>
+        </a:xfrm>
+      </p:grpSpPr>
+      <p:sp>
+        <p:nvSpPr>
+          <p:cNvPr id="5" name="TextBox 4">
+            <a:extLst>
+              <a:ext uri="{FF2B5EF4-FFF2-40B4-BE49-F238E27FC236}">
+                <a16:creationId xmlns:a16="http://schemas.microsoft.com/office/drawing/2014/main" id="{1AF10CC2-7967-9B44-A222-6896FA1E60F1}"/>
+              </a:ext>
+            </a:extLst>
+          </p:cNvPr>
+          <p:cNvSpPr txBox="1"/>
+          <p:nvPr/>
+        </p:nvSpPr>
+        <p:spPr>
+          <a:xfrm>
+            <a:off x="360453" y="1310889"/>
+            <a:ext cx="11471094" cy="2031325"/>
+          </a:xfrm>
+          <a:prstGeom prst="rect">
+            <a:avLst/>
+          </a:prstGeom>
+          <a:noFill/>
+        </p:spPr>
+        <p:txBody>
+          <a:bodyPr wrap="square" rtlCol="0">
+            <a:spAutoFit/>
+          </a:bodyPr>
+          <a:lstStyle/>
+          <a:p>
+            <a:endParaRPr lang="en-IN" dirty="0"/>
+          </a:p>
+          <a:p>
+            <a:pPr marL="285750" indent="-285750">
+              <a:buFont typeface="Arial" panose="020B0604020202020204" pitchFamily="34" charset="0"/>
+              <a:buChar char="•"/>
+            </a:pPr>
+            <a:r>
+              <a:rPr lang="en-IN" dirty="0"/>
+              <a:t>Correlate these alerts using Mutual Information</a:t>
+            </a:r>
+          </a:p>
+          <a:p>
+            <a:endParaRPr lang="en-IN" dirty="0"/>
+          </a:p>
+          <a:p>
+            <a:pPr marL="285750" indent="-285750">
+              <a:buFont typeface="Arial" panose="020B0604020202020204" pitchFamily="34" charset="0"/>
+              <a:buChar char="•"/>
+            </a:pPr>
+            <a:r>
+              <a:rPr lang="en-IN" dirty="0"/>
+              <a:t>Build a ontology based Knowledge Graph using Neo4j</a:t>
+            </a:r>
+          </a:p>
+          <a:p>
+            <a:endParaRPr lang="en-IN" dirty="0"/>
+          </a:p>
+          <a:p>
+            <a:pPr marL="285750" indent="-285750">
+              <a:buFont typeface="Arial" panose="020B0604020202020204" pitchFamily="34" charset="0"/>
+              <a:buChar char="•"/>
+            </a:pPr>
+            <a:r>
+              <a:rPr lang="en-IN" dirty="0"/>
+              <a:t>Querying layer to extract all relevant information  and visualizing the cypher query result in Neo4j browser</a:t>
+            </a:r>
+          </a:p>
+          <a:p>
+            <a:pPr marL="285750" indent="-285750">
+              <a:buFont typeface="Arial" panose="020B0604020202020204" pitchFamily="34" charset="0"/>
+              <a:buChar char="•"/>
+            </a:pPr>
+            <a:endParaRPr lang="en-IN" dirty="0"/>
+          </a:p>
+        </p:txBody>
+      </p:sp>
+      <p:sp>
+        <p:nvSpPr>
+          <p:cNvPr id="3" name="Title 1">
+            <a:extLst>
+              <a:ext uri="{FF2B5EF4-FFF2-40B4-BE49-F238E27FC236}">
+                <a16:creationId xmlns:a16="http://schemas.microsoft.com/office/drawing/2014/main" id="{F5BE6497-41DB-AF42-9BCE-AD5C74972F3B}"/>
+              </a:ext>
+            </a:extLst>
+          </p:cNvPr>
+          <p:cNvSpPr txBox="1">
+            <a:spLocks/>
+          </p:cNvSpPr>
+          <p:nvPr/>
+        </p:nvSpPr>
+        <p:spPr>
+          <a:xfrm>
+            <a:off x="438150" y="621187"/>
+            <a:ext cx="8420100" cy="471013"/>
+          </a:xfrm>
+          <a:prstGeom prst="rect">
+            <a:avLst/>
+          </a:prstGeom>
+        </p:spPr>
+        <p:txBody>
+          <a:bodyPr vert="horz" lIns="91440" tIns="45720" rIns="91440" bIns="45720" rtlCol="0" anchor="b">
+            <a:noAutofit/>
+          </a:bodyPr>
+          <a:lstStyle>
+            <a:lvl1pPr algn="l" defTabSz="914400" rtl="0" eaLnBrk="1" latinLnBrk="0" hangingPunct="1">
+              <a:lnSpc>
+                <a:spcPct val="100000"/>
+              </a:lnSpc>
+              <a:spcBef>
+                <a:spcPct val="0"/>
+              </a:spcBef>
+              <a:buNone/>
+              <a:defRPr sz="6600" kern="1200">
+                <a:solidFill>
+                  <a:schemeClr val="tx1"/>
+                </a:solidFill>
+                <a:latin typeface="+mj-lt"/>
+                <a:ea typeface="+mj-ea"/>
+                <a:cs typeface="+mj-cs"/>
+              </a:defRPr>
+            </a:lvl1pPr>
+          </a:lstStyle>
+          <a:p>
+            <a:r>
+              <a:rPr lang="en-IN" sz="2800" b="1" dirty="0"/>
+              <a:t>How have we achieved this ?</a:t>
+            </a:r>
+            <a:endParaRPr lang="en-US" sz="2800" dirty="0"/>
+          </a:p>
+        </p:txBody>
+      </p:sp>
+    </p:spTree>
+    <p:extLst>
+      <p:ext uri="{BB962C8B-B14F-4D97-AF65-F5344CB8AC3E}">
+        <p14:creationId xmlns:p14="http://schemas.microsoft.com/office/powerpoint/2010/main" val="1360768870"/>
+      </p:ext>
+    </p:extLst>
+  </p:cSld>
+  <p:clrMapOvr>
+    <a:masterClrMapping/>
+  </p:clrMapOvr>
+</p:sld>
+</file>
+
+<file path=ppt/slides/slide5.xml><?xml version="1.0" encoding="utf-8"?>
+<p:sld xmlns:a="http://schemas.openxmlformats.org/drawingml/2006/main" xmlns:r="http://schemas.openxmlformats.org/officeDocument/2006/relationships" xmlns:p="http://schemas.openxmlformats.org/presentationml/2006/main">
+  <p:cSld>
+    <p:spTree>
+      <p:nvGrpSpPr>
+        <p:cNvPr id="1" name=""/>
+        <p:cNvGrpSpPr/>
+        <p:nvPr/>
+      </p:nvGrpSpPr>
+      <p:grpSpPr>
+        <a:xfrm>
+          <a:off x="0" y="0"/>
+          <a:ext cx="0" cy="0"/>
+          <a:chOff x="0" y="0"/>
+          <a:chExt cx="0" cy="0"/>
+        </a:xfrm>
+      </p:grpSpPr>
+      <p:grpSp>
+        <p:nvGrpSpPr>
+          <p:cNvPr id="29" name="Group 28">
+            <a:extLst>
+              <a:ext uri="{FF2B5EF4-FFF2-40B4-BE49-F238E27FC236}">
+                <a16:creationId xmlns:a16="http://schemas.microsoft.com/office/drawing/2014/main" id="{5FCEEC9D-1D0F-914B-8ACA-E87B97BBC7F5}"/>
+              </a:ext>
+            </a:extLst>
+          </p:cNvPr>
+          <p:cNvGrpSpPr/>
+          <p:nvPr/>
+        </p:nvGrpSpPr>
+        <p:grpSpPr>
+          <a:xfrm>
+            <a:off x="352204" y="1547011"/>
+            <a:ext cx="11395296" cy="4323647"/>
+            <a:chOff x="250218" y="816761"/>
+            <a:chExt cx="11395296" cy="4323647"/>
+          </a:xfrm>
+        </p:grpSpPr>
+        <p:grpSp>
+          <p:nvGrpSpPr>
+            <p:cNvPr id="30" name="Group 29">
+              <a:extLst>
+                <a:ext uri="{FF2B5EF4-FFF2-40B4-BE49-F238E27FC236}">
+                  <a16:creationId xmlns:a16="http://schemas.microsoft.com/office/drawing/2014/main" id="{C8018388-DA3D-B940-ABAA-D56859546152}"/>
+                </a:ext>
+              </a:extLst>
+            </p:cNvPr>
+            <p:cNvGrpSpPr/>
+            <p:nvPr/>
+          </p:nvGrpSpPr>
+          <p:grpSpPr>
+            <a:xfrm>
+              <a:off x="250218" y="816761"/>
+              <a:ext cx="11395296" cy="4323647"/>
+              <a:chOff x="250218" y="779691"/>
+              <a:chExt cx="11395296" cy="4323647"/>
+            </a:xfrm>
+          </p:grpSpPr>
+          <p:pic>
+            <p:nvPicPr>
+              <p:cNvPr id="35" name="Picture 2" descr="Apache Kafka-icon | Brands AP - AZ">
+                <a:extLst>
+                  <a:ext uri="{FF2B5EF4-FFF2-40B4-BE49-F238E27FC236}">
+                    <a16:creationId xmlns:a16="http://schemas.microsoft.com/office/drawing/2014/main" id="{B7DE5111-76AB-F54B-A740-650D48B90D98}"/>
+                  </a:ext>
+                </a:extLst>
+              </p:cNvPr>
+              <p:cNvPicPr>
+                <a:picLocks noChangeAspect="1" noChangeArrowheads="1"/>
+              </p:cNvPicPr>
+              <p:nvPr/>
+            </p:nvPicPr>
+            <p:blipFill>
+              <a:blip r:embed="rId2">
+                <a:extLst>
+                  <a:ext uri="{28A0092B-C50C-407E-A947-70E740481C1C}">
+                    <a14:useLocalDpi xmlns:a14="http://schemas.microsoft.com/office/drawing/2010/main" val="0"/>
+                  </a:ext>
+                </a:extLst>
+              </a:blip>
+              <a:srcRect/>
+              <a:stretch>
+                <a:fillRect/>
+              </a:stretch>
+            </p:blipFill>
+            <p:spPr bwMode="auto">
+              <a:xfrm>
+                <a:off x="250218" y="1394233"/>
+                <a:ext cx="563217" cy="563217"/>
+              </a:xfrm>
+              <a:prstGeom prst="rect">
+                <a:avLst/>
+              </a:prstGeom>
+              <a:noFill/>
+              <a:extLst>
+                <a:ext uri="{909E8E84-426E-40DD-AFC4-6F175D3DCCD1}">
+                  <a14:hiddenFill xmlns:a14="http://schemas.microsoft.com/office/drawing/2010/main">
+                    <a:solidFill>
+                      <a:srgbClr val="FFFFFF"/>
+                    </a:solidFill>
+                  </a14:hiddenFill>
+                </a:ext>
+              </a:extLst>
+            </p:spPr>
+          </p:pic>
+          <p:sp>
+            <p:nvSpPr>
+              <p:cNvPr id="36" name="Rectangle 35">
+                <a:extLst>
+                  <a:ext uri="{FF2B5EF4-FFF2-40B4-BE49-F238E27FC236}">
+                    <a16:creationId xmlns:a16="http://schemas.microsoft.com/office/drawing/2014/main" id="{C11A4546-74E4-D44C-87F2-5E4D4486F561}"/>
+                  </a:ext>
+                </a:extLst>
+              </p:cNvPr>
+              <p:cNvSpPr/>
+              <p:nvPr/>
+            </p:nvSpPr>
+            <p:spPr>
+              <a:xfrm>
+                <a:off x="2261286" y="1482811"/>
+                <a:ext cx="7088659" cy="3175686"/>
+              </a:xfrm>
+              <a:prstGeom prst="rect">
+                <a:avLst/>
+              </a:prstGeom>
+              <a:ln>
+                <a:solidFill>
+                  <a:srgbClr val="00B0F0"/>
+                </a:solidFill>
+              </a:ln>
+            </p:spPr>
+            <p:style>
+              <a:lnRef idx="2">
+                <a:schemeClr val="accent6"/>
+              </a:lnRef>
+              <a:fillRef idx="1">
+                <a:schemeClr val="lt1"/>
+              </a:fillRef>
+              <a:effectRef idx="0">
+                <a:schemeClr val="accent6"/>
+              </a:effectRef>
+              <a:fontRef idx="minor">
+                <a:schemeClr val="dk1"/>
+              </a:fontRef>
+            </p:style>
+            <p:txBody>
+              <a:bodyPr wrap="square" rtlCol="0" anchor="t" anchorCtr="0">
+                <a:noAutofit/>
+              </a:bodyPr>
+              <a:lstStyle/>
+              <a:p>
+                <a:r>
+                  <a:rPr lang="en-US" dirty="0"/>
+                  <a:t>Alert Processor</a:t>
+                </a:r>
+              </a:p>
+            </p:txBody>
+          </p:sp>
+          <p:sp>
+            <p:nvSpPr>
+              <p:cNvPr id="37" name="Magnetic Disk 36">
+                <a:extLst>
+                  <a:ext uri="{FF2B5EF4-FFF2-40B4-BE49-F238E27FC236}">
+                    <a16:creationId xmlns:a16="http://schemas.microsoft.com/office/drawing/2014/main" id="{440A83DE-6E81-E349-AA05-C19AEB22EB93}"/>
+                  </a:ext>
+                </a:extLst>
+              </p:cNvPr>
+              <p:cNvSpPr/>
+              <p:nvPr/>
+            </p:nvSpPr>
+            <p:spPr>
+              <a:xfrm>
+                <a:off x="8084638" y="1842701"/>
+                <a:ext cx="1025610" cy="988541"/>
+              </a:xfrm>
+              <a:prstGeom prst="flowChartMagneticDisk">
+                <a:avLst/>
+              </a:prstGeom>
+              <a:solidFill>
+                <a:schemeClr val="accent1"/>
+              </a:solidFill>
+              <a:ln w="50800">
+                <a:solidFill>
+                  <a:srgbClr val="FF0000"/>
+                </a:solidFill>
+              </a:ln>
+              <a:effectLst>
+                <a:glow rad="101600">
+                  <a:srgbClr val="FF0000"/>
+                </a:glow>
+              </a:effectLst>
+            </p:spPr>
+            <p:style>
+              <a:lnRef idx="2">
+                <a:schemeClr val="accent1">
+                  <a:shade val="50000"/>
+                </a:schemeClr>
+              </a:lnRef>
+              <a:fillRef idx="1">
+                <a:schemeClr val="accent1"/>
+              </a:fillRef>
+              <a:effectRef idx="0">
+                <a:schemeClr val="accent1"/>
+              </a:effectRef>
+              <a:fontRef idx="minor">
+                <a:schemeClr val="lt1"/>
+              </a:fontRef>
+            </p:style>
+            <p:txBody>
+              <a:bodyPr rtlCol="0" anchor="ctr"/>
+              <a:lstStyle/>
+              <a:p>
+                <a:pPr algn="ctr"/>
+                <a:r>
+                  <a:rPr lang="en-US" dirty="0"/>
+                  <a:t>Bag of Alerts</a:t>
+                </a:r>
+              </a:p>
+            </p:txBody>
+          </p:sp>
+          <p:sp>
+            <p:nvSpPr>
+              <p:cNvPr id="38" name="Rounded Rectangle 37">
+                <a:extLst>
+                  <a:ext uri="{FF2B5EF4-FFF2-40B4-BE49-F238E27FC236}">
+                    <a16:creationId xmlns:a16="http://schemas.microsoft.com/office/drawing/2014/main" id="{87A5B00D-2E35-4E4B-878A-2670A0BD0EE0}"/>
+                  </a:ext>
+                </a:extLst>
+              </p:cNvPr>
+              <p:cNvSpPr/>
+              <p:nvPr/>
+            </p:nvSpPr>
+            <p:spPr>
+              <a:xfrm>
+                <a:off x="2842054" y="1868959"/>
+                <a:ext cx="1594022" cy="917488"/>
+              </a:xfrm>
+              <a:prstGeom prst="roundRect">
+                <a:avLst/>
+              </a:prstGeom>
+              <a:ln w="50800">
+                <a:solidFill>
+                  <a:srgbClr val="FF0000"/>
+                </a:solidFill>
+              </a:ln>
+              <a:effectLst>
+                <a:glow rad="101600">
+                  <a:srgbClr val="FF0000"/>
+                </a:glow>
+              </a:effectLst>
+            </p:spPr>
+            <p:style>
+              <a:lnRef idx="2">
+                <a:schemeClr val="accent1">
+                  <a:shade val="50000"/>
+                </a:schemeClr>
+              </a:lnRef>
+              <a:fillRef idx="1">
+                <a:schemeClr val="accent1"/>
+              </a:fillRef>
+              <a:effectRef idx="0">
+                <a:schemeClr val="accent1"/>
+              </a:effectRef>
+              <a:fontRef idx="minor">
+                <a:schemeClr val="lt1"/>
+              </a:fontRef>
+            </p:style>
+            <p:txBody>
+              <a:bodyPr rtlCol="0" anchor="ctr"/>
+              <a:lstStyle/>
+              <a:p>
+                <a:pPr algn="ctr"/>
+                <a:r>
+                  <a:rPr lang="en-US" dirty="0"/>
+                  <a:t>Correlate Alerts</a:t>
+                </a:r>
+              </a:p>
+            </p:txBody>
+          </p:sp>
+          <p:sp>
+            <p:nvSpPr>
+              <p:cNvPr id="39" name="Rounded Rectangle 38">
+                <a:extLst>
+                  <a:ext uri="{FF2B5EF4-FFF2-40B4-BE49-F238E27FC236}">
+                    <a16:creationId xmlns:a16="http://schemas.microsoft.com/office/drawing/2014/main" id="{67931953-6165-1647-BD2E-FE796DFEF5D9}"/>
+                  </a:ext>
+                </a:extLst>
+              </p:cNvPr>
+              <p:cNvSpPr/>
+              <p:nvPr/>
+            </p:nvSpPr>
+            <p:spPr>
+              <a:xfrm>
+                <a:off x="5268096" y="1868959"/>
+                <a:ext cx="1890583" cy="917488"/>
+              </a:xfrm>
+              <a:prstGeom prst="roundRect">
+                <a:avLst/>
+              </a:prstGeom>
+              <a:solidFill>
+                <a:schemeClr val="accent1"/>
+              </a:solidFill>
+              <a:ln w="50800">
+                <a:solidFill>
+                  <a:srgbClr val="FF0000"/>
+                </a:solidFill>
+              </a:ln>
+              <a:effectLst>
+                <a:glow rad="101600">
+                  <a:srgbClr val="FF0000"/>
+                </a:glow>
+              </a:effectLst>
+            </p:spPr>
+            <p:style>
+              <a:lnRef idx="2">
+                <a:schemeClr val="accent1">
+                  <a:shade val="50000"/>
+                </a:schemeClr>
+              </a:lnRef>
+              <a:fillRef idx="1">
+                <a:schemeClr val="accent1"/>
+              </a:fillRef>
+              <a:effectRef idx="0">
+                <a:schemeClr val="accent1"/>
+              </a:effectRef>
+              <a:fontRef idx="minor">
+                <a:schemeClr val="lt1"/>
+              </a:fontRef>
+            </p:style>
+            <p:txBody>
+              <a:bodyPr rtlCol="0" anchor="ctr"/>
+              <a:lstStyle/>
+              <a:p>
+                <a:pPr algn="ctr"/>
+                <a:r>
+                  <a:rPr lang="en-US" dirty="0"/>
+                  <a:t>Knowledge Graph</a:t>
+                </a:r>
+              </a:p>
+            </p:txBody>
+          </p:sp>
+          <p:sp>
+            <p:nvSpPr>
+              <p:cNvPr id="40" name="Rounded Rectangle 39">
+                <a:extLst>
+                  <a:ext uri="{FF2B5EF4-FFF2-40B4-BE49-F238E27FC236}">
+                    <a16:creationId xmlns:a16="http://schemas.microsoft.com/office/drawing/2014/main" id="{B4BE1DF2-09C4-A249-9A9B-7ACA0FE89FCF}"/>
+                  </a:ext>
+                </a:extLst>
+              </p:cNvPr>
+              <p:cNvSpPr/>
+              <p:nvPr/>
+            </p:nvSpPr>
+            <p:spPr>
+              <a:xfrm>
+                <a:off x="5463592" y="3662442"/>
+                <a:ext cx="1474876" cy="840335"/>
+              </a:xfrm>
+              <a:prstGeom prst="roundRect">
+                <a:avLst/>
+              </a:prstGeom>
+            </p:spPr>
+            <p:style>
+              <a:lnRef idx="2">
+                <a:schemeClr val="accent1">
+                  <a:shade val="50000"/>
+                </a:schemeClr>
+              </a:lnRef>
+              <a:fillRef idx="1">
+                <a:schemeClr val="accent1"/>
+              </a:fillRef>
+              <a:effectRef idx="0">
+                <a:schemeClr val="accent1"/>
+              </a:effectRef>
+              <a:fontRef idx="minor">
+                <a:schemeClr val="lt1"/>
+              </a:fontRef>
+            </p:style>
+            <p:txBody>
+              <a:bodyPr rtlCol="0" anchor="ctr"/>
+              <a:lstStyle/>
+              <a:p>
+                <a:pPr algn="ctr"/>
+                <a:r>
+                  <a:rPr lang="en-US" dirty="0"/>
+                  <a:t>Feedback processor</a:t>
+                </a:r>
+              </a:p>
+            </p:txBody>
+          </p:sp>
+          <p:sp>
+            <p:nvSpPr>
+              <p:cNvPr id="41" name="Rectangle 40">
+                <a:extLst>
+                  <a:ext uri="{FF2B5EF4-FFF2-40B4-BE49-F238E27FC236}">
+                    <a16:creationId xmlns:a16="http://schemas.microsoft.com/office/drawing/2014/main" id="{30AD8BCC-FDAD-A248-AD68-523D419103CA}"/>
+                  </a:ext>
+                </a:extLst>
+              </p:cNvPr>
+              <p:cNvSpPr/>
+              <p:nvPr/>
+            </p:nvSpPr>
+            <p:spPr>
+              <a:xfrm>
+                <a:off x="9612261" y="779691"/>
+                <a:ext cx="2016510" cy="1792303"/>
+              </a:xfrm>
+              <a:prstGeom prst="rect">
+                <a:avLst/>
+              </a:prstGeom>
+              <a:ln>
+                <a:solidFill>
+                  <a:srgbClr val="00B0F0"/>
+                </a:solidFill>
+              </a:ln>
+            </p:spPr>
+            <p:style>
+              <a:lnRef idx="2">
+                <a:schemeClr val="accent6"/>
+              </a:lnRef>
+              <a:fillRef idx="1">
+                <a:schemeClr val="lt1"/>
+              </a:fillRef>
+              <a:effectRef idx="0">
+                <a:schemeClr val="accent6"/>
+              </a:effectRef>
+              <a:fontRef idx="minor">
+                <a:schemeClr val="dk1"/>
+              </a:fontRef>
+            </p:style>
+            <p:txBody>
+              <a:bodyPr wrap="square" rtlCol="0" anchor="t" anchorCtr="0">
+                <a:noAutofit/>
+              </a:bodyPr>
+              <a:lstStyle/>
+              <a:p>
+                <a:r>
+                  <a:rPr lang="en-US" dirty="0"/>
+                  <a:t>Alert Graph</a:t>
+                </a:r>
+              </a:p>
+            </p:txBody>
+          </p:sp>
+          <p:pic>
+            <p:nvPicPr>
+              <p:cNvPr id="42" name="Picture 4" descr="Alert Graph">
+                <a:extLst>
+                  <a:ext uri="{FF2B5EF4-FFF2-40B4-BE49-F238E27FC236}">
+                    <a16:creationId xmlns:a16="http://schemas.microsoft.com/office/drawing/2014/main" id="{0DBA93B0-560B-B64A-923B-EDD2DEA76936}"/>
+                  </a:ext>
+                  <a:ext uri="{C183D7F6-B498-43B3-948B-1728B52AA6E4}">
+                    <adec:decorative xmlns:adec="http://schemas.microsoft.com/office/drawing/2017/decorative" val="0"/>
+                  </a:ext>
+                </a:extLst>
+              </p:cNvPr>
+              <p:cNvPicPr>
+                <a:picLocks noChangeAspect="1" noChangeArrowheads="1"/>
+              </p:cNvPicPr>
+              <p:nvPr/>
+            </p:nvPicPr>
+            <p:blipFill>
+              <a:blip r:embed="rId3">
+                <a:extLst>
+                  <a:ext uri="{28A0092B-C50C-407E-A947-70E740481C1C}">
+                    <a14:useLocalDpi xmlns:a14="http://schemas.microsoft.com/office/drawing/2010/main" val="0"/>
+                  </a:ext>
+                </a:extLst>
+              </a:blip>
+              <a:srcRect/>
+              <a:stretch>
+                <a:fillRect/>
+              </a:stretch>
+            </p:blipFill>
+            <p:spPr bwMode="auto">
+              <a:xfrm>
+                <a:off x="9665506" y="1232023"/>
+                <a:ext cx="1838636" cy="1299984"/>
+              </a:xfrm>
+              <a:prstGeom prst="rect">
+                <a:avLst/>
+              </a:prstGeom>
+              <a:noFill/>
+              <a:extLst>
+                <a:ext uri="{909E8E84-426E-40DD-AFC4-6F175D3DCCD1}">
+                  <a14:hiddenFill xmlns:a14="http://schemas.microsoft.com/office/drawing/2010/main">
+                    <a:solidFill>
+                      <a:srgbClr val="FFFFFF"/>
+                    </a:solidFill>
+                  </a14:hiddenFill>
+                </a:ext>
+              </a:extLst>
+            </p:spPr>
+          </p:pic>
+          <p:sp>
+            <p:nvSpPr>
+              <p:cNvPr id="43" name="Rectangle 42">
+                <a:extLst>
+                  <a:ext uri="{FF2B5EF4-FFF2-40B4-BE49-F238E27FC236}">
+                    <a16:creationId xmlns:a16="http://schemas.microsoft.com/office/drawing/2014/main" id="{F1FEB336-7B32-7742-B9C6-5961C882C1DC}"/>
+                  </a:ext>
+                </a:extLst>
+              </p:cNvPr>
+              <p:cNvSpPr/>
+              <p:nvPr/>
+            </p:nvSpPr>
+            <p:spPr>
+              <a:xfrm>
+                <a:off x="9629004" y="3311035"/>
+                <a:ext cx="2016510" cy="1792303"/>
+              </a:xfrm>
+              <a:prstGeom prst="rect">
+                <a:avLst/>
+              </a:prstGeom>
+              <a:ln>
+                <a:solidFill>
+                  <a:srgbClr val="00B0F0"/>
+                </a:solidFill>
+              </a:ln>
+            </p:spPr>
+            <p:style>
+              <a:lnRef idx="2">
+                <a:schemeClr val="accent6"/>
+              </a:lnRef>
+              <a:fillRef idx="1">
+                <a:schemeClr val="lt1"/>
+              </a:fillRef>
+              <a:effectRef idx="0">
+                <a:schemeClr val="accent6"/>
+              </a:effectRef>
+              <a:fontRef idx="minor">
+                <a:schemeClr val="dk1"/>
+              </a:fontRef>
+            </p:style>
+            <p:txBody>
+              <a:bodyPr wrap="square" rtlCol="0" anchor="t" anchorCtr="0">
+                <a:noAutofit/>
+              </a:bodyPr>
+              <a:lstStyle/>
+              <a:p>
+                <a:r>
+                  <a:rPr lang="en-US" dirty="0"/>
+                  <a:t>Chatbot </a:t>
+                </a:r>
+              </a:p>
+            </p:txBody>
+          </p:sp>
+          <p:pic>
+            <p:nvPicPr>
+              <p:cNvPr id="44" name="Picture 10" descr="Robot icon. Bot sign design. Chatbot symbol concept (982640) | Icons |  Design Bundles">
+                <a:extLst>
+                  <a:ext uri="{FF2B5EF4-FFF2-40B4-BE49-F238E27FC236}">
+                    <a16:creationId xmlns:a16="http://schemas.microsoft.com/office/drawing/2014/main" id="{B26FBF73-088F-384D-9B76-1C3774D0F5CB}"/>
+                  </a:ext>
+                </a:extLst>
+              </p:cNvPr>
+              <p:cNvPicPr>
+                <a:picLocks noChangeAspect="1" noChangeArrowheads="1"/>
+              </p:cNvPicPr>
+              <p:nvPr/>
+            </p:nvPicPr>
+            <p:blipFill>
+              <a:blip r:embed="rId4">
+                <a:extLst>
+                  <a:ext uri="{28A0092B-C50C-407E-A947-70E740481C1C}">
+                    <a14:useLocalDpi xmlns:a14="http://schemas.microsoft.com/office/drawing/2010/main" val="0"/>
+                  </a:ext>
+                </a:extLst>
+              </a:blip>
+              <a:srcRect/>
+              <a:stretch>
+                <a:fillRect/>
+              </a:stretch>
+            </p:blipFill>
+            <p:spPr bwMode="auto">
+              <a:xfrm>
+                <a:off x="9863931" y="3870522"/>
+                <a:ext cx="1546655" cy="1031103"/>
+              </a:xfrm>
+              <a:prstGeom prst="rect">
+                <a:avLst/>
+              </a:prstGeom>
+              <a:noFill/>
+              <a:ln>
+                <a:noFill/>
+              </a:ln>
+            </p:spPr>
+          </p:pic>
+          <p:cxnSp>
+            <p:nvCxnSpPr>
+              <p:cNvPr id="45" name="Curved Connector 44">
+                <a:extLst>
+                  <a:ext uri="{FF2B5EF4-FFF2-40B4-BE49-F238E27FC236}">
+                    <a16:creationId xmlns:a16="http://schemas.microsoft.com/office/drawing/2014/main" id="{28232F1E-0F22-AA42-B53B-10BD96A37B69}"/>
+                  </a:ext>
+                </a:extLst>
+              </p:cNvPr>
+              <p:cNvCxnSpPr>
+                <a:cxnSpLocks/>
+                <a:stCxn id="39" idx="0"/>
+                <a:endCxn id="41" idx="1"/>
+              </p:cNvCxnSpPr>
+              <p:nvPr/>
+            </p:nvCxnSpPr>
+            <p:spPr>
+              <a:xfrm rot="5400000" flipH="1" flipV="1">
+                <a:off x="7816266" y="72965"/>
+                <a:ext cx="193116" cy="3398873"/>
+              </a:xfrm>
+              <a:prstGeom prst="curvedConnector2">
+                <a:avLst/>
+              </a:prstGeom>
+              <a:ln w="38100">
+                <a:solidFill>
+                  <a:srgbClr val="92D050"/>
+                </a:solidFill>
+                <a:headEnd type="none" w="lg" len="med"/>
+                <a:tailEnd type="triangle" w="lg" len="med"/>
+              </a:ln>
+            </p:spPr>
+            <p:style>
+              <a:lnRef idx="1">
+                <a:schemeClr val="accent1"/>
+              </a:lnRef>
+              <a:fillRef idx="0">
+                <a:schemeClr val="accent1"/>
+              </a:fillRef>
+              <a:effectRef idx="0">
+                <a:schemeClr val="accent1"/>
+              </a:effectRef>
+              <a:fontRef idx="minor">
+                <a:schemeClr val="tx1"/>
+              </a:fontRef>
+            </p:style>
+          </p:cxnSp>
+          <p:cxnSp>
+            <p:nvCxnSpPr>
+              <p:cNvPr id="46" name="Curved Connector 45">
+                <a:extLst>
+                  <a:ext uri="{FF2B5EF4-FFF2-40B4-BE49-F238E27FC236}">
+                    <a16:creationId xmlns:a16="http://schemas.microsoft.com/office/drawing/2014/main" id="{52594C9A-6E04-8946-8672-41D2DF151A7E}"/>
+                  </a:ext>
+                </a:extLst>
+              </p:cNvPr>
+              <p:cNvCxnSpPr>
+                <a:cxnSpLocks/>
+                <a:stCxn id="37" idx="3"/>
+                <a:endCxn id="43" idx="0"/>
+              </p:cNvCxnSpPr>
+              <p:nvPr/>
+            </p:nvCxnSpPr>
+            <p:spPr>
+              <a:xfrm rot="16200000" flipH="1">
+                <a:off x="9377455" y="2051230"/>
+                <a:ext cx="479793" cy="2039816"/>
+              </a:xfrm>
+              <a:prstGeom prst="curvedConnector3">
+                <a:avLst>
+                  <a:gd name="adj1" fmla="val 50000"/>
+                </a:avLst>
+              </a:prstGeom>
+              <a:ln w="38100">
+                <a:solidFill>
+                  <a:srgbClr val="92D050"/>
+                </a:solidFill>
+                <a:headEnd type="none" w="lg" len="med"/>
+                <a:tailEnd type="triangle" w="lg" len="med"/>
+              </a:ln>
+            </p:spPr>
+            <p:style>
+              <a:lnRef idx="1">
+                <a:schemeClr val="accent1"/>
+              </a:lnRef>
+              <a:fillRef idx="0">
+                <a:schemeClr val="accent1"/>
+              </a:fillRef>
+              <a:effectRef idx="0">
+                <a:schemeClr val="accent1"/>
+              </a:effectRef>
+              <a:fontRef idx="minor">
+                <a:schemeClr val="tx1"/>
+              </a:fontRef>
+            </p:style>
+          </p:cxnSp>
+          <p:cxnSp>
+            <p:nvCxnSpPr>
+              <p:cNvPr id="47" name="Curved Connector 46">
+                <a:extLst>
+                  <a:ext uri="{FF2B5EF4-FFF2-40B4-BE49-F238E27FC236}">
+                    <a16:creationId xmlns:a16="http://schemas.microsoft.com/office/drawing/2014/main" id="{21640B22-DE98-9644-9C25-3C220051C5AD}"/>
+                  </a:ext>
+                </a:extLst>
+              </p:cNvPr>
+              <p:cNvCxnSpPr>
+                <a:cxnSpLocks/>
+                <a:stCxn id="43" idx="1"/>
+                <a:endCxn id="40" idx="3"/>
+              </p:cNvCxnSpPr>
+              <p:nvPr/>
+            </p:nvCxnSpPr>
+            <p:spPr>
+              <a:xfrm rot="10800000">
+                <a:off x="6938468" y="4082611"/>
+                <a:ext cx="2690536" cy="124577"/>
+              </a:xfrm>
+              <a:prstGeom prst="curvedConnector3">
+                <a:avLst>
+                  <a:gd name="adj1" fmla="val 50000"/>
+                </a:avLst>
+              </a:prstGeom>
+              <a:ln w="38100">
+                <a:solidFill>
+                  <a:srgbClr val="FFC000"/>
+                </a:solidFill>
+                <a:headEnd type="none" w="lg" len="med"/>
+                <a:tailEnd type="triangle" w="lg" len="med"/>
+              </a:ln>
+            </p:spPr>
+            <p:style>
+              <a:lnRef idx="1">
+                <a:schemeClr val="accent1"/>
+              </a:lnRef>
+              <a:fillRef idx="0">
+                <a:schemeClr val="accent1"/>
+              </a:fillRef>
+              <a:effectRef idx="0">
+                <a:schemeClr val="accent1"/>
+              </a:effectRef>
+              <a:fontRef idx="minor">
+                <a:schemeClr val="tx1"/>
+              </a:fontRef>
+            </p:style>
+          </p:cxnSp>
+          <p:cxnSp>
+            <p:nvCxnSpPr>
+              <p:cNvPr id="48" name="Straight Arrow Connector 47">
+                <a:extLst>
+                  <a:ext uri="{FF2B5EF4-FFF2-40B4-BE49-F238E27FC236}">
+                    <a16:creationId xmlns:a16="http://schemas.microsoft.com/office/drawing/2014/main" id="{C75527FD-2588-834F-8530-72320228F6E4}"/>
+                  </a:ext>
+                </a:extLst>
+              </p:cNvPr>
+              <p:cNvCxnSpPr>
+                <a:cxnSpLocks/>
+                <a:stCxn id="38" idx="3"/>
+                <a:endCxn id="39" idx="1"/>
+              </p:cNvCxnSpPr>
+              <p:nvPr/>
+            </p:nvCxnSpPr>
+            <p:spPr>
+              <a:xfrm>
+                <a:off x="4436076" y="2327703"/>
+                <a:ext cx="832020" cy="0"/>
+              </a:xfrm>
+              <a:prstGeom prst="straightConnector1">
+                <a:avLst/>
+              </a:prstGeom>
+              <a:ln w="63500">
+                <a:tailEnd type="triangle" w="med" len="med"/>
+              </a:ln>
+            </p:spPr>
+            <p:style>
+              <a:lnRef idx="1">
+                <a:schemeClr val="accent1"/>
+              </a:lnRef>
+              <a:fillRef idx="0">
+                <a:schemeClr val="accent1"/>
+              </a:fillRef>
+              <a:effectRef idx="0">
+                <a:schemeClr val="accent1"/>
+              </a:effectRef>
+              <a:fontRef idx="minor">
+                <a:schemeClr val="tx1"/>
+              </a:fontRef>
+            </p:style>
+          </p:cxnSp>
+          <p:cxnSp>
+            <p:nvCxnSpPr>
+              <p:cNvPr id="49" name="Straight Arrow Connector 48">
+                <a:extLst>
+                  <a:ext uri="{FF2B5EF4-FFF2-40B4-BE49-F238E27FC236}">
+                    <a16:creationId xmlns:a16="http://schemas.microsoft.com/office/drawing/2014/main" id="{A662C76D-9135-2944-B0D5-45F2F0EEB8C2}"/>
+                  </a:ext>
+                </a:extLst>
+              </p:cNvPr>
+              <p:cNvCxnSpPr>
+                <a:cxnSpLocks/>
+                <a:stCxn id="39" idx="3"/>
+                <a:endCxn id="37" idx="2"/>
+              </p:cNvCxnSpPr>
+              <p:nvPr/>
+            </p:nvCxnSpPr>
+            <p:spPr>
+              <a:xfrm>
+                <a:off x="7158679" y="2327703"/>
+                <a:ext cx="925959" cy="9269"/>
+              </a:xfrm>
+              <a:prstGeom prst="straightConnector1">
+                <a:avLst/>
+              </a:prstGeom>
+              <a:ln w="63500">
+                <a:tailEnd type="triangle" w="med" len="med"/>
+              </a:ln>
+            </p:spPr>
+            <p:style>
+              <a:lnRef idx="1">
+                <a:schemeClr val="accent1"/>
+              </a:lnRef>
+              <a:fillRef idx="0">
+                <a:schemeClr val="accent1"/>
+              </a:fillRef>
+              <a:effectRef idx="0">
+                <a:schemeClr val="accent1"/>
+              </a:effectRef>
+              <a:fontRef idx="minor">
+                <a:schemeClr val="tx1"/>
+              </a:fontRef>
+            </p:style>
+          </p:cxnSp>
+          <p:cxnSp>
+            <p:nvCxnSpPr>
+              <p:cNvPr id="50" name="Straight Arrow Connector 49">
+                <a:extLst>
+                  <a:ext uri="{FF2B5EF4-FFF2-40B4-BE49-F238E27FC236}">
+                    <a16:creationId xmlns:a16="http://schemas.microsoft.com/office/drawing/2014/main" id="{41DA0BF6-382C-8E43-A836-F6CF61ADAE2F}"/>
+                  </a:ext>
+                </a:extLst>
+              </p:cNvPr>
+              <p:cNvCxnSpPr>
+                <a:cxnSpLocks/>
+                <a:stCxn id="40" idx="0"/>
+                <a:endCxn id="39" idx="2"/>
+              </p:cNvCxnSpPr>
+              <p:nvPr/>
+            </p:nvCxnSpPr>
+            <p:spPr>
+              <a:xfrm flipV="1">
+                <a:off x="6201030" y="2786447"/>
+                <a:ext cx="12358" cy="875995"/>
+              </a:xfrm>
+              <a:prstGeom prst="straightConnector1">
+                <a:avLst/>
+              </a:prstGeom>
+              <a:ln w="63500">
+                <a:tailEnd type="triangle" w="med" len="med"/>
+              </a:ln>
+            </p:spPr>
+            <p:style>
+              <a:lnRef idx="1">
+                <a:schemeClr val="accent1"/>
+              </a:lnRef>
+              <a:fillRef idx="0">
+                <a:schemeClr val="accent1"/>
+              </a:fillRef>
+              <a:effectRef idx="0">
+                <a:schemeClr val="accent1"/>
+              </a:effectRef>
+              <a:fontRef idx="minor">
+                <a:schemeClr val="tx1"/>
+              </a:fontRef>
+            </p:style>
+          </p:cxnSp>
+          <p:cxnSp>
+            <p:nvCxnSpPr>
+              <p:cNvPr id="51" name="Curved Connector 50">
+                <a:extLst>
+                  <a:ext uri="{FF2B5EF4-FFF2-40B4-BE49-F238E27FC236}">
+                    <a16:creationId xmlns:a16="http://schemas.microsoft.com/office/drawing/2014/main" id="{19C8029B-8BD2-BE41-83F4-61A236A6E9B6}"/>
+                  </a:ext>
+                </a:extLst>
+              </p:cNvPr>
+              <p:cNvCxnSpPr>
+                <a:cxnSpLocks/>
+                <a:stCxn id="55" idx="3"/>
+                <a:endCxn id="38" idx="1"/>
+              </p:cNvCxnSpPr>
+              <p:nvPr/>
+            </p:nvCxnSpPr>
+            <p:spPr>
+              <a:xfrm flipV="1">
+                <a:off x="1872865" y="2327703"/>
+                <a:ext cx="969189" cy="732943"/>
+              </a:xfrm>
+              <a:prstGeom prst="curvedConnector3">
+                <a:avLst/>
+              </a:prstGeom>
+              <a:ln w="38100">
+                <a:solidFill>
+                  <a:schemeClr val="accent2">
+                    <a:lumMod val="75000"/>
+                  </a:schemeClr>
+                </a:solidFill>
+                <a:headEnd type="none" w="lg" len="med"/>
+                <a:tailEnd type="triangle" w="lg" len="med"/>
+              </a:ln>
+            </p:spPr>
+            <p:style>
+              <a:lnRef idx="1">
+                <a:schemeClr val="accent1"/>
+              </a:lnRef>
+              <a:fillRef idx="0">
+                <a:schemeClr val="accent1"/>
+              </a:fillRef>
+              <a:effectRef idx="0">
+                <a:schemeClr val="accent1"/>
+              </a:effectRef>
+              <a:fontRef idx="minor">
+                <a:schemeClr val="tx1"/>
+              </a:fontRef>
+            </p:style>
+          </p:cxnSp>
+          <p:sp>
+            <p:nvSpPr>
+              <p:cNvPr id="52" name="TextBox 51">
+                <a:extLst>
+                  <a:ext uri="{FF2B5EF4-FFF2-40B4-BE49-F238E27FC236}">
+                    <a16:creationId xmlns:a16="http://schemas.microsoft.com/office/drawing/2014/main" id="{DA547081-660F-4145-845A-2763936ADB4B}"/>
+                  </a:ext>
+                </a:extLst>
+              </p:cNvPr>
+              <p:cNvSpPr txBox="1"/>
+              <p:nvPr/>
+            </p:nvSpPr>
+            <p:spPr>
+              <a:xfrm>
+                <a:off x="7777533" y="3787336"/>
+                <a:ext cx="1156005" cy="262368"/>
+              </a:xfrm>
+              <a:prstGeom prst="rect">
+                <a:avLst/>
+              </a:prstGeom>
+              <a:noFill/>
+            </p:spPr>
+            <p:txBody>
+              <a:bodyPr wrap="square" rtlCol="0">
+                <a:spAutoFit/>
+              </a:bodyPr>
+              <a:lstStyle/>
+              <a:p>
+                <a:r>
+                  <a:rPr lang="en-US" sz="1100" dirty="0"/>
+                  <a:t>user feedback</a:t>
+                </a:r>
+              </a:p>
+            </p:txBody>
+          </p:sp>
+          <p:sp>
+            <p:nvSpPr>
+              <p:cNvPr id="53" name="TextBox 52">
+                <a:extLst>
+                  <a:ext uri="{FF2B5EF4-FFF2-40B4-BE49-F238E27FC236}">
+                    <a16:creationId xmlns:a16="http://schemas.microsoft.com/office/drawing/2014/main" id="{39EF3569-34E9-6949-B0C4-BF5B57492615}"/>
+                  </a:ext>
+                </a:extLst>
+              </p:cNvPr>
+              <p:cNvSpPr txBox="1"/>
+              <p:nvPr/>
+            </p:nvSpPr>
+            <p:spPr>
+              <a:xfrm>
+                <a:off x="7194702" y="2432047"/>
+                <a:ext cx="795998" cy="430887"/>
+              </a:xfrm>
+              <a:prstGeom prst="rect">
+                <a:avLst/>
+              </a:prstGeom>
+              <a:noFill/>
+            </p:spPr>
+            <p:txBody>
+              <a:bodyPr wrap="square" rtlCol="0">
+                <a:spAutoFit/>
+              </a:bodyPr>
+              <a:lstStyle/>
+              <a:p>
+                <a:r>
+                  <a:rPr lang="en-US" sz="1100" dirty="0"/>
+                  <a:t>build bag of alerts</a:t>
+                </a:r>
+              </a:p>
+            </p:txBody>
+          </p:sp>
+          <p:sp>
+            <p:nvSpPr>
+              <p:cNvPr id="54" name="TextBox 53">
+                <a:extLst>
+                  <a:ext uri="{FF2B5EF4-FFF2-40B4-BE49-F238E27FC236}">
+                    <a16:creationId xmlns:a16="http://schemas.microsoft.com/office/drawing/2014/main" id="{9513C1C6-FD66-9A41-8609-D4EE706FACD3}"/>
+                  </a:ext>
+                </a:extLst>
+              </p:cNvPr>
+              <p:cNvSpPr txBox="1"/>
+              <p:nvPr/>
+            </p:nvSpPr>
+            <p:spPr>
+              <a:xfrm>
+                <a:off x="4491253" y="2418487"/>
+                <a:ext cx="870782" cy="600164"/>
+              </a:xfrm>
+              <a:prstGeom prst="rect">
+                <a:avLst/>
+              </a:prstGeom>
+              <a:noFill/>
+            </p:spPr>
+            <p:txBody>
+              <a:bodyPr wrap="square" rtlCol="0">
+                <a:spAutoFit/>
+              </a:bodyPr>
+              <a:lstStyle/>
+              <a:p>
+                <a:r>
+                  <a:rPr lang="en-US" sz="1100" dirty="0"/>
+                  <a:t>build Knowledge Graph</a:t>
+                </a:r>
+              </a:p>
+            </p:txBody>
+          </p:sp>
+          <p:sp>
+            <p:nvSpPr>
+              <p:cNvPr id="55" name="Rounded Rectangle 54">
+                <a:extLst>
+                  <a:ext uri="{FF2B5EF4-FFF2-40B4-BE49-F238E27FC236}">
+                    <a16:creationId xmlns:a16="http://schemas.microsoft.com/office/drawing/2014/main" id="{EE6D0DBB-2C87-0842-8B7F-5529BA1A3158}"/>
+                  </a:ext>
+                </a:extLst>
+              </p:cNvPr>
+              <p:cNvSpPr/>
+              <p:nvPr/>
+            </p:nvSpPr>
+            <p:spPr>
+              <a:xfrm>
+                <a:off x="278843" y="2601902"/>
+                <a:ext cx="1594022" cy="917488"/>
+              </a:xfrm>
+              <a:prstGeom prst="roundRect">
+                <a:avLst/>
+              </a:prstGeom>
+              <a:solidFill>
+                <a:srgbClr val="00B0F0"/>
+              </a:solidFill>
+              <a:ln w="50800">
+                <a:solidFill>
+                  <a:srgbClr val="FF0000"/>
+                </a:solidFill>
+              </a:ln>
+              <a:effectLst>
+                <a:glow rad="101600">
+                  <a:srgbClr val="FF0000"/>
+                </a:glow>
+              </a:effectLst>
+            </p:spPr>
+            <p:style>
+              <a:lnRef idx="2">
+                <a:schemeClr val="accent1">
+                  <a:shade val="50000"/>
+                </a:schemeClr>
+              </a:lnRef>
+              <a:fillRef idx="1">
+                <a:schemeClr val="accent1"/>
+              </a:fillRef>
+              <a:effectRef idx="0">
+                <a:schemeClr val="accent1"/>
+              </a:effectRef>
+              <a:fontRef idx="minor">
+                <a:schemeClr val="lt1"/>
+              </a:fontRef>
+            </p:style>
+            <p:txBody>
+              <a:bodyPr rtlCol="0" anchor="ctr"/>
+              <a:lstStyle/>
+              <a:p>
+                <a:pPr algn="ctr"/>
+                <a:r>
+                  <a:rPr lang="en-US" dirty="0"/>
+                  <a:t>Read &amp; de-identify alerts</a:t>
+                </a:r>
+              </a:p>
+            </p:txBody>
+          </p:sp>
+          <p:cxnSp>
+            <p:nvCxnSpPr>
+              <p:cNvPr id="56" name="Curved Connector 55">
+                <a:extLst>
+                  <a:ext uri="{FF2B5EF4-FFF2-40B4-BE49-F238E27FC236}">
+                    <a16:creationId xmlns:a16="http://schemas.microsoft.com/office/drawing/2014/main" id="{4DD130B3-E571-3D49-97FD-A43691407581}"/>
+                  </a:ext>
+                </a:extLst>
+              </p:cNvPr>
+              <p:cNvCxnSpPr>
+                <a:cxnSpLocks/>
+                <a:stCxn id="33" idx="2"/>
+                <a:endCxn id="55" idx="0"/>
+              </p:cNvCxnSpPr>
+              <p:nvPr/>
+            </p:nvCxnSpPr>
+            <p:spPr>
+              <a:xfrm rot="5400000">
+                <a:off x="974802" y="2131083"/>
+                <a:ext cx="571872" cy="369767"/>
+              </a:xfrm>
+              <a:prstGeom prst="curvedConnector3">
+                <a:avLst>
+                  <a:gd name="adj1" fmla="val 50000"/>
+                </a:avLst>
+              </a:prstGeom>
+              <a:ln w="38100">
+                <a:solidFill>
+                  <a:schemeClr val="accent2">
+                    <a:lumMod val="75000"/>
+                  </a:schemeClr>
+                </a:solidFill>
+                <a:headEnd type="none" w="lg" len="med"/>
+                <a:tailEnd type="triangle" w="lg" len="med"/>
+              </a:ln>
+            </p:spPr>
+            <p:style>
+              <a:lnRef idx="1">
+                <a:schemeClr val="accent1"/>
+              </a:lnRef>
+              <a:fillRef idx="0">
+                <a:schemeClr val="accent1"/>
+              </a:fillRef>
+              <a:effectRef idx="0">
+                <a:schemeClr val="accent1"/>
+              </a:effectRef>
+              <a:fontRef idx="minor">
+                <a:schemeClr val="tx1"/>
+              </a:fontRef>
+            </p:style>
+          </p:cxnSp>
+          <p:sp>
+            <p:nvSpPr>
+              <p:cNvPr id="57" name="TextBox 56">
+                <a:extLst>
+                  <a:ext uri="{FF2B5EF4-FFF2-40B4-BE49-F238E27FC236}">
+                    <a16:creationId xmlns:a16="http://schemas.microsoft.com/office/drawing/2014/main" id="{297041CC-52E2-6B4C-875C-E30E0AFDB0AC}"/>
+                  </a:ext>
+                </a:extLst>
+              </p:cNvPr>
+              <p:cNvSpPr txBox="1"/>
+              <p:nvPr/>
+            </p:nvSpPr>
+            <p:spPr>
+              <a:xfrm>
+                <a:off x="7509273" y="1445255"/>
+                <a:ext cx="870782" cy="261610"/>
+              </a:xfrm>
+              <a:prstGeom prst="rect">
+                <a:avLst/>
+              </a:prstGeom>
+              <a:noFill/>
+            </p:spPr>
+            <p:txBody>
+              <a:bodyPr wrap="square" rtlCol="0">
+                <a:spAutoFit/>
+              </a:bodyPr>
+              <a:lstStyle/>
+              <a:p>
+                <a:r>
+                  <a:rPr lang="en-US" sz="1100" dirty="0"/>
+                  <a:t>present</a:t>
+                </a:r>
+              </a:p>
+            </p:txBody>
+          </p:sp>
+          <p:sp>
+            <p:nvSpPr>
+              <p:cNvPr id="58" name="TextBox 57">
+                <a:extLst>
+                  <a:ext uri="{FF2B5EF4-FFF2-40B4-BE49-F238E27FC236}">
+                    <a16:creationId xmlns:a16="http://schemas.microsoft.com/office/drawing/2014/main" id="{98DE1592-A8E2-6F40-8BF4-B50FFF92793D}"/>
+                  </a:ext>
+                </a:extLst>
+              </p:cNvPr>
+              <p:cNvSpPr txBox="1"/>
+              <p:nvPr/>
+            </p:nvSpPr>
+            <p:spPr>
+              <a:xfrm>
+                <a:off x="9292590" y="2809044"/>
+                <a:ext cx="1357644" cy="261610"/>
+              </a:xfrm>
+              <a:prstGeom prst="rect">
+                <a:avLst/>
+              </a:prstGeom>
+              <a:noFill/>
+            </p:spPr>
+            <p:txBody>
+              <a:bodyPr wrap="square" rtlCol="0">
+                <a:spAutoFit/>
+              </a:bodyPr>
+              <a:lstStyle/>
+              <a:p>
+                <a:r>
+                  <a:rPr lang="en-US" sz="1100" dirty="0"/>
+                  <a:t>present as search</a:t>
+                </a:r>
+              </a:p>
+            </p:txBody>
+          </p:sp>
+        </p:grpSp>
+        <p:cxnSp>
+          <p:nvCxnSpPr>
+            <p:cNvPr id="31" name="Curved Connector 30">
+              <a:extLst>
+                <a:ext uri="{FF2B5EF4-FFF2-40B4-BE49-F238E27FC236}">
+                  <a16:creationId xmlns:a16="http://schemas.microsoft.com/office/drawing/2014/main" id="{AFA71DB7-7B60-0B4A-88F6-6E96F2BF9EFF}"/>
+                </a:ext>
+              </a:extLst>
+            </p:cNvPr>
+            <p:cNvCxnSpPr>
+              <a:cxnSpLocks/>
+              <a:endCxn id="55" idx="0"/>
+            </p:cNvCxnSpPr>
+            <p:nvPr/>
+          </p:nvCxnSpPr>
+          <p:spPr>
+            <a:xfrm>
+              <a:off x="427991" y="2030812"/>
+              <a:ext cx="647863" cy="608160"/>
+            </a:xfrm>
+            <a:prstGeom prst="curvedConnector2">
+              <a:avLst/>
+            </a:prstGeom>
+            <a:ln w="38100">
+              <a:solidFill>
+                <a:schemeClr val="accent2">
+                  <a:lumMod val="75000"/>
+                </a:schemeClr>
+              </a:solidFill>
+              <a:headEnd type="none" w="lg" len="med"/>
+              <a:tailEnd type="triangle" w="lg" len="med"/>
+            </a:ln>
+          </p:spPr>
+          <p:style>
+            <a:lnRef idx="1">
+              <a:schemeClr val="accent1"/>
+            </a:lnRef>
+            <a:fillRef idx="0">
+              <a:schemeClr val="accent1"/>
+            </a:fillRef>
+            <a:effectRef idx="0">
+              <a:schemeClr val="accent1"/>
+            </a:effectRef>
+            <a:fontRef idx="minor">
+              <a:schemeClr val="tx1"/>
+            </a:fontRef>
+          </p:style>
+        </p:cxnSp>
+        <p:grpSp>
+          <p:nvGrpSpPr>
+            <p:cNvPr id="32" name="Group 31">
+              <a:extLst>
+                <a:ext uri="{FF2B5EF4-FFF2-40B4-BE49-F238E27FC236}">
+                  <a16:creationId xmlns:a16="http://schemas.microsoft.com/office/drawing/2014/main" id="{B1F164D5-12D1-5B4B-9554-DF4523FCEA80}"/>
+                </a:ext>
+              </a:extLst>
+            </p:cNvPr>
+            <p:cNvGrpSpPr/>
+            <p:nvPr/>
+          </p:nvGrpSpPr>
+          <p:grpSpPr>
+            <a:xfrm>
+              <a:off x="866680" y="1383699"/>
+              <a:ext cx="1157881" cy="646331"/>
+              <a:chOff x="866680" y="1383699"/>
+              <a:chExt cx="1157881" cy="646331"/>
+            </a:xfrm>
+          </p:grpSpPr>
+          <p:sp>
+            <p:nvSpPr>
+              <p:cNvPr id="33" name="TextBox 32">
+                <a:extLst>
+                  <a:ext uri="{FF2B5EF4-FFF2-40B4-BE49-F238E27FC236}">
+                    <a16:creationId xmlns:a16="http://schemas.microsoft.com/office/drawing/2014/main" id="{ADB551FD-F689-484B-A2D3-81171963989A}"/>
+                  </a:ext>
+                </a:extLst>
+              </p:cNvPr>
+              <p:cNvSpPr txBox="1"/>
+              <p:nvPr/>
+            </p:nvSpPr>
+            <p:spPr>
+              <a:xfrm>
+                <a:off x="866680" y="1383699"/>
+                <a:ext cx="1157881" cy="646331"/>
+              </a:xfrm>
+              <a:prstGeom prst="rect">
+                <a:avLst/>
+              </a:prstGeom>
+              <a:noFill/>
+              <a:ln w="50800">
+                <a:solidFill>
+                  <a:srgbClr val="FF0000"/>
+                </a:solidFill>
+              </a:ln>
+              <a:effectLst>
+                <a:glow rad="63500">
+                  <a:srgbClr val="FF0000"/>
+                </a:glow>
+              </a:effectLst>
+            </p:spPr>
+            <p:txBody>
+              <a:bodyPr wrap="none" rtlCol="0">
+                <a:spAutoFit/>
+              </a:bodyPr>
+              <a:lstStyle/>
+              <a:p>
+                <a:r>
+                  <a:rPr lang="en-US" b="1" dirty="0"/>
+                  <a:t>Alert </a:t>
+                </a:r>
+                <a:br>
+                  <a:rPr lang="en-US" b="1" dirty="0"/>
+                </a:br>
+                <a:r>
+                  <a:rPr lang="en-US" b="1" dirty="0"/>
+                  <a:t>Generator</a:t>
+                </a:r>
+              </a:p>
+            </p:txBody>
+          </p:sp>
+          <p:pic>
+            <p:nvPicPr>
+              <p:cNvPr id="34" name="Graphic 33" descr="Bell outline">
+                <a:extLst>
+                  <a:ext uri="{FF2B5EF4-FFF2-40B4-BE49-F238E27FC236}">
+                    <a16:creationId xmlns:a16="http://schemas.microsoft.com/office/drawing/2014/main" id="{FB0D06FB-FF9A-0F4F-BCAC-06003270DD26}"/>
+                  </a:ext>
+                </a:extLst>
+              </p:cNvPr>
+              <p:cNvPicPr>
+                <a:picLocks noChangeAspect="1"/>
+              </p:cNvPicPr>
+              <p:nvPr/>
+            </p:nvPicPr>
+            <p:blipFill>
+              <a:blip r:embed="rId5">
+                <a:extLst>
+                  <a:ext uri="{96DAC541-7B7A-43D3-8B79-37D633B846F1}">
+                    <asvg:svgBlip xmlns:asvg="http://schemas.microsoft.com/office/drawing/2016/SVG/main" r:embed="rId6"/>
+                  </a:ext>
+                </a:extLst>
+              </a:blip>
+              <a:stretch>
+                <a:fillRect/>
+              </a:stretch>
+            </p:blipFill>
+            <p:spPr>
+              <a:xfrm>
+                <a:off x="1484311" y="1404760"/>
+                <a:ext cx="388510" cy="388510"/>
+              </a:xfrm>
+              <a:prstGeom prst="rect">
+                <a:avLst/>
+              </a:prstGeom>
+            </p:spPr>
+          </p:pic>
+        </p:grpSp>
+      </p:grpSp>
+      <p:sp>
+        <p:nvSpPr>
+          <p:cNvPr id="59" name="Title 1">
+            <a:extLst>
+              <a:ext uri="{FF2B5EF4-FFF2-40B4-BE49-F238E27FC236}">
+                <a16:creationId xmlns:a16="http://schemas.microsoft.com/office/drawing/2014/main" id="{906E362C-6F5C-464B-BAB6-F963790B6112}"/>
+              </a:ext>
+            </a:extLst>
+          </p:cNvPr>
+          <p:cNvSpPr>
+            <a:spLocks noGrp="1"/>
+          </p:cNvSpPr>
+          <p:nvPr>
+            <p:ph type="title"/>
+          </p:nvPr>
+        </p:nvSpPr>
+        <p:spPr>
+          <a:xfrm>
+            <a:off x="444500" y="665637"/>
+            <a:ext cx="8661400" cy="774192"/>
+          </a:xfrm>
+        </p:spPr>
+        <p:txBody>
+          <a:bodyPr/>
+          <a:lstStyle/>
+          <a:p>
+            <a:r>
+              <a:rPr lang="en-US" sz="2800" b="1" dirty="0"/>
+              <a:t>Mutual Information &amp; Knowledge Graph</a:t>
+            </a:r>
+            <a:br>
+              <a:rPr lang="en-US" sz="2800" b="1" dirty="0"/>
+            </a:br>
+            <a:endParaRPr lang="en-US" sz="2800" dirty="0"/>
+          </a:p>
+        </p:txBody>
+      </p:sp>
+    </p:spTree>
+    <p:extLst>
+      <p:ext uri="{BB962C8B-B14F-4D97-AF65-F5344CB8AC3E}">
+        <p14:creationId xmlns:p14="http://schemas.microsoft.com/office/powerpoint/2010/main" val="3640782780"/>
+      </p:ext>
+    </p:extLst>
+  </p:cSld>
+  <p:clrMapOvr>
+    <a:masterClrMapping/>
+  </p:clrMapOvr>
+</p:sld>
+</file>
+
+<file path=ppt/slides/slide6.xml><?xml version="1.0" encoding="utf-8"?>
+<p:sld xmlns:a="http://schemas.openxmlformats.org/drawingml/2006/main" xmlns:r="http://schemas.openxmlformats.org/officeDocument/2006/relationships" xmlns:p="http://schemas.openxmlformats.org/presentationml/2006/main">
+  <p:cSld>
+    <p:spTree>
+      <p:nvGrpSpPr>
+        <p:cNvPr id="1" name=""/>
+        <p:cNvGrpSpPr/>
+        <p:nvPr/>
+      </p:nvGrpSpPr>
+      <p:grpSpPr>
+        <a:xfrm>
+          <a:off x="0" y="0"/>
+          <a:ext cx="0" cy="0"/>
+          <a:chOff x="0" y="0"/>
+          <a:chExt cx="0" cy="0"/>
+        </a:xfrm>
+      </p:grpSpPr>
+      <p:sp>
+        <p:nvSpPr>
+          <p:cNvPr id="5" name="TextBox 4">
+            <a:extLst>
+              <a:ext uri="{FF2B5EF4-FFF2-40B4-BE49-F238E27FC236}">
+                <a16:creationId xmlns:a16="http://schemas.microsoft.com/office/drawing/2014/main" id="{1AF10CC2-7967-9B44-A222-6896FA1E60F1}"/>
+              </a:ext>
+            </a:extLst>
+          </p:cNvPr>
+          <p:cNvSpPr txBox="1"/>
+          <p:nvPr/>
+        </p:nvSpPr>
+        <p:spPr>
+          <a:xfrm>
+            <a:off x="408878" y="669074"/>
+            <a:ext cx="9969190" cy="369332"/>
+          </a:xfrm>
+          <a:prstGeom prst="rect">
+            <a:avLst/>
+          </a:prstGeom>
+          <a:noFill/>
+        </p:spPr>
+        <p:txBody>
+          <a:bodyPr wrap="square" rtlCol="0">
+            <a:spAutoFit/>
+          </a:bodyPr>
+          <a:lstStyle/>
+          <a:p>
+            <a:r>
+              <a:rPr lang="en-IN" dirty="0"/>
+              <a:t>How to calculate Mutual Information </a:t>
+            </a:r>
+          </a:p>
+        </p:txBody>
+      </p:sp>
+      <p:sp>
+        <p:nvSpPr>
+          <p:cNvPr id="3" name="TextBox 2">
+            <a:extLst>
+              <a:ext uri="{FF2B5EF4-FFF2-40B4-BE49-F238E27FC236}">
+                <a16:creationId xmlns:a16="http://schemas.microsoft.com/office/drawing/2014/main" id="{9C9F5C9E-4A77-9840-9027-51C2C965456B}"/>
+              </a:ext>
+            </a:extLst>
+          </p:cNvPr>
+          <p:cNvSpPr txBox="1"/>
+          <p:nvPr/>
+        </p:nvSpPr>
+        <p:spPr>
+          <a:xfrm>
+            <a:off x="564994" y="1115122"/>
+            <a:ext cx="9879981" cy="4801314"/>
+          </a:xfrm>
+          <a:prstGeom prst="rect">
+            <a:avLst/>
+          </a:prstGeom>
+          <a:noFill/>
+        </p:spPr>
+        <p:txBody>
+          <a:bodyPr wrap="square" rtlCol="0">
+            <a:spAutoFit/>
+          </a:bodyPr>
+          <a:lstStyle/>
+          <a:p>
+            <a:pPr marL="285750" indent="-285750">
+              <a:buFont typeface="Arial" panose="020B0604020202020204" pitchFamily="34" charset="0"/>
+              <a:buChar char="•"/>
+            </a:pPr>
+            <a:r>
+              <a:rPr lang="en-US" dirty="0"/>
+              <a:t>Identify the syntagmatic relationship between the alerts over specified time</a:t>
+            </a:r>
+          </a:p>
+          <a:p>
+            <a:pPr marL="285750" indent="-285750">
+              <a:buFont typeface="Arial" panose="020B0604020202020204" pitchFamily="34" charset="0"/>
+              <a:buChar char="•"/>
+            </a:pPr>
+            <a:endParaRPr lang="en-US" dirty="0"/>
+          </a:p>
+          <a:p>
+            <a:pPr marL="285750" indent="-285750">
+              <a:buFont typeface="Arial" panose="020B0604020202020204" pitchFamily="34" charset="0"/>
+              <a:buChar char="•"/>
+            </a:pPr>
+            <a:r>
+              <a:rPr lang="en-US" dirty="0"/>
+              <a:t>Divide the time as 5 mnts window</a:t>
+            </a:r>
+          </a:p>
+          <a:p>
+            <a:endParaRPr lang="en-US" dirty="0"/>
+          </a:p>
+          <a:p>
+            <a:r>
+              <a:rPr lang="en-US" dirty="0"/>
+              <a:t>t</a:t>
+            </a:r>
+            <a:r>
+              <a:rPr lang="en-US" baseline="-25000" dirty="0"/>
+              <a:t>i</a:t>
+            </a:r>
+            <a:r>
+              <a:rPr lang="en-US" dirty="0"/>
+              <a:t> = 1 means Alert gets generated on i</a:t>
+            </a:r>
+            <a:r>
+              <a:rPr lang="en-US" baseline="30000" dirty="0"/>
+              <a:t>th</a:t>
+            </a:r>
+            <a:r>
+              <a:rPr lang="en-US" dirty="0"/>
+              <a:t>  window</a:t>
+            </a:r>
+          </a:p>
+          <a:p>
+            <a:r>
+              <a:rPr lang="en-US" dirty="0"/>
+              <a:t>t</a:t>
+            </a:r>
+            <a:r>
+              <a:rPr lang="en-US" baseline="-25000" dirty="0"/>
+              <a:t>i</a:t>
+            </a:r>
+            <a:r>
+              <a:rPr lang="en-US" dirty="0"/>
+              <a:t> = 0 means Alert has not generated on i</a:t>
+            </a:r>
+            <a:r>
+              <a:rPr lang="en-US" baseline="30000" dirty="0"/>
+              <a:t>th</a:t>
+            </a:r>
+            <a:r>
+              <a:rPr lang="en-US" dirty="0"/>
+              <a:t>  window</a:t>
+            </a:r>
+          </a:p>
+          <a:p>
+            <a:endParaRPr lang="en-US" dirty="0"/>
+          </a:p>
+          <a:p>
+            <a:pPr marL="285750" indent="-285750">
+              <a:buFont typeface="Arial" panose="020B0604020202020204" pitchFamily="34" charset="0"/>
+              <a:buChar char="•"/>
+            </a:pPr>
+            <a:r>
+              <a:rPr lang="en-US" dirty="0"/>
+              <a:t>I(A1,A2) = H(A1) – H(A1|A2) = H(A2) – H(A2|A1)</a:t>
+            </a:r>
+          </a:p>
+          <a:p>
+            <a:pPr marL="285750" indent="-285750">
+              <a:buFont typeface="Arial" panose="020B0604020202020204" pitchFamily="34" charset="0"/>
+              <a:buChar char="•"/>
+            </a:pPr>
+            <a:endParaRPr lang="en-US" dirty="0"/>
+          </a:p>
+          <a:p>
+            <a:pPr marL="285750" indent="-285750">
+              <a:buFont typeface="Arial" panose="020B0604020202020204" pitchFamily="34" charset="0"/>
+              <a:buChar char="•"/>
+            </a:pPr>
+            <a:r>
+              <a:rPr lang="en-US" dirty="0"/>
+              <a:t>More mutual information == more correlation </a:t>
+            </a:r>
+          </a:p>
+          <a:p>
+            <a:pPr marL="285750" indent="-285750">
+              <a:buFont typeface="Arial" panose="020B0604020202020204" pitchFamily="34" charset="0"/>
+              <a:buChar char="•"/>
+            </a:pPr>
+            <a:endParaRPr lang="en-US" dirty="0"/>
+          </a:p>
+          <a:p>
+            <a:pPr marL="285750" indent="-285750">
+              <a:buFont typeface="Arial" panose="020B0604020202020204" pitchFamily="34" charset="0"/>
+              <a:buChar char="•"/>
+            </a:pPr>
+            <a:r>
+              <a:rPr lang="en-US" dirty="0"/>
+              <a:t>Calculate only p(A1|t</a:t>
+            </a:r>
+            <a:r>
+              <a:rPr lang="en-US" baseline="-25000" dirty="0"/>
+              <a:t>i</a:t>
+            </a:r>
+            <a:r>
+              <a:rPr lang="en-US" dirty="0"/>
+              <a:t>=1) , p(A2| t</a:t>
+            </a:r>
+            <a:r>
+              <a:rPr lang="en-US" baseline="-25000" dirty="0"/>
+              <a:t>i</a:t>
+            </a:r>
+            <a:r>
+              <a:rPr lang="en-US" dirty="0"/>
+              <a:t>=1) , p(A1 | t</a:t>
+            </a:r>
+            <a:r>
+              <a:rPr lang="en-US" baseline="-25000" dirty="0"/>
+              <a:t>i</a:t>
+            </a:r>
+            <a:r>
+              <a:rPr lang="en-US" dirty="0"/>
+              <a:t>=1) U p(A2 | t</a:t>
+            </a:r>
+            <a:r>
+              <a:rPr lang="en-US" baseline="-25000" dirty="0"/>
+              <a:t>i</a:t>
+            </a:r>
+            <a:r>
+              <a:rPr lang="en-US" dirty="0"/>
+              <a:t>=1) to get Mutual Information </a:t>
+            </a:r>
+          </a:p>
+          <a:p>
+            <a:pPr marL="285750" indent="-285750">
+              <a:buFont typeface="Arial" panose="020B0604020202020204" pitchFamily="34" charset="0"/>
+              <a:buChar char="•"/>
+            </a:pPr>
+            <a:endParaRPr lang="en-US" dirty="0"/>
+          </a:p>
+          <a:p>
+            <a:pPr marL="285750" indent="-285750">
+              <a:buFont typeface="Arial" panose="020B0604020202020204" pitchFamily="34" charset="0"/>
+              <a:buChar char="•"/>
+            </a:pPr>
+            <a:r>
+              <a:rPr lang="en-US" dirty="0"/>
+              <a:t>Apply Smoothing during calculation </a:t>
+            </a:r>
+          </a:p>
+          <a:p>
+            <a:pPr marL="285750" indent="-285750">
+              <a:buFont typeface="Arial" panose="020B0604020202020204" pitchFamily="34" charset="0"/>
+              <a:buChar char="•"/>
+            </a:pPr>
+            <a:endParaRPr lang="en-US" dirty="0"/>
+          </a:p>
+          <a:p>
+            <a:pPr marL="285750" indent="-285750">
+              <a:buFont typeface="Arial" panose="020B0604020202020204" pitchFamily="34" charset="0"/>
+              <a:buChar char="•"/>
+            </a:pPr>
+            <a:r>
+              <a:rPr lang="en-US" dirty="0"/>
+              <a:t>Send ontology information to neo4j </a:t>
+            </a:r>
+          </a:p>
+          <a:p>
+            <a:endParaRPr lang="en-US" dirty="0"/>
+          </a:p>
+        </p:txBody>
+      </p:sp>
+    </p:spTree>
+    <p:extLst>
+      <p:ext uri="{BB962C8B-B14F-4D97-AF65-F5344CB8AC3E}">
+        <p14:creationId xmlns:p14="http://schemas.microsoft.com/office/powerpoint/2010/main" val="919176008"/>
+      </p:ext>
+    </p:extLst>
+  </p:cSld>
+  <p:clrMapOvr>
+    <a:masterClrMapping/>
+  </p:clrMapOvr>
+</p:sld>
+</file>
+
+<file path=ppt/slides/slide7.xml><?xml version="1.0" encoding="utf-8"?>
+<p:sld xmlns:a="http://schemas.openxmlformats.org/drawingml/2006/main" xmlns:r="http://schemas.openxmlformats.org/officeDocument/2006/relationships" xmlns:p="http://schemas.openxmlformats.org/presentationml/2006/main">
+  <p:cSld>
+    <p:spTree>
+      <p:nvGrpSpPr>
+        <p:cNvPr id="1" name=""/>
+        <p:cNvGrpSpPr/>
+        <p:nvPr/>
+      </p:nvGrpSpPr>
+      <p:grpSpPr>
+        <a:xfrm>
+          <a:off x="0" y="0"/>
+          <a:ext cx="0" cy="0"/>
+          <a:chOff x="0" y="0"/>
+          <a:chExt cx="0" cy="0"/>
+        </a:xfrm>
+      </p:grpSpPr>
+      <p:sp>
+        <p:nvSpPr>
+          <p:cNvPr id="5" name="TextBox 4">
+            <a:extLst>
+              <a:ext uri="{FF2B5EF4-FFF2-40B4-BE49-F238E27FC236}">
+                <a16:creationId xmlns:a16="http://schemas.microsoft.com/office/drawing/2014/main" id="{1AF10CC2-7967-9B44-A222-6896FA1E60F1}"/>
+              </a:ext>
+            </a:extLst>
+          </p:cNvPr>
+          <p:cNvSpPr txBox="1"/>
+          <p:nvPr/>
+        </p:nvSpPr>
+        <p:spPr>
+          <a:xfrm>
+            <a:off x="356839" y="802889"/>
+            <a:ext cx="9969190" cy="646331"/>
+          </a:xfrm>
+          <a:prstGeom prst="rect">
+            <a:avLst/>
+          </a:prstGeom>
+          <a:noFill/>
+        </p:spPr>
+        <p:txBody>
+          <a:bodyPr wrap="square" rtlCol="0">
+            <a:spAutoFit/>
+          </a:bodyPr>
+          <a:lstStyle/>
+          <a:p>
+            <a:r>
+              <a:rPr lang="en-IN" dirty="0"/>
+              <a:t>Sample Data for 2 incidents </a:t>
+            </a:r>
+          </a:p>
+          <a:p>
+            <a:pPr marL="285750" indent="-285750">
+              <a:buFont typeface="Arial" panose="020B0604020202020204" pitchFamily="34" charset="0"/>
+              <a:buChar char="•"/>
+            </a:pPr>
+            <a:endParaRPr lang="en-IN" dirty="0"/>
+          </a:p>
+        </p:txBody>
+      </p:sp>
+      <p:pic>
+        <p:nvPicPr>
+          <p:cNvPr id="2" name="Picture 1">
+            <a:extLst>
+              <a:ext uri="{FF2B5EF4-FFF2-40B4-BE49-F238E27FC236}">
+                <a16:creationId xmlns:a16="http://schemas.microsoft.com/office/drawing/2014/main" id="{76198EA9-F655-0E4E-8EA3-D3C9005724A4}"/>
+              </a:ext>
+            </a:extLst>
+          </p:cNvPr>
+          <p:cNvPicPr>
+            <a:picLocks noChangeAspect="1"/>
+          </p:cNvPicPr>
+          <p:nvPr/>
+        </p:nvPicPr>
+        <p:blipFill>
+          <a:blip r:embed="rId2"/>
+          <a:stretch>
+            <a:fillRect/>
+          </a:stretch>
+        </p:blipFill>
+        <p:spPr>
+          <a:xfrm>
+            <a:off x="1943100" y="1384300"/>
+            <a:ext cx="8305800" cy="4089400"/>
+          </a:xfrm>
+          <a:prstGeom prst="rect">
+            <a:avLst/>
+          </a:prstGeom>
+        </p:spPr>
+      </p:pic>
+    </p:spTree>
+    <p:extLst>
+      <p:ext uri="{BB962C8B-B14F-4D97-AF65-F5344CB8AC3E}">
+        <p14:creationId xmlns:p14="http://schemas.microsoft.com/office/powerpoint/2010/main" val="4179915230"/>
+      </p:ext>
+    </p:extLst>
+  </p:cSld>
+  <p:clrMapOvr>
+    <a:masterClrMapping/>
+  </p:clrMapOvr>
+</p:sld>
+</file>
+
+<file path=ppt/slides/slide8.xml><?xml version="1.0" encoding="utf-8"?>
+<p:sld xmlns:a="http://schemas.openxmlformats.org/drawingml/2006/main" xmlns:r="http://schemas.openxmlformats.org/officeDocument/2006/relationships" xmlns:p="http://schemas.openxmlformats.org/presentationml/2006/main">
+  <p:cSld>
+    <p:spTree>
+      <p:nvGrpSpPr>
+        <p:cNvPr id="1" name=""/>
+        <p:cNvGrpSpPr/>
+        <p:nvPr/>
+      </p:nvGrpSpPr>
+      <p:grpSpPr>
+        <a:xfrm>
+          <a:off x="0" y="0"/>
+          <a:ext cx="0" cy="0"/>
+          <a:chOff x="0" y="0"/>
+          <a:chExt cx="0" cy="0"/>
+        </a:xfrm>
+      </p:grpSpPr>
+      <p:sp>
+        <p:nvSpPr>
+          <p:cNvPr id="5" name="TextBox 4">
+            <a:extLst>
+              <a:ext uri="{FF2B5EF4-FFF2-40B4-BE49-F238E27FC236}">
+                <a16:creationId xmlns:a16="http://schemas.microsoft.com/office/drawing/2014/main" id="{1AF10CC2-7967-9B44-A222-6896FA1E60F1}"/>
+              </a:ext>
+            </a:extLst>
+          </p:cNvPr>
+          <p:cNvSpPr txBox="1"/>
+          <p:nvPr/>
+        </p:nvSpPr>
+        <p:spPr>
+          <a:xfrm>
+            <a:off x="408878" y="669074"/>
+            <a:ext cx="9969190" cy="369332"/>
+          </a:xfrm>
+          <a:prstGeom prst="rect">
+            <a:avLst/>
+          </a:prstGeom>
+          <a:noFill/>
+        </p:spPr>
+        <p:txBody>
+          <a:bodyPr wrap="square" rtlCol="0">
+            <a:spAutoFit/>
+          </a:bodyPr>
+          <a:lstStyle/>
+          <a:p>
+            <a:r>
+              <a:rPr lang="en-IN" b="1" dirty="0"/>
+              <a:t>Demo</a:t>
+            </a:r>
+          </a:p>
+        </p:txBody>
+      </p:sp>
+    </p:spTree>
+    <p:extLst>
+      <p:ext uri="{BB962C8B-B14F-4D97-AF65-F5344CB8AC3E}">
+        <p14:creationId xmlns:p14="http://schemas.microsoft.com/office/powerpoint/2010/main" val="1548830023"/>
+      </p:ext>
+    </p:extLst>
+  </p:cSld>
+  <p:clrMapOvr>
+    <a:masterClrMapping/>
+  </p:clrMapOvr>
+</p:sld>
+</file>
+
+<file path=ppt/slides/slide9.xml><?xml version="1.0" encoding="utf-8"?>
+<p:sld xmlns:a="http://schemas.openxmlformats.org/drawingml/2006/main" xmlns:r="http://schemas.openxmlformats.org/officeDocument/2006/relationships" xmlns:p="http://schemas.openxmlformats.org/presentationml/2006/main">
+  <p:cSld>
+    <p:bg>
+      <p:bgPr>
+        <a:solidFill>
+          <a:schemeClr val="bg1"/>
+        </a:solidFill>
+        <a:effectLst/>
+      </p:bgPr>
+    </p:bg>
+    <p:spTree>
+      <p:nvGrpSpPr>
+        <p:cNvPr id="1" name=""/>
+        <p:cNvGrpSpPr/>
+        <p:nvPr/>
+      </p:nvGrpSpPr>
+      <p:grpSpPr>
+        <a:xfrm>
+          <a:off x="0" y="0"/>
+          <a:ext cx="0" cy="0"/>
+          <a:chOff x="0" y="0"/>
+          <a:chExt cx="0" cy="0"/>
+        </a:xfrm>
+      </p:grpSpPr>
+      <p:cxnSp>
+        <p:nvCxnSpPr>
+          <p:cNvPr id="17" name="Straight Connector 16">
+            <a:extLst>
+              <a:ext uri="{FF2B5EF4-FFF2-40B4-BE49-F238E27FC236}">
+                <a16:creationId xmlns:a16="http://schemas.microsoft.com/office/drawing/2014/main" id="{108D74AC-B125-4E11-BA53-E9E383966DF8}"/>
+              </a:ext>
+              <a:ext uri="{C183D7F6-B498-43B3-948B-1728B52AA6E4}">
+                <adec:decorative xmlns:adec="http://schemas.microsoft.com/office/drawing/2017/decorative" val="1"/>
+              </a:ext>
+            </a:extLst>
+          </p:cNvPr>
+          <p:cNvCxnSpPr>
+            <a:cxnSpLocks noGrp="1" noRot="1" noChangeAspect="1" noMove="1" noResize="1" noEditPoints="1" noAdjustHandles="1" noChangeArrowheads="1" noChangeShapeType="1"/>
+          </p:cNvCxnSpPr>
+          <p:nvPr>
+            <p:extLst>
+              <p:ext uri="{386F3935-93C4-4BCD-93E2-E3B085C9AB24}">
+                <p16:designElem xmlns:p16="http://schemas.microsoft.com/office/powerpoint/2015/main" val="1"/>
+              </p:ext>
+            </p:extLst>
+          </p:nvPr>
+        </p:nvCxnSpPr>
+        <p:spPr>
+          <a:xfrm>
+            <a:off x="482600" y="489855"/>
+            <a:ext cx="11147071" cy="0"/>
+          </a:xfrm>
+          <a:prstGeom prst="line">
+            <a:avLst/>
+          </a:prstGeom>
+          <a:ln w="28575">
+            <a:solidFill>
+              <a:schemeClr val="tx2"/>
+            </a:solidFill>
+          </a:ln>
+        </p:spPr>
+        <p:style>
+          <a:lnRef idx="1">
+            <a:schemeClr val="dk1"/>
+          </a:lnRef>
+          <a:fillRef idx="0">
+            <a:schemeClr val="dk1"/>
+          </a:fillRef>
+          <a:effectRef idx="0">
+            <a:schemeClr val="dk1"/>
+          </a:effectRef>
+          <a:fontRef idx="minor">
+            <a:schemeClr val="tx1"/>
+          </a:fontRef>
+        </p:style>
+      </p:cxnSp>
+      <p:cxnSp>
+        <p:nvCxnSpPr>
+          <p:cNvPr id="19" name="Straight Connector 18">
+            <a:extLst>
+              <a:ext uri="{FF2B5EF4-FFF2-40B4-BE49-F238E27FC236}">
+                <a16:creationId xmlns:a16="http://schemas.microsoft.com/office/drawing/2014/main" id="{9DC76EBE-FB9D-4054-B5D8-19E3EAFE40B2}"/>
+              </a:ext>
+              <a:ext uri="{C183D7F6-B498-43B3-948B-1728B52AA6E4}">
+                <adec:decorative xmlns:adec="http://schemas.microsoft.com/office/drawing/2017/decorative" val="1"/>
+              </a:ext>
+            </a:extLst>
+          </p:cNvPr>
+          <p:cNvCxnSpPr>
+            <a:cxnSpLocks noGrp="1" noRot="1" noChangeAspect="1" noMove="1" noResize="1" noEditPoints="1" noAdjustHandles="1" noChangeArrowheads="1" noChangeShapeType="1"/>
+          </p:cNvCxnSpPr>
+          <p:nvPr>
+            <p:extLst>
+              <p:ext uri="{386F3935-93C4-4BCD-93E2-E3B085C9AB24}">
+                <p16:designElem xmlns:p16="http://schemas.microsoft.com/office/powerpoint/2015/main" val="1"/>
+              </p:ext>
+            </p:extLst>
+          </p:nvPr>
+        </p:nvCxnSpPr>
+        <p:spPr>
+          <a:xfrm>
+            <a:off x="482600" y="6368138"/>
+            <a:ext cx="11147071" cy="0"/>
+          </a:xfrm>
+          <a:prstGeom prst="line">
+            <a:avLst/>
+          </a:prstGeom>
+          <a:ln w="28575">
+            <a:solidFill>
+              <a:schemeClr val="tx2"/>
+            </a:solidFill>
+          </a:ln>
+        </p:spPr>
+        <p:style>
+          <a:lnRef idx="1">
+            <a:schemeClr val="dk1"/>
+          </a:lnRef>
+          <a:fillRef idx="0">
+            <a:schemeClr val="dk1"/>
+          </a:fillRef>
+          <a:effectRef idx="0">
+            <a:schemeClr val="dk1"/>
+          </a:effectRef>
+          <a:fontRef idx="minor">
+            <a:schemeClr val="tx1"/>
+          </a:fontRef>
+        </p:style>
+      </p:cxnSp>
+      <p:cxnSp>
+        <p:nvCxnSpPr>
+          <p:cNvPr id="21" name="Straight Connector 20">
+            <a:extLst>
+              <a:ext uri="{FF2B5EF4-FFF2-40B4-BE49-F238E27FC236}">
+                <a16:creationId xmlns:a16="http://schemas.microsoft.com/office/drawing/2014/main" id="{7DA568B4-06BE-42A6-A5B6-A0FC251DAE00}"/>
+              </a:ext>
+              <a:ext uri="{C183D7F6-B498-43B3-948B-1728B52AA6E4}">
+                <adec:decorative xmlns:adec="http://schemas.microsoft.com/office/drawing/2017/decorative" val="1"/>
+              </a:ext>
+            </a:extLst>
+          </p:cNvPr>
+          <p:cNvCxnSpPr>
+            <a:cxnSpLocks noGrp="1" noRot="1" noChangeAspect="1" noMove="1" noResize="1" noEditPoints="1" noAdjustHandles="1" noChangeArrowheads="1" noChangeShapeType="1"/>
+          </p:cNvCxnSpPr>
+          <p:nvPr>
+            <p:extLst>
+              <p:ext uri="{386F3935-93C4-4BCD-93E2-E3B085C9AB24}">
+                <p16:designElem xmlns:p16="http://schemas.microsoft.com/office/powerpoint/2015/main" val="1"/>
+              </p:ext>
+            </p:extLst>
+          </p:nvPr>
+        </p:nvCxnSpPr>
+        <p:spPr>
+          <a:xfrm>
+            <a:off x="482600" y="489855"/>
+            <a:ext cx="11147071" cy="0"/>
+          </a:xfrm>
+          <a:prstGeom prst="line">
+            <a:avLst/>
+          </a:prstGeom>
+          <a:ln w="28575">
+            <a:solidFill>
+              <a:schemeClr val="tx2"/>
+            </a:solidFill>
+          </a:ln>
+        </p:spPr>
+        <p:style>
+          <a:lnRef idx="1">
+            <a:schemeClr val="dk1"/>
+          </a:lnRef>
+          <a:fillRef idx="0">
+            <a:schemeClr val="dk1"/>
+          </a:fillRef>
+          <a:effectRef idx="0">
+            <a:schemeClr val="dk1"/>
+          </a:effectRef>
+          <a:fontRef idx="minor">
+            <a:schemeClr val="tx1"/>
+          </a:fontRef>
+        </p:style>
+      </p:cxnSp>
+      <p:cxnSp>
+        <p:nvCxnSpPr>
+          <p:cNvPr id="23" name="Straight Connector 22">
+            <a:extLst>
+              <a:ext uri="{FF2B5EF4-FFF2-40B4-BE49-F238E27FC236}">
+                <a16:creationId xmlns:a16="http://schemas.microsoft.com/office/drawing/2014/main" id="{ACC85BFE-0D03-41B5-87E4-5FA667FA5588}"/>
+              </a:ext>
+              <a:ext uri="{C183D7F6-B498-43B3-948B-1728B52AA6E4}">
+                <adec:decorative xmlns:adec="http://schemas.microsoft.com/office/drawing/2017/decorative" val="1"/>
+              </a:ext>
+            </a:extLst>
+          </p:cNvPr>
+          <p:cNvCxnSpPr>
+            <a:cxnSpLocks noGrp="1" noRot="1" noChangeAspect="1" noMove="1" noResize="1" noEditPoints="1" noAdjustHandles="1" noChangeArrowheads="1" noChangeShapeType="1"/>
+          </p:cNvCxnSpPr>
+          <p:nvPr>
+            <p:extLst>
+              <p:ext uri="{386F3935-93C4-4BCD-93E2-E3B085C9AB24}">
+                <p16:designElem xmlns:p16="http://schemas.microsoft.com/office/powerpoint/2015/main" val="1"/>
+              </p:ext>
+            </p:extLst>
+          </p:nvPr>
+        </p:nvCxnSpPr>
+        <p:spPr>
+          <a:xfrm>
+            <a:off x="482600" y="6368138"/>
+            <a:ext cx="11147071" cy="0"/>
+          </a:xfrm>
+          <a:prstGeom prst="line">
+            <a:avLst/>
+          </a:prstGeom>
+          <a:ln w="28575">
+            <a:solidFill>
+              <a:schemeClr val="tx2"/>
+            </a:solidFill>
+          </a:ln>
+        </p:spPr>
+        <p:style>
+          <a:lnRef idx="1">
+            <a:schemeClr val="dk1"/>
+          </a:lnRef>
+          <a:fillRef idx="0">
+            <a:schemeClr val="dk1"/>
+          </a:fillRef>
+          <a:effectRef idx="0">
+            <a:schemeClr val="dk1"/>
+          </a:effectRef>
+          <a:fontRef idx="minor">
+            <a:schemeClr val="tx1"/>
+          </a:fontRef>
+        </p:style>
+      </p:cxnSp>
+      <p:sp useBgFill="1">
+        <p:nvSpPr>
+          <p:cNvPr id="25" name="Rectangle 24">
+            <a:extLst>
+              <a:ext uri="{FF2B5EF4-FFF2-40B4-BE49-F238E27FC236}">
+                <a16:creationId xmlns:a16="http://schemas.microsoft.com/office/drawing/2014/main" id="{92B0CFF1-78D7-4A83-A95E-71F9E3831622}"/>
+              </a:ext>
+              <a:ext uri="{C183D7F6-B498-43B3-948B-1728B52AA6E4}">
+                <adec:decorative xmlns:adec="http://schemas.microsoft.com/office/drawing/2017/decorative" val="1"/>
+              </a:ext>
+            </a:extLst>
+          </p:cNvPr>
+          <p:cNvSpPr>
+            <a:spLocks noGrp="1" noRot="1" noChangeAspect="1" noMove="1" noResize="1" noEditPoints="1" noAdjustHandles="1" noChangeArrowheads="1" noChangeShapeType="1" noTextEdit="1"/>
+          </p:cNvSpPr>
+          <p:nvPr>
+            <p:extLst>
+              <p:ext uri="{386F3935-93C4-4BCD-93E2-E3B085C9AB24}">
+                <p16:designElem xmlns:p16="http://schemas.microsoft.com/office/powerpoint/2015/main" val="1"/>
+              </p:ext>
+            </p:extLst>
+          </p:nvPr>
+        </p:nvSpPr>
+        <p:spPr>
+          <a:xfrm>
+            <a:off x="0" y="0"/>
+            <a:ext cx="12192000" cy="6858001"/>
+          </a:xfrm>
+          <a:prstGeom prst="rect">
+            <a:avLst/>
+          </a:prstGeom>
+          <a:ln>
+            <a:noFill/>
+          </a:ln>
+        </p:spPr>
+        <p:style>
+          <a:lnRef idx="2">
+            <a:schemeClr val="accent1">
+              <a:shade val="50000"/>
+            </a:schemeClr>
+          </a:lnRef>
+          <a:fillRef idx="1">
+            <a:schemeClr val="accent1"/>
+          </a:fillRef>
+          <a:effectRef idx="0">
+            <a:schemeClr val="accent1"/>
+          </a:effectRef>
+          <a:fontRef idx="minor">
+            <a:schemeClr val="lt1"/>
+          </a:fontRef>
+        </p:style>
+        <p:txBody>
+          <a:bodyPr rtlCol="0" anchor="ctr"/>
+          <a:lstStyle/>
+          <a:p>
+            <a:pPr algn="ctr"/>
+            <a:endParaRPr lang="en-US" dirty="0"/>
+          </a:p>
+        </p:txBody>
+      </p:sp>
+      <p:cxnSp>
+        <p:nvCxnSpPr>
+          <p:cNvPr id="27" name="Straight Connector 26">
+            <a:extLst>
+              <a:ext uri="{FF2B5EF4-FFF2-40B4-BE49-F238E27FC236}">
+                <a16:creationId xmlns:a16="http://schemas.microsoft.com/office/drawing/2014/main" id="{6108BD3D-CFD0-4A15-ACF6-EBC254CD7CF1}"/>
+              </a:ext>
+              <a:ext uri="{C183D7F6-B498-43B3-948B-1728B52AA6E4}">
+                <adec:decorative xmlns:adec="http://schemas.microsoft.com/office/drawing/2017/decorative" val="1"/>
+              </a:ext>
+            </a:extLst>
+          </p:cNvPr>
+          <p:cNvCxnSpPr>
+            <a:cxnSpLocks noGrp="1" noRot="1" noChangeAspect="1" noMove="1" noResize="1" noEditPoints="1" noAdjustHandles="1" noChangeArrowheads="1" noChangeShapeType="1"/>
+          </p:cNvCxnSpPr>
+          <p:nvPr>
+            <p:extLst>
+              <p:ext uri="{386F3935-93C4-4BCD-93E2-E3B085C9AB24}">
+                <p16:designElem xmlns:p16="http://schemas.microsoft.com/office/powerpoint/2015/main" val="1"/>
+              </p:ext>
+            </p:extLst>
+          </p:nvPr>
+        </p:nvCxnSpPr>
+        <p:spPr>
+          <a:xfrm>
+            <a:off x="482600" y="489855"/>
+            <a:ext cx="11147071" cy="0"/>
+          </a:xfrm>
+          <a:prstGeom prst="line">
+            <a:avLst/>
+          </a:prstGeom>
+          <a:ln w="28575">
+            <a:solidFill>
+              <a:schemeClr val="tx2"/>
+            </a:solidFill>
+          </a:ln>
+        </p:spPr>
+        <p:style>
+          <a:lnRef idx="1">
+            <a:schemeClr val="dk1"/>
+          </a:lnRef>
+          <a:fillRef idx="0">
+            <a:schemeClr val="dk1"/>
+          </a:fillRef>
+          <a:effectRef idx="0">
+            <a:schemeClr val="dk1"/>
+          </a:effectRef>
+          <a:fontRef idx="minor">
+            <a:schemeClr val="tx1"/>
+          </a:fontRef>
+        </p:style>
+      </p:cxnSp>
+      <p:cxnSp>
+        <p:nvCxnSpPr>
+          <p:cNvPr id="29" name="Straight Connector 28">
+            <a:extLst>
+              <a:ext uri="{FF2B5EF4-FFF2-40B4-BE49-F238E27FC236}">
+                <a16:creationId xmlns:a16="http://schemas.microsoft.com/office/drawing/2014/main" id="{DB2019E5-6C31-4640-A135-6BBA7FFCF694}"/>
+              </a:ext>
+              <a:ext uri="{C183D7F6-B498-43B3-948B-1728B52AA6E4}">
+                <adec:decorative xmlns:adec="http://schemas.microsoft.com/office/drawing/2017/decorative" val="1"/>
+              </a:ext>
+            </a:extLst>
+          </p:cNvPr>
+          <p:cNvCxnSpPr>
+            <a:cxnSpLocks noGrp="1" noRot="1" noChangeAspect="1" noMove="1" noResize="1" noEditPoints="1" noAdjustHandles="1" noChangeArrowheads="1" noChangeShapeType="1"/>
+          </p:cNvCxnSpPr>
+          <p:nvPr>
+            <p:extLst>
+              <p:ext uri="{386F3935-93C4-4BCD-93E2-E3B085C9AB24}">
+                <p16:designElem xmlns:p16="http://schemas.microsoft.com/office/powerpoint/2015/main" val="1"/>
+              </p:ext>
+            </p:extLst>
+          </p:nvPr>
+        </p:nvCxnSpPr>
+        <p:spPr>
+          <a:xfrm>
+            <a:off x="482600" y="6368138"/>
+            <a:ext cx="11147071" cy="0"/>
+          </a:xfrm>
+          <a:prstGeom prst="line">
+            <a:avLst/>
+          </a:prstGeom>
+          <a:ln w="28575">
+            <a:solidFill>
+              <a:schemeClr val="tx2"/>
+            </a:solidFill>
+          </a:ln>
+        </p:spPr>
+        <p:style>
+          <a:lnRef idx="1">
+            <a:schemeClr val="dk1"/>
+          </a:lnRef>
+          <a:fillRef idx="0">
+            <a:schemeClr val="dk1"/>
+          </a:fillRef>
+          <a:effectRef idx="0">
+            <a:schemeClr val="dk1"/>
+          </a:effectRef>
+          <a:fontRef idx="minor">
+            <a:schemeClr val="tx1"/>
+          </a:fontRef>
+        </p:style>
+      </p:cxnSp>
+      <p:sp>
+        <p:nvSpPr>
+          <p:cNvPr id="10" name="Title 1">
+            <a:extLst>
+              <a:ext uri="{FF2B5EF4-FFF2-40B4-BE49-F238E27FC236}">
+                <a16:creationId xmlns:a16="http://schemas.microsoft.com/office/drawing/2014/main" id="{3A70522E-8AF8-6A4F-8657-48DA4CC4A164}"/>
+              </a:ext>
+            </a:extLst>
+          </p:cNvPr>
+          <p:cNvSpPr txBox="1">
+            <a:spLocks/>
+          </p:cNvSpPr>
+          <p:nvPr/>
+        </p:nvSpPr>
+        <p:spPr>
+          <a:xfrm>
+            <a:off x="444500" y="665637"/>
+            <a:ext cx="8661400" cy="774192"/>
+          </a:xfrm>
+          <a:prstGeom prst="rect">
+            <a:avLst/>
+          </a:prstGeom>
+        </p:spPr>
+        <p:txBody>
+          <a:bodyPr vert="horz" lIns="91440" tIns="45720" rIns="91440" bIns="45720" rtlCol="0" anchor="b">
+            <a:noAutofit/>
+          </a:bodyPr>
+          <a:lstStyle>
+            <a:lvl1pPr algn="l" defTabSz="914400" rtl="0" eaLnBrk="1" latinLnBrk="0" hangingPunct="1">
+              <a:lnSpc>
+                <a:spcPct val="100000"/>
+              </a:lnSpc>
+              <a:spcBef>
+                <a:spcPct val="0"/>
+              </a:spcBef>
+              <a:buNone/>
+              <a:defRPr sz="6600" kern="1200">
+                <a:solidFill>
+                  <a:schemeClr val="tx1"/>
+                </a:solidFill>
+                <a:latin typeface="+mj-lt"/>
+                <a:ea typeface="+mj-ea"/>
+                <a:cs typeface="+mj-cs"/>
+              </a:defRPr>
+            </a:lvl1pPr>
+          </a:lstStyle>
+          <a:p>
+            <a:r>
+              <a:rPr lang="en-US" sz="2800" b="1" dirty="0"/>
+              <a:t>User Interaction, Query Layer, Neo4j Visualization</a:t>
+            </a:r>
+            <a:br>
+              <a:rPr lang="en-US" sz="2800" b="1" dirty="0"/>
+            </a:br>
+            <a:endParaRPr lang="en-US" sz="2800" dirty="0"/>
+          </a:p>
+        </p:txBody>
+      </p:sp>
+      <p:sp>
+        <p:nvSpPr>
+          <p:cNvPr id="11" name="TextBox 10">
+            <a:extLst>
+              <a:ext uri="{FF2B5EF4-FFF2-40B4-BE49-F238E27FC236}">
+                <a16:creationId xmlns:a16="http://schemas.microsoft.com/office/drawing/2014/main" id="{B32AE59A-BBE9-F344-B432-A0FC9A5F95BD}"/>
+              </a:ext>
+            </a:extLst>
+          </p:cNvPr>
+          <p:cNvSpPr txBox="1"/>
+          <p:nvPr/>
+        </p:nvSpPr>
+        <p:spPr>
+          <a:xfrm>
+            <a:off x="746038" y="5067970"/>
+            <a:ext cx="10455094" cy="1477328"/>
+          </a:xfrm>
+          <a:prstGeom prst="rect">
+            <a:avLst/>
+          </a:prstGeom>
+          <a:noFill/>
+        </p:spPr>
+        <p:txBody>
+          <a:bodyPr wrap="square" rtlCol="0">
+            <a:spAutoFit/>
+          </a:bodyPr>
+          <a:lstStyle/>
+          <a:p>
+            <a:r>
+              <a:rPr lang="en-IN" dirty="0"/>
+              <a:t>Neo4jAlert provides</a:t>
+            </a:r>
+          </a:p>
+          <a:p>
+            <a:pPr marL="342900" indent="-342900">
+              <a:buAutoNum type="alphaLcParenR"/>
+            </a:pPr>
+            <a:r>
+              <a:rPr lang="en-IN" dirty="0"/>
+              <a:t>REST API to query Neo4j knowledge graph</a:t>
+            </a:r>
+          </a:p>
+          <a:p>
+            <a:pPr marL="342900" indent="-342900">
+              <a:buAutoNum type="alphaLcParenR"/>
+            </a:pPr>
+            <a:r>
+              <a:rPr lang="en-IN" dirty="0"/>
+              <a:t>User interactive terminal interface (via REST API )</a:t>
+            </a:r>
+          </a:p>
+          <a:p>
+            <a:pPr marL="342900" indent="-342900">
+              <a:buAutoNum type="alphaLcParenR"/>
+            </a:pPr>
+            <a:r>
+              <a:rPr lang="en-IN" dirty="0"/>
+              <a:t>Cypher queries that can be executed on Neo4j browser </a:t>
+            </a:r>
+          </a:p>
+          <a:p>
+            <a:endParaRPr lang="en-IN" dirty="0"/>
+          </a:p>
+        </p:txBody>
+      </p:sp>
+      <p:pic>
+        <p:nvPicPr>
+          <p:cNvPr id="2" name="Picture 1">
+            <a:extLst>
+              <a:ext uri="{FF2B5EF4-FFF2-40B4-BE49-F238E27FC236}">
+                <a16:creationId xmlns:a16="http://schemas.microsoft.com/office/drawing/2014/main" id="{EBC430A1-1F1F-3E46-8FDD-78D2818A7FDA}"/>
+              </a:ext>
+            </a:extLst>
+          </p:cNvPr>
+          <p:cNvPicPr>
+            <a:picLocks noChangeAspect="1"/>
+          </p:cNvPicPr>
+          <p:nvPr/>
+        </p:nvPicPr>
+        <p:blipFill>
+          <a:blip r:embed="rId2"/>
+          <a:stretch>
+            <a:fillRect/>
+          </a:stretch>
+        </p:blipFill>
+        <p:spPr>
+          <a:xfrm>
+            <a:off x="953997" y="1051366"/>
+            <a:ext cx="8482103" cy="3961275"/>
+          </a:xfrm>
+          <a:prstGeom prst="rect">
+            <a:avLst/>
+          </a:prstGeom>
+        </p:spPr>
+      </p:pic>
+    </p:spTree>
+    <p:extLst>
+      <p:ext uri="{BB962C8B-B14F-4D97-AF65-F5344CB8AC3E}">
+        <p14:creationId xmlns:p14="http://schemas.microsoft.com/office/powerpoint/2010/main" val="3815100322"/>
       </p:ext>
     </p:extLst>
   </p:cSld>

--- a/Team_Alpha_Presentation.pptx
+++ b/Team_Alpha_Presentation.pptx
@@ -14,9 +14,11 @@
     <p:sldId id="259" r:id="rId8"/>
     <p:sldId id="271" r:id="rId9"/>
     <p:sldId id="256" r:id="rId10"/>
-    <p:sldId id="267" r:id="rId11"/>
-    <p:sldId id="272" r:id="rId12"/>
-    <p:sldId id="264" r:id="rId13"/>
+    <p:sldId id="274" r:id="rId11"/>
+    <p:sldId id="267" r:id="rId12"/>
+    <p:sldId id="273" r:id="rId13"/>
+    <p:sldId id="272" r:id="rId14"/>
+    <p:sldId id="264" r:id="rId15"/>
   </p:sldIdLst>
   <p:sldSz cx="12192000" cy="6858000"/>
   <p:notesSz cx="6858000" cy="9144000"/>
@@ -4289,7 +4291,7 @@
           <a:p>
             <a:r>
               <a:rPr lang="en-US" sz="4000" b="1" dirty="0"/>
-              <a:t>Alert Correlation Engine using Mutual Information</a:t>
+              <a:t>Design Alert Correlation Engine using Mutual Information</a:t>
             </a:r>
             <a:br>
               <a:rPr lang="en-US" sz="4000" b="1" dirty="0"/>
@@ -4322,7 +4324,7 @@
             <a:pPr algn="r"/>
             <a:r>
               <a:rPr lang="en-US" b="1" dirty="0"/>
-              <a:t>CS-410 – Fall 2020</a:t>
+              <a:t>CS-410 – Fall 2021</a:t>
             </a:r>
           </a:p>
           <a:p>
@@ -4336,21 +4338,21 @@
             <a:pPr algn="r"/>
             <a:r>
               <a:rPr lang="en-US" sz="1600" dirty="0"/>
-              <a:t>Abhijit Bhadra()</a:t>
+              <a:t>Abhijit Bhadra</a:t>
             </a:r>
           </a:p>
           <a:p>
             <a:pPr algn="r"/>
             <a:r>
               <a:rPr lang="en-US" sz="1600" dirty="0"/>
-              <a:t>Sanjeev Kumar()</a:t>
+              <a:t>Sanjeev Kumar</a:t>
             </a:r>
           </a:p>
           <a:p>
             <a:pPr algn="r"/>
             <a:r>
               <a:rPr lang="en-US" sz="1600" dirty="0"/>
-              <a:t>Swati Nanda()</a:t>
+              <a:t>Swati Nanda</a:t>
             </a:r>
           </a:p>
         </p:txBody>
@@ -4371,6 +4373,14 @@
 <file path=ppt/slides/slide10.xml><?xml version="1.0" encoding="utf-8"?>
 <p:sld xmlns:a="http://schemas.openxmlformats.org/drawingml/2006/main" xmlns:r="http://schemas.openxmlformats.org/officeDocument/2006/relationships" xmlns:p="http://schemas.openxmlformats.org/presentationml/2006/main">
   <p:cSld>
+    <p:bg>
+      <p:bgPr>
+        <a:solidFill>
+          <a:schemeClr val="bg1"/>
+        </a:solidFill>
+        <a:effectLst/>
+      </p:bgPr>
+    </p:bg>
     <p:spTree>
       <p:nvGrpSpPr>
         <p:cNvPr id="1" name=""/>
@@ -4385,168 +4395,440 @@
           <a:chExt cx="0" cy="0"/>
         </a:xfrm>
       </p:grpSpPr>
+      <p:cxnSp>
+        <p:nvCxnSpPr>
+          <p:cNvPr id="17" name="Straight Connector 16">
+            <a:extLst>
+              <a:ext uri="{FF2B5EF4-FFF2-40B4-BE49-F238E27FC236}">
+                <a16:creationId xmlns:a16="http://schemas.microsoft.com/office/drawing/2014/main" id="{108D74AC-B125-4E11-BA53-E9E383966DF8}"/>
+              </a:ext>
+              <a:ext uri="{C183D7F6-B498-43B3-948B-1728B52AA6E4}">
+                <adec:decorative xmlns:adec="http://schemas.microsoft.com/office/drawing/2017/decorative" val="1"/>
+              </a:ext>
+            </a:extLst>
+          </p:cNvPr>
+          <p:cNvCxnSpPr>
+            <a:cxnSpLocks noGrp="1" noRot="1" noChangeAspect="1" noMove="1" noResize="1" noEditPoints="1" noAdjustHandles="1" noChangeArrowheads="1" noChangeShapeType="1"/>
+          </p:cNvCxnSpPr>
+          <p:nvPr>
+            <p:extLst>
+              <p:ext uri="{386F3935-93C4-4BCD-93E2-E3B085C9AB24}">
+                <p16:designElem xmlns:p16="http://schemas.microsoft.com/office/powerpoint/2015/main" val="1"/>
+              </p:ext>
+            </p:extLst>
+          </p:nvPr>
+        </p:nvCxnSpPr>
+        <p:spPr>
+          <a:xfrm>
+            <a:off x="482600" y="489855"/>
+            <a:ext cx="11147071" cy="0"/>
+          </a:xfrm>
+          <a:prstGeom prst="line">
+            <a:avLst/>
+          </a:prstGeom>
+          <a:ln w="28575">
+            <a:solidFill>
+              <a:schemeClr val="tx2"/>
+            </a:solidFill>
+          </a:ln>
+        </p:spPr>
+        <p:style>
+          <a:lnRef idx="1">
+            <a:schemeClr val="dk1"/>
+          </a:lnRef>
+          <a:fillRef idx="0">
+            <a:schemeClr val="dk1"/>
+          </a:fillRef>
+          <a:effectRef idx="0">
+            <a:schemeClr val="dk1"/>
+          </a:effectRef>
+          <a:fontRef idx="minor">
+            <a:schemeClr val="tx1"/>
+          </a:fontRef>
+        </p:style>
+      </p:cxnSp>
+      <p:cxnSp>
+        <p:nvCxnSpPr>
+          <p:cNvPr id="19" name="Straight Connector 18">
+            <a:extLst>
+              <a:ext uri="{FF2B5EF4-FFF2-40B4-BE49-F238E27FC236}">
+                <a16:creationId xmlns:a16="http://schemas.microsoft.com/office/drawing/2014/main" id="{9DC76EBE-FB9D-4054-B5D8-19E3EAFE40B2}"/>
+              </a:ext>
+              <a:ext uri="{C183D7F6-B498-43B3-948B-1728B52AA6E4}">
+                <adec:decorative xmlns:adec="http://schemas.microsoft.com/office/drawing/2017/decorative" val="1"/>
+              </a:ext>
+            </a:extLst>
+          </p:cNvPr>
+          <p:cNvCxnSpPr>
+            <a:cxnSpLocks noGrp="1" noRot="1" noChangeAspect="1" noMove="1" noResize="1" noEditPoints="1" noAdjustHandles="1" noChangeArrowheads="1" noChangeShapeType="1"/>
+          </p:cNvCxnSpPr>
+          <p:nvPr>
+            <p:extLst>
+              <p:ext uri="{386F3935-93C4-4BCD-93E2-E3B085C9AB24}">
+                <p16:designElem xmlns:p16="http://schemas.microsoft.com/office/powerpoint/2015/main" val="1"/>
+              </p:ext>
+            </p:extLst>
+          </p:nvPr>
+        </p:nvCxnSpPr>
+        <p:spPr>
+          <a:xfrm>
+            <a:off x="482600" y="6368138"/>
+            <a:ext cx="11147071" cy="0"/>
+          </a:xfrm>
+          <a:prstGeom prst="line">
+            <a:avLst/>
+          </a:prstGeom>
+          <a:ln w="28575">
+            <a:solidFill>
+              <a:schemeClr val="tx2"/>
+            </a:solidFill>
+          </a:ln>
+        </p:spPr>
+        <p:style>
+          <a:lnRef idx="1">
+            <a:schemeClr val="dk1"/>
+          </a:lnRef>
+          <a:fillRef idx="0">
+            <a:schemeClr val="dk1"/>
+          </a:fillRef>
+          <a:effectRef idx="0">
+            <a:schemeClr val="dk1"/>
+          </a:effectRef>
+          <a:fontRef idx="minor">
+            <a:schemeClr val="tx1"/>
+          </a:fontRef>
+        </p:style>
+      </p:cxnSp>
+      <p:cxnSp>
+        <p:nvCxnSpPr>
+          <p:cNvPr id="21" name="Straight Connector 20">
+            <a:extLst>
+              <a:ext uri="{FF2B5EF4-FFF2-40B4-BE49-F238E27FC236}">
+                <a16:creationId xmlns:a16="http://schemas.microsoft.com/office/drawing/2014/main" id="{7DA568B4-06BE-42A6-A5B6-A0FC251DAE00}"/>
+              </a:ext>
+              <a:ext uri="{C183D7F6-B498-43B3-948B-1728B52AA6E4}">
+                <adec:decorative xmlns:adec="http://schemas.microsoft.com/office/drawing/2017/decorative" val="1"/>
+              </a:ext>
+            </a:extLst>
+          </p:cNvPr>
+          <p:cNvCxnSpPr>
+            <a:cxnSpLocks noGrp="1" noRot="1" noChangeAspect="1" noMove="1" noResize="1" noEditPoints="1" noAdjustHandles="1" noChangeArrowheads="1" noChangeShapeType="1"/>
+          </p:cNvCxnSpPr>
+          <p:nvPr>
+            <p:extLst>
+              <p:ext uri="{386F3935-93C4-4BCD-93E2-E3B085C9AB24}">
+                <p16:designElem xmlns:p16="http://schemas.microsoft.com/office/powerpoint/2015/main" val="1"/>
+              </p:ext>
+            </p:extLst>
+          </p:nvPr>
+        </p:nvCxnSpPr>
+        <p:spPr>
+          <a:xfrm>
+            <a:off x="482600" y="489855"/>
+            <a:ext cx="11147071" cy="0"/>
+          </a:xfrm>
+          <a:prstGeom prst="line">
+            <a:avLst/>
+          </a:prstGeom>
+          <a:ln w="28575">
+            <a:solidFill>
+              <a:schemeClr val="tx2"/>
+            </a:solidFill>
+          </a:ln>
+        </p:spPr>
+        <p:style>
+          <a:lnRef idx="1">
+            <a:schemeClr val="dk1"/>
+          </a:lnRef>
+          <a:fillRef idx="0">
+            <a:schemeClr val="dk1"/>
+          </a:fillRef>
+          <a:effectRef idx="0">
+            <a:schemeClr val="dk1"/>
+          </a:effectRef>
+          <a:fontRef idx="minor">
+            <a:schemeClr val="tx1"/>
+          </a:fontRef>
+        </p:style>
+      </p:cxnSp>
+      <p:cxnSp>
+        <p:nvCxnSpPr>
+          <p:cNvPr id="23" name="Straight Connector 22">
+            <a:extLst>
+              <a:ext uri="{FF2B5EF4-FFF2-40B4-BE49-F238E27FC236}">
+                <a16:creationId xmlns:a16="http://schemas.microsoft.com/office/drawing/2014/main" id="{ACC85BFE-0D03-41B5-87E4-5FA667FA5588}"/>
+              </a:ext>
+              <a:ext uri="{C183D7F6-B498-43B3-948B-1728B52AA6E4}">
+                <adec:decorative xmlns:adec="http://schemas.microsoft.com/office/drawing/2017/decorative" val="1"/>
+              </a:ext>
+            </a:extLst>
+          </p:cNvPr>
+          <p:cNvCxnSpPr>
+            <a:cxnSpLocks noGrp="1" noRot="1" noChangeAspect="1" noMove="1" noResize="1" noEditPoints="1" noAdjustHandles="1" noChangeArrowheads="1" noChangeShapeType="1"/>
+          </p:cNvCxnSpPr>
+          <p:nvPr>
+            <p:extLst>
+              <p:ext uri="{386F3935-93C4-4BCD-93E2-E3B085C9AB24}">
+                <p16:designElem xmlns:p16="http://schemas.microsoft.com/office/powerpoint/2015/main" val="1"/>
+              </p:ext>
+            </p:extLst>
+          </p:nvPr>
+        </p:nvCxnSpPr>
+        <p:spPr>
+          <a:xfrm>
+            <a:off x="482600" y="6368138"/>
+            <a:ext cx="11147071" cy="0"/>
+          </a:xfrm>
+          <a:prstGeom prst="line">
+            <a:avLst/>
+          </a:prstGeom>
+          <a:ln w="28575">
+            <a:solidFill>
+              <a:schemeClr val="tx2"/>
+            </a:solidFill>
+          </a:ln>
+        </p:spPr>
+        <p:style>
+          <a:lnRef idx="1">
+            <a:schemeClr val="dk1"/>
+          </a:lnRef>
+          <a:fillRef idx="0">
+            <a:schemeClr val="dk1"/>
+          </a:fillRef>
+          <a:effectRef idx="0">
+            <a:schemeClr val="dk1"/>
+          </a:effectRef>
+          <a:fontRef idx="minor">
+            <a:schemeClr val="tx1"/>
+          </a:fontRef>
+        </p:style>
+      </p:cxnSp>
+      <p:sp useBgFill="1">
+        <p:nvSpPr>
+          <p:cNvPr id="25" name="Rectangle 24">
+            <a:extLst>
+              <a:ext uri="{FF2B5EF4-FFF2-40B4-BE49-F238E27FC236}">
+                <a16:creationId xmlns:a16="http://schemas.microsoft.com/office/drawing/2014/main" id="{92B0CFF1-78D7-4A83-A95E-71F9E3831622}"/>
+              </a:ext>
+              <a:ext uri="{C183D7F6-B498-43B3-948B-1728B52AA6E4}">
+                <adec:decorative xmlns:adec="http://schemas.microsoft.com/office/drawing/2017/decorative" val="1"/>
+              </a:ext>
+            </a:extLst>
+          </p:cNvPr>
+          <p:cNvSpPr>
+            <a:spLocks noGrp="1" noRot="1" noChangeAspect="1" noMove="1" noResize="1" noEditPoints="1" noAdjustHandles="1" noChangeArrowheads="1" noChangeShapeType="1" noTextEdit="1"/>
+          </p:cNvSpPr>
+          <p:nvPr>
+            <p:extLst>
+              <p:ext uri="{386F3935-93C4-4BCD-93E2-E3B085C9AB24}">
+                <p16:designElem xmlns:p16="http://schemas.microsoft.com/office/powerpoint/2015/main" val="1"/>
+              </p:ext>
+            </p:extLst>
+          </p:nvPr>
+        </p:nvSpPr>
+        <p:spPr>
+          <a:xfrm>
+            <a:off x="0" y="0"/>
+            <a:ext cx="12192000" cy="6858001"/>
+          </a:xfrm>
+          <a:prstGeom prst="rect">
+            <a:avLst/>
+          </a:prstGeom>
+          <a:ln>
+            <a:noFill/>
+          </a:ln>
+        </p:spPr>
+        <p:style>
+          <a:lnRef idx="2">
+            <a:schemeClr val="accent1">
+              <a:shade val="50000"/>
+            </a:schemeClr>
+          </a:lnRef>
+          <a:fillRef idx="1">
+            <a:schemeClr val="accent1"/>
+          </a:fillRef>
+          <a:effectRef idx="0">
+            <a:schemeClr val="accent1"/>
+          </a:effectRef>
+          <a:fontRef idx="minor">
+            <a:schemeClr val="lt1"/>
+          </a:fontRef>
+        </p:style>
+        <p:txBody>
+          <a:bodyPr rtlCol="0" anchor="ctr"/>
+          <a:lstStyle/>
+          <a:p>
+            <a:pPr algn="ctr"/>
+            <a:endParaRPr lang="en-US" dirty="0"/>
+          </a:p>
+        </p:txBody>
+      </p:sp>
+      <p:cxnSp>
+        <p:nvCxnSpPr>
+          <p:cNvPr id="27" name="Straight Connector 26">
+            <a:extLst>
+              <a:ext uri="{FF2B5EF4-FFF2-40B4-BE49-F238E27FC236}">
+                <a16:creationId xmlns:a16="http://schemas.microsoft.com/office/drawing/2014/main" id="{6108BD3D-CFD0-4A15-ACF6-EBC254CD7CF1}"/>
+              </a:ext>
+              <a:ext uri="{C183D7F6-B498-43B3-948B-1728B52AA6E4}">
+                <adec:decorative xmlns:adec="http://schemas.microsoft.com/office/drawing/2017/decorative" val="1"/>
+              </a:ext>
+            </a:extLst>
+          </p:cNvPr>
+          <p:cNvCxnSpPr>
+            <a:cxnSpLocks noGrp="1" noRot="1" noChangeAspect="1" noMove="1" noResize="1" noEditPoints="1" noAdjustHandles="1" noChangeArrowheads="1" noChangeShapeType="1"/>
+          </p:cNvCxnSpPr>
+          <p:nvPr>
+            <p:extLst>
+              <p:ext uri="{386F3935-93C4-4BCD-93E2-E3B085C9AB24}">
+                <p16:designElem xmlns:p16="http://schemas.microsoft.com/office/powerpoint/2015/main" val="1"/>
+              </p:ext>
+            </p:extLst>
+          </p:nvPr>
+        </p:nvCxnSpPr>
+        <p:spPr>
+          <a:xfrm>
+            <a:off x="482600" y="489855"/>
+            <a:ext cx="11147071" cy="0"/>
+          </a:xfrm>
+          <a:prstGeom prst="line">
+            <a:avLst/>
+          </a:prstGeom>
+          <a:ln w="28575">
+            <a:solidFill>
+              <a:schemeClr val="tx2"/>
+            </a:solidFill>
+          </a:ln>
+        </p:spPr>
+        <p:style>
+          <a:lnRef idx="1">
+            <a:schemeClr val="dk1"/>
+          </a:lnRef>
+          <a:fillRef idx="0">
+            <a:schemeClr val="dk1"/>
+          </a:fillRef>
+          <a:effectRef idx="0">
+            <a:schemeClr val="dk1"/>
+          </a:effectRef>
+          <a:fontRef idx="minor">
+            <a:schemeClr val="tx1"/>
+          </a:fontRef>
+        </p:style>
+      </p:cxnSp>
+      <p:cxnSp>
+        <p:nvCxnSpPr>
+          <p:cNvPr id="29" name="Straight Connector 28">
+            <a:extLst>
+              <a:ext uri="{FF2B5EF4-FFF2-40B4-BE49-F238E27FC236}">
+                <a16:creationId xmlns:a16="http://schemas.microsoft.com/office/drawing/2014/main" id="{DB2019E5-6C31-4640-A135-6BBA7FFCF694}"/>
+              </a:ext>
+              <a:ext uri="{C183D7F6-B498-43B3-948B-1728B52AA6E4}">
+                <adec:decorative xmlns:adec="http://schemas.microsoft.com/office/drawing/2017/decorative" val="1"/>
+              </a:ext>
+            </a:extLst>
+          </p:cNvPr>
+          <p:cNvCxnSpPr>
+            <a:cxnSpLocks noGrp="1" noRot="1" noChangeAspect="1" noMove="1" noResize="1" noEditPoints="1" noAdjustHandles="1" noChangeArrowheads="1" noChangeShapeType="1"/>
+          </p:cNvCxnSpPr>
+          <p:nvPr>
+            <p:extLst>
+              <p:ext uri="{386F3935-93C4-4BCD-93E2-E3B085C9AB24}">
+                <p16:designElem xmlns:p16="http://schemas.microsoft.com/office/powerpoint/2015/main" val="1"/>
+              </p:ext>
+            </p:extLst>
+          </p:nvPr>
+        </p:nvCxnSpPr>
+        <p:spPr>
+          <a:xfrm>
+            <a:off x="482600" y="6368138"/>
+            <a:ext cx="11147071" cy="0"/>
+          </a:xfrm>
+          <a:prstGeom prst="line">
+            <a:avLst/>
+          </a:prstGeom>
+          <a:ln w="28575">
+            <a:solidFill>
+              <a:schemeClr val="tx2"/>
+            </a:solidFill>
+          </a:ln>
+        </p:spPr>
+        <p:style>
+          <a:lnRef idx="1">
+            <a:schemeClr val="dk1"/>
+          </a:lnRef>
+          <a:fillRef idx="0">
+            <a:schemeClr val="dk1"/>
+          </a:fillRef>
+          <a:effectRef idx="0">
+            <a:schemeClr val="dk1"/>
+          </a:effectRef>
+          <a:fontRef idx="minor">
+            <a:schemeClr val="tx1"/>
+          </a:fontRef>
+        </p:style>
+      </p:cxnSp>
       <p:sp>
         <p:nvSpPr>
-          <p:cNvPr id="5" name="TextBox 4">
+          <p:cNvPr id="10" name="Title 1">
             <a:extLst>
               <a:ext uri="{FF2B5EF4-FFF2-40B4-BE49-F238E27FC236}">
-                <a16:creationId xmlns:a16="http://schemas.microsoft.com/office/drawing/2014/main" id="{1AF10CC2-7967-9B44-A222-6896FA1E60F1}"/>
+                <a16:creationId xmlns:a16="http://schemas.microsoft.com/office/drawing/2014/main" id="{3A70522E-8AF8-6A4F-8657-48DA4CC4A164}"/>
               </a:ext>
             </a:extLst>
           </p:cNvPr>
-          <p:cNvSpPr txBox="1"/>
+          <p:cNvSpPr txBox="1">
+            <a:spLocks/>
+          </p:cNvSpPr>
           <p:nvPr/>
         </p:nvSpPr>
         <p:spPr>
           <a:xfrm>
-            <a:off x="408878" y="669074"/>
-            <a:ext cx="9969190" cy="369332"/>
+            <a:off x="400432" y="738663"/>
+            <a:ext cx="8661400" cy="774192"/>
           </a:xfrm>
           <a:prstGeom prst="rect">
             <a:avLst/>
           </a:prstGeom>
-          <a:noFill/>
         </p:spPr>
         <p:txBody>
-          <a:bodyPr wrap="square" rtlCol="0">
-            <a:spAutoFit/>
+          <a:bodyPr vert="horz" lIns="91440" tIns="45720" rIns="91440" bIns="45720" rtlCol="0" anchor="b">
+            <a:noAutofit/>
           </a:bodyPr>
-          <a:lstStyle/>
-          <a:p>
-            <a:r>
-              <a:rPr lang="en-IN" b="1" dirty="0"/>
-              <a:t>Scenarios</a:t>
-            </a:r>
-            <a:r>
-              <a:rPr lang="en-IN" dirty="0"/>
-              <a:t> </a:t>
-            </a:r>
-          </a:p>
-        </p:txBody>
-      </p:sp>
-      <p:sp>
-        <p:nvSpPr>
-          <p:cNvPr id="6" name="TextBox 5">
-            <a:extLst>
-              <a:ext uri="{FF2B5EF4-FFF2-40B4-BE49-F238E27FC236}">
-                <a16:creationId xmlns:a16="http://schemas.microsoft.com/office/drawing/2014/main" id="{22E596F1-2D56-3D4B-9F13-F8AF4F37BA75}"/>
-              </a:ext>
-            </a:extLst>
-          </p:cNvPr>
-          <p:cNvSpPr txBox="1"/>
-          <p:nvPr/>
-        </p:nvSpPr>
-        <p:spPr>
-          <a:xfrm>
-            <a:off x="408878" y="1196124"/>
-            <a:ext cx="11243372" cy="2739211"/>
-          </a:xfrm>
-          <a:prstGeom prst="rect">
-            <a:avLst/>
-          </a:prstGeom>
-          <a:noFill/>
-        </p:spPr>
-        <p:txBody>
-          <a:bodyPr wrap="square" rtlCol="0">
-            <a:spAutoFit/>
-          </a:bodyPr>
-          <a:lstStyle/>
-          <a:p>
-            <a:pPr marL="285750" indent="-285750">
-              <a:buFont typeface="Arial" panose="020B0604020202020204" pitchFamily="34" charset="0"/>
-              <a:buChar char="•"/>
-            </a:pPr>
-            <a:r>
-              <a:rPr lang="en-IN" sz="1600" dirty="0"/>
-              <a:t>Is my system healthy?</a:t>
-            </a:r>
-          </a:p>
-          <a:p>
-            <a:pPr lvl="1"/>
-            <a:r>
-              <a:rPr lang="en-IN" sz="1200" dirty="0"/>
-              <a:t>Get the alert in a given time duration</a:t>
-            </a:r>
-          </a:p>
-          <a:p>
-            <a:pPr lvl="1"/>
-            <a:endParaRPr lang="en-IN" sz="1200" dirty="0"/>
-          </a:p>
-          <a:p>
-            <a:pPr marL="342900" indent="-342900">
-              <a:buFont typeface="Arial" panose="020B0604020202020204" pitchFamily="34" charset="0"/>
-              <a:buChar char="•"/>
-            </a:pPr>
-            <a:r>
-              <a:rPr lang="en-IN" sz="1600" dirty="0"/>
-              <a:t>What could have caused that alert?</a:t>
-            </a:r>
-          </a:p>
-          <a:p>
-            <a:pPr lvl="1"/>
-            <a:r>
-              <a:rPr lang="en-IN" sz="1200" dirty="0"/>
-              <a:t>Diagnose the alert - Get Correlated alerts</a:t>
-            </a:r>
-          </a:p>
-          <a:p>
-            <a:pPr lvl="1"/>
-            <a:r>
-              <a:rPr lang="en-IN" sz="1200" dirty="0"/>
-              <a:t>Provide feedback and mark an alert as “root-cause” alert</a:t>
-            </a:r>
-          </a:p>
-          <a:p>
-            <a:pPr lvl="1"/>
-            <a:endParaRPr lang="en-IN" sz="1200" dirty="0"/>
-          </a:p>
-          <a:p>
-            <a:pPr marL="342900" indent="-342900">
-              <a:buFont typeface="Arial" panose="020B0604020202020204" pitchFamily="34" charset="0"/>
-              <a:buChar char="•"/>
-            </a:pPr>
-            <a:r>
-              <a:rPr lang="en-IN" sz="1600" dirty="0"/>
-              <a:t>Get Impacted Devices due to that</a:t>
-            </a:r>
-          </a:p>
-          <a:p>
-            <a:pPr marL="342900" indent="-342900">
-              <a:buFont typeface="Arial" panose="020B0604020202020204" pitchFamily="34" charset="0"/>
-              <a:buChar char="•"/>
-            </a:pPr>
-            <a:endParaRPr lang="en-IN" sz="1600" dirty="0"/>
-          </a:p>
-          <a:p>
-            <a:pPr marL="342900" indent="-342900">
-              <a:buFont typeface="Arial" panose="020B0604020202020204" pitchFamily="34" charset="0"/>
-              <a:buChar char="•"/>
-            </a:pPr>
-            <a:r>
-              <a:rPr lang="en-IN" sz="1600" dirty="0"/>
-              <a:t>What are the Unhealthy services</a:t>
+          <a:lstStyle>
+            <a:lvl1pPr algn="l" defTabSz="914400" rtl="0" eaLnBrk="1" latinLnBrk="0" hangingPunct="1">
+              <a:lnSpc>
+                <a:spcPct val="100000"/>
+              </a:lnSpc>
+              <a:spcBef>
+                <a:spcPct val="0"/>
+              </a:spcBef>
+              <a:buNone/>
+              <a:defRPr sz="6600" kern="1200">
+                <a:solidFill>
+                  <a:schemeClr val="tx1"/>
+                </a:solidFill>
+                <a:latin typeface="+mj-lt"/>
+                <a:ea typeface="+mj-ea"/>
+                <a:cs typeface="+mj-cs"/>
+              </a:defRPr>
+            </a:lvl1pPr>
+          </a:lstStyle>
+          <a:p>
+            <a:r>
+              <a:rPr lang="en-IN" sz="2800" b="1" dirty="0"/>
+              <a:t>Neo4jAlert library</a:t>
             </a:r>
             <a:br>
-              <a:rPr lang="en-IN" sz="1600" dirty="0"/>
+              <a:rPr lang="en-US" sz="2800" b="1" dirty="0"/>
             </a:br>
-            <a:br>
-              <a:rPr lang="en-IN" sz="1600" dirty="0"/>
-            </a:br>
-            <a:r>
-              <a:rPr lang="en-IN" sz="1600" dirty="0">
-                <a:solidFill>
-                  <a:srgbClr val="FF0000"/>
-                </a:solidFill>
-              </a:rPr>
-              <a:t>&lt;TODO&gt; add queries </a:t>
-            </a:r>
+            <a:endParaRPr lang="en-US" sz="2800" dirty="0"/>
           </a:p>
         </p:txBody>
       </p:sp>
     </p:spTree>
     <p:extLst>
       <p:ext uri="{BB962C8B-B14F-4D97-AF65-F5344CB8AC3E}">
-        <p14:creationId xmlns:p14="http://schemas.microsoft.com/office/powerpoint/2010/main" val="3471218948"/>
+        <p14:creationId xmlns:p14="http://schemas.microsoft.com/office/powerpoint/2010/main" val="3824427401"/>
       </p:ext>
     </p:extLst>
   </p:cSld>
@@ -4588,7 +4870,7 @@
         <p:spPr>
           <a:xfrm>
             <a:off x="408878" y="669074"/>
-            <a:ext cx="9969190" cy="369332"/>
+            <a:ext cx="9969190" cy="523220"/>
           </a:xfrm>
           <a:prstGeom prst="rect">
             <a:avLst/>
@@ -4602,7 +4884,2057 @@
           <a:lstStyle/>
           <a:p>
             <a:r>
-              <a:rPr lang="en-IN" b="1" dirty="0"/>
+              <a:rPr lang="en-IN" sz="2800" b="1" dirty="0"/>
+              <a:t>Scenarios</a:t>
+            </a:r>
+            <a:r>
+              <a:rPr lang="en-IN" dirty="0"/>
+              <a:t> </a:t>
+            </a:r>
+          </a:p>
+        </p:txBody>
+      </p:sp>
+      <p:sp>
+        <p:nvSpPr>
+          <p:cNvPr id="6" name="TextBox 5">
+            <a:extLst>
+              <a:ext uri="{FF2B5EF4-FFF2-40B4-BE49-F238E27FC236}">
+                <a16:creationId xmlns:a16="http://schemas.microsoft.com/office/drawing/2014/main" id="{22E596F1-2D56-3D4B-9F13-F8AF4F37BA75}"/>
+              </a:ext>
+            </a:extLst>
+          </p:cNvPr>
+          <p:cNvSpPr txBox="1"/>
+          <p:nvPr/>
+        </p:nvSpPr>
+        <p:spPr>
+          <a:xfrm>
+            <a:off x="408878" y="1099367"/>
+            <a:ext cx="11243372" cy="6309420"/>
+          </a:xfrm>
+          <a:prstGeom prst="rect">
+            <a:avLst/>
+          </a:prstGeom>
+          <a:noFill/>
+        </p:spPr>
+        <p:txBody>
+          <a:bodyPr wrap="square" rtlCol="0">
+            <a:spAutoFit/>
+          </a:bodyPr>
+          <a:lstStyle/>
+          <a:p>
+            <a:pPr marL="285750" indent="-285750">
+              <a:buFont typeface="Arial" panose="020B0604020202020204" pitchFamily="34" charset="0"/>
+              <a:buChar char="•"/>
+            </a:pPr>
+            <a:r>
+              <a:rPr lang="en-IN" sz="1600" b="1" dirty="0"/>
+              <a:t>Is my system healthy?</a:t>
+            </a:r>
+          </a:p>
+          <a:p>
+            <a:pPr lvl="1"/>
+            <a:r>
+              <a:rPr lang="en-IN" sz="1400" b="1" dirty="0"/>
+              <a:t>What are the alerts counts in a given time duration?</a:t>
+            </a:r>
+          </a:p>
+          <a:p>
+            <a:pPr lvl="1"/>
+            <a:r>
+              <a:rPr lang="en-IN" sz="1000" b="1" dirty="0"/>
+              <a:t>Cypher Query: </a:t>
+            </a:r>
+          </a:p>
+          <a:p>
+            <a:pPr lvl="1"/>
+            <a:r>
+              <a:rPr lang="en-US" sz="1000" i="1" dirty="0"/>
+              <a:t>MATCH(</a:t>
+            </a:r>
+            <a:r>
+              <a:rPr lang="en-US" sz="1000" i="1" dirty="0" err="1"/>
+              <a:t>i:Interval</a:t>
+            </a:r>
+            <a:r>
+              <a:rPr lang="en-US" sz="1000" i="1" dirty="0"/>
+              <a:t>)-[r]-(</a:t>
+            </a:r>
+            <a:r>
+              <a:rPr lang="en-US" sz="1000" i="1" dirty="0" err="1"/>
+              <a:t>a:Alert</a:t>
+            </a:r>
+            <a:r>
+              <a:rPr lang="en-US" sz="1000" i="1" dirty="0"/>
+              <a:t>) WHERE   </a:t>
+            </a:r>
+            <a:r>
+              <a:rPr lang="en-US" sz="1000" i="1" dirty="0" err="1"/>
+              <a:t>i.date</a:t>
+            </a:r>
+            <a:r>
+              <a:rPr lang="en-US" sz="1000" i="1" dirty="0"/>
+              <a:t> &gt;= '11-23-2021' AND </a:t>
+            </a:r>
+            <a:r>
+              <a:rPr lang="en-US" sz="1000" i="1" dirty="0" err="1"/>
+              <a:t>i.startTime</a:t>
+            </a:r>
+            <a:r>
+              <a:rPr lang="en-US" sz="1000" i="1" dirty="0"/>
+              <a:t> &gt;= '17:00' AND </a:t>
+            </a:r>
+            <a:r>
+              <a:rPr lang="en-US" sz="1000" i="1" dirty="0" err="1"/>
+              <a:t>i.date</a:t>
+            </a:r>
+            <a:r>
+              <a:rPr lang="en-US" sz="1000" i="1" dirty="0"/>
+              <a:t> &lt;= '11-23-2021' AND </a:t>
+            </a:r>
+            <a:r>
+              <a:rPr lang="en-US" sz="1000" i="1" dirty="0" err="1"/>
+              <a:t>i.endTime</a:t>
+            </a:r>
+            <a:r>
+              <a:rPr lang="en-US" sz="1000" i="1" dirty="0"/>
+              <a:t> &lt;= '23:00’  return  count(a) as </a:t>
+            </a:r>
+            <a:r>
+              <a:rPr lang="en-US" sz="1000" i="1" dirty="0" err="1"/>
+              <a:t>cnt</a:t>
+            </a:r>
+            <a:endParaRPr lang="en-US" sz="1000" i="1" dirty="0"/>
+          </a:p>
+          <a:p>
+            <a:pPr lvl="1"/>
+            <a:endParaRPr lang="en-IN" sz="1600" dirty="0"/>
+          </a:p>
+          <a:p>
+            <a:pPr marL="342900" indent="-342900">
+              <a:buFont typeface="Arial" panose="020B0604020202020204" pitchFamily="34" charset="0"/>
+              <a:buChar char="•"/>
+            </a:pPr>
+            <a:r>
+              <a:rPr lang="en-IN" sz="1600" b="1" dirty="0"/>
+              <a:t>What could have caused the alert?</a:t>
+            </a:r>
+          </a:p>
+          <a:p>
+            <a:pPr lvl="1"/>
+            <a:r>
+              <a:rPr lang="en-IN" sz="1400" b="1" dirty="0"/>
+              <a:t>Diagnose the alert - get the top 5 correlated alerts</a:t>
+            </a:r>
+          </a:p>
+          <a:p>
+            <a:pPr lvl="1"/>
+            <a:r>
+              <a:rPr lang="en-IN" sz="1000" b="1" dirty="0"/>
+              <a:t>Cypher Query: </a:t>
+            </a:r>
+          </a:p>
+          <a:p>
+            <a:pPr lvl="1"/>
+            <a:r>
+              <a:rPr lang="en-US" sz="1000" i="1" dirty="0"/>
+              <a:t>MATCH (</a:t>
+            </a:r>
+            <a:r>
+              <a:rPr lang="en-US" sz="1000" i="1" dirty="0" err="1"/>
+              <a:t>n:Alert</a:t>
+            </a:r>
+            <a:r>
+              <a:rPr lang="en-US" sz="1000" i="1" dirty="0"/>
+              <a:t> ) WHERE  </a:t>
+            </a:r>
+            <a:r>
+              <a:rPr lang="en-US" sz="1000" i="1" dirty="0" err="1"/>
+              <a:t>toLower</a:t>
+            </a:r>
+            <a:r>
+              <a:rPr lang="en-US" sz="1000" i="1" dirty="0"/>
+              <a:t>(</a:t>
+            </a:r>
+            <a:r>
+              <a:rPr lang="en-US" sz="1000" i="1" dirty="0" err="1"/>
+              <a:t>n.ci</a:t>
+            </a:r>
+            <a:r>
+              <a:rPr lang="en-US" sz="1000" i="1" dirty="0"/>
+              <a:t>)=</a:t>
+            </a:r>
+            <a:r>
+              <a:rPr lang="en-US" sz="1000" i="1" dirty="0" err="1"/>
+              <a:t>toLower</a:t>
+            </a:r>
+            <a:r>
+              <a:rPr lang="en-US" sz="1000" i="1" dirty="0"/>
+              <a:t>('bld-med-bca-05.ihl.broadcom.net’) </a:t>
+            </a:r>
+          </a:p>
+          <a:p>
+            <a:pPr lvl="1"/>
+            <a:r>
+              <a:rPr lang="en-US" sz="1000" i="1" dirty="0"/>
+              <a:t>AND </a:t>
+            </a:r>
+            <a:r>
+              <a:rPr lang="en-US" sz="1000" i="1" dirty="0" err="1"/>
+              <a:t>toLower</a:t>
+            </a:r>
+            <a:r>
+              <a:rPr lang="en-US" sz="1000" i="1" dirty="0"/>
+              <a:t>(</a:t>
+            </a:r>
+            <a:r>
+              <a:rPr lang="en-US" sz="1000" i="1" dirty="0" err="1"/>
+              <a:t>n.name</a:t>
+            </a:r>
+            <a:r>
+              <a:rPr lang="en-US" sz="1000" i="1" dirty="0"/>
+              <a:t>) CONTAINS </a:t>
+            </a:r>
+            <a:r>
+              <a:rPr lang="en-US" sz="1000" i="1" dirty="0" err="1"/>
+              <a:t>toLower</a:t>
+            </a:r>
+            <a:r>
+              <a:rPr lang="en-US" sz="1000" i="1" dirty="0"/>
+              <a:t>('Interface is down')</a:t>
+            </a:r>
+          </a:p>
+          <a:p>
+            <a:pPr lvl="1"/>
+            <a:r>
+              <a:rPr lang="en-US" sz="1000" i="1" dirty="0"/>
+              <a:t> CALL { WITH n MATCH (n)-[</a:t>
+            </a:r>
+            <a:r>
+              <a:rPr lang="en-US" sz="1000" i="1" dirty="0" err="1"/>
+              <a:t>r:CORRELATED_AT</a:t>
+            </a:r>
+            <a:r>
+              <a:rPr lang="en-US" sz="1000" i="1" dirty="0"/>
+              <a:t>]-(</a:t>
+            </a:r>
+            <a:r>
+              <a:rPr lang="en-US" sz="1000" i="1" dirty="0" err="1"/>
+              <a:t>asso_alert</a:t>
+            </a:r>
+            <a:r>
+              <a:rPr lang="en-US" sz="1000" i="1" dirty="0"/>
+              <a:t>) </a:t>
+            </a:r>
+          </a:p>
+          <a:p>
+            <a:pPr lvl="2"/>
+            <a:r>
+              <a:rPr lang="en-US" sz="1000" i="1" dirty="0"/>
+              <a:t>RETURN </a:t>
+            </a:r>
+            <a:r>
+              <a:rPr lang="en-US" sz="1000" i="1" dirty="0" err="1"/>
+              <a:t>asso_alert</a:t>
+            </a:r>
+            <a:r>
+              <a:rPr lang="en-US" sz="1000" i="1" dirty="0"/>
+              <a:t>,(n)-[</a:t>
+            </a:r>
+            <a:r>
+              <a:rPr lang="en-US" sz="1000" i="1" dirty="0" err="1"/>
+              <a:t>r:CORRELATED_AT</a:t>
+            </a:r>
+            <a:r>
+              <a:rPr lang="en-US" sz="1000" i="1" dirty="0"/>
+              <a:t>]-(</a:t>
+            </a:r>
+            <a:r>
+              <a:rPr lang="en-US" sz="1000" i="1" dirty="0" err="1"/>
+              <a:t>asso_alert</a:t>
+            </a:r>
+            <a:r>
+              <a:rPr lang="en-US" sz="1000" i="1" dirty="0"/>
+              <a:t>) as relation</a:t>
+            </a:r>
+          </a:p>
+          <a:p>
+            <a:pPr lvl="2"/>
+            <a:r>
+              <a:rPr lang="en-US" sz="1000" i="1" dirty="0"/>
+              <a:t>ORDER BY </a:t>
+            </a:r>
+            <a:r>
+              <a:rPr lang="en-US" sz="1000" i="1" dirty="0" err="1"/>
+              <a:t>r.mutual_information</a:t>
+            </a:r>
+            <a:r>
+              <a:rPr lang="en-US" sz="1000" i="1" dirty="0"/>
+              <a:t> DESC.    }</a:t>
+            </a:r>
+          </a:p>
+          <a:p>
+            <a:pPr lvl="1"/>
+            <a:r>
+              <a:rPr lang="en-US" sz="1000" i="1" dirty="0"/>
+              <a:t> RETURN </a:t>
+            </a:r>
+            <a:r>
+              <a:rPr lang="en-US" sz="1000" i="1" dirty="0" err="1"/>
+              <a:t>asso_alert</a:t>
+            </a:r>
+            <a:r>
+              <a:rPr lang="en-US" sz="1000" i="1" dirty="0"/>
+              <a:t> as vertex, relation as edge LIMIT 5</a:t>
+            </a:r>
+          </a:p>
+          <a:p>
+            <a:pPr lvl="1"/>
+            <a:endParaRPr lang="en-IN" sz="1600" dirty="0"/>
+          </a:p>
+          <a:p>
+            <a:pPr lvl="1"/>
+            <a:r>
+              <a:rPr lang="en-IN" sz="1400" b="1" dirty="0"/>
+              <a:t>Provide feedback and mark an alert as “root-cause” alert</a:t>
+            </a:r>
+          </a:p>
+          <a:p>
+            <a:pPr lvl="1"/>
+            <a:r>
+              <a:rPr lang="en-IN" sz="1000" b="1" dirty="0"/>
+              <a:t>Cypher Query: </a:t>
+            </a:r>
+          </a:p>
+          <a:p>
+            <a:pPr lvl="1"/>
+            <a:r>
+              <a:rPr lang="en-US" sz="1000" i="1" dirty="0"/>
+              <a:t>MATCH (</a:t>
+            </a:r>
+            <a:r>
+              <a:rPr lang="en-US" sz="1000" i="1" dirty="0" err="1"/>
+              <a:t>n:Alert</a:t>
+            </a:r>
+            <a:r>
+              <a:rPr lang="en-US" sz="1000" i="1" dirty="0"/>
+              <a:t> ) WHERE  </a:t>
+            </a:r>
+            <a:r>
+              <a:rPr lang="en-US" sz="1000" i="1" dirty="0" err="1"/>
+              <a:t>toLower</a:t>
+            </a:r>
+            <a:r>
+              <a:rPr lang="en-US" sz="1000" i="1" dirty="0"/>
+              <a:t>(</a:t>
+            </a:r>
+            <a:r>
+              <a:rPr lang="en-US" sz="1000" i="1" dirty="0" err="1"/>
+              <a:t>n.name</a:t>
+            </a:r>
+            <a:r>
+              <a:rPr lang="en-US" sz="1000" i="1" dirty="0"/>
+              <a:t>) CONTAINS </a:t>
+            </a:r>
+            <a:r>
+              <a:rPr lang="en-US" sz="1000" i="1" dirty="0" err="1"/>
+              <a:t>toLower</a:t>
+            </a:r>
+            <a:r>
+              <a:rPr lang="en-US" sz="1000" i="1" dirty="0"/>
+              <a:t>('Interface is down') </a:t>
+            </a:r>
+          </a:p>
+          <a:p>
+            <a:pPr lvl="1"/>
+            <a:r>
+              <a:rPr lang="en-US" sz="1000" i="1" dirty="0"/>
+              <a:t>MATCH (n)-[</a:t>
+            </a:r>
+            <a:r>
+              <a:rPr lang="en-US" sz="1000" i="1" dirty="0" err="1"/>
+              <a:t>r:CORRELATED_AT</a:t>
+            </a:r>
+            <a:r>
+              <a:rPr lang="en-US" sz="1000" i="1" dirty="0"/>
+              <a:t>]-(</a:t>
+            </a:r>
+            <a:r>
+              <a:rPr lang="en-US" sz="1000" i="1" dirty="0" err="1"/>
+              <a:t>asso_alert</a:t>
+            </a:r>
+            <a:r>
+              <a:rPr lang="en-US" sz="1000" i="1" dirty="0"/>
+              <a:t>), (</a:t>
+            </a:r>
+            <a:r>
+              <a:rPr lang="en-US" sz="1000" i="1" dirty="0" err="1"/>
+              <a:t>asso_alert</a:t>
+            </a:r>
+            <a:r>
+              <a:rPr lang="en-US" sz="1000" i="1" dirty="0"/>
+              <a:t>)-[:GENERATED_AT]-(</a:t>
+            </a:r>
+            <a:r>
+              <a:rPr lang="en-US" sz="1000" i="1" dirty="0" err="1"/>
+              <a:t>i:Interval</a:t>
+            </a:r>
+            <a:r>
+              <a:rPr lang="en-US" sz="1000" i="1" dirty="0"/>
+              <a:t>) </a:t>
+            </a:r>
+          </a:p>
+          <a:p>
+            <a:pPr lvl="1"/>
+            <a:r>
+              <a:rPr lang="en-US" sz="1000" i="1" dirty="0"/>
+              <a:t>WHERE  </a:t>
+            </a:r>
+            <a:r>
+              <a:rPr lang="en-US" sz="1000" i="1" dirty="0" err="1"/>
+              <a:t>i.date</a:t>
+            </a:r>
+            <a:r>
+              <a:rPr lang="en-US" sz="1000" i="1" dirty="0"/>
+              <a:t> = '11-23-2021' AND </a:t>
+            </a:r>
+            <a:r>
+              <a:rPr lang="en-US" sz="1000" i="1" dirty="0" err="1"/>
+              <a:t>i.startTime</a:t>
+            </a:r>
+            <a:r>
+              <a:rPr lang="en-US" sz="1000" i="1" dirty="0"/>
+              <a:t> &lt;= '20:43' AND </a:t>
+            </a:r>
+            <a:r>
+              <a:rPr lang="en-US" sz="1000" i="1" dirty="0" err="1"/>
+              <a:t>i.endTime</a:t>
+            </a:r>
+            <a:r>
+              <a:rPr lang="en-US" sz="1000" i="1" dirty="0"/>
+              <a:t> &gt;= '20:43' AND  </a:t>
+            </a:r>
+            <a:r>
+              <a:rPr lang="en-US" sz="1000" i="1" dirty="0" err="1"/>
+              <a:t>toLower</a:t>
+            </a:r>
+            <a:r>
+              <a:rPr lang="en-US" sz="1000" i="1" dirty="0"/>
+              <a:t>(</a:t>
+            </a:r>
+            <a:r>
+              <a:rPr lang="en-US" sz="1000" i="1" dirty="0" err="1"/>
+              <a:t>asso_alert.name</a:t>
+            </a:r>
+            <a:r>
+              <a:rPr lang="en-US" sz="1000" i="1" dirty="0"/>
+              <a:t>) </a:t>
+            </a:r>
+          </a:p>
+          <a:p>
+            <a:pPr lvl="1"/>
+            <a:r>
+              <a:rPr lang="en-US" sz="1000" i="1" dirty="0"/>
+              <a:t>CONTAINS </a:t>
+            </a:r>
+            <a:r>
+              <a:rPr lang="en-US" sz="1000" i="1" dirty="0" err="1"/>
+              <a:t>toLower</a:t>
+            </a:r>
+            <a:r>
+              <a:rPr lang="en-US" sz="1000" i="1" dirty="0"/>
+              <a:t>('MANAGEMENT AGENT LOST') </a:t>
+            </a:r>
+          </a:p>
+          <a:p>
+            <a:pPr lvl="1"/>
+            <a:r>
+              <a:rPr lang="en-US" sz="1000" i="1" dirty="0"/>
+              <a:t>MERGE (</a:t>
+            </a:r>
+            <a:r>
+              <a:rPr lang="en-US" sz="1000" i="1" dirty="0" err="1"/>
+              <a:t>asso_alert</a:t>
+            </a:r>
+            <a:r>
+              <a:rPr lang="en-US" sz="1000" i="1" dirty="0"/>
+              <a:t>)-[</a:t>
+            </a:r>
+            <a:r>
+              <a:rPr lang="en-US" sz="1000" i="1" dirty="0" err="1"/>
+              <a:t>g:GENERATED_AT</a:t>
+            </a:r>
+            <a:r>
+              <a:rPr lang="en-US" sz="1000" i="1" dirty="0"/>
+              <a:t>]-(</a:t>
+            </a:r>
+            <a:r>
+              <a:rPr lang="en-US" sz="1000" i="1" dirty="0" err="1"/>
+              <a:t>i</a:t>
+            </a:r>
+            <a:r>
+              <a:rPr lang="en-US" sz="1000" i="1" dirty="0"/>
+              <a:t>) </a:t>
+            </a:r>
+          </a:p>
+          <a:p>
+            <a:pPr lvl="1"/>
+            <a:r>
+              <a:rPr lang="en-US" sz="1000" i="1" dirty="0"/>
+              <a:t>ON MATCH SET </a:t>
+            </a:r>
+            <a:r>
+              <a:rPr lang="en-US" sz="1000" i="1" dirty="0" err="1"/>
+              <a:t>g.root_cause</a:t>
+            </a:r>
+            <a:r>
+              <a:rPr lang="en-US" sz="1000" i="1" dirty="0"/>
+              <a:t>=true</a:t>
+            </a:r>
+            <a:br>
+              <a:rPr lang="en-US" sz="1000" i="1" dirty="0"/>
+            </a:br>
+            <a:endParaRPr lang="en-US" sz="1000" i="1" dirty="0"/>
+          </a:p>
+          <a:p>
+            <a:pPr marL="285750" indent="-285750">
+              <a:buFont typeface="Arial" panose="020B0604020202020204" pitchFamily="34" charset="0"/>
+              <a:buChar char="•"/>
+            </a:pPr>
+            <a:r>
+              <a:rPr lang="en-IN" sz="1600" b="1" dirty="0"/>
+              <a:t>What are the “root-cause” alerts ?</a:t>
+            </a:r>
+            <a:br>
+              <a:rPr lang="en-IN" sz="1600" dirty="0"/>
+            </a:br>
+            <a:r>
+              <a:rPr lang="en-IN" sz="1000" b="1" dirty="0"/>
+              <a:t>Cypher Query: </a:t>
+            </a:r>
+          </a:p>
+          <a:p>
+            <a:pPr lvl="1"/>
+            <a:r>
+              <a:rPr lang="en-US" sz="1200" i="1" dirty="0"/>
+              <a:t>MATCH (</a:t>
+            </a:r>
+            <a:r>
+              <a:rPr lang="en-US" sz="1200" i="1" dirty="0" err="1"/>
+              <a:t>asso_alert</a:t>
+            </a:r>
+            <a:r>
+              <a:rPr lang="en-US" sz="1200" i="1" dirty="0"/>
+              <a:t>)-[</a:t>
+            </a:r>
+            <a:r>
+              <a:rPr lang="en-US" sz="1200" i="1" dirty="0" err="1"/>
+              <a:t>g:GENERATED_AT</a:t>
+            </a:r>
+            <a:r>
+              <a:rPr lang="en-US" sz="1200" i="1" dirty="0"/>
+              <a:t>]-(</a:t>
+            </a:r>
+            <a:r>
+              <a:rPr lang="en-US" sz="1200" i="1" dirty="0" err="1"/>
+              <a:t>i:Interval</a:t>
+            </a:r>
+            <a:r>
+              <a:rPr lang="en-US" sz="1200" i="1" dirty="0"/>
+              <a:t>) </a:t>
+            </a:r>
+            <a:br>
+              <a:rPr lang="en-US" sz="1200" i="1" dirty="0"/>
+            </a:br>
+            <a:r>
+              <a:rPr lang="en-US" sz="1200" i="1" dirty="0"/>
+              <a:t>WHERE </a:t>
+            </a:r>
+            <a:r>
+              <a:rPr lang="en-US" sz="1200" i="1" dirty="0" err="1"/>
+              <a:t>g.root_cause</a:t>
+            </a:r>
+            <a:r>
+              <a:rPr lang="en-US" sz="1200" i="1" dirty="0"/>
+              <a:t>=true and   </a:t>
+            </a:r>
+            <a:r>
+              <a:rPr lang="en-US" sz="1200" i="1" dirty="0" err="1"/>
+              <a:t>i.date</a:t>
+            </a:r>
+            <a:r>
+              <a:rPr lang="en-US" sz="1200" i="1" dirty="0"/>
+              <a:t> = '11-23-2021' and </a:t>
+            </a:r>
+            <a:r>
+              <a:rPr lang="en-US" sz="1200" i="1" dirty="0" err="1"/>
+              <a:t>i.startTime</a:t>
+            </a:r>
+            <a:r>
+              <a:rPr lang="en-US" sz="1200" i="1" dirty="0"/>
+              <a:t> &gt;= '16:00' and </a:t>
+            </a:r>
+            <a:r>
+              <a:rPr lang="en-US" sz="1200" i="1" dirty="0" err="1"/>
+              <a:t>i.endTime</a:t>
+            </a:r>
+            <a:r>
+              <a:rPr lang="en-US" sz="1200" i="1" dirty="0"/>
+              <a:t> &lt;= '23:00' </a:t>
+            </a:r>
+          </a:p>
+          <a:p>
+            <a:pPr lvl="1"/>
+            <a:r>
+              <a:rPr lang="en-US" sz="1200" i="1" dirty="0"/>
+              <a:t>RETURN distinct((</a:t>
+            </a:r>
+            <a:r>
+              <a:rPr lang="en-US" sz="1200" i="1" dirty="0" err="1"/>
+              <a:t>asso_alert</a:t>
+            </a:r>
+            <a:r>
+              <a:rPr lang="en-US" sz="1200" i="1" dirty="0"/>
+              <a:t>)-[</a:t>
+            </a:r>
+            <a:r>
+              <a:rPr lang="en-US" sz="1200" i="1" dirty="0" err="1"/>
+              <a:t>g:GENERATED_AT</a:t>
+            </a:r>
+            <a:r>
+              <a:rPr lang="en-US" sz="1200" i="1" dirty="0"/>
+              <a:t>]-(</a:t>
+            </a:r>
+            <a:r>
+              <a:rPr lang="en-US" sz="1200" i="1" dirty="0" err="1"/>
+              <a:t>i:Interval</a:t>
+            </a:r>
+            <a:r>
+              <a:rPr lang="en-US" sz="1200" i="1" dirty="0"/>
+              <a:t>)) </a:t>
+            </a:r>
+          </a:p>
+          <a:p>
+            <a:endParaRPr lang="en-US" sz="1000" i="1" dirty="0"/>
+          </a:p>
+          <a:p>
+            <a:br>
+              <a:rPr lang="en-IN" sz="1600" dirty="0"/>
+            </a:br>
+            <a:br>
+              <a:rPr lang="en-IN" sz="1600" dirty="0"/>
+            </a:br>
+            <a:endParaRPr lang="en-IN" sz="1600" dirty="0">
+              <a:solidFill>
+                <a:srgbClr val="FF0000"/>
+              </a:solidFill>
+            </a:endParaRPr>
+          </a:p>
+        </p:txBody>
+      </p:sp>
+      <p:pic>
+        <p:nvPicPr>
+          <p:cNvPr id="3" name="Picture 2">
+            <a:extLst>
+              <a:ext uri="{FF2B5EF4-FFF2-40B4-BE49-F238E27FC236}">
+                <a16:creationId xmlns:a16="http://schemas.microsoft.com/office/drawing/2014/main" id="{254D9DB1-1BFD-7244-8A1D-BAAD45FAB576}"/>
+              </a:ext>
+            </a:extLst>
+          </p:cNvPr>
+          <p:cNvPicPr>
+            <a:picLocks noChangeAspect="1"/>
+          </p:cNvPicPr>
+          <p:nvPr/>
+        </p:nvPicPr>
+        <p:blipFill>
+          <a:blip r:embed="rId2"/>
+          <a:stretch>
+            <a:fillRect/>
+          </a:stretch>
+        </p:blipFill>
+        <p:spPr>
+          <a:xfrm>
+            <a:off x="6576470" y="2105294"/>
+            <a:ext cx="3385852" cy="1837202"/>
+          </a:xfrm>
+          <a:prstGeom prst="rect">
+            <a:avLst/>
+          </a:prstGeom>
+        </p:spPr>
+      </p:pic>
+      <p:cxnSp>
+        <p:nvCxnSpPr>
+          <p:cNvPr id="9" name="Curved Connector 8">
+            <a:extLst>
+              <a:ext uri="{FF2B5EF4-FFF2-40B4-BE49-F238E27FC236}">
+                <a16:creationId xmlns:a16="http://schemas.microsoft.com/office/drawing/2014/main" id="{6359BB25-A27C-7647-8AB1-91AC464FAE1F}"/>
+              </a:ext>
+            </a:extLst>
+          </p:cNvPr>
+          <p:cNvCxnSpPr>
+            <a:cxnSpLocks/>
+          </p:cNvCxnSpPr>
+          <p:nvPr/>
+        </p:nvCxnSpPr>
+        <p:spPr>
+          <a:xfrm flipV="1">
+            <a:off x="5780785" y="2478795"/>
+            <a:ext cx="631032" cy="286439"/>
+          </a:xfrm>
+          <a:prstGeom prst="curvedConnector3">
+            <a:avLst/>
+          </a:prstGeom>
+          <a:ln w="34925">
+            <a:solidFill>
+              <a:schemeClr val="accent5">
+                <a:lumMod val="75000"/>
+              </a:schemeClr>
+            </a:solidFill>
+            <a:tailEnd type="triangle"/>
+          </a:ln>
+        </p:spPr>
+        <p:style>
+          <a:lnRef idx="1">
+            <a:schemeClr val="accent1"/>
+          </a:lnRef>
+          <a:fillRef idx="0">
+            <a:schemeClr val="accent1"/>
+          </a:fillRef>
+          <a:effectRef idx="0">
+            <a:schemeClr val="accent1"/>
+          </a:effectRef>
+          <a:fontRef idx="minor">
+            <a:schemeClr val="tx1"/>
+          </a:fontRef>
+        </p:style>
+      </p:cxnSp>
+      <p:pic>
+        <p:nvPicPr>
+          <p:cNvPr id="11" name="Picture 10">
+            <a:extLst>
+              <a:ext uri="{FF2B5EF4-FFF2-40B4-BE49-F238E27FC236}">
+                <a16:creationId xmlns:a16="http://schemas.microsoft.com/office/drawing/2014/main" id="{6C52E8B6-288A-954A-A56E-6257128F5E5B}"/>
+              </a:ext>
+            </a:extLst>
+          </p:cNvPr>
+          <p:cNvPicPr>
+            <a:picLocks noChangeAspect="1"/>
+          </p:cNvPicPr>
+          <p:nvPr/>
+        </p:nvPicPr>
+        <p:blipFill>
+          <a:blip r:embed="rId3"/>
+          <a:stretch>
+            <a:fillRect/>
+          </a:stretch>
+        </p:blipFill>
+        <p:spPr>
+          <a:xfrm>
+            <a:off x="7866044" y="4514904"/>
+            <a:ext cx="2812973" cy="1650668"/>
+          </a:xfrm>
+          <a:prstGeom prst="rect">
+            <a:avLst/>
+          </a:prstGeom>
+        </p:spPr>
+      </p:pic>
+      <p:cxnSp>
+        <p:nvCxnSpPr>
+          <p:cNvPr id="13" name="Curved Connector 12">
+            <a:extLst>
+              <a:ext uri="{FF2B5EF4-FFF2-40B4-BE49-F238E27FC236}">
+                <a16:creationId xmlns:a16="http://schemas.microsoft.com/office/drawing/2014/main" id="{6B150199-B984-A149-AFB9-EB5B5228F6C8}"/>
+              </a:ext>
+            </a:extLst>
+          </p:cNvPr>
+          <p:cNvCxnSpPr>
+            <a:cxnSpLocks/>
+          </p:cNvCxnSpPr>
+          <p:nvPr/>
+        </p:nvCxnSpPr>
+        <p:spPr>
+          <a:xfrm flipV="1">
+            <a:off x="6892811" y="5472194"/>
+            <a:ext cx="631032" cy="286439"/>
+          </a:xfrm>
+          <a:prstGeom prst="curvedConnector3">
+            <a:avLst/>
+          </a:prstGeom>
+          <a:ln w="34925">
+            <a:solidFill>
+              <a:schemeClr val="accent5">
+                <a:lumMod val="75000"/>
+              </a:schemeClr>
+            </a:solidFill>
+            <a:tailEnd type="triangle"/>
+          </a:ln>
+        </p:spPr>
+        <p:style>
+          <a:lnRef idx="1">
+            <a:schemeClr val="accent1"/>
+          </a:lnRef>
+          <a:fillRef idx="0">
+            <a:schemeClr val="accent1"/>
+          </a:fillRef>
+          <a:effectRef idx="0">
+            <a:schemeClr val="accent1"/>
+          </a:effectRef>
+          <a:fontRef idx="minor">
+            <a:schemeClr val="tx1"/>
+          </a:fontRef>
+        </p:style>
+      </p:cxnSp>
+    </p:spTree>
+    <p:extLst>
+      <p:ext uri="{BB962C8B-B14F-4D97-AF65-F5344CB8AC3E}">
+        <p14:creationId xmlns:p14="http://schemas.microsoft.com/office/powerpoint/2010/main" val="3471218948"/>
+      </p:ext>
+    </p:extLst>
+  </p:cSld>
+  <p:clrMapOvr>
+    <a:masterClrMapping/>
+  </p:clrMapOvr>
+</p:sld>
+</file>
+
+<file path=ppt/slides/slide12.xml><?xml version="1.0" encoding="utf-8"?>
+<p:sld xmlns:a="http://schemas.openxmlformats.org/drawingml/2006/main" xmlns:r="http://schemas.openxmlformats.org/officeDocument/2006/relationships" xmlns:p="http://schemas.openxmlformats.org/presentationml/2006/main">
+  <p:cSld>
+    <p:spTree>
+      <p:nvGrpSpPr>
+        <p:cNvPr id="1" name=""/>
+        <p:cNvGrpSpPr/>
+        <p:nvPr/>
+      </p:nvGrpSpPr>
+      <p:grpSpPr>
+        <a:xfrm>
+          <a:off x="0" y="0"/>
+          <a:ext cx="0" cy="0"/>
+          <a:chOff x="0" y="0"/>
+          <a:chExt cx="0" cy="0"/>
+        </a:xfrm>
+      </p:grpSpPr>
+      <p:sp>
+        <p:nvSpPr>
+          <p:cNvPr id="5" name="TextBox 4">
+            <a:extLst>
+              <a:ext uri="{FF2B5EF4-FFF2-40B4-BE49-F238E27FC236}">
+                <a16:creationId xmlns:a16="http://schemas.microsoft.com/office/drawing/2014/main" id="{1AF10CC2-7967-9B44-A222-6896FA1E60F1}"/>
+              </a:ext>
+            </a:extLst>
+          </p:cNvPr>
+          <p:cNvSpPr txBox="1"/>
+          <p:nvPr/>
+        </p:nvSpPr>
+        <p:spPr>
+          <a:xfrm>
+            <a:off x="408878" y="669074"/>
+            <a:ext cx="9969190" cy="523220"/>
+          </a:xfrm>
+          <a:prstGeom prst="rect">
+            <a:avLst/>
+          </a:prstGeom>
+          <a:noFill/>
+        </p:spPr>
+        <p:txBody>
+          <a:bodyPr wrap="square" rtlCol="0">
+            <a:spAutoFit/>
+          </a:bodyPr>
+          <a:lstStyle/>
+          <a:p>
+            <a:r>
+              <a:rPr lang="en-IN" sz="2800" b="1" dirty="0"/>
+              <a:t>Scenarios </a:t>
+            </a:r>
+            <a:r>
+              <a:rPr lang="en-IN" sz="2000" b="1" i="1" dirty="0"/>
+              <a:t>(continued…)</a:t>
+            </a:r>
+            <a:endParaRPr lang="en-IN" sz="2000" i="1" dirty="0"/>
+          </a:p>
+        </p:txBody>
+      </p:sp>
+      <p:sp>
+        <p:nvSpPr>
+          <p:cNvPr id="6" name="TextBox 5">
+            <a:extLst>
+              <a:ext uri="{FF2B5EF4-FFF2-40B4-BE49-F238E27FC236}">
+                <a16:creationId xmlns:a16="http://schemas.microsoft.com/office/drawing/2014/main" id="{22E596F1-2D56-3D4B-9F13-F8AF4F37BA75}"/>
+              </a:ext>
+            </a:extLst>
+          </p:cNvPr>
+          <p:cNvSpPr txBox="1"/>
+          <p:nvPr/>
+        </p:nvSpPr>
+        <p:spPr>
+          <a:xfrm>
+            <a:off x="408878" y="1172733"/>
+            <a:ext cx="5687122" cy="4001095"/>
+          </a:xfrm>
+          <a:prstGeom prst="rect">
+            <a:avLst/>
+          </a:prstGeom>
+          <a:noFill/>
+        </p:spPr>
+        <p:txBody>
+          <a:bodyPr wrap="square" rtlCol="0">
+            <a:spAutoFit/>
+          </a:bodyPr>
+          <a:lstStyle/>
+          <a:p>
+            <a:pPr lvl="1"/>
+            <a:endParaRPr lang="en-IN" sz="1600" dirty="0"/>
+          </a:p>
+          <a:p>
+            <a:pPr marL="342900" indent="-342900">
+              <a:buFont typeface="Arial" panose="020B0604020202020204" pitchFamily="34" charset="0"/>
+              <a:buChar char="•"/>
+            </a:pPr>
+            <a:r>
+              <a:rPr lang="en-IN" sz="1600" b="1" dirty="0"/>
+              <a:t>What are impacted devices due to an alert?</a:t>
+            </a:r>
+            <a:br>
+              <a:rPr lang="en-IN" sz="1200" b="1" dirty="0"/>
+            </a:br>
+            <a:r>
+              <a:rPr lang="en-IN" sz="1200" b="1" dirty="0"/>
+              <a:t>Cypher Query:</a:t>
+            </a:r>
+            <a:r>
+              <a:rPr lang="en-IN" sz="1600" b="1" dirty="0"/>
+              <a:t> </a:t>
+            </a:r>
+          </a:p>
+          <a:p>
+            <a:pPr lvl="1"/>
+            <a:r>
+              <a:rPr lang="en-US" sz="1000" i="1" dirty="0"/>
+              <a:t>MATCH (</a:t>
+            </a:r>
+            <a:r>
+              <a:rPr lang="en-US" sz="1000" i="1" dirty="0" err="1"/>
+              <a:t>n:Alert</a:t>
+            </a:r>
+            <a:r>
+              <a:rPr lang="en-US" sz="1000" i="1" dirty="0"/>
+              <a:t> ) WHERE </a:t>
+            </a:r>
+            <a:r>
+              <a:rPr lang="en-US" sz="1000" i="1" dirty="0" err="1"/>
+              <a:t>toLower</a:t>
+            </a:r>
+            <a:r>
+              <a:rPr lang="en-US" sz="1000" i="1" dirty="0"/>
+              <a:t>(</a:t>
+            </a:r>
+            <a:r>
+              <a:rPr lang="en-US" sz="1000" i="1" dirty="0" err="1"/>
+              <a:t>n.name</a:t>
+            </a:r>
+            <a:r>
+              <a:rPr lang="en-US" sz="1000" i="1" dirty="0"/>
+              <a:t>) CONTAINS </a:t>
+            </a:r>
+            <a:r>
+              <a:rPr lang="en-US" sz="1000" i="1" dirty="0" err="1"/>
+              <a:t>toLower</a:t>
+            </a:r>
+            <a:r>
+              <a:rPr lang="en-US" sz="1000" i="1" dirty="0"/>
+              <a:t>('interface is down') </a:t>
+            </a:r>
+          </a:p>
+          <a:p>
+            <a:pPr lvl="1"/>
+            <a:r>
+              <a:rPr lang="en-US" sz="1000" i="1" dirty="0"/>
+              <a:t>MATCH (n)-[</a:t>
+            </a:r>
+            <a:r>
+              <a:rPr lang="en-US" sz="1000" i="1" dirty="0" err="1"/>
+              <a:t>r:CORRELATED_AT</a:t>
+            </a:r>
+            <a:r>
+              <a:rPr lang="en-US" sz="1000" i="1" dirty="0"/>
+              <a:t>]-(</a:t>
+            </a:r>
+            <a:r>
+              <a:rPr lang="en-US" sz="1000" i="1" dirty="0" err="1"/>
+              <a:t>asso_alert</a:t>
+            </a:r>
+            <a:r>
+              <a:rPr lang="en-US" sz="1000" i="1" dirty="0"/>
+              <a:t>) </a:t>
+            </a:r>
+          </a:p>
+          <a:p>
+            <a:pPr lvl="1"/>
+            <a:r>
+              <a:rPr lang="en-US" sz="1000" i="1" dirty="0"/>
+              <a:t>with </a:t>
+            </a:r>
+            <a:r>
+              <a:rPr lang="en-US" sz="1000" i="1" dirty="0" err="1"/>
+              <a:t>n,asso_alert</a:t>
+            </a:r>
+            <a:r>
+              <a:rPr lang="en-US" sz="1000" i="1" dirty="0"/>
+              <a:t>, r ORDER BY </a:t>
+            </a:r>
+            <a:r>
+              <a:rPr lang="en-US" sz="1000" i="1" dirty="0" err="1"/>
+              <a:t>r.mutual_information</a:t>
+            </a:r>
+            <a:r>
+              <a:rPr lang="en-US" sz="1000" i="1" dirty="0"/>
+              <a:t> DESC limit 5 </a:t>
+            </a:r>
+          </a:p>
+          <a:p>
+            <a:pPr lvl="1"/>
+            <a:r>
+              <a:rPr lang="en-US" sz="1000" i="1" dirty="0"/>
+              <a:t>optional MATCH (n )-[</a:t>
+            </a:r>
+            <a:r>
+              <a:rPr lang="en-US" sz="1000" i="1" dirty="0" err="1"/>
+              <a:t>ar</a:t>
+            </a:r>
+            <a:r>
+              <a:rPr lang="en-US" sz="1000" i="1" dirty="0"/>
+              <a:t>]-(</a:t>
+            </a:r>
+            <a:r>
+              <a:rPr lang="en-US" sz="1000" i="1" dirty="0" err="1"/>
+              <a:t>c:CI</a:t>
+            </a:r>
+            <a:r>
+              <a:rPr lang="en-US" sz="1000" i="1" dirty="0"/>
+              <a:t>), (</a:t>
+            </a:r>
+            <a:r>
+              <a:rPr lang="en-US" sz="1000" i="1" dirty="0" err="1"/>
+              <a:t>c:CI</a:t>
+            </a:r>
+            <a:r>
+              <a:rPr lang="en-US" sz="1000" i="1" dirty="0"/>
+              <a:t>)-[ci]-(</a:t>
+            </a:r>
+            <a:r>
+              <a:rPr lang="en-US" sz="1000" i="1" dirty="0" err="1"/>
+              <a:t>i:Interval</a:t>
+            </a:r>
+            <a:r>
+              <a:rPr lang="en-US" sz="1000" i="1" dirty="0"/>
+              <a:t>) </a:t>
+            </a:r>
+          </a:p>
+          <a:p>
+            <a:pPr lvl="1"/>
+            <a:r>
+              <a:rPr lang="en-US" sz="1000" i="1" dirty="0"/>
+              <a:t>WHERE </a:t>
+            </a:r>
+            <a:r>
+              <a:rPr lang="en-US" sz="1000" i="1" dirty="0" err="1"/>
+              <a:t>i.date</a:t>
+            </a:r>
+            <a:r>
+              <a:rPr lang="en-US" sz="1000" i="1" dirty="0"/>
+              <a:t> &gt;= '11-23-2021' AND </a:t>
+            </a:r>
+            <a:r>
+              <a:rPr lang="en-US" sz="1000" i="1" dirty="0" err="1"/>
+              <a:t>i.startTime</a:t>
+            </a:r>
+            <a:r>
+              <a:rPr lang="en-US" sz="1000" i="1" dirty="0"/>
+              <a:t> &gt;= '17:00' AND </a:t>
+            </a:r>
+            <a:r>
+              <a:rPr lang="en-US" sz="1000" i="1" dirty="0" err="1"/>
+              <a:t>i.date</a:t>
+            </a:r>
+            <a:r>
+              <a:rPr lang="en-US" sz="1000" i="1" dirty="0"/>
+              <a:t> &lt;= '11-23-2021' AND </a:t>
+            </a:r>
+            <a:r>
+              <a:rPr lang="en-US" sz="1000" i="1" dirty="0" err="1"/>
+              <a:t>i.endTime</a:t>
+            </a:r>
+            <a:r>
+              <a:rPr lang="en-US" sz="1000" i="1" dirty="0"/>
+              <a:t> &lt;= '18:00'</a:t>
+            </a:r>
+          </a:p>
+          <a:p>
+            <a:pPr lvl="1"/>
+            <a:r>
+              <a:rPr lang="en-US" sz="1000" i="1" dirty="0"/>
+              <a:t>return c as ci ,(n )-[</a:t>
+            </a:r>
+            <a:r>
+              <a:rPr lang="en-US" sz="1000" i="1" dirty="0" err="1"/>
+              <a:t>ar</a:t>
+            </a:r>
+            <a:r>
+              <a:rPr lang="en-US" sz="1000" i="1" dirty="0"/>
+              <a:t>]-(</a:t>
+            </a:r>
+            <a:r>
+              <a:rPr lang="en-US" sz="1000" i="1" dirty="0" err="1"/>
+              <a:t>c:CI</a:t>
+            </a:r>
+            <a:r>
+              <a:rPr lang="en-US" sz="1000" i="1" dirty="0"/>
+              <a:t>) as </a:t>
+            </a:r>
+            <a:r>
+              <a:rPr lang="en-US" sz="1000" i="1" dirty="0" err="1"/>
+              <a:t>ar</a:t>
+            </a:r>
+            <a:r>
+              <a:rPr lang="en-US" sz="1000" i="1" dirty="0"/>
+              <a:t> </a:t>
+            </a:r>
+          </a:p>
+          <a:p>
+            <a:pPr lvl="1"/>
+            <a:r>
+              <a:rPr lang="en-US" sz="1000" i="1" dirty="0"/>
+              <a:t>UNION </a:t>
+            </a:r>
+          </a:p>
+          <a:p>
+            <a:pPr lvl="1"/>
+            <a:r>
+              <a:rPr lang="en-US" sz="1000" i="1" dirty="0"/>
+              <a:t>MATCH (</a:t>
+            </a:r>
+            <a:r>
+              <a:rPr lang="en-US" sz="1000" i="1" dirty="0" err="1"/>
+              <a:t>n:Alert</a:t>
+            </a:r>
+            <a:r>
+              <a:rPr lang="en-US" sz="1000" i="1" dirty="0"/>
+              <a:t> ) WHERE </a:t>
+            </a:r>
+            <a:r>
+              <a:rPr lang="en-US" sz="1000" i="1" dirty="0" err="1"/>
+              <a:t>toLower</a:t>
+            </a:r>
+            <a:r>
+              <a:rPr lang="en-US" sz="1000" i="1" dirty="0"/>
+              <a:t>(</a:t>
+            </a:r>
+            <a:r>
+              <a:rPr lang="en-US" sz="1000" i="1" dirty="0" err="1"/>
+              <a:t>n.name</a:t>
+            </a:r>
+            <a:r>
+              <a:rPr lang="en-US" sz="1000" i="1" dirty="0"/>
+              <a:t>) CONTAINS </a:t>
+            </a:r>
+            <a:r>
+              <a:rPr lang="en-US" sz="1000" i="1" dirty="0" err="1"/>
+              <a:t>toLower</a:t>
+            </a:r>
+            <a:r>
+              <a:rPr lang="en-US" sz="1000" i="1" dirty="0"/>
+              <a:t>('interface is down') </a:t>
+            </a:r>
+          </a:p>
+          <a:p>
+            <a:pPr lvl="1"/>
+            <a:r>
+              <a:rPr lang="en-US" sz="1000" i="1" dirty="0"/>
+              <a:t>MATCH (n)-[</a:t>
+            </a:r>
+            <a:r>
+              <a:rPr lang="en-US" sz="1000" i="1" dirty="0" err="1"/>
+              <a:t>r:CORRELATED_AT</a:t>
+            </a:r>
+            <a:r>
+              <a:rPr lang="en-US" sz="1000" i="1" dirty="0"/>
+              <a:t>]-(</a:t>
+            </a:r>
+            <a:r>
+              <a:rPr lang="en-US" sz="1000" i="1" dirty="0" err="1"/>
+              <a:t>asso_alert</a:t>
+            </a:r>
+            <a:r>
+              <a:rPr lang="en-US" sz="1000" i="1" dirty="0"/>
+              <a:t>) </a:t>
+            </a:r>
+          </a:p>
+          <a:p>
+            <a:pPr lvl="1"/>
+            <a:r>
+              <a:rPr lang="en-US" sz="1000" i="1" dirty="0"/>
+              <a:t>with </a:t>
+            </a:r>
+            <a:r>
+              <a:rPr lang="en-US" sz="1000" i="1" dirty="0" err="1"/>
+              <a:t>n,asso_alert</a:t>
+            </a:r>
+            <a:r>
+              <a:rPr lang="en-US" sz="1000" i="1" dirty="0"/>
+              <a:t>, r ORDER BY </a:t>
+            </a:r>
+            <a:r>
+              <a:rPr lang="en-US" sz="1000" i="1" dirty="0" err="1"/>
+              <a:t>r.mutual_information</a:t>
+            </a:r>
+            <a:r>
+              <a:rPr lang="en-US" sz="1000" i="1" dirty="0"/>
+              <a:t> DESC limit 5 </a:t>
+            </a:r>
+          </a:p>
+          <a:p>
+            <a:pPr lvl="1"/>
+            <a:r>
+              <a:rPr lang="en-US" sz="1000" i="1" dirty="0"/>
+              <a:t>optional MATCH (</a:t>
+            </a:r>
+            <a:r>
+              <a:rPr lang="en-US" sz="1000" i="1" dirty="0" err="1"/>
+              <a:t>asso_alert</a:t>
+            </a:r>
+            <a:r>
+              <a:rPr lang="en-US" sz="1000" i="1" dirty="0"/>
+              <a:t> )-[</a:t>
+            </a:r>
+            <a:r>
+              <a:rPr lang="en-US" sz="1000" i="1" dirty="0" err="1"/>
+              <a:t>ar</a:t>
+            </a:r>
+            <a:r>
+              <a:rPr lang="en-US" sz="1000" i="1" dirty="0"/>
+              <a:t>]-(</a:t>
+            </a:r>
+            <a:r>
+              <a:rPr lang="en-US" sz="1000" i="1" dirty="0" err="1"/>
+              <a:t>c:CI</a:t>
+            </a:r>
+            <a:r>
+              <a:rPr lang="en-US" sz="1000" i="1" dirty="0"/>
+              <a:t>), (</a:t>
+            </a:r>
+            <a:r>
+              <a:rPr lang="en-US" sz="1000" i="1" dirty="0" err="1"/>
+              <a:t>c:CI</a:t>
+            </a:r>
+            <a:r>
+              <a:rPr lang="en-US" sz="1000" i="1" dirty="0"/>
+              <a:t>)-[ci]-(</a:t>
+            </a:r>
+            <a:r>
+              <a:rPr lang="en-US" sz="1000" i="1" dirty="0" err="1"/>
+              <a:t>i:Interval</a:t>
+            </a:r>
+            <a:r>
+              <a:rPr lang="en-US" sz="1000" i="1" dirty="0"/>
+              <a:t>) </a:t>
+            </a:r>
+          </a:p>
+          <a:p>
+            <a:pPr lvl="1"/>
+            <a:r>
+              <a:rPr lang="en-US" sz="1000" i="1" dirty="0"/>
+              <a:t>WHERE </a:t>
+            </a:r>
+            <a:r>
+              <a:rPr lang="en-US" sz="1000" i="1" dirty="0" err="1"/>
+              <a:t>i.date</a:t>
+            </a:r>
+            <a:r>
+              <a:rPr lang="en-US" sz="1000" i="1" dirty="0"/>
+              <a:t> &gt;= '11-23-2021' AND </a:t>
+            </a:r>
+            <a:r>
+              <a:rPr lang="en-US" sz="1000" i="1" dirty="0" err="1"/>
+              <a:t>i.startTime</a:t>
+            </a:r>
+            <a:r>
+              <a:rPr lang="en-US" sz="1000" i="1" dirty="0"/>
+              <a:t> &gt;= '17:00' AND </a:t>
+            </a:r>
+            <a:r>
+              <a:rPr lang="en-US" sz="1000" i="1" dirty="0" err="1"/>
+              <a:t>i.date</a:t>
+            </a:r>
+            <a:r>
+              <a:rPr lang="en-US" sz="1000" i="1" dirty="0"/>
+              <a:t> &lt;= '11-23-2021' AND </a:t>
+            </a:r>
+            <a:r>
+              <a:rPr lang="en-US" sz="1000" i="1" dirty="0" err="1"/>
+              <a:t>i.endTime</a:t>
+            </a:r>
+            <a:r>
+              <a:rPr lang="en-US" sz="1000" i="1" dirty="0"/>
+              <a:t> &lt;= '18:00'</a:t>
+            </a:r>
+          </a:p>
+          <a:p>
+            <a:pPr lvl="1"/>
+            <a:r>
+              <a:rPr lang="en-US" sz="1000" i="1" dirty="0"/>
+              <a:t>return c as ci ,(</a:t>
+            </a:r>
+            <a:r>
+              <a:rPr lang="en-US" sz="1000" i="1" dirty="0" err="1"/>
+              <a:t>asso_alert</a:t>
+            </a:r>
+            <a:r>
+              <a:rPr lang="en-US" sz="1000" i="1" dirty="0"/>
+              <a:t> )-[</a:t>
+            </a:r>
+            <a:r>
+              <a:rPr lang="en-US" sz="1000" i="1" dirty="0" err="1"/>
+              <a:t>ar</a:t>
+            </a:r>
+            <a:r>
+              <a:rPr lang="en-US" sz="1000" i="1" dirty="0"/>
+              <a:t>]-(</a:t>
+            </a:r>
+            <a:r>
+              <a:rPr lang="en-US" sz="1000" i="1" dirty="0" err="1"/>
+              <a:t>c:CI</a:t>
+            </a:r>
+            <a:r>
+              <a:rPr lang="en-US" sz="1000" i="1" dirty="0"/>
+              <a:t>) as </a:t>
+            </a:r>
+            <a:r>
+              <a:rPr lang="en-US" sz="1000" i="1" dirty="0" err="1"/>
+              <a:t>ar</a:t>
+            </a:r>
+            <a:r>
+              <a:rPr lang="en-US" sz="1000" i="1" dirty="0"/>
+              <a:t> </a:t>
+            </a:r>
+            <a:endParaRPr lang="en-IN" sz="1600" b="1" dirty="0"/>
+          </a:p>
+          <a:p>
+            <a:pPr marL="342900" indent="-342900">
+              <a:buFont typeface="Arial" panose="020B0604020202020204" pitchFamily="34" charset="0"/>
+              <a:buChar char="•"/>
+            </a:pPr>
+            <a:endParaRPr lang="en-IN" sz="1600" dirty="0"/>
+          </a:p>
+          <a:p>
+            <a:pPr marL="342900" indent="-342900">
+              <a:buFont typeface="Arial" panose="020B0604020202020204" pitchFamily="34" charset="0"/>
+              <a:buChar char="•"/>
+            </a:pPr>
+            <a:endParaRPr lang="en-IN" sz="1600" dirty="0"/>
+          </a:p>
+          <a:p>
+            <a:pPr lvl="1"/>
+            <a:br>
+              <a:rPr lang="en-IN" sz="1200" dirty="0"/>
+            </a:br>
+            <a:endParaRPr lang="en-IN" sz="1200" dirty="0">
+              <a:solidFill>
+                <a:srgbClr val="FF0000"/>
+              </a:solidFill>
+            </a:endParaRPr>
+          </a:p>
+        </p:txBody>
+      </p:sp>
+      <p:pic>
+        <p:nvPicPr>
+          <p:cNvPr id="37" name="Picture 36">
+            <a:extLst>
+              <a:ext uri="{FF2B5EF4-FFF2-40B4-BE49-F238E27FC236}">
+                <a16:creationId xmlns:a16="http://schemas.microsoft.com/office/drawing/2014/main" id="{16092B74-553A-B94C-B221-D87167864F61}"/>
+              </a:ext>
+            </a:extLst>
+          </p:cNvPr>
+          <p:cNvPicPr>
+            <a:picLocks noChangeAspect="1"/>
+          </p:cNvPicPr>
+          <p:nvPr/>
+        </p:nvPicPr>
+        <p:blipFill>
+          <a:blip r:embed="rId2"/>
+          <a:stretch>
+            <a:fillRect/>
+          </a:stretch>
+        </p:blipFill>
+        <p:spPr>
+          <a:xfrm>
+            <a:off x="1239976" y="4370935"/>
+            <a:ext cx="2948245" cy="1899444"/>
+          </a:xfrm>
+          <a:prstGeom prst="rect">
+            <a:avLst/>
+          </a:prstGeom>
+        </p:spPr>
+      </p:pic>
+      <p:sp>
+        <p:nvSpPr>
+          <p:cNvPr id="41" name="TextBox 40">
+            <a:extLst>
+              <a:ext uri="{FF2B5EF4-FFF2-40B4-BE49-F238E27FC236}">
+                <a16:creationId xmlns:a16="http://schemas.microsoft.com/office/drawing/2014/main" id="{37C83772-97F3-724D-A447-BEDB398BB703}"/>
+              </a:ext>
+            </a:extLst>
+          </p:cNvPr>
+          <p:cNvSpPr txBox="1"/>
+          <p:nvPr/>
+        </p:nvSpPr>
+        <p:spPr>
+          <a:xfrm>
+            <a:off x="5952781" y="1192294"/>
+            <a:ext cx="5687122" cy="4001095"/>
+          </a:xfrm>
+          <a:prstGeom prst="rect">
+            <a:avLst/>
+          </a:prstGeom>
+          <a:noFill/>
+        </p:spPr>
+        <p:txBody>
+          <a:bodyPr wrap="square" rtlCol="0">
+            <a:spAutoFit/>
+          </a:bodyPr>
+          <a:lstStyle/>
+          <a:p>
+            <a:pPr lvl="1"/>
+            <a:endParaRPr lang="en-IN" sz="1600" dirty="0"/>
+          </a:p>
+          <a:p>
+            <a:pPr marL="342900" indent="-342900">
+              <a:buFont typeface="Arial" panose="020B0604020202020204" pitchFamily="34" charset="0"/>
+              <a:buChar char="•"/>
+            </a:pPr>
+            <a:r>
+              <a:rPr lang="en-IN" sz="1600" b="1" dirty="0"/>
+              <a:t>What are the Unhealthy services?</a:t>
+            </a:r>
+            <a:br>
+              <a:rPr lang="en-IN" sz="1200" b="1" dirty="0"/>
+            </a:br>
+            <a:r>
+              <a:rPr lang="en-IN" sz="1200" b="1" dirty="0"/>
+              <a:t>Cypher Query:</a:t>
+            </a:r>
+            <a:r>
+              <a:rPr lang="en-IN" sz="1600" b="1" dirty="0"/>
+              <a:t> </a:t>
+            </a:r>
+          </a:p>
+          <a:p>
+            <a:pPr lvl="1"/>
+            <a:r>
+              <a:rPr lang="en-US" sz="1000" i="1" dirty="0"/>
+              <a:t>MATCH (</a:t>
+            </a:r>
+            <a:r>
+              <a:rPr lang="en-US" sz="1000" i="1" dirty="0" err="1"/>
+              <a:t>n:Alert</a:t>
+            </a:r>
+            <a:r>
+              <a:rPr lang="en-US" sz="1000" i="1" dirty="0"/>
+              <a:t> ) WHERE </a:t>
+            </a:r>
+            <a:r>
+              <a:rPr lang="en-US" sz="1000" i="1" dirty="0" err="1"/>
+              <a:t>toLower</a:t>
+            </a:r>
+            <a:r>
+              <a:rPr lang="en-US" sz="1000" i="1" dirty="0"/>
+              <a:t>(</a:t>
+            </a:r>
+            <a:r>
+              <a:rPr lang="en-US" sz="1000" i="1" dirty="0" err="1"/>
+              <a:t>n.name</a:t>
+            </a:r>
+            <a:r>
+              <a:rPr lang="en-US" sz="1000" i="1" dirty="0"/>
+              <a:t>) CONTAINS </a:t>
+            </a:r>
+            <a:r>
+              <a:rPr lang="en-US" sz="1000" i="1" dirty="0" err="1"/>
+              <a:t>toLower</a:t>
+            </a:r>
+            <a:r>
+              <a:rPr lang="en-US" sz="1000" i="1" dirty="0"/>
+              <a:t>('interface is down') </a:t>
+            </a:r>
+          </a:p>
+          <a:p>
+            <a:pPr lvl="1"/>
+            <a:r>
+              <a:rPr lang="en-US" sz="1000" i="1" dirty="0"/>
+              <a:t>MATCH (n)-[</a:t>
+            </a:r>
+            <a:r>
+              <a:rPr lang="en-US" sz="1000" i="1" dirty="0" err="1"/>
+              <a:t>r:CORRELATED_AT</a:t>
+            </a:r>
+            <a:r>
+              <a:rPr lang="en-US" sz="1000" i="1" dirty="0"/>
+              <a:t>]-(</a:t>
+            </a:r>
+            <a:r>
+              <a:rPr lang="en-US" sz="1000" i="1" dirty="0" err="1"/>
+              <a:t>asso_alert</a:t>
+            </a:r>
+            <a:r>
+              <a:rPr lang="en-US" sz="1000" i="1" dirty="0"/>
+              <a:t>) </a:t>
+            </a:r>
+          </a:p>
+          <a:p>
+            <a:pPr lvl="1"/>
+            <a:r>
+              <a:rPr lang="en-US" sz="1000" i="1" dirty="0"/>
+              <a:t>with </a:t>
+            </a:r>
+            <a:r>
+              <a:rPr lang="en-US" sz="1000" i="1" dirty="0" err="1"/>
+              <a:t>n,asso_alert</a:t>
+            </a:r>
+            <a:r>
+              <a:rPr lang="en-US" sz="1000" i="1" dirty="0"/>
+              <a:t>, r ORDER BY </a:t>
+            </a:r>
+            <a:r>
+              <a:rPr lang="en-US" sz="1000" i="1" dirty="0" err="1"/>
+              <a:t>r.mutual_information</a:t>
+            </a:r>
+            <a:r>
+              <a:rPr lang="en-US" sz="1000" i="1" dirty="0"/>
+              <a:t> DESC limit 5 </a:t>
+            </a:r>
+          </a:p>
+          <a:p>
+            <a:pPr lvl="1"/>
+            <a:r>
+              <a:rPr lang="en-US" sz="1000" i="1" dirty="0"/>
+              <a:t>optional MATCH (n )-[</a:t>
+            </a:r>
+            <a:r>
+              <a:rPr lang="en-US" sz="1000" i="1" dirty="0" err="1"/>
+              <a:t>ar</a:t>
+            </a:r>
+            <a:r>
+              <a:rPr lang="en-US" sz="1000" i="1" dirty="0"/>
+              <a:t>]-(</a:t>
+            </a:r>
+            <a:r>
+              <a:rPr lang="en-US" sz="1000" i="1" dirty="0" err="1"/>
+              <a:t>c:CI</a:t>
+            </a:r>
+            <a:r>
+              <a:rPr lang="en-US" sz="1000" i="1" dirty="0"/>
+              <a:t>), (</a:t>
+            </a:r>
+            <a:r>
+              <a:rPr lang="en-US" sz="1000" i="1" dirty="0" err="1"/>
+              <a:t>c:CI</a:t>
+            </a:r>
+            <a:r>
+              <a:rPr lang="en-US" sz="1000" i="1" dirty="0"/>
+              <a:t>)-[ci]-(</a:t>
+            </a:r>
+            <a:r>
+              <a:rPr lang="en-US" sz="1000" i="1" dirty="0" err="1"/>
+              <a:t>i:Interval</a:t>
+            </a:r>
+            <a:r>
+              <a:rPr lang="en-US" sz="1000" i="1" dirty="0"/>
+              <a:t>), (</a:t>
+            </a:r>
+            <a:r>
+              <a:rPr lang="en-US" sz="1000" i="1" dirty="0" err="1"/>
+              <a:t>c:CI</a:t>
+            </a:r>
+            <a:r>
+              <a:rPr lang="en-US" sz="1000" i="1" dirty="0"/>
+              <a:t>)-[]-(</a:t>
+            </a:r>
+            <a:r>
+              <a:rPr lang="en-US" sz="1000" i="1" dirty="0" err="1"/>
+              <a:t>s:Service</a:t>
+            </a:r>
+            <a:r>
+              <a:rPr lang="en-US" sz="1000" i="1" dirty="0"/>
+              <a:t>) </a:t>
+            </a:r>
+          </a:p>
+          <a:p>
+            <a:pPr lvl="1"/>
+            <a:r>
+              <a:rPr lang="en-US" sz="1000" i="1" dirty="0"/>
+              <a:t>WHERE </a:t>
+            </a:r>
+            <a:r>
+              <a:rPr lang="en-US" sz="1000" i="1" dirty="0" err="1"/>
+              <a:t>i.date</a:t>
+            </a:r>
+            <a:r>
+              <a:rPr lang="en-US" sz="1000" i="1" dirty="0"/>
+              <a:t> &gt;= '11-23-2021' AND </a:t>
+            </a:r>
+            <a:r>
+              <a:rPr lang="en-US" sz="1000" i="1" dirty="0" err="1"/>
+              <a:t>i.startTime</a:t>
+            </a:r>
+            <a:r>
+              <a:rPr lang="en-US" sz="1000" i="1" dirty="0"/>
+              <a:t> &gt;= '17:00' AND </a:t>
+            </a:r>
+            <a:r>
+              <a:rPr lang="en-US" sz="1000" i="1" dirty="0" err="1"/>
+              <a:t>i.date</a:t>
+            </a:r>
+            <a:r>
+              <a:rPr lang="en-US" sz="1000" i="1" dirty="0"/>
+              <a:t> &lt;= '11-23-2021' AND </a:t>
+            </a:r>
+            <a:r>
+              <a:rPr lang="en-US" sz="1000" i="1" dirty="0" err="1"/>
+              <a:t>i.endTime</a:t>
+            </a:r>
+            <a:r>
+              <a:rPr lang="en-US" sz="1000" i="1" dirty="0"/>
+              <a:t> &lt;= '23:00'</a:t>
+            </a:r>
+          </a:p>
+          <a:p>
+            <a:pPr lvl="1"/>
+            <a:r>
+              <a:rPr lang="en-US" sz="1000" i="1" dirty="0"/>
+              <a:t>return c as ci ,(n )-[</a:t>
+            </a:r>
+            <a:r>
+              <a:rPr lang="en-US" sz="1000" i="1" dirty="0" err="1"/>
+              <a:t>ar</a:t>
+            </a:r>
+            <a:r>
+              <a:rPr lang="en-US" sz="1000" i="1" dirty="0"/>
+              <a:t>]-(</a:t>
+            </a:r>
+            <a:r>
+              <a:rPr lang="en-US" sz="1000" i="1" dirty="0" err="1"/>
+              <a:t>c:CI</a:t>
+            </a:r>
+            <a:r>
+              <a:rPr lang="en-US" sz="1000" i="1" dirty="0"/>
+              <a:t>) as </a:t>
+            </a:r>
+            <a:r>
+              <a:rPr lang="en-US" sz="1000" i="1" dirty="0" err="1"/>
+              <a:t>ar</a:t>
+            </a:r>
+            <a:r>
+              <a:rPr lang="en-US" sz="1000" i="1" dirty="0"/>
+              <a:t> , </a:t>
+            </a:r>
+            <a:r>
+              <a:rPr lang="en-US" sz="1000" i="1" dirty="0" err="1"/>
+              <a:t>i</a:t>
+            </a:r>
+            <a:r>
+              <a:rPr lang="en-US" sz="1000" i="1" dirty="0"/>
+              <a:t>, (</a:t>
+            </a:r>
+            <a:r>
+              <a:rPr lang="en-US" sz="1000" i="1" dirty="0" err="1"/>
+              <a:t>c:CI</a:t>
+            </a:r>
+            <a:r>
+              <a:rPr lang="en-US" sz="1000" i="1" dirty="0"/>
+              <a:t>)-[]-(</a:t>
+            </a:r>
+            <a:r>
+              <a:rPr lang="en-US" sz="1000" i="1" dirty="0" err="1"/>
+              <a:t>s:Service</a:t>
+            </a:r>
+            <a:r>
+              <a:rPr lang="en-US" sz="1000" i="1" dirty="0"/>
+              <a:t>) as cis, s </a:t>
+            </a:r>
+          </a:p>
+          <a:p>
+            <a:pPr lvl="1"/>
+            <a:r>
+              <a:rPr lang="en-US" sz="1000" i="1" dirty="0"/>
+              <a:t>UNION </a:t>
+            </a:r>
+          </a:p>
+          <a:p>
+            <a:pPr lvl="1"/>
+            <a:r>
+              <a:rPr lang="en-US" sz="1000" i="1" dirty="0"/>
+              <a:t>MATCH (</a:t>
+            </a:r>
+            <a:r>
+              <a:rPr lang="en-US" sz="1000" i="1" dirty="0" err="1"/>
+              <a:t>n:Alert</a:t>
+            </a:r>
+            <a:r>
+              <a:rPr lang="en-US" sz="1000" i="1" dirty="0"/>
+              <a:t> ) WHERE </a:t>
+            </a:r>
+            <a:r>
+              <a:rPr lang="en-US" sz="1000" i="1" dirty="0" err="1"/>
+              <a:t>toLower</a:t>
+            </a:r>
+            <a:r>
+              <a:rPr lang="en-US" sz="1000" i="1" dirty="0"/>
+              <a:t>(</a:t>
+            </a:r>
+            <a:r>
+              <a:rPr lang="en-US" sz="1000" i="1" dirty="0" err="1"/>
+              <a:t>n.name</a:t>
+            </a:r>
+            <a:r>
+              <a:rPr lang="en-US" sz="1000" i="1" dirty="0"/>
+              <a:t>) CONTAINS </a:t>
+            </a:r>
+            <a:r>
+              <a:rPr lang="en-US" sz="1000" i="1" dirty="0" err="1"/>
+              <a:t>toLower</a:t>
+            </a:r>
+            <a:r>
+              <a:rPr lang="en-US" sz="1000" i="1" dirty="0"/>
+              <a:t>('interface is down') </a:t>
+            </a:r>
+          </a:p>
+          <a:p>
+            <a:pPr lvl="1"/>
+            <a:r>
+              <a:rPr lang="en-US" sz="1000" i="1" dirty="0"/>
+              <a:t>MATCH (n)-[</a:t>
+            </a:r>
+            <a:r>
+              <a:rPr lang="en-US" sz="1000" i="1" dirty="0" err="1"/>
+              <a:t>r:CORRELATED_AT</a:t>
+            </a:r>
+            <a:r>
+              <a:rPr lang="en-US" sz="1000" i="1" dirty="0"/>
+              <a:t>]-(</a:t>
+            </a:r>
+            <a:r>
+              <a:rPr lang="en-US" sz="1000" i="1" dirty="0" err="1"/>
+              <a:t>asso_alert</a:t>
+            </a:r>
+            <a:r>
+              <a:rPr lang="en-US" sz="1000" i="1" dirty="0"/>
+              <a:t>) </a:t>
+            </a:r>
+          </a:p>
+          <a:p>
+            <a:pPr lvl="1"/>
+            <a:r>
+              <a:rPr lang="en-US" sz="1000" i="1" dirty="0"/>
+              <a:t>with </a:t>
+            </a:r>
+            <a:r>
+              <a:rPr lang="en-US" sz="1000" i="1" dirty="0" err="1"/>
+              <a:t>n,asso_alert</a:t>
+            </a:r>
+            <a:r>
+              <a:rPr lang="en-US" sz="1000" i="1" dirty="0"/>
+              <a:t>, r ORDER BY </a:t>
+            </a:r>
+            <a:r>
+              <a:rPr lang="en-US" sz="1000" i="1" dirty="0" err="1"/>
+              <a:t>r.mutual_information</a:t>
+            </a:r>
+            <a:r>
+              <a:rPr lang="en-US" sz="1000" i="1" dirty="0"/>
+              <a:t> DESC limit 5 </a:t>
+            </a:r>
+          </a:p>
+          <a:p>
+            <a:pPr lvl="1"/>
+            <a:r>
+              <a:rPr lang="en-US" sz="1000" i="1" dirty="0"/>
+              <a:t>optional MATCH (</a:t>
+            </a:r>
+            <a:r>
+              <a:rPr lang="en-US" sz="1000" i="1" dirty="0" err="1"/>
+              <a:t>asso_alert</a:t>
+            </a:r>
+            <a:r>
+              <a:rPr lang="en-US" sz="1000" i="1" dirty="0"/>
+              <a:t> )-[</a:t>
+            </a:r>
+            <a:r>
+              <a:rPr lang="en-US" sz="1000" i="1" dirty="0" err="1"/>
+              <a:t>ar</a:t>
+            </a:r>
+            <a:r>
+              <a:rPr lang="en-US" sz="1000" i="1" dirty="0"/>
+              <a:t>]-(</a:t>
+            </a:r>
+            <a:r>
+              <a:rPr lang="en-US" sz="1000" i="1" dirty="0" err="1"/>
+              <a:t>c:CI</a:t>
+            </a:r>
+            <a:r>
+              <a:rPr lang="en-US" sz="1000" i="1" dirty="0"/>
+              <a:t>), (</a:t>
+            </a:r>
+            <a:r>
+              <a:rPr lang="en-US" sz="1000" i="1" dirty="0" err="1"/>
+              <a:t>c:CI</a:t>
+            </a:r>
+            <a:r>
+              <a:rPr lang="en-US" sz="1000" i="1" dirty="0"/>
+              <a:t>)-[ci]-(</a:t>
+            </a:r>
+            <a:r>
+              <a:rPr lang="en-US" sz="1000" i="1" dirty="0" err="1"/>
+              <a:t>i:Interval</a:t>
+            </a:r>
+            <a:r>
+              <a:rPr lang="en-US" sz="1000" i="1" dirty="0"/>
+              <a:t>), (</a:t>
+            </a:r>
+            <a:r>
+              <a:rPr lang="en-US" sz="1000" i="1" dirty="0" err="1"/>
+              <a:t>c:CI</a:t>
+            </a:r>
+            <a:r>
+              <a:rPr lang="en-US" sz="1000" i="1" dirty="0"/>
+              <a:t>)-[]-(</a:t>
+            </a:r>
+            <a:r>
+              <a:rPr lang="en-US" sz="1000" i="1" dirty="0" err="1"/>
+              <a:t>s:Service</a:t>
+            </a:r>
+            <a:r>
+              <a:rPr lang="en-US" sz="1000" i="1" dirty="0"/>
+              <a:t>) </a:t>
+            </a:r>
+          </a:p>
+          <a:p>
+            <a:pPr lvl="1"/>
+            <a:r>
+              <a:rPr lang="en-US" sz="1000" i="1" dirty="0"/>
+              <a:t>WHERE </a:t>
+            </a:r>
+            <a:r>
+              <a:rPr lang="en-US" sz="1000" i="1" dirty="0" err="1"/>
+              <a:t>i.date</a:t>
+            </a:r>
+            <a:r>
+              <a:rPr lang="en-US" sz="1000" i="1" dirty="0"/>
+              <a:t> &gt;= '11-23-2021' AND </a:t>
+            </a:r>
+            <a:r>
+              <a:rPr lang="en-US" sz="1000" i="1" dirty="0" err="1"/>
+              <a:t>i.startTime</a:t>
+            </a:r>
+            <a:r>
+              <a:rPr lang="en-US" sz="1000" i="1" dirty="0"/>
+              <a:t> &gt;= '17:00' AND </a:t>
+            </a:r>
+            <a:r>
+              <a:rPr lang="en-US" sz="1000" i="1" dirty="0" err="1"/>
+              <a:t>i.date</a:t>
+            </a:r>
+            <a:r>
+              <a:rPr lang="en-US" sz="1000" i="1" dirty="0"/>
+              <a:t> &lt;= '11-23-2021' AND </a:t>
+            </a:r>
+            <a:r>
+              <a:rPr lang="en-US" sz="1000" i="1" dirty="0" err="1"/>
+              <a:t>i.endTime</a:t>
+            </a:r>
+            <a:r>
+              <a:rPr lang="en-US" sz="1000" i="1" dirty="0"/>
+              <a:t> &lt;= '23:00'</a:t>
+            </a:r>
+          </a:p>
+          <a:p>
+            <a:pPr lvl="1"/>
+            <a:r>
+              <a:rPr lang="en-US" sz="1000" i="1" dirty="0"/>
+              <a:t>return c as ci ,(</a:t>
+            </a:r>
+            <a:r>
+              <a:rPr lang="en-US" sz="1000" i="1" dirty="0" err="1"/>
+              <a:t>asso_alert</a:t>
+            </a:r>
+            <a:r>
+              <a:rPr lang="en-US" sz="1000" i="1" dirty="0"/>
+              <a:t> )-[</a:t>
+            </a:r>
+            <a:r>
+              <a:rPr lang="en-US" sz="1000" i="1" dirty="0" err="1"/>
+              <a:t>ar</a:t>
+            </a:r>
+            <a:r>
+              <a:rPr lang="en-US" sz="1000" i="1" dirty="0"/>
+              <a:t>]-(</a:t>
+            </a:r>
+            <a:r>
+              <a:rPr lang="en-US" sz="1000" i="1" dirty="0" err="1"/>
+              <a:t>c:CI</a:t>
+            </a:r>
+            <a:r>
+              <a:rPr lang="en-US" sz="1000" i="1" dirty="0"/>
+              <a:t>) as </a:t>
+            </a:r>
+            <a:r>
+              <a:rPr lang="en-US" sz="1000" i="1" dirty="0" err="1"/>
+              <a:t>ar</a:t>
+            </a:r>
+            <a:r>
+              <a:rPr lang="en-US" sz="1000" i="1" dirty="0"/>
+              <a:t> , </a:t>
+            </a:r>
+            <a:r>
+              <a:rPr lang="en-US" sz="1000" i="1" dirty="0" err="1"/>
+              <a:t>i</a:t>
+            </a:r>
+            <a:r>
+              <a:rPr lang="en-US" sz="1000" i="1" dirty="0"/>
+              <a:t>, (</a:t>
+            </a:r>
+            <a:r>
+              <a:rPr lang="en-US" sz="1000" i="1" dirty="0" err="1"/>
+              <a:t>c:CI</a:t>
+            </a:r>
+            <a:r>
+              <a:rPr lang="en-US" sz="1000" i="1" dirty="0"/>
+              <a:t>)-[]-(</a:t>
+            </a:r>
+            <a:r>
+              <a:rPr lang="en-US" sz="1000" i="1" dirty="0" err="1"/>
+              <a:t>s:Service</a:t>
+            </a:r>
+            <a:r>
+              <a:rPr lang="en-US" sz="1000" i="1" dirty="0"/>
+              <a:t>) as cis, s </a:t>
+            </a:r>
+            <a:endParaRPr lang="en-IN" sz="1000" i="1" dirty="0"/>
+          </a:p>
+          <a:p>
+            <a:pPr marL="342900" indent="-342900">
+              <a:buFont typeface="Arial" panose="020B0604020202020204" pitchFamily="34" charset="0"/>
+              <a:buChar char="•"/>
+            </a:pPr>
+            <a:endParaRPr lang="en-IN" sz="1600" dirty="0"/>
+          </a:p>
+          <a:p>
+            <a:pPr marL="342900" indent="-342900">
+              <a:buFont typeface="Arial" panose="020B0604020202020204" pitchFamily="34" charset="0"/>
+              <a:buChar char="•"/>
+            </a:pPr>
+            <a:endParaRPr lang="en-IN" sz="1600" dirty="0"/>
+          </a:p>
+          <a:p>
+            <a:pPr lvl="1"/>
+            <a:br>
+              <a:rPr lang="en-IN" sz="1200" dirty="0"/>
+            </a:br>
+            <a:endParaRPr lang="en-IN" sz="1200" dirty="0">
+              <a:solidFill>
+                <a:srgbClr val="FF0000"/>
+              </a:solidFill>
+            </a:endParaRPr>
+          </a:p>
+        </p:txBody>
+      </p:sp>
+      <p:pic>
+        <p:nvPicPr>
+          <p:cNvPr id="13" name="Picture 12">
+            <a:extLst>
+              <a:ext uri="{FF2B5EF4-FFF2-40B4-BE49-F238E27FC236}">
+                <a16:creationId xmlns:a16="http://schemas.microsoft.com/office/drawing/2014/main" id="{D8E72AE4-F89E-9340-930F-39CA312FE607}"/>
+              </a:ext>
+            </a:extLst>
+          </p:cNvPr>
+          <p:cNvPicPr>
+            <a:picLocks noChangeAspect="1"/>
+          </p:cNvPicPr>
+          <p:nvPr/>
+        </p:nvPicPr>
+        <p:blipFill>
+          <a:blip r:embed="rId3"/>
+          <a:stretch>
+            <a:fillRect/>
+          </a:stretch>
+        </p:blipFill>
+        <p:spPr>
+          <a:xfrm>
+            <a:off x="7006728" y="4307300"/>
+            <a:ext cx="3251218" cy="1932000"/>
+          </a:xfrm>
+          <a:prstGeom prst="rect">
+            <a:avLst/>
+          </a:prstGeom>
+        </p:spPr>
+      </p:pic>
+    </p:spTree>
+    <p:extLst>
+      <p:ext uri="{BB962C8B-B14F-4D97-AF65-F5344CB8AC3E}">
+        <p14:creationId xmlns:p14="http://schemas.microsoft.com/office/powerpoint/2010/main" val="3866287401"/>
+      </p:ext>
+    </p:extLst>
+  </p:cSld>
+  <p:clrMapOvr>
+    <a:masterClrMapping/>
+  </p:clrMapOvr>
+</p:sld>
+</file>
+
+<file path=ppt/slides/slide13.xml><?xml version="1.0" encoding="utf-8"?>
+<p:sld xmlns:a="http://schemas.openxmlformats.org/drawingml/2006/main" xmlns:r="http://schemas.openxmlformats.org/officeDocument/2006/relationships" xmlns:p="http://schemas.openxmlformats.org/presentationml/2006/main">
+  <p:cSld>
+    <p:spTree>
+      <p:nvGrpSpPr>
+        <p:cNvPr id="1" name=""/>
+        <p:cNvGrpSpPr/>
+        <p:nvPr/>
+      </p:nvGrpSpPr>
+      <p:grpSpPr>
+        <a:xfrm>
+          <a:off x="0" y="0"/>
+          <a:ext cx="0" cy="0"/>
+          <a:chOff x="0" y="0"/>
+          <a:chExt cx="0" cy="0"/>
+        </a:xfrm>
+      </p:grpSpPr>
+      <p:sp>
+        <p:nvSpPr>
+          <p:cNvPr id="5" name="TextBox 4">
+            <a:extLst>
+              <a:ext uri="{FF2B5EF4-FFF2-40B4-BE49-F238E27FC236}">
+                <a16:creationId xmlns:a16="http://schemas.microsoft.com/office/drawing/2014/main" id="{1AF10CC2-7967-9B44-A222-6896FA1E60F1}"/>
+              </a:ext>
+            </a:extLst>
+          </p:cNvPr>
+          <p:cNvSpPr txBox="1"/>
+          <p:nvPr/>
+        </p:nvSpPr>
+        <p:spPr>
+          <a:xfrm>
+            <a:off x="418817" y="659135"/>
+            <a:ext cx="9969190" cy="523220"/>
+          </a:xfrm>
+          <a:prstGeom prst="rect">
+            <a:avLst/>
+          </a:prstGeom>
+          <a:noFill/>
+        </p:spPr>
+        <p:txBody>
+          <a:bodyPr wrap="square" rtlCol="0">
+            <a:spAutoFit/>
+          </a:bodyPr>
+          <a:lstStyle/>
+          <a:p>
+            <a:r>
+              <a:rPr lang="en-IN" sz="2800" b="1" dirty="0"/>
               <a:t>Demo</a:t>
             </a:r>
           </a:p>
@@ -4621,7 +6953,7 @@
 </p:sld>
 </file>
 
-<file path=ppt/slides/slide12.xml><?xml version="1.0" encoding="utf-8"?>
+<file path=ppt/slides/slide14.xml><?xml version="1.0" encoding="utf-8"?>
 <p:sld xmlns:a="http://schemas.openxmlformats.org/drawingml/2006/main" xmlns:r="http://schemas.openxmlformats.org/officeDocument/2006/relationships" xmlns:p="http://schemas.openxmlformats.org/presentationml/2006/main">
   <p:cSld>
     <p:bg>
@@ -10500,7 +12832,7 @@
           <a:lstStyle/>
           <a:p>
             <a:r>
-              <a:rPr lang="en-IN" dirty="0"/>
+              <a:rPr lang="en-IN" b="1" dirty="0"/>
               <a:t>How to calculate Mutual Information </a:t>
             </a:r>
           </a:p>
@@ -10872,7 +13204,7 @@
         <p:spPr>
           <a:xfrm>
             <a:off x="408878" y="669074"/>
-            <a:ext cx="9969190" cy="369332"/>
+            <a:ext cx="9969190" cy="523220"/>
           </a:xfrm>
           <a:prstGeom prst="rect">
             <a:avLst/>
@@ -10886,7 +13218,7 @@
           <a:lstStyle/>
           <a:p>
             <a:r>
-              <a:rPr lang="en-IN" b="1" dirty="0"/>
+              <a:rPr lang="en-IN" sz="2800" b="1" dirty="0"/>
               <a:t>Demo</a:t>
             </a:r>
           </a:p>
@@ -11318,7 +13650,7 @@
         </p:nvSpPr>
         <p:spPr>
           <a:xfrm>
-            <a:off x="444500" y="665637"/>
+            <a:off x="400432" y="738663"/>
             <a:ext cx="8661400" cy="774192"/>
           </a:xfrm>
           <a:prstGeom prst="rect">
@@ -11390,7 +13722,7 @@
           <a:p>
             <a:r>
               <a:rPr lang="en-IN" dirty="0"/>
-              <a:t>Neo4jAlert provides</a:t>
+              <a:t>Neo4jAlert library provides</a:t>
             </a:r>
           </a:p>
           <a:p>

--- a/Team_Alpha_Presentation.pptx
+++ b/Team_Alpha_Presentation.pptx
@@ -277,7 +277,7 @@
           <a:p>
             <a:fld id="{81B8F32D-D8B6-4B9E-9CBF-DCAC30B7B93D}" type="datetimeFigureOut">
               <a:rPr lang="en-US" smtClean="0"/>
-              <a:t>12/7/21</a:t>
+              <a:t>12/8/21</a:t>
             </a:fld>
             <a:endParaRPr lang="en-US"/>
           </a:p>
@@ -593,7 +593,7 @@
           <a:p>
             <a:fld id="{81B8F32D-D8B6-4B9E-9CBF-DCAC30B7B93D}" type="datetimeFigureOut">
               <a:rPr lang="en-US" smtClean="0"/>
-              <a:t>12/7/21</a:t>
+              <a:t>12/8/21</a:t>
             </a:fld>
             <a:endParaRPr lang="en-US"/>
           </a:p>
@@ -898,7 +898,7 @@
           <a:p>
             <a:fld id="{81B8F32D-D8B6-4B9E-9CBF-DCAC30B7B93D}" type="datetimeFigureOut">
               <a:rPr lang="en-US" smtClean="0"/>
-              <a:t>12/7/21</a:t>
+              <a:t>12/8/21</a:t>
             </a:fld>
             <a:endParaRPr lang="en-US"/>
           </a:p>
@@ -1105,7 +1105,7 @@
           <a:p>
             <a:fld id="{81B8F32D-D8B6-4B9E-9CBF-DCAC30B7B93D}" type="datetimeFigureOut">
               <a:rPr lang="en-US" smtClean="0"/>
-              <a:t>12/7/21</a:t>
+              <a:t>12/8/21</a:t>
             </a:fld>
             <a:endParaRPr lang="en-US"/>
           </a:p>
@@ -1453,7 +1453,7 @@
           <a:p>
             <a:fld id="{81B8F32D-D8B6-4B9E-9CBF-DCAC30B7B93D}" type="datetimeFigureOut">
               <a:rPr lang="en-US" smtClean="0"/>
-              <a:t>12/7/21</a:t>
+              <a:t>12/8/21</a:t>
             </a:fld>
             <a:endParaRPr lang="en-US"/>
           </a:p>
@@ -1924,7 +1924,7 @@
           <a:p>
             <a:fld id="{81B8F32D-D8B6-4B9E-9CBF-DCAC30B7B93D}" type="datetimeFigureOut">
               <a:rPr lang="en-US" smtClean="0"/>
-              <a:t>12/7/21</a:t>
+              <a:t>12/8/21</a:t>
             </a:fld>
             <a:endParaRPr lang="en-US"/>
           </a:p>
@@ -2459,7 +2459,7 @@
           <a:p>
             <a:fld id="{81B8F32D-D8B6-4B9E-9CBF-DCAC30B7B93D}" type="datetimeFigureOut">
               <a:rPr lang="en-US" smtClean="0"/>
-              <a:t>12/7/21</a:t>
+              <a:t>12/8/21</a:t>
             </a:fld>
             <a:endParaRPr lang="en-US"/>
           </a:p>
@@ -2676,7 +2676,7 @@
           <a:p>
             <a:fld id="{81B8F32D-D8B6-4B9E-9CBF-DCAC30B7B93D}" type="datetimeFigureOut">
               <a:rPr lang="en-US" smtClean="0"/>
-              <a:t>12/7/21</a:t>
+              <a:t>12/8/21</a:t>
             </a:fld>
             <a:endParaRPr lang="en-US"/>
           </a:p>
@@ -2881,7 +2881,7 @@
           <a:p>
             <a:fld id="{81B8F32D-D8B6-4B9E-9CBF-DCAC30B7B93D}" type="datetimeFigureOut">
               <a:rPr lang="en-US" smtClean="0"/>
-              <a:t>12/7/21</a:t>
+              <a:t>12/8/21</a:t>
             </a:fld>
             <a:endParaRPr lang="en-US"/>
           </a:p>
@@ -3211,7 +3211,7 @@
           <a:p>
             <a:fld id="{81B8F32D-D8B6-4B9E-9CBF-DCAC30B7B93D}" type="datetimeFigureOut">
               <a:rPr lang="en-US" smtClean="0"/>
-              <a:t>12/7/21</a:t>
+              <a:t>12/8/21</a:t>
             </a:fld>
             <a:endParaRPr lang="en-US"/>
           </a:p>
@@ -3521,7 +3521,7 @@
           <a:p>
             <a:fld id="{81B8F32D-D8B6-4B9E-9CBF-DCAC30B7B93D}" type="datetimeFigureOut">
               <a:rPr lang="en-US" smtClean="0"/>
-              <a:t>12/7/21</a:t>
+              <a:t>12/8/21</a:t>
             </a:fld>
             <a:endParaRPr lang="en-US"/>
           </a:p>
@@ -3762,7 +3762,7 @@
             <a:fld id="{81B8F32D-D8B6-4B9E-9CBF-DCAC30B7B93D}" type="datetimeFigureOut">
               <a:rPr lang="en-US" smtClean="0"/>
               <a:pPr/>
-              <a:t>12/7/21</a:t>
+              <a:t>12/8/21</a:t>
             </a:fld>
             <a:endParaRPr lang="en-US" dirty="0"/>
           </a:p>
@@ -4318,42 +4318,87 @@
         </p:nvSpPr>
         <p:spPr/>
         <p:txBody>
-          <a:bodyPr/>
+          <a:bodyPr>
+            <a:normAutofit lnSpcReduction="10000"/>
+          </a:bodyPr>
           <a:lstStyle/>
           <a:p>
-            <a:pPr algn="r"/>
             <a:r>
               <a:rPr lang="en-US" b="1" dirty="0"/>
               <a:t>CS-410 – Fall 2021</a:t>
             </a:r>
           </a:p>
           <a:p>
-            <a:pPr algn="r"/>
             <a:r>
               <a:rPr lang="en-US" b="1" dirty="0"/>
               <a:t>Team Alpha</a:t>
             </a:r>
           </a:p>
           <a:p>
-            <a:pPr algn="r"/>
             <a:r>
               <a:rPr lang="en-US" sz="1600" dirty="0"/>
               <a:t>Abhijit Bhadra</a:t>
             </a:r>
-          </a:p>
-          <a:p>
-            <a:pPr algn="r"/>
+            <a:br>
+              <a:rPr lang="en-US" sz="1600" dirty="0"/>
+            </a:br>
+            <a:r>
+              <a:rPr lang="en-US" sz="1200" dirty="0">
+                <a:hlinkClick r:id="rId2">
+                  <a:extLst>
+                    <a:ext uri="{A12FA001-AC4F-418D-AE19-62706E023703}">
+                      <ahyp:hlinkClr xmlns:ahyp="http://schemas.microsoft.com/office/drawing/2018/hyperlinkcolor" val="tx"/>
+                    </a:ext>
+                  </a:extLst>
+                </a:hlinkClick>
+              </a:rPr>
+              <a:t>abhadra2@illinois.edu</a:t>
+            </a:r>
+            <a:endParaRPr lang="en-US" sz="1200" dirty="0"/>
+          </a:p>
+          <a:p>
             <a:r>
               <a:rPr lang="en-US" sz="1600" dirty="0"/>
               <a:t>Sanjeev Kumar</a:t>
             </a:r>
-          </a:p>
-          <a:p>
-            <a:pPr algn="r"/>
+            <a:br>
+              <a:rPr lang="en-US" sz="1600" dirty="0"/>
+            </a:br>
+            <a:r>
+              <a:rPr lang="en-US" sz="1200" dirty="0">
+                <a:hlinkClick r:id="rId3">
+                  <a:extLst>
+                    <a:ext uri="{A12FA001-AC4F-418D-AE19-62706E023703}">
+                      <ahyp:hlinkClr xmlns:ahyp="http://schemas.microsoft.com/office/drawing/2018/hyperlinkcolor" val="tx"/>
+                    </a:ext>
+                  </a:extLst>
+                </a:hlinkClick>
+              </a:rPr>
+              <a:t>sanjeev5@illinois.edu</a:t>
+            </a:r>
+            <a:endParaRPr lang="en-US" sz="1200" dirty="0"/>
+          </a:p>
+          <a:p>
             <a:r>
               <a:rPr lang="en-US" sz="1600" dirty="0"/>
               <a:t>Swati Nanda</a:t>
             </a:r>
+            <a:br>
+              <a:rPr lang="en-US" sz="1600" dirty="0"/>
+            </a:br>
+            <a:r>
+              <a:rPr lang="en-US" sz="1200" dirty="0">
+                <a:hlinkClick r:id="rId4">
+                  <a:extLst>
+                    <a:ext uri="{A12FA001-AC4F-418D-AE19-62706E023703}">
+                      <ahyp:hlinkClr xmlns:ahyp="http://schemas.microsoft.com/office/drawing/2018/hyperlinkcolor" val="tx"/>
+                    </a:ext>
+                  </a:extLst>
+                </a:hlinkClick>
+              </a:rPr>
+              <a:t>swatin2@illinois.edu</a:t>
+            </a:r>
+            <a:endParaRPr lang="en-US" sz="1200" dirty="0"/>
           </a:p>
         </p:txBody>
       </p:sp>
@@ -4816,12 +4861,442 @@
           <a:p>
             <a:r>
               <a:rPr lang="en-IN" sz="2800" b="1" dirty="0"/>
-              <a:t>Neo4jAlert library</a:t>
+              <a:t>Neo4jAlert service</a:t>
             </a:r>
             <a:br>
               <a:rPr lang="en-US" sz="2800" b="1" dirty="0"/>
             </a:br>
             <a:endParaRPr lang="en-US" sz="2800" dirty="0"/>
+          </a:p>
+        </p:txBody>
+      </p:sp>
+      <p:pic>
+        <p:nvPicPr>
+          <p:cNvPr id="11" name="Picture 10" descr="Graphical user interface, text, application, email&#10;&#10;Description automatically generated">
+            <a:extLst>
+              <a:ext uri="{FF2B5EF4-FFF2-40B4-BE49-F238E27FC236}">
+                <a16:creationId xmlns:a16="http://schemas.microsoft.com/office/drawing/2014/main" id="{1AEFFFCC-57BA-E24E-93D5-59D9208689DE}"/>
+              </a:ext>
+            </a:extLst>
+          </p:cNvPr>
+          <p:cNvPicPr>
+            <a:picLocks noChangeAspect="1"/>
+          </p:cNvPicPr>
+          <p:nvPr/>
+        </p:nvPicPr>
+        <p:blipFill>
+          <a:blip r:embed="rId2"/>
+          <a:stretch>
+            <a:fillRect/>
+          </a:stretch>
+        </p:blipFill>
+        <p:spPr>
+          <a:xfrm>
+            <a:off x="438072" y="1619528"/>
+            <a:ext cx="11236126" cy="3062361"/>
+          </a:xfrm>
+          <a:prstGeom prst="rect">
+            <a:avLst/>
+          </a:prstGeom>
+        </p:spPr>
+      </p:pic>
+      <p:sp>
+        <p:nvSpPr>
+          <p:cNvPr id="13" name="TextBox 12">
+            <a:extLst>
+              <a:ext uri="{FF2B5EF4-FFF2-40B4-BE49-F238E27FC236}">
+                <a16:creationId xmlns:a16="http://schemas.microsoft.com/office/drawing/2014/main" id="{20B2CEC4-72B0-634E-BC9B-0F7F92F33C02}"/>
+              </a:ext>
+            </a:extLst>
+          </p:cNvPr>
+          <p:cNvSpPr txBox="1"/>
+          <p:nvPr/>
+        </p:nvSpPr>
+        <p:spPr>
+          <a:xfrm>
+            <a:off x="400432" y="1228519"/>
+            <a:ext cx="9969190" cy="307777"/>
+          </a:xfrm>
+          <a:prstGeom prst="rect">
+            <a:avLst/>
+          </a:prstGeom>
+          <a:noFill/>
+        </p:spPr>
+        <p:txBody>
+          <a:bodyPr wrap="square" rtlCol="0">
+            <a:spAutoFit/>
+          </a:bodyPr>
+          <a:lstStyle/>
+          <a:p>
+            <a:r>
+              <a:rPr lang="en-IN" sz="1400" b="1" i="1" dirty="0"/>
+              <a:t>Chat Client</a:t>
+            </a:r>
+            <a:endParaRPr lang="en-IN" sz="1400" i="1" dirty="0"/>
+          </a:p>
+        </p:txBody>
+      </p:sp>
+      <p:sp>
+        <p:nvSpPr>
+          <p:cNvPr id="2" name="TextBox 1">
+            <a:extLst>
+              <a:ext uri="{FF2B5EF4-FFF2-40B4-BE49-F238E27FC236}">
+                <a16:creationId xmlns:a16="http://schemas.microsoft.com/office/drawing/2014/main" id="{140693DA-24B5-DE4D-B48A-533B05287A14}"/>
+              </a:ext>
+            </a:extLst>
+          </p:cNvPr>
+          <p:cNvSpPr txBox="1"/>
+          <p:nvPr/>
+        </p:nvSpPr>
+        <p:spPr>
+          <a:xfrm>
+            <a:off x="4401053" y="2067995"/>
+            <a:ext cx="1967948" cy="369332"/>
+          </a:xfrm>
+          <a:prstGeom prst="rect">
+            <a:avLst/>
+          </a:prstGeom>
+          <a:noFill/>
+        </p:spPr>
+        <p:txBody>
+          <a:bodyPr wrap="square" rtlCol="0">
+            <a:spAutoFit/>
+          </a:bodyPr>
+          <a:lstStyle/>
+          <a:p>
+            <a:r>
+              <a:rPr lang="en-US" dirty="0">
+                <a:solidFill>
+                  <a:srgbClr val="FF0000"/>
+                </a:solidFill>
+              </a:rPr>
+              <a:t>User Interaction</a:t>
+            </a:r>
+          </a:p>
+        </p:txBody>
+      </p:sp>
+      <p:sp>
+        <p:nvSpPr>
+          <p:cNvPr id="14" name="TextBox 13">
+            <a:extLst>
+              <a:ext uri="{FF2B5EF4-FFF2-40B4-BE49-F238E27FC236}">
+                <a16:creationId xmlns:a16="http://schemas.microsoft.com/office/drawing/2014/main" id="{633A1B75-DF0E-584C-BD04-078F196E52E7}"/>
+              </a:ext>
+            </a:extLst>
+          </p:cNvPr>
+          <p:cNvSpPr txBox="1"/>
+          <p:nvPr/>
+        </p:nvSpPr>
+        <p:spPr>
+          <a:xfrm>
+            <a:off x="2468702" y="3037879"/>
+            <a:ext cx="1967948" cy="369332"/>
+          </a:xfrm>
+          <a:prstGeom prst="rect">
+            <a:avLst/>
+          </a:prstGeom>
+          <a:noFill/>
+        </p:spPr>
+        <p:txBody>
+          <a:bodyPr wrap="square" rtlCol="0">
+            <a:spAutoFit/>
+          </a:bodyPr>
+          <a:lstStyle/>
+          <a:p>
+            <a:r>
+              <a:rPr lang="en-US" dirty="0">
+                <a:solidFill>
+                  <a:srgbClr val="FF0000"/>
+                </a:solidFill>
+              </a:rPr>
+              <a:t>Cypher Query</a:t>
+            </a:r>
+          </a:p>
+        </p:txBody>
+      </p:sp>
+      <p:cxnSp>
+        <p:nvCxnSpPr>
+          <p:cNvPr id="4" name="Curved Connector 3">
+            <a:extLst>
+              <a:ext uri="{FF2B5EF4-FFF2-40B4-BE49-F238E27FC236}">
+                <a16:creationId xmlns:a16="http://schemas.microsoft.com/office/drawing/2014/main" id="{C8C15901-8E7C-3A4E-94A9-BDC5D72A1069}"/>
+              </a:ext>
+            </a:extLst>
+          </p:cNvPr>
+          <p:cNvCxnSpPr>
+            <a:cxnSpLocks/>
+            <a:endCxn id="2" idx="1"/>
+          </p:cNvCxnSpPr>
+          <p:nvPr/>
+        </p:nvCxnSpPr>
+        <p:spPr>
+          <a:xfrm>
+            <a:off x="3327094" y="2067995"/>
+            <a:ext cx="1073959" cy="184666"/>
+          </a:xfrm>
+          <a:prstGeom prst="curvedConnector3">
+            <a:avLst>
+              <a:gd name="adj1" fmla="val 50000"/>
+            </a:avLst>
+          </a:prstGeom>
+          <a:ln w="15875">
+            <a:solidFill>
+              <a:srgbClr val="FF0000"/>
+            </a:solidFill>
+            <a:tailEnd type="triangle"/>
+          </a:ln>
+        </p:spPr>
+        <p:style>
+          <a:lnRef idx="1">
+            <a:schemeClr val="accent1"/>
+          </a:lnRef>
+          <a:fillRef idx="0">
+            <a:schemeClr val="accent1"/>
+          </a:fillRef>
+          <a:effectRef idx="0">
+            <a:schemeClr val="accent1"/>
+          </a:effectRef>
+          <a:fontRef idx="minor">
+            <a:schemeClr val="tx1"/>
+          </a:fontRef>
+        </p:style>
+      </p:cxnSp>
+      <p:cxnSp>
+        <p:nvCxnSpPr>
+          <p:cNvPr id="22" name="Curved Connector 21">
+            <a:extLst>
+              <a:ext uri="{FF2B5EF4-FFF2-40B4-BE49-F238E27FC236}">
+                <a16:creationId xmlns:a16="http://schemas.microsoft.com/office/drawing/2014/main" id="{068CB2C0-4921-2141-B135-F9EB63F378F2}"/>
+              </a:ext>
+            </a:extLst>
+          </p:cNvPr>
+          <p:cNvCxnSpPr>
+            <a:cxnSpLocks/>
+            <a:endCxn id="14" idx="1"/>
+          </p:cNvCxnSpPr>
+          <p:nvPr/>
+        </p:nvCxnSpPr>
+        <p:spPr>
+          <a:xfrm flipV="1">
+            <a:off x="1931722" y="3222545"/>
+            <a:ext cx="536980" cy="267898"/>
+          </a:xfrm>
+          <a:prstGeom prst="curvedConnector3">
+            <a:avLst>
+              <a:gd name="adj1" fmla="val 50000"/>
+            </a:avLst>
+          </a:prstGeom>
+          <a:ln w="15875">
+            <a:solidFill>
+              <a:srgbClr val="FF0000"/>
+            </a:solidFill>
+            <a:tailEnd type="triangle"/>
+          </a:ln>
+        </p:spPr>
+        <p:style>
+          <a:lnRef idx="1">
+            <a:schemeClr val="accent1"/>
+          </a:lnRef>
+          <a:fillRef idx="0">
+            <a:schemeClr val="accent1"/>
+          </a:fillRef>
+          <a:effectRef idx="0">
+            <a:schemeClr val="accent1"/>
+          </a:effectRef>
+          <a:fontRef idx="minor">
+            <a:schemeClr val="tx1"/>
+          </a:fontRef>
+        </p:style>
+      </p:cxnSp>
+      <p:sp>
+        <p:nvSpPr>
+          <p:cNvPr id="24" name="TextBox 23">
+            <a:extLst>
+              <a:ext uri="{FF2B5EF4-FFF2-40B4-BE49-F238E27FC236}">
+                <a16:creationId xmlns:a16="http://schemas.microsoft.com/office/drawing/2014/main" id="{25BA72A4-7F09-7145-BFBE-753FC7C12DB2}"/>
+              </a:ext>
+            </a:extLst>
+          </p:cNvPr>
+          <p:cNvSpPr txBox="1"/>
+          <p:nvPr/>
+        </p:nvSpPr>
+        <p:spPr>
+          <a:xfrm>
+            <a:off x="400432" y="4312338"/>
+            <a:ext cx="9969190" cy="307777"/>
+          </a:xfrm>
+          <a:prstGeom prst="rect">
+            <a:avLst/>
+          </a:prstGeom>
+          <a:noFill/>
+        </p:spPr>
+        <p:txBody>
+          <a:bodyPr wrap="square" rtlCol="0">
+            <a:spAutoFit/>
+          </a:bodyPr>
+          <a:lstStyle/>
+          <a:p>
+            <a:r>
+              <a:rPr lang="en-IN" sz="1400" b="1" i="1" dirty="0"/>
+              <a:t>REST APIs</a:t>
+            </a:r>
+            <a:endParaRPr lang="en-IN" sz="1400" i="1" dirty="0"/>
+          </a:p>
+        </p:txBody>
+      </p:sp>
+      <p:sp>
+        <p:nvSpPr>
+          <p:cNvPr id="30" name="TextBox 29">
+            <a:extLst>
+              <a:ext uri="{FF2B5EF4-FFF2-40B4-BE49-F238E27FC236}">
+                <a16:creationId xmlns:a16="http://schemas.microsoft.com/office/drawing/2014/main" id="{447CAECD-33EF-EE40-8C45-B434BB640269}"/>
+              </a:ext>
+            </a:extLst>
+          </p:cNvPr>
+          <p:cNvSpPr txBox="1"/>
+          <p:nvPr/>
+        </p:nvSpPr>
+        <p:spPr>
+          <a:xfrm>
+            <a:off x="438072" y="4765121"/>
+            <a:ext cx="9497524" cy="1384995"/>
+          </a:xfrm>
+          <a:prstGeom prst="rect">
+            <a:avLst/>
+          </a:prstGeom>
+          <a:noFill/>
+        </p:spPr>
+        <p:txBody>
+          <a:bodyPr wrap="square" rtlCol="0">
+            <a:spAutoFit/>
+          </a:bodyPr>
+          <a:lstStyle/>
+          <a:p>
+            <a:r>
+              <a:rPr lang="en-US" sz="1200" dirty="0"/>
+              <a:t>The following REST APIs can be accessed at </a:t>
+            </a:r>
+            <a:r>
+              <a:rPr lang="en-US" sz="1200" dirty="0">
+                <a:hlinkClick r:id="rId3"/>
+              </a:rPr>
+              <a:t>http://localhost:8080</a:t>
+            </a:r>
+            <a:r>
+              <a:rPr lang="en-US" sz="1200" dirty="0"/>
+              <a:t> when </a:t>
+            </a:r>
+            <a:r>
+              <a:rPr lang="en-IN" sz="1200" dirty="0"/>
+              <a:t>Neo4jAlert is run</a:t>
+            </a:r>
+          </a:p>
+          <a:p>
+            <a:pPr marL="171450" indent="-171450">
+              <a:buFont typeface="Arial" panose="020B0604020202020204" pitchFamily="34" charset="0"/>
+              <a:buChar char="•"/>
+            </a:pPr>
+            <a:r>
+              <a:rPr lang="en-US" sz="1000" dirty="0"/>
+              <a:t>HTTP GET /</a:t>
+            </a:r>
+            <a:r>
+              <a:rPr lang="en-US" sz="1000" dirty="0" err="1"/>
+              <a:t>alertCounts</a:t>
+            </a:r>
+            <a:r>
+              <a:rPr lang="en-US" sz="1000" dirty="0"/>
+              <a:t> – fetches alert counts</a:t>
+            </a:r>
+          </a:p>
+          <a:p>
+            <a:pPr marL="171450" indent="-171450">
+              <a:buFont typeface="Arial" panose="020B0604020202020204" pitchFamily="34" charset="0"/>
+              <a:buChar char="•"/>
+            </a:pPr>
+            <a:r>
+              <a:rPr lang="en-US" sz="1000" dirty="0"/>
+              <a:t>HTTP GET /alerts – fetches top 5 correlated alert to he input alert</a:t>
+            </a:r>
+          </a:p>
+          <a:p>
+            <a:pPr marL="171450" indent="-171450">
+              <a:buFont typeface="Arial" panose="020B0604020202020204" pitchFamily="34" charset="0"/>
+              <a:buChar char="•"/>
+            </a:pPr>
+            <a:r>
+              <a:rPr lang="en-IN" sz="1000" dirty="0"/>
+              <a:t>HTTP GET /</a:t>
+            </a:r>
+            <a:r>
+              <a:rPr lang="en-IN" sz="1000" dirty="0" err="1"/>
+              <a:t>affectedCI</a:t>
+            </a:r>
+            <a:r>
+              <a:rPr lang="en-US" sz="1000" dirty="0"/>
+              <a:t>s – fetches affected devices from an alert</a:t>
+            </a:r>
+          </a:p>
+          <a:p>
+            <a:pPr marL="171450" indent="-171450">
+              <a:buFont typeface="Arial" panose="020B0604020202020204" pitchFamily="34" charset="0"/>
+              <a:buChar char="•"/>
+            </a:pPr>
+            <a:r>
+              <a:rPr lang="en-IN" sz="1000" dirty="0"/>
+              <a:t>HTTP GET /</a:t>
+            </a:r>
+            <a:r>
+              <a:rPr lang="en-IN" sz="1000" dirty="0" err="1"/>
+              <a:t>affectedServices</a:t>
+            </a:r>
+            <a:r>
+              <a:rPr lang="en-US" sz="1000" dirty="0"/>
+              <a:t> – fetches affected services from the alert</a:t>
+            </a:r>
+          </a:p>
+          <a:p>
+            <a:pPr marL="171450" indent="-171450">
+              <a:buFont typeface="Arial" panose="020B0604020202020204" pitchFamily="34" charset="0"/>
+              <a:buChar char="•"/>
+            </a:pPr>
+            <a:r>
+              <a:rPr lang="en-IN" sz="1000" dirty="0"/>
+              <a:t>HTTP POST /</a:t>
+            </a:r>
+            <a:r>
+              <a:rPr lang="en-IN" sz="1000" dirty="0" err="1"/>
+              <a:t>setRootCause</a:t>
+            </a:r>
+            <a:r>
+              <a:rPr lang="en-US" sz="1000" dirty="0"/>
+              <a:t> – takes user feedback and marks the alert as root cause alert </a:t>
+            </a:r>
+          </a:p>
+          <a:p>
+            <a:pPr marL="171450" indent="-171450">
+              <a:buFont typeface="Arial" panose="020B0604020202020204" pitchFamily="34" charset="0"/>
+              <a:buChar char="•"/>
+            </a:pPr>
+            <a:r>
+              <a:rPr lang="en-US" sz="1000" dirty="0"/>
+              <a:t>HTTP GET /</a:t>
+            </a:r>
+            <a:r>
+              <a:rPr lang="en-IN" sz="1000" dirty="0" err="1"/>
+              <a:t>rootCauseAlert</a:t>
+            </a:r>
+            <a:r>
+              <a:rPr lang="en-US" sz="1000" dirty="0"/>
+              <a:t>s – fetches root cause alerts</a:t>
+            </a:r>
+          </a:p>
+          <a:p>
+            <a:pPr marL="171450" indent="-171450">
+              <a:buFont typeface="Arial" panose="020B0604020202020204" pitchFamily="34" charset="0"/>
+              <a:buChar char="•"/>
+            </a:pPr>
+            <a:endParaRPr lang="en-US" sz="1200" dirty="0"/>
           </a:p>
         </p:txBody>
       </p:sp>

--- a/Team_Alpha_Presentation.pptx
+++ b/Team_Alpha_Presentation.pptx
@@ -6,19 +6,20 @@
   </p:sldMasterIdLst>
   <p:sldIdLst>
     <p:sldId id="270" r:id="rId2"/>
-    <p:sldId id="257" r:id="rId3"/>
-    <p:sldId id="269" r:id="rId4"/>
-    <p:sldId id="258" r:id="rId5"/>
-    <p:sldId id="268" r:id="rId6"/>
-    <p:sldId id="261" r:id="rId7"/>
-    <p:sldId id="259" r:id="rId8"/>
-    <p:sldId id="271" r:id="rId9"/>
-    <p:sldId id="256" r:id="rId10"/>
-    <p:sldId id="274" r:id="rId11"/>
-    <p:sldId id="267" r:id="rId12"/>
-    <p:sldId id="273" r:id="rId13"/>
-    <p:sldId id="272" r:id="rId14"/>
-    <p:sldId id="264" r:id="rId15"/>
+    <p:sldId id="275" r:id="rId3"/>
+    <p:sldId id="257" r:id="rId4"/>
+    <p:sldId id="269" r:id="rId5"/>
+    <p:sldId id="258" r:id="rId6"/>
+    <p:sldId id="268" r:id="rId7"/>
+    <p:sldId id="261" r:id="rId8"/>
+    <p:sldId id="259" r:id="rId9"/>
+    <p:sldId id="271" r:id="rId10"/>
+    <p:sldId id="256" r:id="rId11"/>
+    <p:sldId id="274" r:id="rId12"/>
+    <p:sldId id="267" r:id="rId13"/>
+    <p:sldId id="273" r:id="rId14"/>
+    <p:sldId id="272" r:id="rId15"/>
+    <p:sldId id="264" r:id="rId16"/>
   </p:sldIdLst>
   <p:sldSz cx="12192000" cy="6858000"/>
   <p:notesSz cx="6858000" cy="9144000"/>
@@ -4860,6 +4861,569 @@
           </a:lstStyle>
           <a:p>
             <a:r>
+              <a:rPr lang="en-US" sz="2800" b="1" dirty="0"/>
+              <a:t>User Interaction, Query Layer, Neo4j Visualization</a:t>
+            </a:r>
+            <a:br>
+              <a:rPr lang="en-US" sz="2800" b="1" dirty="0"/>
+            </a:br>
+            <a:endParaRPr lang="en-US" sz="2800" dirty="0"/>
+          </a:p>
+        </p:txBody>
+      </p:sp>
+      <p:sp>
+        <p:nvSpPr>
+          <p:cNvPr id="11" name="TextBox 10">
+            <a:extLst>
+              <a:ext uri="{FF2B5EF4-FFF2-40B4-BE49-F238E27FC236}">
+                <a16:creationId xmlns:a16="http://schemas.microsoft.com/office/drawing/2014/main" id="{B32AE59A-BBE9-F344-B432-A0FC9A5F95BD}"/>
+              </a:ext>
+            </a:extLst>
+          </p:cNvPr>
+          <p:cNvSpPr txBox="1"/>
+          <p:nvPr/>
+        </p:nvSpPr>
+        <p:spPr>
+          <a:xfrm>
+            <a:off x="746038" y="5067970"/>
+            <a:ext cx="10455094" cy="1477328"/>
+          </a:xfrm>
+          <a:prstGeom prst="rect">
+            <a:avLst/>
+          </a:prstGeom>
+          <a:noFill/>
+        </p:spPr>
+        <p:txBody>
+          <a:bodyPr wrap="square" rtlCol="0">
+            <a:spAutoFit/>
+          </a:bodyPr>
+          <a:lstStyle/>
+          <a:p>
+            <a:r>
+              <a:rPr lang="en-IN" dirty="0"/>
+              <a:t>Neo4jAlert library provides</a:t>
+            </a:r>
+          </a:p>
+          <a:p>
+            <a:pPr marL="342900" indent="-342900">
+              <a:buAutoNum type="alphaLcParenR"/>
+            </a:pPr>
+            <a:r>
+              <a:rPr lang="en-IN" dirty="0"/>
+              <a:t>REST API to query Neo4j knowledge graph</a:t>
+            </a:r>
+          </a:p>
+          <a:p>
+            <a:pPr marL="342900" indent="-342900">
+              <a:buAutoNum type="alphaLcParenR"/>
+            </a:pPr>
+            <a:r>
+              <a:rPr lang="en-IN" dirty="0"/>
+              <a:t>User interactive terminal interface (via REST API )</a:t>
+            </a:r>
+          </a:p>
+          <a:p>
+            <a:pPr marL="342900" indent="-342900">
+              <a:buAutoNum type="alphaLcParenR"/>
+            </a:pPr>
+            <a:r>
+              <a:rPr lang="en-IN" dirty="0"/>
+              <a:t>Cypher queries that can be executed on Neo4j browser </a:t>
+            </a:r>
+          </a:p>
+          <a:p>
+            <a:endParaRPr lang="en-IN" dirty="0"/>
+          </a:p>
+        </p:txBody>
+      </p:sp>
+      <p:pic>
+        <p:nvPicPr>
+          <p:cNvPr id="2" name="Picture 1">
+            <a:extLst>
+              <a:ext uri="{FF2B5EF4-FFF2-40B4-BE49-F238E27FC236}">
+                <a16:creationId xmlns:a16="http://schemas.microsoft.com/office/drawing/2014/main" id="{EBC430A1-1F1F-3E46-8FDD-78D2818A7FDA}"/>
+              </a:ext>
+            </a:extLst>
+          </p:cNvPr>
+          <p:cNvPicPr>
+            <a:picLocks noChangeAspect="1"/>
+          </p:cNvPicPr>
+          <p:nvPr/>
+        </p:nvPicPr>
+        <p:blipFill>
+          <a:blip r:embed="rId2"/>
+          <a:stretch>
+            <a:fillRect/>
+          </a:stretch>
+        </p:blipFill>
+        <p:spPr>
+          <a:xfrm>
+            <a:off x="953997" y="1051366"/>
+            <a:ext cx="8482103" cy="3961275"/>
+          </a:xfrm>
+          <a:prstGeom prst="rect">
+            <a:avLst/>
+          </a:prstGeom>
+        </p:spPr>
+      </p:pic>
+    </p:spTree>
+    <p:extLst>
+      <p:ext uri="{BB962C8B-B14F-4D97-AF65-F5344CB8AC3E}">
+        <p14:creationId xmlns:p14="http://schemas.microsoft.com/office/powerpoint/2010/main" val="3815100322"/>
+      </p:ext>
+    </p:extLst>
+  </p:cSld>
+  <p:clrMapOvr>
+    <a:masterClrMapping/>
+  </p:clrMapOvr>
+</p:sld>
+</file>
+
+<file path=ppt/slides/slide11.xml><?xml version="1.0" encoding="utf-8"?>
+<p:sld xmlns:a="http://schemas.openxmlformats.org/drawingml/2006/main" xmlns:r="http://schemas.openxmlformats.org/officeDocument/2006/relationships" xmlns:p="http://schemas.openxmlformats.org/presentationml/2006/main">
+  <p:cSld>
+    <p:bg>
+      <p:bgPr>
+        <a:solidFill>
+          <a:schemeClr val="bg1"/>
+        </a:solidFill>
+        <a:effectLst/>
+      </p:bgPr>
+    </p:bg>
+    <p:spTree>
+      <p:nvGrpSpPr>
+        <p:cNvPr id="1" name=""/>
+        <p:cNvGrpSpPr/>
+        <p:nvPr/>
+      </p:nvGrpSpPr>
+      <p:grpSpPr>
+        <a:xfrm>
+          <a:off x="0" y="0"/>
+          <a:ext cx="0" cy="0"/>
+          <a:chOff x="0" y="0"/>
+          <a:chExt cx="0" cy="0"/>
+        </a:xfrm>
+      </p:grpSpPr>
+      <p:cxnSp>
+        <p:nvCxnSpPr>
+          <p:cNvPr id="17" name="Straight Connector 16">
+            <a:extLst>
+              <a:ext uri="{FF2B5EF4-FFF2-40B4-BE49-F238E27FC236}">
+                <a16:creationId xmlns:a16="http://schemas.microsoft.com/office/drawing/2014/main" id="{108D74AC-B125-4E11-BA53-E9E383966DF8}"/>
+              </a:ext>
+              <a:ext uri="{C183D7F6-B498-43B3-948B-1728B52AA6E4}">
+                <adec:decorative xmlns:adec="http://schemas.microsoft.com/office/drawing/2017/decorative" val="1"/>
+              </a:ext>
+            </a:extLst>
+          </p:cNvPr>
+          <p:cNvCxnSpPr>
+            <a:cxnSpLocks noGrp="1" noRot="1" noChangeAspect="1" noMove="1" noResize="1" noEditPoints="1" noAdjustHandles="1" noChangeArrowheads="1" noChangeShapeType="1"/>
+          </p:cNvCxnSpPr>
+          <p:nvPr>
+            <p:extLst>
+              <p:ext uri="{386F3935-93C4-4BCD-93E2-E3B085C9AB24}">
+                <p16:designElem xmlns:p16="http://schemas.microsoft.com/office/powerpoint/2015/main" val="1"/>
+              </p:ext>
+            </p:extLst>
+          </p:nvPr>
+        </p:nvCxnSpPr>
+        <p:spPr>
+          <a:xfrm>
+            <a:off x="482600" y="489855"/>
+            <a:ext cx="11147071" cy="0"/>
+          </a:xfrm>
+          <a:prstGeom prst="line">
+            <a:avLst/>
+          </a:prstGeom>
+          <a:ln w="28575">
+            <a:solidFill>
+              <a:schemeClr val="tx2"/>
+            </a:solidFill>
+          </a:ln>
+        </p:spPr>
+        <p:style>
+          <a:lnRef idx="1">
+            <a:schemeClr val="dk1"/>
+          </a:lnRef>
+          <a:fillRef idx="0">
+            <a:schemeClr val="dk1"/>
+          </a:fillRef>
+          <a:effectRef idx="0">
+            <a:schemeClr val="dk1"/>
+          </a:effectRef>
+          <a:fontRef idx="minor">
+            <a:schemeClr val="tx1"/>
+          </a:fontRef>
+        </p:style>
+      </p:cxnSp>
+      <p:cxnSp>
+        <p:nvCxnSpPr>
+          <p:cNvPr id="19" name="Straight Connector 18">
+            <a:extLst>
+              <a:ext uri="{FF2B5EF4-FFF2-40B4-BE49-F238E27FC236}">
+                <a16:creationId xmlns:a16="http://schemas.microsoft.com/office/drawing/2014/main" id="{9DC76EBE-FB9D-4054-B5D8-19E3EAFE40B2}"/>
+              </a:ext>
+              <a:ext uri="{C183D7F6-B498-43B3-948B-1728B52AA6E4}">
+                <adec:decorative xmlns:adec="http://schemas.microsoft.com/office/drawing/2017/decorative" val="1"/>
+              </a:ext>
+            </a:extLst>
+          </p:cNvPr>
+          <p:cNvCxnSpPr>
+            <a:cxnSpLocks noGrp="1" noRot="1" noChangeAspect="1" noMove="1" noResize="1" noEditPoints="1" noAdjustHandles="1" noChangeArrowheads="1" noChangeShapeType="1"/>
+          </p:cNvCxnSpPr>
+          <p:nvPr>
+            <p:extLst>
+              <p:ext uri="{386F3935-93C4-4BCD-93E2-E3B085C9AB24}">
+                <p16:designElem xmlns:p16="http://schemas.microsoft.com/office/powerpoint/2015/main" val="1"/>
+              </p:ext>
+            </p:extLst>
+          </p:nvPr>
+        </p:nvCxnSpPr>
+        <p:spPr>
+          <a:xfrm>
+            <a:off x="482600" y="6368138"/>
+            <a:ext cx="11147071" cy="0"/>
+          </a:xfrm>
+          <a:prstGeom prst="line">
+            <a:avLst/>
+          </a:prstGeom>
+          <a:ln w="28575">
+            <a:solidFill>
+              <a:schemeClr val="tx2"/>
+            </a:solidFill>
+          </a:ln>
+        </p:spPr>
+        <p:style>
+          <a:lnRef idx="1">
+            <a:schemeClr val="dk1"/>
+          </a:lnRef>
+          <a:fillRef idx="0">
+            <a:schemeClr val="dk1"/>
+          </a:fillRef>
+          <a:effectRef idx="0">
+            <a:schemeClr val="dk1"/>
+          </a:effectRef>
+          <a:fontRef idx="minor">
+            <a:schemeClr val="tx1"/>
+          </a:fontRef>
+        </p:style>
+      </p:cxnSp>
+      <p:cxnSp>
+        <p:nvCxnSpPr>
+          <p:cNvPr id="21" name="Straight Connector 20">
+            <a:extLst>
+              <a:ext uri="{FF2B5EF4-FFF2-40B4-BE49-F238E27FC236}">
+                <a16:creationId xmlns:a16="http://schemas.microsoft.com/office/drawing/2014/main" id="{7DA568B4-06BE-42A6-A5B6-A0FC251DAE00}"/>
+              </a:ext>
+              <a:ext uri="{C183D7F6-B498-43B3-948B-1728B52AA6E4}">
+                <adec:decorative xmlns:adec="http://schemas.microsoft.com/office/drawing/2017/decorative" val="1"/>
+              </a:ext>
+            </a:extLst>
+          </p:cNvPr>
+          <p:cNvCxnSpPr>
+            <a:cxnSpLocks noGrp="1" noRot="1" noChangeAspect="1" noMove="1" noResize="1" noEditPoints="1" noAdjustHandles="1" noChangeArrowheads="1" noChangeShapeType="1"/>
+          </p:cNvCxnSpPr>
+          <p:nvPr>
+            <p:extLst>
+              <p:ext uri="{386F3935-93C4-4BCD-93E2-E3B085C9AB24}">
+                <p16:designElem xmlns:p16="http://schemas.microsoft.com/office/powerpoint/2015/main" val="1"/>
+              </p:ext>
+            </p:extLst>
+          </p:nvPr>
+        </p:nvCxnSpPr>
+        <p:spPr>
+          <a:xfrm>
+            <a:off x="482600" y="489855"/>
+            <a:ext cx="11147071" cy="0"/>
+          </a:xfrm>
+          <a:prstGeom prst="line">
+            <a:avLst/>
+          </a:prstGeom>
+          <a:ln w="28575">
+            <a:solidFill>
+              <a:schemeClr val="tx2"/>
+            </a:solidFill>
+          </a:ln>
+        </p:spPr>
+        <p:style>
+          <a:lnRef idx="1">
+            <a:schemeClr val="dk1"/>
+          </a:lnRef>
+          <a:fillRef idx="0">
+            <a:schemeClr val="dk1"/>
+          </a:fillRef>
+          <a:effectRef idx="0">
+            <a:schemeClr val="dk1"/>
+          </a:effectRef>
+          <a:fontRef idx="minor">
+            <a:schemeClr val="tx1"/>
+          </a:fontRef>
+        </p:style>
+      </p:cxnSp>
+      <p:cxnSp>
+        <p:nvCxnSpPr>
+          <p:cNvPr id="23" name="Straight Connector 22">
+            <a:extLst>
+              <a:ext uri="{FF2B5EF4-FFF2-40B4-BE49-F238E27FC236}">
+                <a16:creationId xmlns:a16="http://schemas.microsoft.com/office/drawing/2014/main" id="{ACC85BFE-0D03-41B5-87E4-5FA667FA5588}"/>
+              </a:ext>
+              <a:ext uri="{C183D7F6-B498-43B3-948B-1728B52AA6E4}">
+                <adec:decorative xmlns:adec="http://schemas.microsoft.com/office/drawing/2017/decorative" val="1"/>
+              </a:ext>
+            </a:extLst>
+          </p:cNvPr>
+          <p:cNvCxnSpPr>
+            <a:cxnSpLocks noGrp="1" noRot="1" noChangeAspect="1" noMove="1" noResize="1" noEditPoints="1" noAdjustHandles="1" noChangeArrowheads="1" noChangeShapeType="1"/>
+          </p:cNvCxnSpPr>
+          <p:nvPr>
+            <p:extLst>
+              <p:ext uri="{386F3935-93C4-4BCD-93E2-E3B085C9AB24}">
+                <p16:designElem xmlns:p16="http://schemas.microsoft.com/office/powerpoint/2015/main" val="1"/>
+              </p:ext>
+            </p:extLst>
+          </p:nvPr>
+        </p:nvCxnSpPr>
+        <p:spPr>
+          <a:xfrm>
+            <a:off x="482600" y="6368138"/>
+            <a:ext cx="11147071" cy="0"/>
+          </a:xfrm>
+          <a:prstGeom prst="line">
+            <a:avLst/>
+          </a:prstGeom>
+          <a:ln w="28575">
+            <a:solidFill>
+              <a:schemeClr val="tx2"/>
+            </a:solidFill>
+          </a:ln>
+        </p:spPr>
+        <p:style>
+          <a:lnRef idx="1">
+            <a:schemeClr val="dk1"/>
+          </a:lnRef>
+          <a:fillRef idx="0">
+            <a:schemeClr val="dk1"/>
+          </a:fillRef>
+          <a:effectRef idx="0">
+            <a:schemeClr val="dk1"/>
+          </a:effectRef>
+          <a:fontRef idx="minor">
+            <a:schemeClr val="tx1"/>
+          </a:fontRef>
+        </p:style>
+      </p:cxnSp>
+      <p:sp useBgFill="1">
+        <p:nvSpPr>
+          <p:cNvPr id="25" name="Rectangle 24">
+            <a:extLst>
+              <a:ext uri="{FF2B5EF4-FFF2-40B4-BE49-F238E27FC236}">
+                <a16:creationId xmlns:a16="http://schemas.microsoft.com/office/drawing/2014/main" id="{92B0CFF1-78D7-4A83-A95E-71F9E3831622}"/>
+              </a:ext>
+              <a:ext uri="{C183D7F6-B498-43B3-948B-1728B52AA6E4}">
+                <adec:decorative xmlns:adec="http://schemas.microsoft.com/office/drawing/2017/decorative" val="1"/>
+              </a:ext>
+            </a:extLst>
+          </p:cNvPr>
+          <p:cNvSpPr>
+            <a:spLocks noGrp="1" noRot="1" noChangeAspect="1" noMove="1" noResize="1" noEditPoints="1" noAdjustHandles="1" noChangeArrowheads="1" noChangeShapeType="1" noTextEdit="1"/>
+          </p:cNvSpPr>
+          <p:nvPr>
+            <p:extLst>
+              <p:ext uri="{386F3935-93C4-4BCD-93E2-E3B085C9AB24}">
+                <p16:designElem xmlns:p16="http://schemas.microsoft.com/office/powerpoint/2015/main" val="1"/>
+              </p:ext>
+            </p:extLst>
+          </p:nvPr>
+        </p:nvSpPr>
+        <p:spPr>
+          <a:xfrm>
+            <a:off x="0" y="0"/>
+            <a:ext cx="12192000" cy="6858001"/>
+          </a:xfrm>
+          <a:prstGeom prst="rect">
+            <a:avLst/>
+          </a:prstGeom>
+          <a:ln>
+            <a:noFill/>
+          </a:ln>
+        </p:spPr>
+        <p:style>
+          <a:lnRef idx="2">
+            <a:schemeClr val="accent1">
+              <a:shade val="50000"/>
+            </a:schemeClr>
+          </a:lnRef>
+          <a:fillRef idx="1">
+            <a:schemeClr val="accent1"/>
+          </a:fillRef>
+          <a:effectRef idx="0">
+            <a:schemeClr val="accent1"/>
+          </a:effectRef>
+          <a:fontRef idx="minor">
+            <a:schemeClr val="lt1"/>
+          </a:fontRef>
+        </p:style>
+        <p:txBody>
+          <a:bodyPr rtlCol="0" anchor="ctr"/>
+          <a:lstStyle/>
+          <a:p>
+            <a:pPr algn="ctr"/>
+            <a:endParaRPr lang="en-US" dirty="0"/>
+          </a:p>
+        </p:txBody>
+      </p:sp>
+      <p:cxnSp>
+        <p:nvCxnSpPr>
+          <p:cNvPr id="27" name="Straight Connector 26">
+            <a:extLst>
+              <a:ext uri="{FF2B5EF4-FFF2-40B4-BE49-F238E27FC236}">
+                <a16:creationId xmlns:a16="http://schemas.microsoft.com/office/drawing/2014/main" id="{6108BD3D-CFD0-4A15-ACF6-EBC254CD7CF1}"/>
+              </a:ext>
+              <a:ext uri="{C183D7F6-B498-43B3-948B-1728B52AA6E4}">
+                <adec:decorative xmlns:adec="http://schemas.microsoft.com/office/drawing/2017/decorative" val="1"/>
+              </a:ext>
+            </a:extLst>
+          </p:cNvPr>
+          <p:cNvCxnSpPr>
+            <a:cxnSpLocks noGrp="1" noRot="1" noChangeAspect="1" noMove="1" noResize="1" noEditPoints="1" noAdjustHandles="1" noChangeArrowheads="1" noChangeShapeType="1"/>
+          </p:cNvCxnSpPr>
+          <p:nvPr>
+            <p:extLst>
+              <p:ext uri="{386F3935-93C4-4BCD-93E2-E3B085C9AB24}">
+                <p16:designElem xmlns:p16="http://schemas.microsoft.com/office/powerpoint/2015/main" val="1"/>
+              </p:ext>
+            </p:extLst>
+          </p:nvPr>
+        </p:nvCxnSpPr>
+        <p:spPr>
+          <a:xfrm>
+            <a:off x="482600" y="489855"/>
+            <a:ext cx="11147071" cy="0"/>
+          </a:xfrm>
+          <a:prstGeom prst="line">
+            <a:avLst/>
+          </a:prstGeom>
+          <a:ln w="28575">
+            <a:solidFill>
+              <a:schemeClr val="tx2"/>
+            </a:solidFill>
+          </a:ln>
+        </p:spPr>
+        <p:style>
+          <a:lnRef idx="1">
+            <a:schemeClr val="dk1"/>
+          </a:lnRef>
+          <a:fillRef idx="0">
+            <a:schemeClr val="dk1"/>
+          </a:fillRef>
+          <a:effectRef idx="0">
+            <a:schemeClr val="dk1"/>
+          </a:effectRef>
+          <a:fontRef idx="minor">
+            <a:schemeClr val="tx1"/>
+          </a:fontRef>
+        </p:style>
+      </p:cxnSp>
+      <p:cxnSp>
+        <p:nvCxnSpPr>
+          <p:cNvPr id="29" name="Straight Connector 28">
+            <a:extLst>
+              <a:ext uri="{FF2B5EF4-FFF2-40B4-BE49-F238E27FC236}">
+                <a16:creationId xmlns:a16="http://schemas.microsoft.com/office/drawing/2014/main" id="{DB2019E5-6C31-4640-A135-6BBA7FFCF694}"/>
+              </a:ext>
+              <a:ext uri="{C183D7F6-B498-43B3-948B-1728B52AA6E4}">
+                <adec:decorative xmlns:adec="http://schemas.microsoft.com/office/drawing/2017/decorative" val="1"/>
+              </a:ext>
+            </a:extLst>
+          </p:cNvPr>
+          <p:cNvCxnSpPr>
+            <a:cxnSpLocks noGrp="1" noRot="1" noChangeAspect="1" noMove="1" noResize="1" noEditPoints="1" noAdjustHandles="1" noChangeArrowheads="1" noChangeShapeType="1"/>
+          </p:cNvCxnSpPr>
+          <p:nvPr>
+            <p:extLst>
+              <p:ext uri="{386F3935-93C4-4BCD-93E2-E3B085C9AB24}">
+                <p16:designElem xmlns:p16="http://schemas.microsoft.com/office/powerpoint/2015/main" val="1"/>
+              </p:ext>
+            </p:extLst>
+          </p:nvPr>
+        </p:nvCxnSpPr>
+        <p:spPr>
+          <a:xfrm>
+            <a:off x="482600" y="6368138"/>
+            <a:ext cx="11147071" cy="0"/>
+          </a:xfrm>
+          <a:prstGeom prst="line">
+            <a:avLst/>
+          </a:prstGeom>
+          <a:ln w="28575">
+            <a:solidFill>
+              <a:schemeClr val="tx2"/>
+            </a:solidFill>
+          </a:ln>
+        </p:spPr>
+        <p:style>
+          <a:lnRef idx="1">
+            <a:schemeClr val="dk1"/>
+          </a:lnRef>
+          <a:fillRef idx="0">
+            <a:schemeClr val="dk1"/>
+          </a:fillRef>
+          <a:effectRef idx="0">
+            <a:schemeClr val="dk1"/>
+          </a:effectRef>
+          <a:fontRef idx="minor">
+            <a:schemeClr val="tx1"/>
+          </a:fontRef>
+        </p:style>
+      </p:cxnSp>
+      <p:sp>
+        <p:nvSpPr>
+          <p:cNvPr id="10" name="Title 1">
+            <a:extLst>
+              <a:ext uri="{FF2B5EF4-FFF2-40B4-BE49-F238E27FC236}">
+                <a16:creationId xmlns:a16="http://schemas.microsoft.com/office/drawing/2014/main" id="{3A70522E-8AF8-6A4F-8657-48DA4CC4A164}"/>
+              </a:ext>
+            </a:extLst>
+          </p:cNvPr>
+          <p:cNvSpPr txBox="1">
+            <a:spLocks/>
+          </p:cNvSpPr>
+          <p:nvPr/>
+        </p:nvSpPr>
+        <p:spPr>
+          <a:xfrm>
+            <a:off x="400432" y="738663"/>
+            <a:ext cx="8661400" cy="774192"/>
+          </a:xfrm>
+          <a:prstGeom prst="rect">
+            <a:avLst/>
+          </a:prstGeom>
+        </p:spPr>
+        <p:txBody>
+          <a:bodyPr vert="horz" lIns="91440" tIns="45720" rIns="91440" bIns="45720" rtlCol="0" anchor="b">
+            <a:noAutofit/>
+          </a:bodyPr>
+          <a:lstStyle>
+            <a:lvl1pPr algn="l" defTabSz="914400" rtl="0" eaLnBrk="1" latinLnBrk="0" hangingPunct="1">
+              <a:lnSpc>
+                <a:spcPct val="100000"/>
+              </a:lnSpc>
+              <a:spcBef>
+                <a:spcPct val="0"/>
+              </a:spcBef>
+              <a:buNone/>
+              <a:defRPr sz="6600" kern="1200">
+                <a:solidFill>
+                  <a:schemeClr val="tx1"/>
+                </a:solidFill>
+                <a:latin typeface="+mj-lt"/>
+                <a:ea typeface="+mj-ea"/>
+                <a:cs typeface="+mj-cs"/>
+              </a:defRPr>
+            </a:lvl1pPr>
+          </a:lstStyle>
+          <a:p>
+            <a:r>
               <a:rPr lang="en-IN" sz="2800" b="1" dirty="0"/>
               <a:t>Neo4jAlert service</a:t>
             </a:r>
@@ -5313,7 +5877,7 @@
 </p:sld>
 </file>
 
-<file path=ppt/slides/slide11.xml><?xml version="1.0" encoding="utf-8"?>
+<file path=ppt/slides/slide12.xml><?xml version="1.0" encoding="utf-8"?>
 <p:sld xmlns:a="http://schemas.openxmlformats.org/drawingml/2006/main" xmlns:r="http://schemas.openxmlformats.org/officeDocument/2006/relationships" xmlns:p="http://schemas.openxmlformats.org/presentationml/2006/main">
   <p:cSld>
     <p:spTree>
@@ -6171,7 +6735,7 @@
 </p:sld>
 </file>
 
-<file path=ppt/slides/slide12.xml><?xml version="1.0" encoding="utf-8"?>
+<file path=ppt/slides/slide13.xml><?xml version="1.0" encoding="utf-8"?>
 <p:sld xmlns:a="http://schemas.openxmlformats.org/drawingml/2006/main" xmlns:r="http://schemas.openxmlformats.org/officeDocument/2006/relationships" xmlns:p="http://schemas.openxmlformats.org/presentationml/2006/main">
   <p:cSld>
     <p:spTree>
@@ -7363,7 +7927,7 @@
 </p:sld>
 </file>
 
-<file path=ppt/slides/slide13.xml><?xml version="1.0" encoding="utf-8"?>
+<file path=ppt/slides/slide14.xml><?xml version="1.0" encoding="utf-8"?>
 <p:sld xmlns:a="http://schemas.openxmlformats.org/drawingml/2006/main" xmlns:r="http://schemas.openxmlformats.org/officeDocument/2006/relationships" xmlns:p="http://schemas.openxmlformats.org/presentationml/2006/main">
   <p:cSld>
     <p:spTree>
@@ -7428,7 +7992,7 @@
 </p:sld>
 </file>
 
-<file path=ppt/slides/slide14.xml><?xml version="1.0" encoding="utf-8"?>
+<file path=ppt/slides/slide15.xml><?xml version="1.0" encoding="utf-8"?>
 <p:sld xmlns:a="http://schemas.openxmlformats.org/drawingml/2006/main" xmlns:r="http://schemas.openxmlformats.org/officeDocument/2006/relationships" xmlns:p="http://schemas.openxmlformats.org/presentationml/2006/main">
   <p:cSld>
     <p:bg>
@@ -7926,7 +8490,7 @@
           <p:nvPr>
             <p:extLst>
               <p:ext uri="{D42A27DB-BD31-4B8C-83A1-F6EECF244321}">
-                <p14:modId xmlns:p14="http://schemas.microsoft.com/office/powerpoint/2010/main" val="2326367678"/>
+                <p14:modId xmlns:p14="http://schemas.microsoft.com/office/powerpoint/2010/main" val="4144305874"/>
               </p:ext>
             </p:extLst>
           </p:nvPr>
@@ -8122,12 +8686,12 @@
                     <a:p>
                       <a:pPr algn="ctr" fontAlgn="b"/>
                       <a:r>
-                        <a:rPr lang="en-IN" sz="2000" u="none" strike="noStrike">
+                        <a:rPr lang="en-IN" sz="2000" u="none" strike="noStrike" dirty="0">
                           <a:effectLst/>
                         </a:rPr>
                         <a:t>567</a:t>
                       </a:r>
-                      <a:endParaRPr lang="en-IN" sz="2000" b="1" i="0" u="none" strike="noStrike">
+                      <a:endParaRPr lang="en-IN" sz="2000" b="1" i="0" u="none" strike="noStrike" dirty="0">
                         <a:solidFill>
                           <a:srgbClr val="FF0000"/>
                         </a:solidFill>
@@ -8136,7 +8700,14 @@
                       </a:endParaRPr>
                     </a:p>
                   </a:txBody>
-                  <a:tcPr marL="16075" marR="16075" marT="16075" marB="0" anchor="b"/>
+                  <a:tcPr marL="16075" marR="16075" marT="16075" marB="0" anchor="b">
+                    <a:solidFill>
+                      <a:schemeClr val="accent4">
+                        <a:lumMod val="40000"/>
+                        <a:lumOff val="60000"/>
+                      </a:schemeClr>
+                    </a:solidFill>
+                  </a:tcPr>
                 </a:tc>
                 <a:tc>
                   <a:txBody>
@@ -8159,7 +8730,14 @@
                       </a:endParaRPr>
                     </a:p>
                   </a:txBody>
-                  <a:tcPr marL="16075" marR="16075" marT="16075" marB="0" anchor="b"/>
+                  <a:tcPr marL="16075" marR="16075" marT="16075" marB="0" anchor="b">
+                    <a:solidFill>
+                      <a:schemeClr val="accent4">
+                        <a:lumMod val="40000"/>
+                        <a:lumOff val="60000"/>
+                      </a:schemeClr>
+                    </a:solidFill>
+                  </a:tcPr>
                 </a:tc>
                 <a:tc>
                   <a:txBody>
@@ -8198,12 +8776,12 @@
                     <a:p>
                       <a:pPr algn="ctr" fontAlgn="b"/>
                       <a:r>
-                        <a:rPr lang="en-IN" sz="2000" u="none" strike="noStrike">
+                        <a:rPr lang="en-IN" sz="2000" u="none" strike="noStrike" dirty="0">
                           <a:effectLst/>
                         </a:rPr>
                         <a:t>0</a:t>
                       </a:r>
-                      <a:endParaRPr lang="en-IN" sz="2000" b="1" i="0" u="none" strike="noStrike">
+                      <a:endParaRPr lang="en-IN" sz="2000" b="1" i="0" u="none" strike="noStrike" dirty="0">
                         <a:solidFill>
                           <a:srgbClr val="FF0000"/>
                         </a:solidFill>
@@ -8313,12 +8891,12 @@
                     <a:p>
                       <a:pPr algn="ctr" fontAlgn="b"/>
                       <a:r>
-                        <a:rPr lang="en-IN" sz="2000" u="none" strike="noStrike">
+                        <a:rPr lang="en-IN" sz="2000" u="none" strike="noStrike" dirty="0">
                           <a:effectLst/>
                         </a:rPr>
                         <a:t>0.025</a:t>
                       </a:r>
-                      <a:endParaRPr lang="en-IN" sz="2000" b="0" i="0" u="none" strike="noStrike">
+                      <a:endParaRPr lang="en-IN" sz="2000" b="0" i="0" u="none" strike="noStrike" dirty="0">
                         <a:solidFill>
                           <a:srgbClr val="000000"/>
                         </a:solidFill>
@@ -8327,7 +8905,14 @@
                       </a:endParaRPr>
                     </a:p>
                   </a:txBody>
-                  <a:tcPr marL="16075" marR="16075" marT="16075" marB="0" anchor="b"/>
+                  <a:tcPr marL="16075" marR="16075" marT="16075" marB="0" anchor="b">
+                    <a:solidFill>
+                      <a:schemeClr val="accent4">
+                        <a:lumMod val="40000"/>
+                        <a:lumOff val="60000"/>
+                      </a:schemeClr>
+                    </a:solidFill>
+                  </a:tcPr>
                 </a:tc>
                 <a:tc>
                   <a:txBody>
@@ -8336,12 +8921,12 @@
                     <a:p>
                       <a:pPr algn="ctr" fontAlgn="b"/>
                       <a:r>
-                        <a:rPr lang="en-IN" sz="2000" u="none" strike="noStrike">
+                        <a:rPr lang="en-IN" sz="2000" u="none" strike="noStrike" dirty="0">
                           <a:effectLst/>
                         </a:rPr>
                         <a:t>0.021</a:t>
                       </a:r>
-                      <a:endParaRPr lang="en-IN" sz="2000" b="0" i="0" u="none" strike="noStrike">
+                      <a:endParaRPr lang="en-IN" sz="2000" b="0" i="0" u="none" strike="noStrike" dirty="0">
                         <a:solidFill>
                           <a:srgbClr val="000000"/>
                         </a:solidFill>
@@ -8350,7 +8935,14 @@
                       </a:endParaRPr>
                     </a:p>
                   </a:txBody>
-                  <a:tcPr marL="16075" marR="16075" marT="16075" marB="0" anchor="b"/>
+                  <a:tcPr marL="16075" marR="16075" marT="16075" marB="0" anchor="b">
+                    <a:solidFill>
+                      <a:schemeClr val="accent4">
+                        <a:lumMod val="40000"/>
+                        <a:lumOff val="60000"/>
+                      </a:schemeClr>
+                    </a:solidFill>
+                  </a:tcPr>
                 </a:tc>
                 <a:tc>
                   <a:txBody>
@@ -8389,12 +8981,12 @@
                     <a:p>
                       <a:pPr algn="ctr" fontAlgn="b"/>
                       <a:r>
-                        <a:rPr lang="en-IN" sz="2000" u="none" strike="noStrike">
+                        <a:rPr lang="en-IN" sz="2000" u="none" strike="noStrike" dirty="0">
                           <a:effectLst/>
                         </a:rPr>
                         <a:t>41</a:t>
                       </a:r>
-                      <a:endParaRPr lang="en-IN" sz="2000" b="1" i="0" u="none" strike="noStrike">
+                      <a:endParaRPr lang="en-IN" sz="2000" b="1" i="0" u="none" strike="noStrike" dirty="0">
                         <a:solidFill>
                           <a:srgbClr val="FF0000"/>
                         </a:solidFill>
@@ -8518,7 +9110,14 @@
                       </a:endParaRPr>
                     </a:p>
                   </a:txBody>
-                  <a:tcPr marL="16075" marR="16075" marT="16075" marB="0" anchor="b"/>
+                  <a:tcPr marL="16075" marR="16075" marT="16075" marB="0" anchor="b">
+                    <a:solidFill>
+                      <a:schemeClr val="accent4">
+                        <a:lumMod val="40000"/>
+                        <a:lumOff val="60000"/>
+                      </a:schemeClr>
+                    </a:solidFill>
+                  </a:tcPr>
                 </a:tc>
                 <a:tc>
                   <a:txBody>
@@ -8527,12 +9126,12 @@
                     <a:p>
                       <a:pPr algn="ctr" fontAlgn="b"/>
                       <a:r>
-                        <a:rPr lang="en-IN" sz="2000" u="none" strike="noStrike">
+                        <a:rPr lang="en-IN" sz="2000" u="none" strike="noStrike" dirty="0">
                           <a:effectLst/>
                         </a:rPr>
                         <a:t>0.018</a:t>
                       </a:r>
-                      <a:endParaRPr lang="en-IN" sz="2000" b="0" i="0" u="none" strike="noStrike">
+                      <a:endParaRPr lang="en-IN" sz="2000" b="0" i="0" u="none" strike="noStrike" dirty="0">
                         <a:solidFill>
                           <a:srgbClr val="000000"/>
                         </a:solidFill>
@@ -8541,7 +9140,14 @@
                       </a:endParaRPr>
                     </a:p>
                   </a:txBody>
-                  <a:tcPr marL="16075" marR="16075" marT="16075" marB="0" anchor="b"/>
+                  <a:tcPr marL="16075" marR="16075" marT="16075" marB="0" anchor="b">
+                    <a:solidFill>
+                      <a:schemeClr val="accent4">
+                        <a:lumMod val="40000"/>
+                        <a:lumOff val="60000"/>
+                      </a:schemeClr>
+                    </a:solidFill>
+                  </a:tcPr>
                 </a:tc>
                 <a:tc>
                   <a:txBody>
@@ -8580,12 +9186,12 @@
                     <a:p>
                       <a:pPr algn="ctr" fontAlgn="b"/>
                       <a:r>
-                        <a:rPr lang="en-IN" sz="2000" u="none" strike="noStrike">
+                        <a:rPr lang="en-IN" sz="2000" u="none" strike="noStrike" dirty="0">
                           <a:effectLst/>
                         </a:rPr>
                         <a:t>82</a:t>
                       </a:r>
-                      <a:endParaRPr lang="en-IN" sz="2000" b="1" i="0" u="none" strike="noStrike">
+                      <a:endParaRPr lang="en-IN" sz="2000" b="1" i="0" u="none" strike="noStrike" dirty="0">
                         <a:solidFill>
                           <a:srgbClr val="FF0000"/>
                         </a:solidFill>
@@ -8709,7 +9315,14 @@
                       </a:endParaRPr>
                     </a:p>
                   </a:txBody>
-                  <a:tcPr marL="16075" marR="16075" marT="16075" marB="0" anchor="b"/>
+                  <a:tcPr marL="16075" marR="16075" marT="16075" marB="0" anchor="b">
+                    <a:solidFill>
+                      <a:schemeClr val="accent4">
+                        <a:lumMod val="40000"/>
+                        <a:lumOff val="60000"/>
+                      </a:schemeClr>
+                    </a:solidFill>
+                  </a:tcPr>
                 </a:tc>
                 <a:tc>
                   <a:txBody>
@@ -8718,12 +9331,12 @@
                     <a:p>
                       <a:pPr algn="ctr" fontAlgn="b"/>
                       <a:r>
-                        <a:rPr lang="en-IN" sz="2000" u="none" strike="noStrike">
+                        <a:rPr lang="en-IN" sz="2000" u="none" strike="noStrike" dirty="0">
                           <a:effectLst/>
                         </a:rPr>
                         <a:t>0.009</a:t>
                       </a:r>
-                      <a:endParaRPr lang="en-IN" sz="2000" b="0" i="0" u="none" strike="noStrike">
+                      <a:endParaRPr lang="en-IN" sz="2000" b="0" i="0" u="none" strike="noStrike" dirty="0">
                         <a:solidFill>
                           <a:srgbClr val="000000"/>
                         </a:solidFill>
@@ -8732,7 +9345,14 @@
                       </a:endParaRPr>
                     </a:p>
                   </a:txBody>
-                  <a:tcPr marL="16075" marR="16075" marT="16075" marB="0" anchor="b"/>
+                  <a:tcPr marL="16075" marR="16075" marT="16075" marB="0" anchor="b">
+                    <a:solidFill>
+                      <a:schemeClr val="accent4">
+                        <a:lumMod val="40000"/>
+                        <a:lumOff val="60000"/>
+                      </a:schemeClr>
+                    </a:solidFill>
+                  </a:tcPr>
                 </a:tc>
                 <a:tc>
                   <a:txBody>
@@ -8771,12 +9391,12 @@
                     <a:p>
                       <a:pPr algn="ctr" fontAlgn="b"/>
                       <a:r>
-                        <a:rPr lang="en-IN" sz="2000" u="none" strike="noStrike">
+                        <a:rPr lang="en-IN" sz="2000" u="none" strike="noStrike" dirty="0">
                           <a:effectLst/>
                         </a:rPr>
                         <a:t>205</a:t>
                       </a:r>
-                      <a:endParaRPr lang="en-IN" sz="2000" b="1" i="0" u="none" strike="noStrike">
+                      <a:endParaRPr lang="en-IN" sz="2000" b="1" i="0" u="none" strike="noStrike" dirty="0">
                         <a:solidFill>
                           <a:srgbClr val="FF0000"/>
                         </a:solidFill>
@@ -8900,7 +9520,14 @@
                       </a:endParaRPr>
                     </a:p>
                   </a:txBody>
-                  <a:tcPr marL="16075" marR="16075" marT="16075" marB="0" anchor="b"/>
+                  <a:tcPr marL="16075" marR="16075" marT="16075" marB="0" anchor="b">
+                    <a:solidFill>
+                      <a:schemeClr val="accent4">
+                        <a:lumMod val="40000"/>
+                        <a:lumOff val="60000"/>
+                      </a:schemeClr>
+                    </a:solidFill>
+                  </a:tcPr>
                 </a:tc>
                 <a:tc>
                   <a:txBody>
@@ -8909,12 +9536,12 @@
                     <a:p>
                       <a:pPr algn="ctr" fontAlgn="b"/>
                       <a:r>
-                        <a:rPr lang="en-IN" sz="2000" u="none" strike="noStrike">
+                        <a:rPr lang="en-IN" sz="2000" u="none" strike="noStrike" dirty="0">
                           <a:effectLst/>
                         </a:rPr>
                         <a:t>0.019</a:t>
                       </a:r>
-                      <a:endParaRPr lang="en-IN" sz="2000" b="0" i="0" u="none" strike="noStrike">
+                      <a:endParaRPr lang="en-IN" sz="2000" b="0" i="0" u="none" strike="noStrike" dirty="0">
                         <a:solidFill>
                           <a:srgbClr val="000000"/>
                         </a:solidFill>
@@ -8923,7 +9550,14 @@
                       </a:endParaRPr>
                     </a:p>
                   </a:txBody>
-                  <a:tcPr marL="16075" marR="16075" marT="16075" marB="0" anchor="b"/>
+                  <a:tcPr marL="16075" marR="16075" marT="16075" marB="0" anchor="b">
+                    <a:solidFill>
+                      <a:schemeClr val="accent4">
+                        <a:lumMod val="40000"/>
+                        <a:lumOff val="60000"/>
+                      </a:schemeClr>
+                    </a:solidFill>
+                  </a:tcPr>
                 </a:tc>
                 <a:tc>
                   <a:txBody>
@@ -8962,12 +9596,12 @@
                     <a:p>
                       <a:pPr algn="ctr" fontAlgn="b"/>
                       <a:r>
-                        <a:rPr lang="en-IN" sz="2000" u="none" strike="noStrike">
+                        <a:rPr lang="en-IN" sz="2000" u="none" strike="noStrike" dirty="0">
                           <a:effectLst/>
                         </a:rPr>
                         <a:t>567</a:t>
                       </a:r>
-                      <a:endParaRPr lang="en-IN" sz="2000" b="1" i="0" u="none" strike="noStrike">
+                      <a:endParaRPr lang="en-IN" sz="2000" b="1" i="0" u="none" strike="noStrike" dirty="0">
                         <a:solidFill>
                           <a:srgbClr val="FF0000"/>
                         </a:solidFill>
@@ -8976,7 +9610,14 @@
                       </a:endParaRPr>
                     </a:p>
                   </a:txBody>
-                  <a:tcPr marL="16075" marR="16075" marT="16075" marB="0" anchor="b"/>
+                  <a:tcPr marL="16075" marR="16075" marT="16075" marB="0" anchor="b">
+                    <a:solidFill>
+                      <a:schemeClr val="accent4">
+                        <a:lumMod val="40000"/>
+                        <a:lumOff val="60000"/>
+                      </a:schemeClr>
+                    </a:solidFill>
+                  </a:tcPr>
                 </a:tc>
                 <a:tc>
                   <a:txBody>
@@ -8999,7 +9640,14 @@
                       </a:endParaRPr>
                     </a:p>
                   </a:txBody>
-                  <a:tcPr marL="16075" marR="16075" marT="16075" marB="0" anchor="b"/>
+                  <a:tcPr marL="16075" marR="16075" marT="16075" marB="0" anchor="b">
+                    <a:solidFill>
+                      <a:schemeClr val="accent4">
+                        <a:lumMod val="40000"/>
+                        <a:lumOff val="60000"/>
+                      </a:schemeClr>
+                    </a:solidFill>
+                  </a:tcPr>
                 </a:tc>
                 <a:tc>
                   <a:txBody>
@@ -9022,7 +9670,14 @@
                       </a:endParaRPr>
                     </a:p>
                   </a:txBody>
-                  <a:tcPr marL="16075" marR="16075" marT="16075" marB="0" anchor="b"/>
+                  <a:tcPr marL="16075" marR="16075" marT="16075" marB="0" anchor="b">
+                    <a:solidFill>
+                      <a:schemeClr val="accent4">
+                        <a:lumMod val="40000"/>
+                        <a:lumOff val="60000"/>
+                      </a:schemeClr>
+                    </a:solidFill>
+                  </a:tcPr>
                 </a:tc>
                 <a:tc>
                   <a:txBody>
@@ -9045,7 +9700,14 @@
                       </a:endParaRPr>
                     </a:p>
                   </a:txBody>
-                  <a:tcPr marL="16075" marR="16075" marT="16075" marB="0" anchor="b"/>
+                  <a:tcPr marL="16075" marR="16075" marT="16075" marB="0" anchor="b">
+                    <a:solidFill>
+                      <a:schemeClr val="accent4">
+                        <a:lumMod val="40000"/>
+                        <a:lumOff val="60000"/>
+                      </a:schemeClr>
+                    </a:solidFill>
+                  </a:tcPr>
                 </a:tc>
                 <a:tc>
                   <a:txBody>
@@ -9068,7 +9730,14 @@
                       </a:endParaRPr>
                     </a:p>
                   </a:txBody>
-                  <a:tcPr marL="16075" marR="16075" marT="16075" marB="0" anchor="b"/>
+                  <a:tcPr marL="16075" marR="16075" marT="16075" marB="0" anchor="b">
+                    <a:solidFill>
+                      <a:schemeClr val="accent4">
+                        <a:lumMod val="40000"/>
+                        <a:lumOff val="60000"/>
+                      </a:schemeClr>
+                    </a:solidFill>
+                  </a:tcPr>
                 </a:tc>
                 <a:tc>
                   <a:txBody>
@@ -9091,7 +9760,14 @@
                       </a:endParaRPr>
                     </a:p>
                   </a:txBody>
-                  <a:tcPr marL="16075" marR="16075" marT="16075" marB="0" anchor="b"/>
+                  <a:tcPr marL="16075" marR="16075" marT="16075" marB="0" anchor="b">
+                    <a:solidFill>
+                      <a:schemeClr val="accent4">
+                        <a:lumMod val="40000"/>
+                        <a:lumOff val="60000"/>
+                      </a:schemeClr>
+                    </a:solidFill>
+                  </a:tcPr>
                 </a:tc>
                 <a:tc>
                   <a:txBody>
@@ -9100,12 +9776,12 @@
                     <a:p>
                       <a:pPr algn="ctr" fontAlgn="b"/>
                       <a:r>
-                        <a:rPr lang="en-IN" sz="2000" u="none" strike="noStrike">
+                        <a:rPr lang="en-IN" sz="2000" u="none" strike="noStrike" dirty="0">
                           <a:effectLst/>
                         </a:rPr>
                         <a:t>0.011</a:t>
                       </a:r>
-                      <a:endParaRPr lang="en-IN" sz="2000" b="0" i="0" u="none" strike="noStrike">
+                      <a:endParaRPr lang="en-IN" sz="2000" b="0" i="0" u="none" strike="noStrike" dirty="0">
                         <a:solidFill>
                           <a:srgbClr val="000000"/>
                         </a:solidFill>
@@ -9114,7 +9790,14 @@
                       </a:endParaRPr>
                     </a:p>
                   </a:txBody>
-                  <a:tcPr marL="16075" marR="16075" marT="16075" marB="0" anchor="b"/>
+                  <a:tcPr marL="16075" marR="16075" marT="16075" marB="0" anchor="b">
+                    <a:solidFill>
+                      <a:schemeClr val="accent4">
+                        <a:lumMod val="40000"/>
+                        <a:lumOff val="60000"/>
+                      </a:schemeClr>
+                    </a:solidFill>
+                  </a:tcPr>
                 </a:tc>
                 <a:tc>
                   <a:txBody>
@@ -9137,7 +9820,14 @@
                       </a:endParaRPr>
                     </a:p>
                   </a:txBody>
-                  <a:tcPr marL="16075" marR="16075" marT="16075" marB="0" anchor="b"/>
+                  <a:tcPr marL="16075" marR="16075" marT="16075" marB="0" anchor="b">
+                    <a:solidFill>
+                      <a:schemeClr val="accent4">
+                        <a:lumMod val="40000"/>
+                        <a:lumOff val="60000"/>
+                      </a:schemeClr>
+                    </a:solidFill>
+                  </a:tcPr>
                 </a:tc>
                 <a:extLst>
                   <a:ext uri="{0D108BD9-81ED-4DB2-BD59-A6C34878D82A}">
@@ -9153,12 +9843,12 @@
                     <a:p>
                       <a:pPr algn="ctr" fontAlgn="b"/>
                       <a:r>
-                        <a:rPr lang="en-IN" sz="2000" u="none" strike="noStrike">
+                        <a:rPr lang="en-IN" sz="2000" u="none" strike="noStrike" dirty="0">
                           <a:effectLst/>
                         </a:rPr>
                         <a:t>789</a:t>
                       </a:r>
-                      <a:endParaRPr lang="en-IN" sz="2000" b="1" i="0" u="none" strike="noStrike">
+                      <a:endParaRPr lang="en-IN" sz="2000" b="1" i="0" u="none" strike="noStrike" dirty="0">
                         <a:solidFill>
                           <a:srgbClr val="FF0000"/>
                         </a:solidFill>
@@ -9167,7 +9857,14 @@
                       </a:endParaRPr>
                     </a:p>
                   </a:txBody>
-                  <a:tcPr marL="16075" marR="16075" marT="16075" marB="0" anchor="b"/>
+                  <a:tcPr marL="16075" marR="16075" marT="16075" marB="0" anchor="b">
+                    <a:solidFill>
+                      <a:schemeClr val="accent4">
+                        <a:lumMod val="40000"/>
+                        <a:lumOff val="60000"/>
+                      </a:schemeClr>
+                    </a:solidFill>
+                  </a:tcPr>
                 </a:tc>
                 <a:tc>
                   <a:txBody>
@@ -9176,12 +9873,12 @@
                     <a:p>
                       <a:pPr algn="ctr" fontAlgn="b"/>
                       <a:r>
-                        <a:rPr lang="en-IN" sz="2000" u="none" strike="noStrike">
+                        <a:rPr lang="en-IN" sz="2000" u="none" strike="noStrike" dirty="0">
                           <a:effectLst/>
                         </a:rPr>
                         <a:t>0.021</a:t>
                       </a:r>
-                      <a:endParaRPr lang="en-IN" sz="2000" b="0" i="0" u="none" strike="noStrike">
+                      <a:endParaRPr lang="en-IN" sz="2000" b="0" i="0" u="none" strike="noStrike" dirty="0">
                         <a:solidFill>
                           <a:srgbClr val="000000"/>
                         </a:solidFill>
@@ -9190,7 +9887,14 @@
                       </a:endParaRPr>
                     </a:p>
                   </a:txBody>
-                  <a:tcPr marL="16075" marR="16075" marT="16075" marB="0" anchor="b"/>
+                  <a:tcPr marL="16075" marR="16075" marT="16075" marB="0" anchor="b">
+                    <a:solidFill>
+                      <a:schemeClr val="accent4">
+                        <a:lumMod val="40000"/>
+                        <a:lumOff val="60000"/>
+                      </a:schemeClr>
+                    </a:solidFill>
+                  </a:tcPr>
                 </a:tc>
                 <a:tc>
                   <a:txBody>
@@ -9199,12 +9903,12 @@
                     <a:p>
                       <a:pPr algn="ctr" fontAlgn="b"/>
                       <a:r>
-                        <a:rPr lang="en-IN" sz="2000" u="none" strike="noStrike">
+                        <a:rPr lang="en-IN" sz="2000" u="none" strike="noStrike" dirty="0">
                           <a:effectLst/>
                         </a:rPr>
                         <a:t>0.018</a:t>
                       </a:r>
-                      <a:endParaRPr lang="en-IN" sz="2000" b="0" i="0" u="none" strike="noStrike">
+                      <a:endParaRPr lang="en-IN" sz="2000" b="0" i="0" u="none" strike="noStrike" dirty="0">
                         <a:solidFill>
                           <a:srgbClr val="000000"/>
                         </a:solidFill>
@@ -9213,7 +9917,14 @@
                       </a:endParaRPr>
                     </a:p>
                   </a:txBody>
-                  <a:tcPr marL="16075" marR="16075" marT="16075" marB="0" anchor="b"/>
+                  <a:tcPr marL="16075" marR="16075" marT="16075" marB="0" anchor="b">
+                    <a:solidFill>
+                      <a:schemeClr val="accent4">
+                        <a:lumMod val="40000"/>
+                        <a:lumOff val="60000"/>
+                      </a:schemeClr>
+                    </a:solidFill>
+                  </a:tcPr>
                 </a:tc>
                 <a:tc>
                   <a:txBody>
@@ -9222,12 +9933,12 @@
                     <a:p>
                       <a:pPr algn="ctr" fontAlgn="b"/>
                       <a:r>
-                        <a:rPr lang="en-IN" sz="2000" u="none" strike="noStrike">
+                        <a:rPr lang="en-IN" sz="2000" u="none" strike="noStrike" dirty="0">
                           <a:effectLst/>
                         </a:rPr>
                         <a:t>0.009</a:t>
                       </a:r>
-                      <a:endParaRPr lang="en-IN" sz="2000" b="0" i="0" u="none" strike="noStrike">
+                      <a:endParaRPr lang="en-IN" sz="2000" b="0" i="0" u="none" strike="noStrike" dirty="0">
                         <a:solidFill>
                           <a:srgbClr val="000000"/>
                         </a:solidFill>
@@ -9236,7 +9947,14 @@
                       </a:endParaRPr>
                     </a:p>
                   </a:txBody>
-                  <a:tcPr marL="16075" marR="16075" marT="16075" marB="0" anchor="b"/>
+                  <a:tcPr marL="16075" marR="16075" marT="16075" marB="0" anchor="b">
+                    <a:solidFill>
+                      <a:schemeClr val="accent4">
+                        <a:lumMod val="40000"/>
+                        <a:lumOff val="60000"/>
+                      </a:schemeClr>
+                    </a:solidFill>
+                  </a:tcPr>
                 </a:tc>
                 <a:tc>
                   <a:txBody>
@@ -9245,12 +9963,12 @@
                     <a:p>
                       <a:pPr algn="ctr" fontAlgn="b"/>
                       <a:r>
-                        <a:rPr lang="en-IN" sz="2000" u="none" strike="noStrike">
+                        <a:rPr lang="en-IN" sz="2000" u="none" strike="noStrike" dirty="0">
                           <a:effectLst/>
                         </a:rPr>
                         <a:t>0.019</a:t>
                       </a:r>
-                      <a:endParaRPr lang="en-IN" sz="2000" b="0" i="0" u="none" strike="noStrike">
+                      <a:endParaRPr lang="en-IN" sz="2000" b="0" i="0" u="none" strike="noStrike" dirty="0">
                         <a:solidFill>
                           <a:srgbClr val="000000"/>
                         </a:solidFill>
@@ -9259,7 +9977,14 @@
                       </a:endParaRPr>
                     </a:p>
                   </a:txBody>
-                  <a:tcPr marL="16075" marR="16075" marT="16075" marB="0" anchor="b"/>
+                  <a:tcPr marL="16075" marR="16075" marT="16075" marB="0" anchor="b">
+                    <a:solidFill>
+                      <a:schemeClr val="accent4">
+                        <a:lumMod val="40000"/>
+                        <a:lumOff val="60000"/>
+                      </a:schemeClr>
+                    </a:solidFill>
+                  </a:tcPr>
                 </a:tc>
                 <a:tc>
                   <a:txBody>
@@ -9268,12 +9993,12 @@
                     <a:p>
                       <a:pPr algn="ctr" fontAlgn="b"/>
                       <a:r>
-                        <a:rPr lang="en-IN" sz="2000" u="none" strike="noStrike">
+                        <a:rPr lang="en-IN" sz="2000" u="none" strike="noStrike" dirty="0">
                           <a:effectLst/>
                         </a:rPr>
                         <a:t>0.011</a:t>
                       </a:r>
-                      <a:endParaRPr lang="en-IN" sz="2000" b="0" i="0" u="none" strike="noStrike">
+                      <a:endParaRPr lang="en-IN" sz="2000" b="0" i="0" u="none" strike="noStrike" dirty="0">
                         <a:solidFill>
                           <a:srgbClr val="000000"/>
                         </a:solidFill>
@@ -9282,7 +10007,14 @@
                       </a:endParaRPr>
                     </a:p>
                   </a:txBody>
-                  <a:tcPr marL="16075" marR="16075" marT="16075" marB="0" anchor="b"/>
+                  <a:tcPr marL="16075" marR="16075" marT="16075" marB="0" anchor="b">
+                    <a:solidFill>
+                      <a:schemeClr val="accent4">
+                        <a:lumMod val="40000"/>
+                        <a:lumOff val="60000"/>
+                      </a:schemeClr>
+                    </a:solidFill>
+                  </a:tcPr>
                 </a:tc>
                 <a:tc>
                   <a:txBody>
@@ -9291,12 +10023,12 @@
                     <a:p>
                       <a:pPr algn="ctr" fontAlgn="b"/>
                       <a:r>
-                        <a:rPr lang="en-IN" sz="2000" u="none" strike="noStrike">
+                        <a:rPr lang="en-IN" sz="2000" u="none" strike="noStrike" dirty="0">
                           <a:effectLst/>
                         </a:rPr>
                         <a:t>0</a:t>
                       </a:r>
-                      <a:endParaRPr lang="en-IN" sz="2000" b="0" i="0" u="none" strike="noStrike">
+                      <a:endParaRPr lang="en-IN" sz="2000" b="0" i="0" u="none" strike="noStrike" dirty="0">
                         <a:solidFill>
                           <a:srgbClr val="000000"/>
                         </a:solidFill>
@@ -9305,7 +10037,14 @@
                       </a:endParaRPr>
                     </a:p>
                   </a:txBody>
-                  <a:tcPr marL="16075" marR="16075" marT="16075" marB="0" anchor="b"/>
+                  <a:tcPr marL="16075" marR="16075" marT="16075" marB="0" anchor="b">
+                    <a:solidFill>
+                      <a:schemeClr val="accent4">
+                        <a:lumMod val="40000"/>
+                        <a:lumOff val="60000"/>
+                      </a:schemeClr>
+                    </a:solidFill>
+                  </a:tcPr>
                 </a:tc>
                 <a:tc>
                   <a:txBody>
@@ -9314,12 +10053,12 @@
                     <a:p>
                       <a:pPr algn="ctr" fontAlgn="b"/>
                       <a:r>
-                        <a:rPr lang="en-IN" sz="2000" u="none" strike="noStrike">
+                        <a:rPr lang="en-IN" sz="2000" u="none" strike="noStrike" dirty="0">
                           <a:effectLst/>
                         </a:rPr>
                         <a:t>0.014</a:t>
                       </a:r>
-                      <a:endParaRPr lang="en-IN" sz="2000" b="0" i="0" u="none" strike="noStrike">
+                      <a:endParaRPr lang="en-IN" sz="2000" b="0" i="0" u="none" strike="noStrike" dirty="0">
                         <a:solidFill>
                           <a:srgbClr val="000000"/>
                         </a:solidFill>
@@ -9328,7 +10067,14 @@
                       </a:endParaRPr>
                     </a:p>
                   </a:txBody>
-                  <a:tcPr marL="16075" marR="16075" marT="16075" marB="0" anchor="b"/>
+                  <a:tcPr marL="16075" marR="16075" marT="16075" marB="0" anchor="b">
+                    <a:solidFill>
+                      <a:schemeClr val="accent4">
+                        <a:lumMod val="40000"/>
+                        <a:lumOff val="60000"/>
+                      </a:schemeClr>
+                    </a:solidFill>
+                  </a:tcPr>
                 </a:tc>
                 <a:extLst>
                   <a:ext uri="{0D108BD9-81ED-4DB2-BD59-A6C34878D82A}">
@@ -9344,12 +10090,12 @@
                     <a:p>
                       <a:pPr algn="ctr" fontAlgn="b"/>
                       <a:r>
-                        <a:rPr lang="en-IN" sz="2000" u="none" strike="noStrike">
+                        <a:rPr lang="en-IN" sz="2000" u="none" strike="noStrike" dirty="0">
                           <a:effectLst/>
                         </a:rPr>
                         <a:t>987</a:t>
                       </a:r>
-                      <a:endParaRPr lang="en-IN" sz="2000" b="1" i="0" u="none" strike="noStrike">
+                      <a:endParaRPr lang="en-IN" sz="2000" b="1" i="0" u="none" strike="noStrike" dirty="0">
                         <a:solidFill>
                           <a:srgbClr val="FF0000"/>
                         </a:solidFill>
@@ -9473,7 +10219,14 @@
                       </a:endParaRPr>
                     </a:p>
                   </a:txBody>
-                  <a:tcPr marL="16075" marR="16075" marT="16075" marB="0" anchor="b"/>
+                  <a:tcPr marL="16075" marR="16075" marT="16075" marB="0" anchor="b">
+                    <a:solidFill>
+                      <a:schemeClr val="accent4">
+                        <a:lumMod val="40000"/>
+                        <a:lumOff val="60000"/>
+                      </a:schemeClr>
+                    </a:solidFill>
+                  </a:tcPr>
                 </a:tc>
                 <a:tc>
                   <a:txBody>
@@ -9482,12 +10235,12 @@
                     <a:p>
                       <a:pPr algn="ctr" fontAlgn="b"/>
                       <a:r>
-                        <a:rPr lang="en-IN" sz="2000" u="none" strike="noStrike">
+                        <a:rPr lang="en-IN" sz="2000" u="none" strike="noStrike" dirty="0">
                           <a:effectLst/>
                         </a:rPr>
                         <a:t>0.014</a:t>
                       </a:r>
-                      <a:endParaRPr lang="en-IN" sz="2000" b="0" i="0" u="none" strike="noStrike">
+                      <a:endParaRPr lang="en-IN" sz="2000" b="0" i="0" u="none" strike="noStrike" dirty="0">
                         <a:solidFill>
                           <a:srgbClr val="000000"/>
                         </a:solidFill>
@@ -9496,7 +10249,14 @@
                       </a:endParaRPr>
                     </a:p>
                   </a:txBody>
-                  <a:tcPr marL="16075" marR="16075" marT="16075" marB="0" anchor="b"/>
+                  <a:tcPr marL="16075" marR="16075" marT="16075" marB="0" anchor="b">
+                    <a:solidFill>
+                      <a:schemeClr val="accent4">
+                        <a:lumMod val="40000"/>
+                        <a:lumOff val="60000"/>
+                      </a:schemeClr>
+                    </a:solidFill>
+                  </a:tcPr>
                 </a:tc>
                 <a:tc>
                   <a:txBody>
@@ -11255,139 +12015,76 @@
           <a:chExt cx="0" cy="0"/>
         </a:xfrm>
       </p:grpSpPr>
-      <p:sp>
-        <p:nvSpPr>
-          <p:cNvPr id="5" name="TextBox 4">
+      <p:pic>
+        <p:nvPicPr>
+          <p:cNvPr id="4" name="Picture 3">
             <a:extLst>
               <a:ext uri="{FF2B5EF4-FFF2-40B4-BE49-F238E27FC236}">
-                <a16:creationId xmlns:a16="http://schemas.microsoft.com/office/drawing/2014/main" id="{1AF10CC2-7967-9B44-A222-6896FA1E60F1}"/>
+                <a16:creationId xmlns:a16="http://schemas.microsoft.com/office/drawing/2014/main" id="{060BAFD1-7FC1-1D4D-BBD1-F38B92842507}"/>
               </a:ext>
             </a:extLst>
           </p:cNvPr>
-          <p:cNvSpPr txBox="1"/>
+          <p:cNvPicPr>
+            <a:picLocks noChangeAspect="1"/>
+          </p:cNvPicPr>
           <p:nvPr/>
-        </p:nvSpPr>
+        </p:nvPicPr>
+        <p:blipFill rotWithShape="1">
+          <a:blip r:embed="rId2"/>
+          <a:srcRect r="1" b="5411"/>
+          <a:stretch/>
+        </p:blipFill>
         <p:spPr>
           <a:xfrm>
-            <a:off x="356839" y="802890"/>
-            <a:ext cx="10455094" cy="3139321"/>
+            <a:off x="1243296" y="1196454"/>
+            <a:ext cx="9049582" cy="4772198"/>
           </a:xfrm>
           <a:prstGeom prst="rect">
             <a:avLst/>
           </a:prstGeom>
-          <a:noFill/>
+        </p:spPr>
+      </p:pic>
+      <p:sp>
+        <p:nvSpPr>
+          <p:cNvPr id="5" name="Title 1">
+            <a:extLst>
+              <a:ext uri="{FF2B5EF4-FFF2-40B4-BE49-F238E27FC236}">
+                <a16:creationId xmlns:a16="http://schemas.microsoft.com/office/drawing/2014/main" id="{9A431A85-B1FC-264C-BDCB-150269C440D1}"/>
+              </a:ext>
+            </a:extLst>
+          </p:cNvPr>
+          <p:cNvSpPr>
+            <a:spLocks noGrp="1"/>
+          </p:cNvSpPr>
+          <p:nvPr>
+            <p:ph type="title"/>
+          </p:nvPr>
+        </p:nvSpPr>
+        <p:spPr>
+          <a:xfrm>
+            <a:off x="444499" y="665637"/>
+            <a:ext cx="10803874" cy="774192"/>
+          </a:xfrm>
         </p:spPr>
         <p:txBody>
-          <a:bodyPr wrap="square" rtlCol="0">
-            <a:spAutoFit/>
-          </a:bodyPr>
+          <a:bodyPr/>
           <a:lstStyle/>
           <a:p>
             <a:r>
-              <a:rPr lang="en-IN" dirty="0"/>
-              <a:t>We would like to answer the following sample questions through Knowledge Graph</a:t>
-            </a:r>
-          </a:p>
-          <a:p>
-            <a:endParaRPr lang="en-IN" dirty="0"/>
-          </a:p>
-          <a:p>
-            <a:pPr marL="285750" indent="-285750">
-              <a:buFont typeface="Arial" panose="020B0604020202020204" pitchFamily="34" charset="0"/>
-              <a:buChar char="•"/>
-            </a:pPr>
-            <a:r>
-              <a:rPr lang="en-IN" b="1" dirty="0"/>
-              <a:t>Diagnose</a:t>
-            </a:r>
-            <a:r>
-              <a:rPr lang="en-IN" dirty="0"/>
-              <a:t> related alerts of an incident</a:t>
-            </a:r>
-          </a:p>
-          <a:p>
-            <a:endParaRPr lang="en-IN" dirty="0"/>
-          </a:p>
-          <a:p>
-            <a:pPr marL="285750" indent="-285750">
-              <a:buFont typeface="Arial" panose="020B0604020202020204" pitchFamily="34" charset="0"/>
-              <a:buChar char="•"/>
-            </a:pPr>
-            <a:r>
-              <a:rPr lang="en-IN" b="1" dirty="0"/>
-              <a:t>Annotate</a:t>
-            </a:r>
-            <a:r>
-              <a:rPr lang="en-IN" dirty="0"/>
-              <a:t> root cause with time window based on manual feedback</a:t>
-            </a:r>
-          </a:p>
-          <a:p>
-            <a:endParaRPr lang="en-IN" dirty="0"/>
-          </a:p>
-          <a:p>
-            <a:pPr marL="285750" indent="-285750">
-              <a:buFont typeface="Arial" panose="020B0604020202020204" pitchFamily="34" charset="0"/>
-              <a:buChar char="•"/>
-            </a:pPr>
-            <a:r>
-              <a:rPr lang="en-IN" dirty="0"/>
-              <a:t>Get </a:t>
-            </a:r>
-            <a:r>
-              <a:rPr lang="en-IN" b="1" dirty="0"/>
-              <a:t>Alert Counts </a:t>
-            </a:r>
-            <a:r>
-              <a:rPr lang="en-IN" dirty="0"/>
-              <a:t>in each duration</a:t>
-            </a:r>
-          </a:p>
-          <a:p>
-            <a:endParaRPr lang="en-IN" dirty="0"/>
-          </a:p>
-          <a:p>
-            <a:pPr marL="285750" indent="-285750">
-              <a:buFont typeface="Arial" panose="020B0604020202020204" pitchFamily="34" charset="0"/>
-              <a:buChar char="•"/>
-            </a:pPr>
-            <a:r>
-              <a:rPr lang="en-IN" dirty="0"/>
-              <a:t>Get </a:t>
-            </a:r>
-            <a:r>
-              <a:rPr lang="en-IN" b="1" dirty="0"/>
-              <a:t>Impacted Devices </a:t>
-            </a:r>
-            <a:r>
-              <a:rPr lang="en-IN" dirty="0"/>
-              <a:t>due to an Alert in each duration</a:t>
-            </a:r>
-          </a:p>
-          <a:p>
-            <a:endParaRPr lang="en-IN" dirty="0"/>
-          </a:p>
-          <a:p>
-            <a:pPr marL="285750" indent="-285750">
-              <a:buFont typeface="Arial" panose="020B0604020202020204" pitchFamily="34" charset="0"/>
-              <a:buChar char="•"/>
-            </a:pPr>
-            <a:r>
-              <a:rPr lang="en-IN" b="1" dirty="0"/>
-              <a:t>Unhealthy services </a:t>
-            </a:r>
-            <a:r>
-              <a:rPr lang="en-IN" dirty="0"/>
-              <a:t>in each duration</a:t>
-            </a:r>
-            <a:endParaRPr lang="en-US" dirty="0"/>
+              <a:rPr lang="en-US" sz="2800" b="1" dirty="0"/>
+              <a:t>Intent: Alert Correlation based on Ontology &amp; Mutual Information</a:t>
+            </a:r>
+            <a:br>
+              <a:rPr lang="en-US" sz="2800" b="1" dirty="0"/>
+            </a:br>
+            <a:endParaRPr lang="en-US" sz="2800" dirty="0"/>
           </a:p>
         </p:txBody>
       </p:sp>
     </p:spTree>
     <p:extLst>
       <p:ext uri="{BB962C8B-B14F-4D97-AF65-F5344CB8AC3E}">
-        <p14:creationId xmlns:p14="http://schemas.microsoft.com/office/powerpoint/2010/main" val="3986884241"/>
+        <p14:creationId xmlns:p14="http://schemas.microsoft.com/office/powerpoint/2010/main" val="332291102"/>
       </p:ext>
     </p:extLst>
   </p:cSld>
@@ -11414,6 +12111,165 @@
           <a:chExt cx="0" cy="0"/>
         </a:xfrm>
       </p:grpSpPr>
+      <p:sp>
+        <p:nvSpPr>
+          <p:cNvPr id="5" name="TextBox 4">
+            <a:extLst>
+              <a:ext uri="{FF2B5EF4-FFF2-40B4-BE49-F238E27FC236}">
+                <a16:creationId xmlns:a16="http://schemas.microsoft.com/office/drawing/2014/main" id="{1AF10CC2-7967-9B44-A222-6896FA1E60F1}"/>
+              </a:ext>
+            </a:extLst>
+          </p:cNvPr>
+          <p:cNvSpPr txBox="1"/>
+          <p:nvPr/>
+        </p:nvSpPr>
+        <p:spPr>
+          <a:xfrm>
+            <a:off x="356839" y="802890"/>
+            <a:ext cx="10455094" cy="3139321"/>
+          </a:xfrm>
+          <a:prstGeom prst="rect">
+            <a:avLst/>
+          </a:prstGeom>
+          <a:noFill/>
+        </p:spPr>
+        <p:txBody>
+          <a:bodyPr wrap="square" rtlCol="0">
+            <a:spAutoFit/>
+          </a:bodyPr>
+          <a:lstStyle/>
+          <a:p>
+            <a:r>
+              <a:rPr lang="en-IN" dirty="0"/>
+              <a:t>We would like to answer the following sample questions through Knowledge Graph</a:t>
+            </a:r>
+          </a:p>
+          <a:p>
+            <a:endParaRPr lang="en-IN" dirty="0"/>
+          </a:p>
+          <a:p>
+            <a:pPr marL="285750" indent="-285750">
+              <a:buFont typeface="Arial" panose="020B0604020202020204" pitchFamily="34" charset="0"/>
+              <a:buChar char="•"/>
+            </a:pPr>
+            <a:r>
+              <a:rPr lang="en-IN" b="1" dirty="0"/>
+              <a:t>Diagnose</a:t>
+            </a:r>
+            <a:r>
+              <a:rPr lang="en-IN" dirty="0"/>
+              <a:t> related alerts of an incident</a:t>
+            </a:r>
+          </a:p>
+          <a:p>
+            <a:endParaRPr lang="en-IN" dirty="0"/>
+          </a:p>
+          <a:p>
+            <a:pPr marL="285750" indent="-285750">
+              <a:buFont typeface="Arial" panose="020B0604020202020204" pitchFamily="34" charset="0"/>
+              <a:buChar char="•"/>
+            </a:pPr>
+            <a:r>
+              <a:rPr lang="en-IN" b="1" dirty="0"/>
+              <a:t>Annotate</a:t>
+            </a:r>
+            <a:r>
+              <a:rPr lang="en-IN" dirty="0"/>
+              <a:t> root cause with time window based on manual feedback</a:t>
+            </a:r>
+          </a:p>
+          <a:p>
+            <a:endParaRPr lang="en-IN" dirty="0"/>
+          </a:p>
+          <a:p>
+            <a:pPr marL="285750" indent="-285750">
+              <a:buFont typeface="Arial" panose="020B0604020202020204" pitchFamily="34" charset="0"/>
+              <a:buChar char="•"/>
+            </a:pPr>
+            <a:r>
+              <a:rPr lang="en-IN" dirty="0"/>
+              <a:t>Get </a:t>
+            </a:r>
+            <a:r>
+              <a:rPr lang="en-IN" b="1" dirty="0"/>
+              <a:t>Alert Counts </a:t>
+            </a:r>
+            <a:r>
+              <a:rPr lang="en-IN" dirty="0"/>
+              <a:t>in each duration</a:t>
+            </a:r>
+          </a:p>
+          <a:p>
+            <a:endParaRPr lang="en-IN" dirty="0"/>
+          </a:p>
+          <a:p>
+            <a:pPr marL="285750" indent="-285750">
+              <a:buFont typeface="Arial" panose="020B0604020202020204" pitchFamily="34" charset="0"/>
+              <a:buChar char="•"/>
+            </a:pPr>
+            <a:r>
+              <a:rPr lang="en-IN" dirty="0"/>
+              <a:t>Get </a:t>
+            </a:r>
+            <a:r>
+              <a:rPr lang="en-IN" b="1" dirty="0"/>
+              <a:t>Impacted Devices </a:t>
+            </a:r>
+            <a:r>
+              <a:rPr lang="en-IN" dirty="0"/>
+              <a:t>due to an Alert in each duration</a:t>
+            </a:r>
+          </a:p>
+          <a:p>
+            <a:endParaRPr lang="en-IN" dirty="0"/>
+          </a:p>
+          <a:p>
+            <a:pPr marL="285750" indent="-285750">
+              <a:buFont typeface="Arial" panose="020B0604020202020204" pitchFamily="34" charset="0"/>
+              <a:buChar char="•"/>
+            </a:pPr>
+            <a:r>
+              <a:rPr lang="en-IN" b="1" dirty="0"/>
+              <a:t>Unhealthy services </a:t>
+            </a:r>
+            <a:r>
+              <a:rPr lang="en-IN" dirty="0"/>
+              <a:t>in each duration</a:t>
+            </a:r>
+            <a:endParaRPr lang="en-US" dirty="0"/>
+          </a:p>
+        </p:txBody>
+      </p:sp>
+    </p:spTree>
+    <p:extLst>
+      <p:ext uri="{BB962C8B-B14F-4D97-AF65-F5344CB8AC3E}">
+        <p14:creationId xmlns:p14="http://schemas.microsoft.com/office/powerpoint/2010/main" val="3986884241"/>
+      </p:ext>
+    </p:extLst>
+  </p:cSld>
+  <p:clrMapOvr>
+    <a:masterClrMapping/>
+  </p:clrMapOvr>
+</p:sld>
+</file>
+
+<file path=ppt/slides/slide4.xml><?xml version="1.0" encoding="utf-8"?>
+<p:sld xmlns:a="http://schemas.openxmlformats.org/drawingml/2006/main" xmlns:r="http://schemas.openxmlformats.org/officeDocument/2006/relationships" xmlns:p="http://schemas.openxmlformats.org/presentationml/2006/main">
+  <p:cSld>
+    <p:spTree>
+      <p:nvGrpSpPr>
+        <p:cNvPr id="1" name=""/>
+        <p:cNvGrpSpPr/>
+        <p:nvPr/>
+      </p:nvGrpSpPr>
+      <p:grpSpPr>
+        <a:xfrm>
+          <a:off x="0" y="0"/>
+          <a:ext cx="0" cy="0"/>
+          <a:chOff x="0" y="0"/>
+          <a:chExt cx="0" cy="0"/>
+        </a:xfrm>
+      </p:grpSpPr>
       <p:pic>
         <p:nvPicPr>
           <p:cNvPr id="4" name="Picture 3">
@@ -11437,7 +12293,7 @@
         <p:spPr>
           <a:xfrm>
             <a:off x="1843138" y="929840"/>
-            <a:ext cx="8158112" cy="3428279"/>
+            <a:ext cx="6668298" cy="2802215"/>
           </a:xfrm>
           <a:prstGeom prst="rect">
             <a:avLst/>
@@ -11465,8 +12321,8 @@
         </p:blipFill>
         <p:spPr>
           <a:xfrm>
-            <a:off x="6635750" y="4622322"/>
-            <a:ext cx="2371370" cy="1250516"/>
+            <a:off x="6127610" y="4354360"/>
+            <a:ext cx="2879510" cy="1518478"/>
           </a:xfrm>
           <a:prstGeom prst="rect">
             <a:avLst/>
@@ -11495,8 +12351,8 @@
         </p:blipFill>
         <p:spPr>
           <a:xfrm>
-            <a:off x="2667000" y="4622322"/>
-            <a:ext cx="1898650" cy="1449109"/>
+            <a:off x="2022953" y="4205922"/>
+            <a:ext cx="2542697" cy="1940666"/>
           </a:xfrm>
           <a:prstGeom prst="rect">
             <a:avLst/>
@@ -11525,7 +12381,7 @@
         </p:blipFill>
         <p:spPr>
           <a:xfrm>
-            <a:off x="8204200" y="4285973"/>
+            <a:off x="8190029" y="4076110"/>
             <a:ext cx="790220" cy="361750"/>
           </a:xfrm>
           <a:prstGeom prst="rect">
@@ -11547,7 +12403,7 @@
         </p:nvSpPr>
         <p:spPr>
           <a:xfrm>
-            <a:off x="2771420" y="4358513"/>
+            <a:off x="2022953" y="3972105"/>
             <a:ext cx="2003780" cy="284880"/>
           </a:xfrm>
           <a:prstGeom prst="rect">
@@ -11640,7 +12496,7 @@
         </p:nvSpPr>
         <p:spPr>
           <a:xfrm>
-            <a:off x="641350" y="3999090"/>
+            <a:off x="444500" y="3453805"/>
             <a:ext cx="8661400" cy="774192"/>
           </a:xfrm>
           <a:prstGeom prst="rect">
@@ -11695,7 +12551,7 @@
 </p:sld>
 </file>
 
-<file path=ppt/slides/slide4.xml><?xml version="1.0" encoding="utf-8"?>
+<file path=ppt/slides/slide5.xml><?xml version="1.0" encoding="utf-8"?>
 <p:sld xmlns:a="http://schemas.openxmlformats.org/drawingml/2006/main" xmlns:r="http://schemas.openxmlformats.org/officeDocument/2006/relationships" xmlns:p="http://schemas.openxmlformats.org/presentationml/2006/main">
   <p:cSld>
     <p:spTree>
@@ -11855,7 +12711,7 @@
 </p:sld>
 </file>
 
-<file path=ppt/slides/slide5.xml><?xml version="1.0" encoding="utf-8"?>
+<file path=ppt/slides/slide6.xml><?xml version="1.0" encoding="utf-8"?>
 <p:sld xmlns:a="http://schemas.openxmlformats.org/drawingml/2006/main" xmlns:r="http://schemas.openxmlformats.org/officeDocument/2006/relationships" xmlns:p="http://schemas.openxmlformats.org/presentationml/2006/main">
   <p:cSld>
     <p:spTree>
@@ -13261,7 +14117,7 @@
 </p:sld>
 </file>
 
-<file path=ppt/slides/slide6.xml><?xml version="1.0" encoding="utf-8"?>
+<file path=ppt/slides/slide7.xml><?xml version="1.0" encoding="utf-8"?>
 <p:sld xmlns:a="http://schemas.openxmlformats.org/drawingml/2006/main" xmlns:r="http://schemas.openxmlformats.org/officeDocument/2006/relationships" xmlns:p="http://schemas.openxmlformats.org/presentationml/2006/main">
   <p:cSld>
     <p:spTree>
@@ -13545,7 +14401,7 @@
 </p:sld>
 </file>
 
-<file path=ppt/slides/slide7.xml><?xml version="1.0" encoding="utf-8"?>
+<file path=ppt/slides/slide8.xml><?xml version="1.0" encoding="utf-8"?>
 <p:sld xmlns:a="http://schemas.openxmlformats.org/drawingml/2006/main" xmlns:r="http://schemas.openxmlformats.org/officeDocument/2006/relationships" xmlns:p="http://schemas.openxmlformats.org/presentationml/2006/main">
   <p:cSld>
     <p:spTree>
@@ -13647,7 +14503,7 @@
 </p:sld>
 </file>
 
-<file path=ppt/slides/slide8.xml><?xml version="1.0" encoding="utf-8"?>
+<file path=ppt/slides/slide9.xml><?xml version="1.0" encoding="utf-8"?>
 <p:sld xmlns:a="http://schemas.openxmlformats.org/drawingml/2006/main" xmlns:r="http://schemas.openxmlformats.org/officeDocument/2006/relationships" xmlns:p="http://schemas.openxmlformats.org/presentationml/2006/main">
   <p:cSld>
     <p:spTree>
@@ -13703,569 +14559,6 @@
     <p:extLst>
       <p:ext uri="{BB962C8B-B14F-4D97-AF65-F5344CB8AC3E}">
         <p14:creationId xmlns:p14="http://schemas.microsoft.com/office/powerpoint/2010/main" val="1548830023"/>
-      </p:ext>
-    </p:extLst>
-  </p:cSld>
-  <p:clrMapOvr>
-    <a:masterClrMapping/>
-  </p:clrMapOvr>
-</p:sld>
-</file>
-
-<file path=ppt/slides/slide9.xml><?xml version="1.0" encoding="utf-8"?>
-<p:sld xmlns:a="http://schemas.openxmlformats.org/drawingml/2006/main" xmlns:r="http://schemas.openxmlformats.org/officeDocument/2006/relationships" xmlns:p="http://schemas.openxmlformats.org/presentationml/2006/main">
-  <p:cSld>
-    <p:bg>
-      <p:bgPr>
-        <a:solidFill>
-          <a:schemeClr val="bg1"/>
-        </a:solidFill>
-        <a:effectLst/>
-      </p:bgPr>
-    </p:bg>
-    <p:spTree>
-      <p:nvGrpSpPr>
-        <p:cNvPr id="1" name=""/>
-        <p:cNvGrpSpPr/>
-        <p:nvPr/>
-      </p:nvGrpSpPr>
-      <p:grpSpPr>
-        <a:xfrm>
-          <a:off x="0" y="0"/>
-          <a:ext cx="0" cy="0"/>
-          <a:chOff x="0" y="0"/>
-          <a:chExt cx="0" cy="0"/>
-        </a:xfrm>
-      </p:grpSpPr>
-      <p:cxnSp>
-        <p:nvCxnSpPr>
-          <p:cNvPr id="17" name="Straight Connector 16">
-            <a:extLst>
-              <a:ext uri="{FF2B5EF4-FFF2-40B4-BE49-F238E27FC236}">
-                <a16:creationId xmlns:a16="http://schemas.microsoft.com/office/drawing/2014/main" id="{108D74AC-B125-4E11-BA53-E9E383966DF8}"/>
-              </a:ext>
-              <a:ext uri="{C183D7F6-B498-43B3-948B-1728B52AA6E4}">
-                <adec:decorative xmlns:adec="http://schemas.microsoft.com/office/drawing/2017/decorative" val="1"/>
-              </a:ext>
-            </a:extLst>
-          </p:cNvPr>
-          <p:cNvCxnSpPr>
-            <a:cxnSpLocks noGrp="1" noRot="1" noChangeAspect="1" noMove="1" noResize="1" noEditPoints="1" noAdjustHandles="1" noChangeArrowheads="1" noChangeShapeType="1"/>
-          </p:cNvCxnSpPr>
-          <p:nvPr>
-            <p:extLst>
-              <p:ext uri="{386F3935-93C4-4BCD-93E2-E3B085C9AB24}">
-                <p16:designElem xmlns:p16="http://schemas.microsoft.com/office/powerpoint/2015/main" val="1"/>
-              </p:ext>
-            </p:extLst>
-          </p:nvPr>
-        </p:nvCxnSpPr>
-        <p:spPr>
-          <a:xfrm>
-            <a:off x="482600" y="489855"/>
-            <a:ext cx="11147071" cy="0"/>
-          </a:xfrm>
-          <a:prstGeom prst="line">
-            <a:avLst/>
-          </a:prstGeom>
-          <a:ln w="28575">
-            <a:solidFill>
-              <a:schemeClr val="tx2"/>
-            </a:solidFill>
-          </a:ln>
-        </p:spPr>
-        <p:style>
-          <a:lnRef idx="1">
-            <a:schemeClr val="dk1"/>
-          </a:lnRef>
-          <a:fillRef idx="0">
-            <a:schemeClr val="dk1"/>
-          </a:fillRef>
-          <a:effectRef idx="0">
-            <a:schemeClr val="dk1"/>
-          </a:effectRef>
-          <a:fontRef idx="minor">
-            <a:schemeClr val="tx1"/>
-          </a:fontRef>
-        </p:style>
-      </p:cxnSp>
-      <p:cxnSp>
-        <p:nvCxnSpPr>
-          <p:cNvPr id="19" name="Straight Connector 18">
-            <a:extLst>
-              <a:ext uri="{FF2B5EF4-FFF2-40B4-BE49-F238E27FC236}">
-                <a16:creationId xmlns:a16="http://schemas.microsoft.com/office/drawing/2014/main" id="{9DC76EBE-FB9D-4054-B5D8-19E3EAFE40B2}"/>
-              </a:ext>
-              <a:ext uri="{C183D7F6-B498-43B3-948B-1728B52AA6E4}">
-                <adec:decorative xmlns:adec="http://schemas.microsoft.com/office/drawing/2017/decorative" val="1"/>
-              </a:ext>
-            </a:extLst>
-          </p:cNvPr>
-          <p:cNvCxnSpPr>
-            <a:cxnSpLocks noGrp="1" noRot="1" noChangeAspect="1" noMove="1" noResize="1" noEditPoints="1" noAdjustHandles="1" noChangeArrowheads="1" noChangeShapeType="1"/>
-          </p:cNvCxnSpPr>
-          <p:nvPr>
-            <p:extLst>
-              <p:ext uri="{386F3935-93C4-4BCD-93E2-E3B085C9AB24}">
-                <p16:designElem xmlns:p16="http://schemas.microsoft.com/office/powerpoint/2015/main" val="1"/>
-              </p:ext>
-            </p:extLst>
-          </p:nvPr>
-        </p:nvCxnSpPr>
-        <p:spPr>
-          <a:xfrm>
-            <a:off x="482600" y="6368138"/>
-            <a:ext cx="11147071" cy="0"/>
-          </a:xfrm>
-          <a:prstGeom prst="line">
-            <a:avLst/>
-          </a:prstGeom>
-          <a:ln w="28575">
-            <a:solidFill>
-              <a:schemeClr val="tx2"/>
-            </a:solidFill>
-          </a:ln>
-        </p:spPr>
-        <p:style>
-          <a:lnRef idx="1">
-            <a:schemeClr val="dk1"/>
-          </a:lnRef>
-          <a:fillRef idx="0">
-            <a:schemeClr val="dk1"/>
-          </a:fillRef>
-          <a:effectRef idx="0">
-            <a:schemeClr val="dk1"/>
-          </a:effectRef>
-          <a:fontRef idx="minor">
-            <a:schemeClr val="tx1"/>
-          </a:fontRef>
-        </p:style>
-      </p:cxnSp>
-      <p:cxnSp>
-        <p:nvCxnSpPr>
-          <p:cNvPr id="21" name="Straight Connector 20">
-            <a:extLst>
-              <a:ext uri="{FF2B5EF4-FFF2-40B4-BE49-F238E27FC236}">
-                <a16:creationId xmlns:a16="http://schemas.microsoft.com/office/drawing/2014/main" id="{7DA568B4-06BE-42A6-A5B6-A0FC251DAE00}"/>
-              </a:ext>
-              <a:ext uri="{C183D7F6-B498-43B3-948B-1728B52AA6E4}">
-                <adec:decorative xmlns:adec="http://schemas.microsoft.com/office/drawing/2017/decorative" val="1"/>
-              </a:ext>
-            </a:extLst>
-          </p:cNvPr>
-          <p:cNvCxnSpPr>
-            <a:cxnSpLocks noGrp="1" noRot="1" noChangeAspect="1" noMove="1" noResize="1" noEditPoints="1" noAdjustHandles="1" noChangeArrowheads="1" noChangeShapeType="1"/>
-          </p:cNvCxnSpPr>
-          <p:nvPr>
-            <p:extLst>
-              <p:ext uri="{386F3935-93C4-4BCD-93E2-E3B085C9AB24}">
-                <p16:designElem xmlns:p16="http://schemas.microsoft.com/office/powerpoint/2015/main" val="1"/>
-              </p:ext>
-            </p:extLst>
-          </p:nvPr>
-        </p:nvCxnSpPr>
-        <p:spPr>
-          <a:xfrm>
-            <a:off x="482600" y="489855"/>
-            <a:ext cx="11147071" cy="0"/>
-          </a:xfrm>
-          <a:prstGeom prst="line">
-            <a:avLst/>
-          </a:prstGeom>
-          <a:ln w="28575">
-            <a:solidFill>
-              <a:schemeClr val="tx2"/>
-            </a:solidFill>
-          </a:ln>
-        </p:spPr>
-        <p:style>
-          <a:lnRef idx="1">
-            <a:schemeClr val="dk1"/>
-          </a:lnRef>
-          <a:fillRef idx="0">
-            <a:schemeClr val="dk1"/>
-          </a:fillRef>
-          <a:effectRef idx="0">
-            <a:schemeClr val="dk1"/>
-          </a:effectRef>
-          <a:fontRef idx="minor">
-            <a:schemeClr val="tx1"/>
-          </a:fontRef>
-        </p:style>
-      </p:cxnSp>
-      <p:cxnSp>
-        <p:nvCxnSpPr>
-          <p:cNvPr id="23" name="Straight Connector 22">
-            <a:extLst>
-              <a:ext uri="{FF2B5EF4-FFF2-40B4-BE49-F238E27FC236}">
-                <a16:creationId xmlns:a16="http://schemas.microsoft.com/office/drawing/2014/main" id="{ACC85BFE-0D03-41B5-87E4-5FA667FA5588}"/>
-              </a:ext>
-              <a:ext uri="{C183D7F6-B498-43B3-948B-1728B52AA6E4}">
-                <adec:decorative xmlns:adec="http://schemas.microsoft.com/office/drawing/2017/decorative" val="1"/>
-              </a:ext>
-            </a:extLst>
-          </p:cNvPr>
-          <p:cNvCxnSpPr>
-            <a:cxnSpLocks noGrp="1" noRot="1" noChangeAspect="1" noMove="1" noResize="1" noEditPoints="1" noAdjustHandles="1" noChangeArrowheads="1" noChangeShapeType="1"/>
-          </p:cNvCxnSpPr>
-          <p:nvPr>
-            <p:extLst>
-              <p:ext uri="{386F3935-93C4-4BCD-93E2-E3B085C9AB24}">
-                <p16:designElem xmlns:p16="http://schemas.microsoft.com/office/powerpoint/2015/main" val="1"/>
-              </p:ext>
-            </p:extLst>
-          </p:nvPr>
-        </p:nvCxnSpPr>
-        <p:spPr>
-          <a:xfrm>
-            <a:off x="482600" y="6368138"/>
-            <a:ext cx="11147071" cy="0"/>
-          </a:xfrm>
-          <a:prstGeom prst="line">
-            <a:avLst/>
-          </a:prstGeom>
-          <a:ln w="28575">
-            <a:solidFill>
-              <a:schemeClr val="tx2"/>
-            </a:solidFill>
-          </a:ln>
-        </p:spPr>
-        <p:style>
-          <a:lnRef idx="1">
-            <a:schemeClr val="dk1"/>
-          </a:lnRef>
-          <a:fillRef idx="0">
-            <a:schemeClr val="dk1"/>
-          </a:fillRef>
-          <a:effectRef idx="0">
-            <a:schemeClr val="dk1"/>
-          </a:effectRef>
-          <a:fontRef idx="minor">
-            <a:schemeClr val="tx1"/>
-          </a:fontRef>
-        </p:style>
-      </p:cxnSp>
-      <p:sp useBgFill="1">
-        <p:nvSpPr>
-          <p:cNvPr id="25" name="Rectangle 24">
-            <a:extLst>
-              <a:ext uri="{FF2B5EF4-FFF2-40B4-BE49-F238E27FC236}">
-                <a16:creationId xmlns:a16="http://schemas.microsoft.com/office/drawing/2014/main" id="{92B0CFF1-78D7-4A83-A95E-71F9E3831622}"/>
-              </a:ext>
-              <a:ext uri="{C183D7F6-B498-43B3-948B-1728B52AA6E4}">
-                <adec:decorative xmlns:adec="http://schemas.microsoft.com/office/drawing/2017/decorative" val="1"/>
-              </a:ext>
-            </a:extLst>
-          </p:cNvPr>
-          <p:cNvSpPr>
-            <a:spLocks noGrp="1" noRot="1" noChangeAspect="1" noMove="1" noResize="1" noEditPoints="1" noAdjustHandles="1" noChangeArrowheads="1" noChangeShapeType="1" noTextEdit="1"/>
-          </p:cNvSpPr>
-          <p:nvPr>
-            <p:extLst>
-              <p:ext uri="{386F3935-93C4-4BCD-93E2-E3B085C9AB24}">
-                <p16:designElem xmlns:p16="http://schemas.microsoft.com/office/powerpoint/2015/main" val="1"/>
-              </p:ext>
-            </p:extLst>
-          </p:nvPr>
-        </p:nvSpPr>
-        <p:spPr>
-          <a:xfrm>
-            <a:off x="0" y="0"/>
-            <a:ext cx="12192000" cy="6858001"/>
-          </a:xfrm>
-          <a:prstGeom prst="rect">
-            <a:avLst/>
-          </a:prstGeom>
-          <a:ln>
-            <a:noFill/>
-          </a:ln>
-        </p:spPr>
-        <p:style>
-          <a:lnRef idx="2">
-            <a:schemeClr val="accent1">
-              <a:shade val="50000"/>
-            </a:schemeClr>
-          </a:lnRef>
-          <a:fillRef idx="1">
-            <a:schemeClr val="accent1"/>
-          </a:fillRef>
-          <a:effectRef idx="0">
-            <a:schemeClr val="accent1"/>
-          </a:effectRef>
-          <a:fontRef idx="minor">
-            <a:schemeClr val="lt1"/>
-          </a:fontRef>
-        </p:style>
-        <p:txBody>
-          <a:bodyPr rtlCol="0" anchor="ctr"/>
-          <a:lstStyle/>
-          <a:p>
-            <a:pPr algn="ctr"/>
-            <a:endParaRPr lang="en-US" dirty="0"/>
-          </a:p>
-        </p:txBody>
-      </p:sp>
-      <p:cxnSp>
-        <p:nvCxnSpPr>
-          <p:cNvPr id="27" name="Straight Connector 26">
-            <a:extLst>
-              <a:ext uri="{FF2B5EF4-FFF2-40B4-BE49-F238E27FC236}">
-                <a16:creationId xmlns:a16="http://schemas.microsoft.com/office/drawing/2014/main" id="{6108BD3D-CFD0-4A15-ACF6-EBC254CD7CF1}"/>
-              </a:ext>
-              <a:ext uri="{C183D7F6-B498-43B3-948B-1728B52AA6E4}">
-                <adec:decorative xmlns:adec="http://schemas.microsoft.com/office/drawing/2017/decorative" val="1"/>
-              </a:ext>
-            </a:extLst>
-          </p:cNvPr>
-          <p:cNvCxnSpPr>
-            <a:cxnSpLocks noGrp="1" noRot="1" noChangeAspect="1" noMove="1" noResize="1" noEditPoints="1" noAdjustHandles="1" noChangeArrowheads="1" noChangeShapeType="1"/>
-          </p:cNvCxnSpPr>
-          <p:nvPr>
-            <p:extLst>
-              <p:ext uri="{386F3935-93C4-4BCD-93E2-E3B085C9AB24}">
-                <p16:designElem xmlns:p16="http://schemas.microsoft.com/office/powerpoint/2015/main" val="1"/>
-              </p:ext>
-            </p:extLst>
-          </p:nvPr>
-        </p:nvCxnSpPr>
-        <p:spPr>
-          <a:xfrm>
-            <a:off x="482600" y="489855"/>
-            <a:ext cx="11147071" cy="0"/>
-          </a:xfrm>
-          <a:prstGeom prst="line">
-            <a:avLst/>
-          </a:prstGeom>
-          <a:ln w="28575">
-            <a:solidFill>
-              <a:schemeClr val="tx2"/>
-            </a:solidFill>
-          </a:ln>
-        </p:spPr>
-        <p:style>
-          <a:lnRef idx="1">
-            <a:schemeClr val="dk1"/>
-          </a:lnRef>
-          <a:fillRef idx="0">
-            <a:schemeClr val="dk1"/>
-          </a:fillRef>
-          <a:effectRef idx="0">
-            <a:schemeClr val="dk1"/>
-          </a:effectRef>
-          <a:fontRef idx="minor">
-            <a:schemeClr val="tx1"/>
-          </a:fontRef>
-        </p:style>
-      </p:cxnSp>
-      <p:cxnSp>
-        <p:nvCxnSpPr>
-          <p:cNvPr id="29" name="Straight Connector 28">
-            <a:extLst>
-              <a:ext uri="{FF2B5EF4-FFF2-40B4-BE49-F238E27FC236}">
-                <a16:creationId xmlns:a16="http://schemas.microsoft.com/office/drawing/2014/main" id="{DB2019E5-6C31-4640-A135-6BBA7FFCF694}"/>
-              </a:ext>
-              <a:ext uri="{C183D7F6-B498-43B3-948B-1728B52AA6E4}">
-                <adec:decorative xmlns:adec="http://schemas.microsoft.com/office/drawing/2017/decorative" val="1"/>
-              </a:ext>
-            </a:extLst>
-          </p:cNvPr>
-          <p:cNvCxnSpPr>
-            <a:cxnSpLocks noGrp="1" noRot="1" noChangeAspect="1" noMove="1" noResize="1" noEditPoints="1" noAdjustHandles="1" noChangeArrowheads="1" noChangeShapeType="1"/>
-          </p:cNvCxnSpPr>
-          <p:nvPr>
-            <p:extLst>
-              <p:ext uri="{386F3935-93C4-4BCD-93E2-E3B085C9AB24}">
-                <p16:designElem xmlns:p16="http://schemas.microsoft.com/office/powerpoint/2015/main" val="1"/>
-              </p:ext>
-            </p:extLst>
-          </p:nvPr>
-        </p:nvCxnSpPr>
-        <p:spPr>
-          <a:xfrm>
-            <a:off x="482600" y="6368138"/>
-            <a:ext cx="11147071" cy="0"/>
-          </a:xfrm>
-          <a:prstGeom prst="line">
-            <a:avLst/>
-          </a:prstGeom>
-          <a:ln w="28575">
-            <a:solidFill>
-              <a:schemeClr val="tx2"/>
-            </a:solidFill>
-          </a:ln>
-        </p:spPr>
-        <p:style>
-          <a:lnRef idx="1">
-            <a:schemeClr val="dk1"/>
-          </a:lnRef>
-          <a:fillRef idx="0">
-            <a:schemeClr val="dk1"/>
-          </a:fillRef>
-          <a:effectRef idx="0">
-            <a:schemeClr val="dk1"/>
-          </a:effectRef>
-          <a:fontRef idx="minor">
-            <a:schemeClr val="tx1"/>
-          </a:fontRef>
-        </p:style>
-      </p:cxnSp>
-      <p:sp>
-        <p:nvSpPr>
-          <p:cNvPr id="10" name="Title 1">
-            <a:extLst>
-              <a:ext uri="{FF2B5EF4-FFF2-40B4-BE49-F238E27FC236}">
-                <a16:creationId xmlns:a16="http://schemas.microsoft.com/office/drawing/2014/main" id="{3A70522E-8AF8-6A4F-8657-48DA4CC4A164}"/>
-              </a:ext>
-            </a:extLst>
-          </p:cNvPr>
-          <p:cNvSpPr txBox="1">
-            <a:spLocks/>
-          </p:cNvSpPr>
-          <p:nvPr/>
-        </p:nvSpPr>
-        <p:spPr>
-          <a:xfrm>
-            <a:off x="400432" y="738663"/>
-            <a:ext cx="8661400" cy="774192"/>
-          </a:xfrm>
-          <a:prstGeom prst="rect">
-            <a:avLst/>
-          </a:prstGeom>
-        </p:spPr>
-        <p:txBody>
-          <a:bodyPr vert="horz" lIns="91440" tIns="45720" rIns="91440" bIns="45720" rtlCol="0" anchor="b">
-            <a:noAutofit/>
-          </a:bodyPr>
-          <a:lstStyle>
-            <a:lvl1pPr algn="l" defTabSz="914400" rtl="0" eaLnBrk="1" latinLnBrk="0" hangingPunct="1">
-              <a:lnSpc>
-                <a:spcPct val="100000"/>
-              </a:lnSpc>
-              <a:spcBef>
-                <a:spcPct val="0"/>
-              </a:spcBef>
-              <a:buNone/>
-              <a:defRPr sz="6600" kern="1200">
-                <a:solidFill>
-                  <a:schemeClr val="tx1"/>
-                </a:solidFill>
-                <a:latin typeface="+mj-lt"/>
-                <a:ea typeface="+mj-ea"/>
-                <a:cs typeface="+mj-cs"/>
-              </a:defRPr>
-            </a:lvl1pPr>
-          </a:lstStyle>
-          <a:p>
-            <a:r>
-              <a:rPr lang="en-US" sz="2800" b="1" dirty="0"/>
-              <a:t>User Interaction, Query Layer, Neo4j Visualization</a:t>
-            </a:r>
-            <a:br>
-              <a:rPr lang="en-US" sz="2800" b="1" dirty="0"/>
-            </a:br>
-            <a:endParaRPr lang="en-US" sz="2800" dirty="0"/>
-          </a:p>
-        </p:txBody>
-      </p:sp>
-      <p:sp>
-        <p:nvSpPr>
-          <p:cNvPr id="11" name="TextBox 10">
-            <a:extLst>
-              <a:ext uri="{FF2B5EF4-FFF2-40B4-BE49-F238E27FC236}">
-                <a16:creationId xmlns:a16="http://schemas.microsoft.com/office/drawing/2014/main" id="{B32AE59A-BBE9-F344-B432-A0FC9A5F95BD}"/>
-              </a:ext>
-            </a:extLst>
-          </p:cNvPr>
-          <p:cNvSpPr txBox="1"/>
-          <p:nvPr/>
-        </p:nvSpPr>
-        <p:spPr>
-          <a:xfrm>
-            <a:off x="746038" y="5067970"/>
-            <a:ext cx="10455094" cy="1477328"/>
-          </a:xfrm>
-          <a:prstGeom prst="rect">
-            <a:avLst/>
-          </a:prstGeom>
-          <a:noFill/>
-        </p:spPr>
-        <p:txBody>
-          <a:bodyPr wrap="square" rtlCol="0">
-            <a:spAutoFit/>
-          </a:bodyPr>
-          <a:lstStyle/>
-          <a:p>
-            <a:r>
-              <a:rPr lang="en-IN" dirty="0"/>
-              <a:t>Neo4jAlert library provides</a:t>
-            </a:r>
-          </a:p>
-          <a:p>
-            <a:pPr marL="342900" indent="-342900">
-              <a:buAutoNum type="alphaLcParenR"/>
-            </a:pPr>
-            <a:r>
-              <a:rPr lang="en-IN" dirty="0"/>
-              <a:t>REST API to query Neo4j knowledge graph</a:t>
-            </a:r>
-          </a:p>
-          <a:p>
-            <a:pPr marL="342900" indent="-342900">
-              <a:buAutoNum type="alphaLcParenR"/>
-            </a:pPr>
-            <a:r>
-              <a:rPr lang="en-IN" dirty="0"/>
-              <a:t>User interactive terminal interface (via REST API )</a:t>
-            </a:r>
-          </a:p>
-          <a:p>
-            <a:pPr marL="342900" indent="-342900">
-              <a:buAutoNum type="alphaLcParenR"/>
-            </a:pPr>
-            <a:r>
-              <a:rPr lang="en-IN" dirty="0"/>
-              <a:t>Cypher queries that can be executed on Neo4j browser </a:t>
-            </a:r>
-          </a:p>
-          <a:p>
-            <a:endParaRPr lang="en-IN" dirty="0"/>
-          </a:p>
-        </p:txBody>
-      </p:sp>
-      <p:pic>
-        <p:nvPicPr>
-          <p:cNvPr id="2" name="Picture 1">
-            <a:extLst>
-              <a:ext uri="{FF2B5EF4-FFF2-40B4-BE49-F238E27FC236}">
-                <a16:creationId xmlns:a16="http://schemas.microsoft.com/office/drawing/2014/main" id="{EBC430A1-1F1F-3E46-8FDD-78D2818A7FDA}"/>
-              </a:ext>
-            </a:extLst>
-          </p:cNvPr>
-          <p:cNvPicPr>
-            <a:picLocks noChangeAspect="1"/>
-          </p:cNvPicPr>
-          <p:nvPr/>
-        </p:nvPicPr>
-        <p:blipFill>
-          <a:blip r:embed="rId2"/>
-          <a:stretch>
-            <a:fillRect/>
-          </a:stretch>
-        </p:blipFill>
-        <p:spPr>
-          <a:xfrm>
-            <a:off x="953997" y="1051366"/>
-            <a:ext cx="8482103" cy="3961275"/>
-          </a:xfrm>
-          <a:prstGeom prst="rect">
-            <a:avLst/>
-          </a:prstGeom>
-        </p:spPr>
-      </p:pic>
-    </p:spTree>
-    <p:extLst>
-      <p:ext uri="{BB962C8B-B14F-4D97-AF65-F5344CB8AC3E}">
-        <p14:creationId xmlns:p14="http://schemas.microsoft.com/office/powerpoint/2010/main" val="3815100322"/>
       </p:ext>
     </p:extLst>
   </p:cSld>

--- a/Team_Alpha_Presentation.pptx
+++ b/Team_Alpha_Presentation.pptx
@@ -9,17 +9,16 @@
     <p:sldId id="275" r:id="rId3"/>
     <p:sldId id="257" r:id="rId4"/>
     <p:sldId id="269" r:id="rId5"/>
-    <p:sldId id="258" r:id="rId6"/>
-    <p:sldId id="268" r:id="rId7"/>
-    <p:sldId id="261" r:id="rId8"/>
-    <p:sldId id="259" r:id="rId9"/>
-    <p:sldId id="271" r:id="rId10"/>
-    <p:sldId id="256" r:id="rId11"/>
-    <p:sldId id="274" r:id="rId12"/>
-    <p:sldId id="267" r:id="rId13"/>
-    <p:sldId id="273" r:id="rId14"/>
-    <p:sldId id="272" r:id="rId15"/>
-    <p:sldId id="264" r:id="rId16"/>
+    <p:sldId id="268" r:id="rId6"/>
+    <p:sldId id="261" r:id="rId7"/>
+    <p:sldId id="259" r:id="rId8"/>
+    <p:sldId id="271" r:id="rId9"/>
+    <p:sldId id="256" r:id="rId10"/>
+    <p:sldId id="274" r:id="rId11"/>
+    <p:sldId id="267" r:id="rId12"/>
+    <p:sldId id="273" r:id="rId13"/>
+    <p:sldId id="272" r:id="rId14"/>
+    <p:sldId id="264" r:id="rId15"/>
   </p:sldIdLst>
   <p:sldSz cx="12192000" cy="6858000"/>
   <p:notesSz cx="6858000" cy="9144000"/>
@@ -4292,7 +4291,7 @@
           <a:p>
             <a:r>
               <a:rPr lang="en-US" sz="4000" b="1" dirty="0"/>
-              <a:t>Design Alert Correlation Engine using Mutual Information</a:t>
+              <a:t>Designing Alert Correlation Engine using Mutual Information</a:t>
             </a:r>
             <a:br>
               <a:rPr lang="en-US" sz="4000" b="1" dirty="0"/>
@@ -4861,569 +4860,6 @@
           </a:lstStyle>
           <a:p>
             <a:r>
-              <a:rPr lang="en-US" sz="2800" b="1" dirty="0"/>
-              <a:t>User Interaction, Query Layer, Neo4j Visualization</a:t>
-            </a:r>
-            <a:br>
-              <a:rPr lang="en-US" sz="2800" b="1" dirty="0"/>
-            </a:br>
-            <a:endParaRPr lang="en-US" sz="2800" dirty="0"/>
-          </a:p>
-        </p:txBody>
-      </p:sp>
-      <p:sp>
-        <p:nvSpPr>
-          <p:cNvPr id="11" name="TextBox 10">
-            <a:extLst>
-              <a:ext uri="{FF2B5EF4-FFF2-40B4-BE49-F238E27FC236}">
-                <a16:creationId xmlns:a16="http://schemas.microsoft.com/office/drawing/2014/main" id="{B32AE59A-BBE9-F344-B432-A0FC9A5F95BD}"/>
-              </a:ext>
-            </a:extLst>
-          </p:cNvPr>
-          <p:cNvSpPr txBox="1"/>
-          <p:nvPr/>
-        </p:nvSpPr>
-        <p:spPr>
-          <a:xfrm>
-            <a:off x="746038" y="5067970"/>
-            <a:ext cx="10455094" cy="1477328"/>
-          </a:xfrm>
-          <a:prstGeom prst="rect">
-            <a:avLst/>
-          </a:prstGeom>
-          <a:noFill/>
-        </p:spPr>
-        <p:txBody>
-          <a:bodyPr wrap="square" rtlCol="0">
-            <a:spAutoFit/>
-          </a:bodyPr>
-          <a:lstStyle/>
-          <a:p>
-            <a:r>
-              <a:rPr lang="en-IN" dirty="0"/>
-              <a:t>Neo4jAlert library provides</a:t>
-            </a:r>
-          </a:p>
-          <a:p>
-            <a:pPr marL="342900" indent="-342900">
-              <a:buAutoNum type="alphaLcParenR"/>
-            </a:pPr>
-            <a:r>
-              <a:rPr lang="en-IN" dirty="0"/>
-              <a:t>REST API to query Neo4j knowledge graph</a:t>
-            </a:r>
-          </a:p>
-          <a:p>
-            <a:pPr marL="342900" indent="-342900">
-              <a:buAutoNum type="alphaLcParenR"/>
-            </a:pPr>
-            <a:r>
-              <a:rPr lang="en-IN" dirty="0"/>
-              <a:t>User interactive terminal interface (via REST API )</a:t>
-            </a:r>
-          </a:p>
-          <a:p>
-            <a:pPr marL="342900" indent="-342900">
-              <a:buAutoNum type="alphaLcParenR"/>
-            </a:pPr>
-            <a:r>
-              <a:rPr lang="en-IN" dirty="0"/>
-              <a:t>Cypher queries that can be executed on Neo4j browser </a:t>
-            </a:r>
-          </a:p>
-          <a:p>
-            <a:endParaRPr lang="en-IN" dirty="0"/>
-          </a:p>
-        </p:txBody>
-      </p:sp>
-      <p:pic>
-        <p:nvPicPr>
-          <p:cNvPr id="2" name="Picture 1">
-            <a:extLst>
-              <a:ext uri="{FF2B5EF4-FFF2-40B4-BE49-F238E27FC236}">
-                <a16:creationId xmlns:a16="http://schemas.microsoft.com/office/drawing/2014/main" id="{EBC430A1-1F1F-3E46-8FDD-78D2818A7FDA}"/>
-              </a:ext>
-            </a:extLst>
-          </p:cNvPr>
-          <p:cNvPicPr>
-            <a:picLocks noChangeAspect="1"/>
-          </p:cNvPicPr>
-          <p:nvPr/>
-        </p:nvPicPr>
-        <p:blipFill>
-          <a:blip r:embed="rId2"/>
-          <a:stretch>
-            <a:fillRect/>
-          </a:stretch>
-        </p:blipFill>
-        <p:spPr>
-          <a:xfrm>
-            <a:off x="953997" y="1051366"/>
-            <a:ext cx="8482103" cy="3961275"/>
-          </a:xfrm>
-          <a:prstGeom prst="rect">
-            <a:avLst/>
-          </a:prstGeom>
-        </p:spPr>
-      </p:pic>
-    </p:spTree>
-    <p:extLst>
-      <p:ext uri="{BB962C8B-B14F-4D97-AF65-F5344CB8AC3E}">
-        <p14:creationId xmlns:p14="http://schemas.microsoft.com/office/powerpoint/2010/main" val="3815100322"/>
-      </p:ext>
-    </p:extLst>
-  </p:cSld>
-  <p:clrMapOvr>
-    <a:masterClrMapping/>
-  </p:clrMapOvr>
-</p:sld>
-</file>
-
-<file path=ppt/slides/slide11.xml><?xml version="1.0" encoding="utf-8"?>
-<p:sld xmlns:a="http://schemas.openxmlformats.org/drawingml/2006/main" xmlns:r="http://schemas.openxmlformats.org/officeDocument/2006/relationships" xmlns:p="http://schemas.openxmlformats.org/presentationml/2006/main">
-  <p:cSld>
-    <p:bg>
-      <p:bgPr>
-        <a:solidFill>
-          <a:schemeClr val="bg1"/>
-        </a:solidFill>
-        <a:effectLst/>
-      </p:bgPr>
-    </p:bg>
-    <p:spTree>
-      <p:nvGrpSpPr>
-        <p:cNvPr id="1" name=""/>
-        <p:cNvGrpSpPr/>
-        <p:nvPr/>
-      </p:nvGrpSpPr>
-      <p:grpSpPr>
-        <a:xfrm>
-          <a:off x="0" y="0"/>
-          <a:ext cx="0" cy="0"/>
-          <a:chOff x="0" y="0"/>
-          <a:chExt cx="0" cy="0"/>
-        </a:xfrm>
-      </p:grpSpPr>
-      <p:cxnSp>
-        <p:nvCxnSpPr>
-          <p:cNvPr id="17" name="Straight Connector 16">
-            <a:extLst>
-              <a:ext uri="{FF2B5EF4-FFF2-40B4-BE49-F238E27FC236}">
-                <a16:creationId xmlns:a16="http://schemas.microsoft.com/office/drawing/2014/main" id="{108D74AC-B125-4E11-BA53-E9E383966DF8}"/>
-              </a:ext>
-              <a:ext uri="{C183D7F6-B498-43B3-948B-1728B52AA6E4}">
-                <adec:decorative xmlns:adec="http://schemas.microsoft.com/office/drawing/2017/decorative" val="1"/>
-              </a:ext>
-            </a:extLst>
-          </p:cNvPr>
-          <p:cNvCxnSpPr>
-            <a:cxnSpLocks noGrp="1" noRot="1" noChangeAspect="1" noMove="1" noResize="1" noEditPoints="1" noAdjustHandles="1" noChangeArrowheads="1" noChangeShapeType="1"/>
-          </p:cNvCxnSpPr>
-          <p:nvPr>
-            <p:extLst>
-              <p:ext uri="{386F3935-93C4-4BCD-93E2-E3B085C9AB24}">
-                <p16:designElem xmlns:p16="http://schemas.microsoft.com/office/powerpoint/2015/main" val="1"/>
-              </p:ext>
-            </p:extLst>
-          </p:nvPr>
-        </p:nvCxnSpPr>
-        <p:spPr>
-          <a:xfrm>
-            <a:off x="482600" y="489855"/>
-            <a:ext cx="11147071" cy="0"/>
-          </a:xfrm>
-          <a:prstGeom prst="line">
-            <a:avLst/>
-          </a:prstGeom>
-          <a:ln w="28575">
-            <a:solidFill>
-              <a:schemeClr val="tx2"/>
-            </a:solidFill>
-          </a:ln>
-        </p:spPr>
-        <p:style>
-          <a:lnRef idx="1">
-            <a:schemeClr val="dk1"/>
-          </a:lnRef>
-          <a:fillRef idx="0">
-            <a:schemeClr val="dk1"/>
-          </a:fillRef>
-          <a:effectRef idx="0">
-            <a:schemeClr val="dk1"/>
-          </a:effectRef>
-          <a:fontRef idx="minor">
-            <a:schemeClr val="tx1"/>
-          </a:fontRef>
-        </p:style>
-      </p:cxnSp>
-      <p:cxnSp>
-        <p:nvCxnSpPr>
-          <p:cNvPr id="19" name="Straight Connector 18">
-            <a:extLst>
-              <a:ext uri="{FF2B5EF4-FFF2-40B4-BE49-F238E27FC236}">
-                <a16:creationId xmlns:a16="http://schemas.microsoft.com/office/drawing/2014/main" id="{9DC76EBE-FB9D-4054-B5D8-19E3EAFE40B2}"/>
-              </a:ext>
-              <a:ext uri="{C183D7F6-B498-43B3-948B-1728B52AA6E4}">
-                <adec:decorative xmlns:adec="http://schemas.microsoft.com/office/drawing/2017/decorative" val="1"/>
-              </a:ext>
-            </a:extLst>
-          </p:cNvPr>
-          <p:cNvCxnSpPr>
-            <a:cxnSpLocks noGrp="1" noRot="1" noChangeAspect="1" noMove="1" noResize="1" noEditPoints="1" noAdjustHandles="1" noChangeArrowheads="1" noChangeShapeType="1"/>
-          </p:cNvCxnSpPr>
-          <p:nvPr>
-            <p:extLst>
-              <p:ext uri="{386F3935-93C4-4BCD-93E2-E3B085C9AB24}">
-                <p16:designElem xmlns:p16="http://schemas.microsoft.com/office/powerpoint/2015/main" val="1"/>
-              </p:ext>
-            </p:extLst>
-          </p:nvPr>
-        </p:nvCxnSpPr>
-        <p:spPr>
-          <a:xfrm>
-            <a:off x="482600" y="6368138"/>
-            <a:ext cx="11147071" cy="0"/>
-          </a:xfrm>
-          <a:prstGeom prst="line">
-            <a:avLst/>
-          </a:prstGeom>
-          <a:ln w="28575">
-            <a:solidFill>
-              <a:schemeClr val="tx2"/>
-            </a:solidFill>
-          </a:ln>
-        </p:spPr>
-        <p:style>
-          <a:lnRef idx="1">
-            <a:schemeClr val="dk1"/>
-          </a:lnRef>
-          <a:fillRef idx="0">
-            <a:schemeClr val="dk1"/>
-          </a:fillRef>
-          <a:effectRef idx="0">
-            <a:schemeClr val="dk1"/>
-          </a:effectRef>
-          <a:fontRef idx="minor">
-            <a:schemeClr val="tx1"/>
-          </a:fontRef>
-        </p:style>
-      </p:cxnSp>
-      <p:cxnSp>
-        <p:nvCxnSpPr>
-          <p:cNvPr id="21" name="Straight Connector 20">
-            <a:extLst>
-              <a:ext uri="{FF2B5EF4-FFF2-40B4-BE49-F238E27FC236}">
-                <a16:creationId xmlns:a16="http://schemas.microsoft.com/office/drawing/2014/main" id="{7DA568B4-06BE-42A6-A5B6-A0FC251DAE00}"/>
-              </a:ext>
-              <a:ext uri="{C183D7F6-B498-43B3-948B-1728B52AA6E4}">
-                <adec:decorative xmlns:adec="http://schemas.microsoft.com/office/drawing/2017/decorative" val="1"/>
-              </a:ext>
-            </a:extLst>
-          </p:cNvPr>
-          <p:cNvCxnSpPr>
-            <a:cxnSpLocks noGrp="1" noRot="1" noChangeAspect="1" noMove="1" noResize="1" noEditPoints="1" noAdjustHandles="1" noChangeArrowheads="1" noChangeShapeType="1"/>
-          </p:cNvCxnSpPr>
-          <p:nvPr>
-            <p:extLst>
-              <p:ext uri="{386F3935-93C4-4BCD-93E2-E3B085C9AB24}">
-                <p16:designElem xmlns:p16="http://schemas.microsoft.com/office/powerpoint/2015/main" val="1"/>
-              </p:ext>
-            </p:extLst>
-          </p:nvPr>
-        </p:nvCxnSpPr>
-        <p:spPr>
-          <a:xfrm>
-            <a:off x="482600" y="489855"/>
-            <a:ext cx="11147071" cy="0"/>
-          </a:xfrm>
-          <a:prstGeom prst="line">
-            <a:avLst/>
-          </a:prstGeom>
-          <a:ln w="28575">
-            <a:solidFill>
-              <a:schemeClr val="tx2"/>
-            </a:solidFill>
-          </a:ln>
-        </p:spPr>
-        <p:style>
-          <a:lnRef idx="1">
-            <a:schemeClr val="dk1"/>
-          </a:lnRef>
-          <a:fillRef idx="0">
-            <a:schemeClr val="dk1"/>
-          </a:fillRef>
-          <a:effectRef idx="0">
-            <a:schemeClr val="dk1"/>
-          </a:effectRef>
-          <a:fontRef idx="minor">
-            <a:schemeClr val="tx1"/>
-          </a:fontRef>
-        </p:style>
-      </p:cxnSp>
-      <p:cxnSp>
-        <p:nvCxnSpPr>
-          <p:cNvPr id="23" name="Straight Connector 22">
-            <a:extLst>
-              <a:ext uri="{FF2B5EF4-FFF2-40B4-BE49-F238E27FC236}">
-                <a16:creationId xmlns:a16="http://schemas.microsoft.com/office/drawing/2014/main" id="{ACC85BFE-0D03-41B5-87E4-5FA667FA5588}"/>
-              </a:ext>
-              <a:ext uri="{C183D7F6-B498-43B3-948B-1728B52AA6E4}">
-                <adec:decorative xmlns:adec="http://schemas.microsoft.com/office/drawing/2017/decorative" val="1"/>
-              </a:ext>
-            </a:extLst>
-          </p:cNvPr>
-          <p:cNvCxnSpPr>
-            <a:cxnSpLocks noGrp="1" noRot="1" noChangeAspect="1" noMove="1" noResize="1" noEditPoints="1" noAdjustHandles="1" noChangeArrowheads="1" noChangeShapeType="1"/>
-          </p:cNvCxnSpPr>
-          <p:nvPr>
-            <p:extLst>
-              <p:ext uri="{386F3935-93C4-4BCD-93E2-E3B085C9AB24}">
-                <p16:designElem xmlns:p16="http://schemas.microsoft.com/office/powerpoint/2015/main" val="1"/>
-              </p:ext>
-            </p:extLst>
-          </p:nvPr>
-        </p:nvCxnSpPr>
-        <p:spPr>
-          <a:xfrm>
-            <a:off x="482600" y="6368138"/>
-            <a:ext cx="11147071" cy="0"/>
-          </a:xfrm>
-          <a:prstGeom prst="line">
-            <a:avLst/>
-          </a:prstGeom>
-          <a:ln w="28575">
-            <a:solidFill>
-              <a:schemeClr val="tx2"/>
-            </a:solidFill>
-          </a:ln>
-        </p:spPr>
-        <p:style>
-          <a:lnRef idx="1">
-            <a:schemeClr val="dk1"/>
-          </a:lnRef>
-          <a:fillRef idx="0">
-            <a:schemeClr val="dk1"/>
-          </a:fillRef>
-          <a:effectRef idx="0">
-            <a:schemeClr val="dk1"/>
-          </a:effectRef>
-          <a:fontRef idx="minor">
-            <a:schemeClr val="tx1"/>
-          </a:fontRef>
-        </p:style>
-      </p:cxnSp>
-      <p:sp useBgFill="1">
-        <p:nvSpPr>
-          <p:cNvPr id="25" name="Rectangle 24">
-            <a:extLst>
-              <a:ext uri="{FF2B5EF4-FFF2-40B4-BE49-F238E27FC236}">
-                <a16:creationId xmlns:a16="http://schemas.microsoft.com/office/drawing/2014/main" id="{92B0CFF1-78D7-4A83-A95E-71F9E3831622}"/>
-              </a:ext>
-              <a:ext uri="{C183D7F6-B498-43B3-948B-1728B52AA6E4}">
-                <adec:decorative xmlns:adec="http://schemas.microsoft.com/office/drawing/2017/decorative" val="1"/>
-              </a:ext>
-            </a:extLst>
-          </p:cNvPr>
-          <p:cNvSpPr>
-            <a:spLocks noGrp="1" noRot="1" noChangeAspect="1" noMove="1" noResize="1" noEditPoints="1" noAdjustHandles="1" noChangeArrowheads="1" noChangeShapeType="1" noTextEdit="1"/>
-          </p:cNvSpPr>
-          <p:nvPr>
-            <p:extLst>
-              <p:ext uri="{386F3935-93C4-4BCD-93E2-E3B085C9AB24}">
-                <p16:designElem xmlns:p16="http://schemas.microsoft.com/office/powerpoint/2015/main" val="1"/>
-              </p:ext>
-            </p:extLst>
-          </p:nvPr>
-        </p:nvSpPr>
-        <p:spPr>
-          <a:xfrm>
-            <a:off x="0" y="0"/>
-            <a:ext cx="12192000" cy="6858001"/>
-          </a:xfrm>
-          <a:prstGeom prst="rect">
-            <a:avLst/>
-          </a:prstGeom>
-          <a:ln>
-            <a:noFill/>
-          </a:ln>
-        </p:spPr>
-        <p:style>
-          <a:lnRef idx="2">
-            <a:schemeClr val="accent1">
-              <a:shade val="50000"/>
-            </a:schemeClr>
-          </a:lnRef>
-          <a:fillRef idx="1">
-            <a:schemeClr val="accent1"/>
-          </a:fillRef>
-          <a:effectRef idx="0">
-            <a:schemeClr val="accent1"/>
-          </a:effectRef>
-          <a:fontRef idx="minor">
-            <a:schemeClr val="lt1"/>
-          </a:fontRef>
-        </p:style>
-        <p:txBody>
-          <a:bodyPr rtlCol="0" anchor="ctr"/>
-          <a:lstStyle/>
-          <a:p>
-            <a:pPr algn="ctr"/>
-            <a:endParaRPr lang="en-US" dirty="0"/>
-          </a:p>
-        </p:txBody>
-      </p:sp>
-      <p:cxnSp>
-        <p:nvCxnSpPr>
-          <p:cNvPr id="27" name="Straight Connector 26">
-            <a:extLst>
-              <a:ext uri="{FF2B5EF4-FFF2-40B4-BE49-F238E27FC236}">
-                <a16:creationId xmlns:a16="http://schemas.microsoft.com/office/drawing/2014/main" id="{6108BD3D-CFD0-4A15-ACF6-EBC254CD7CF1}"/>
-              </a:ext>
-              <a:ext uri="{C183D7F6-B498-43B3-948B-1728B52AA6E4}">
-                <adec:decorative xmlns:adec="http://schemas.microsoft.com/office/drawing/2017/decorative" val="1"/>
-              </a:ext>
-            </a:extLst>
-          </p:cNvPr>
-          <p:cNvCxnSpPr>
-            <a:cxnSpLocks noGrp="1" noRot="1" noChangeAspect="1" noMove="1" noResize="1" noEditPoints="1" noAdjustHandles="1" noChangeArrowheads="1" noChangeShapeType="1"/>
-          </p:cNvCxnSpPr>
-          <p:nvPr>
-            <p:extLst>
-              <p:ext uri="{386F3935-93C4-4BCD-93E2-E3B085C9AB24}">
-                <p16:designElem xmlns:p16="http://schemas.microsoft.com/office/powerpoint/2015/main" val="1"/>
-              </p:ext>
-            </p:extLst>
-          </p:nvPr>
-        </p:nvCxnSpPr>
-        <p:spPr>
-          <a:xfrm>
-            <a:off x="482600" y="489855"/>
-            <a:ext cx="11147071" cy="0"/>
-          </a:xfrm>
-          <a:prstGeom prst="line">
-            <a:avLst/>
-          </a:prstGeom>
-          <a:ln w="28575">
-            <a:solidFill>
-              <a:schemeClr val="tx2"/>
-            </a:solidFill>
-          </a:ln>
-        </p:spPr>
-        <p:style>
-          <a:lnRef idx="1">
-            <a:schemeClr val="dk1"/>
-          </a:lnRef>
-          <a:fillRef idx="0">
-            <a:schemeClr val="dk1"/>
-          </a:fillRef>
-          <a:effectRef idx="0">
-            <a:schemeClr val="dk1"/>
-          </a:effectRef>
-          <a:fontRef idx="minor">
-            <a:schemeClr val="tx1"/>
-          </a:fontRef>
-        </p:style>
-      </p:cxnSp>
-      <p:cxnSp>
-        <p:nvCxnSpPr>
-          <p:cNvPr id="29" name="Straight Connector 28">
-            <a:extLst>
-              <a:ext uri="{FF2B5EF4-FFF2-40B4-BE49-F238E27FC236}">
-                <a16:creationId xmlns:a16="http://schemas.microsoft.com/office/drawing/2014/main" id="{DB2019E5-6C31-4640-A135-6BBA7FFCF694}"/>
-              </a:ext>
-              <a:ext uri="{C183D7F6-B498-43B3-948B-1728B52AA6E4}">
-                <adec:decorative xmlns:adec="http://schemas.microsoft.com/office/drawing/2017/decorative" val="1"/>
-              </a:ext>
-            </a:extLst>
-          </p:cNvPr>
-          <p:cNvCxnSpPr>
-            <a:cxnSpLocks noGrp="1" noRot="1" noChangeAspect="1" noMove="1" noResize="1" noEditPoints="1" noAdjustHandles="1" noChangeArrowheads="1" noChangeShapeType="1"/>
-          </p:cNvCxnSpPr>
-          <p:nvPr>
-            <p:extLst>
-              <p:ext uri="{386F3935-93C4-4BCD-93E2-E3B085C9AB24}">
-                <p16:designElem xmlns:p16="http://schemas.microsoft.com/office/powerpoint/2015/main" val="1"/>
-              </p:ext>
-            </p:extLst>
-          </p:nvPr>
-        </p:nvCxnSpPr>
-        <p:spPr>
-          <a:xfrm>
-            <a:off x="482600" y="6368138"/>
-            <a:ext cx="11147071" cy="0"/>
-          </a:xfrm>
-          <a:prstGeom prst="line">
-            <a:avLst/>
-          </a:prstGeom>
-          <a:ln w="28575">
-            <a:solidFill>
-              <a:schemeClr val="tx2"/>
-            </a:solidFill>
-          </a:ln>
-        </p:spPr>
-        <p:style>
-          <a:lnRef idx="1">
-            <a:schemeClr val="dk1"/>
-          </a:lnRef>
-          <a:fillRef idx="0">
-            <a:schemeClr val="dk1"/>
-          </a:fillRef>
-          <a:effectRef idx="0">
-            <a:schemeClr val="dk1"/>
-          </a:effectRef>
-          <a:fontRef idx="minor">
-            <a:schemeClr val="tx1"/>
-          </a:fontRef>
-        </p:style>
-      </p:cxnSp>
-      <p:sp>
-        <p:nvSpPr>
-          <p:cNvPr id="10" name="Title 1">
-            <a:extLst>
-              <a:ext uri="{FF2B5EF4-FFF2-40B4-BE49-F238E27FC236}">
-                <a16:creationId xmlns:a16="http://schemas.microsoft.com/office/drawing/2014/main" id="{3A70522E-8AF8-6A4F-8657-48DA4CC4A164}"/>
-              </a:ext>
-            </a:extLst>
-          </p:cNvPr>
-          <p:cNvSpPr txBox="1">
-            <a:spLocks/>
-          </p:cNvSpPr>
-          <p:nvPr/>
-        </p:nvSpPr>
-        <p:spPr>
-          <a:xfrm>
-            <a:off x="400432" y="738663"/>
-            <a:ext cx="8661400" cy="774192"/>
-          </a:xfrm>
-          <a:prstGeom prst="rect">
-            <a:avLst/>
-          </a:prstGeom>
-        </p:spPr>
-        <p:txBody>
-          <a:bodyPr vert="horz" lIns="91440" tIns="45720" rIns="91440" bIns="45720" rtlCol="0" anchor="b">
-            <a:noAutofit/>
-          </a:bodyPr>
-          <a:lstStyle>
-            <a:lvl1pPr algn="l" defTabSz="914400" rtl="0" eaLnBrk="1" latinLnBrk="0" hangingPunct="1">
-              <a:lnSpc>
-                <a:spcPct val="100000"/>
-              </a:lnSpc>
-              <a:spcBef>
-                <a:spcPct val="0"/>
-              </a:spcBef>
-              <a:buNone/>
-              <a:defRPr sz="6600" kern="1200">
-                <a:solidFill>
-                  <a:schemeClr val="tx1"/>
-                </a:solidFill>
-                <a:latin typeface="+mj-lt"/>
-                <a:ea typeface="+mj-ea"/>
-                <a:cs typeface="+mj-cs"/>
-              </a:defRPr>
-            </a:lvl1pPr>
-          </a:lstStyle>
-          <a:p>
-            <a:r>
               <a:rPr lang="en-IN" sz="2800" b="1" dirty="0"/>
               <a:t>Neo4jAlert service</a:t>
             </a:r>
@@ -5877,7 +5313,7 @@
 </p:sld>
 </file>
 
-<file path=ppt/slides/slide12.xml><?xml version="1.0" encoding="utf-8"?>
+<file path=ppt/slides/slide11.xml><?xml version="1.0" encoding="utf-8"?>
 <p:sld xmlns:a="http://schemas.openxmlformats.org/drawingml/2006/main" xmlns:r="http://schemas.openxmlformats.org/officeDocument/2006/relationships" xmlns:p="http://schemas.openxmlformats.org/presentationml/2006/main">
   <p:cSld>
     <p:spTree>
@@ -6735,7 +6171,7 @@
 </p:sld>
 </file>
 
-<file path=ppt/slides/slide13.xml><?xml version="1.0" encoding="utf-8"?>
+<file path=ppt/slides/slide12.xml><?xml version="1.0" encoding="utf-8"?>
 <p:sld xmlns:a="http://schemas.openxmlformats.org/drawingml/2006/main" xmlns:r="http://schemas.openxmlformats.org/officeDocument/2006/relationships" xmlns:p="http://schemas.openxmlformats.org/presentationml/2006/main">
   <p:cSld>
     <p:spTree>
@@ -7927,7 +7363,7 @@
 </p:sld>
 </file>
 
-<file path=ppt/slides/slide14.xml><?xml version="1.0" encoding="utf-8"?>
+<file path=ppt/slides/slide13.xml><?xml version="1.0" encoding="utf-8"?>
 <p:sld xmlns:a="http://schemas.openxmlformats.org/drawingml/2006/main" xmlns:r="http://schemas.openxmlformats.org/officeDocument/2006/relationships" xmlns:p="http://schemas.openxmlformats.org/presentationml/2006/main">
   <p:cSld>
     <p:spTree>
@@ -7992,7 +7428,7 @@
 </p:sld>
 </file>
 
-<file path=ppt/slides/slide15.xml><?xml version="1.0" encoding="utf-8"?>
+<file path=ppt/slides/slide14.xml><?xml version="1.0" encoding="utf-8"?>
 <p:sld xmlns:a="http://schemas.openxmlformats.org/drawingml/2006/main" xmlns:r="http://schemas.openxmlformats.org/officeDocument/2006/relationships" xmlns:p="http://schemas.openxmlformats.org/presentationml/2006/main">
   <p:cSld>
     <p:bg>
@@ -12321,7 +11757,7 @@
         </p:blipFill>
         <p:spPr>
           <a:xfrm>
-            <a:off x="6127610" y="4354360"/>
+            <a:off x="5709763" y="4300926"/>
             <a:ext cx="2879510" cy="1518478"/>
           </a:xfrm>
           <a:prstGeom prst="rect">
@@ -12381,7 +11817,7 @@
         </p:blipFill>
         <p:spPr>
           <a:xfrm>
-            <a:off x="8190029" y="4076110"/>
+            <a:off x="7862369" y="3946570"/>
             <a:ext cx="790220" cy="361750"/>
           </a:xfrm>
           <a:prstGeom prst="rect">
@@ -12538,6 +11974,81 @@
           </a:p>
         </p:txBody>
       </p:sp>
+      <p:sp>
+        <p:nvSpPr>
+          <p:cNvPr id="11" name="TextBox 10">
+            <a:extLst>
+              <a:ext uri="{FF2B5EF4-FFF2-40B4-BE49-F238E27FC236}">
+                <a16:creationId xmlns:a16="http://schemas.microsoft.com/office/drawing/2014/main" id="{01D7470B-688E-7944-920E-856D276923F5}"/>
+              </a:ext>
+            </a:extLst>
+          </p:cNvPr>
+          <p:cNvSpPr txBox="1"/>
+          <p:nvPr/>
+        </p:nvSpPr>
+        <p:spPr>
+          <a:xfrm>
+            <a:off x="8785633" y="985162"/>
+            <a:ext cx="2961867" cy="4524315"/>
+          </a:xfrm>
+          <a:prstGeom prst="rect">
+            <a:avLst/>
+          </a:prstGeom>
+          <a:noFill/>
+        </p:spPr>
+        <p:txBody>
+          <a:bodyPr wrap="square" rtlCol="0">
+            <a:spAutoFit/>
+          </a:bodyPr>
+          <a:lstStyle/>
+          <a:p>
+            <a:endParaRPr lang="en-IN" dirty="0"/>
+          </a:p>
+          <a:p>
+            <a:pPr marL="285750" indent="-285750">
+              <a:buFont typeface="Arial" panose="020B0604020202020204" pitchFamily="34" charset="0"/>
+              <a:buChar char="•"/>
+            </a:pPr>
+            <a:r>
+              <a:rPr lang="en-IN" dirty="0"/>
+              <a:t>Correlate these alerts using Mutual Information</a:t>
+            </a:r>
+          </a:p>
+          <a:p>
+            <a:endParaRPr lang="en-IN" dirty="0"/>
+          </a:p>
+          <a:p>
+            <a:pPr marL="285750" indent="-285750">
+              <a:buFont typeface="Arial" panose="020B0604020202020204" pitchFamily="34" charset="0"/>
+              <a:buChar char="•"/>
+            </a:pPr>
+            <a:r>
+              <a:rPr lang="en-IN" dirty="0"/>
+              <a:t>Build a ontology based Knowledge Graph using Neo4j</a:t>
+            </a:r>
+          </a:p>
+          <a:p>
+            <a:endParaRPr lang="en-IN" dirty="0"/>
+          </a:p>
+          <a:p>
+            <a:pPr marL="285750" indent="-285750">
+              <a:buFont typeface="Arial" panose="020B0604020202020204" pitchFamily="34" charset="0"/>
+              <a:buChar char="•"/>
+            </a:pPr>
+            <a:r>
+              <a:rPr lang="en-IN" dirty="0"/>
+              <a:t>Querying layer to extract all relevant information  and visualizing the cypher query result in Neo4j browser</a:t>
+            </a:r>
+          </a:p>
+          <a:p>
+            <a:pPr marL="285750" indent="-285750">
+              <a:buFont typeface="Arial" panose="020B0604020202020204" pitchFamily="34" charset="0"/>
+              <a:buChar char="•"/>
+            </a:pPr>
+            <a:endParaRPr lang="en-IN" dirty="0"/>
+          </a:p>
+        </p:txBody>
+      </p:sp>
     </p:spTree>
     <p:extLst>
       <p:ext uri="{BB962C8B-B14F-4D97-AF65-F5344CB8AC3E}">
@@ -12552,166 +12063,6 @@
 </file>
 
 <file path=ppt/slides/slide5.xml><?xml version="1.0" encoding="utf-8"?>
-<p:sld xmlns:a="http://schemas.openxmlformats.org/drawingml/2006/main" xmlns:r="http://schemas.openxmlformats.org/officeDocument/2006/relationships" xmlns:p="http://schemas.openxmlformats.org/presentationml/2006/main">
-  <p:cSld>
-    <p:spTree>
-      <p:nvGrpSpPr>
-        <p:cNvPr id="1" name=""/>
-        <p:cNvGrpSpPr/>
-        <p:nvPr/>
-      </p:nvGrpSpPr>
-      <p:grpSpPr>
-        <a:xfrm>
-          <a:off x="0" y="0"/>
-          <a:ext cx="0" cy="0"/>
-          <a:chOff x="0" y="0"/>
-          <a:chExt cx="0" cy="0"/>
-        </a:xfrm>
-      </p:grpSpPr>
-      <p:sp>
-        <p:nvSpPr>
-          <p:cNvPr id="5" name="TextBox 4">
-            <a:extLst>
-              <a:ext uri="{FF2B5EF4-FFF2-40B4-BE49-F238E27FC236}">
-                <a16:creationId xmlns:a16="http://schemas.microsoft.com/office/drawing/2014/main" id="{1AF10CC2-7967-9B44-A222-6896FA1E60F1}"/>
-              </a:ext>
-            </a:extLst>
-          </p:cNvPr>
-          <p:cNvSpPr txBox="1"/>
-          <p:nvPr/>
-        </p:nvSpPr>
-        <p:spPr>
-          <a:xfrm>
-            <a:off x="360453" y="1310889"/>
-            <a:ext cx="11471094" cy="2031325"/>
-          </a:xfrm>
-          <a:prstGeom prst="rect">
-            <a:avLst/>
-          </a:prstGeom>
-          <a:noFill/>
-        </p:spPr>
-        <p:txBody>
-          <a:bodyPr wrap="square" rtlCol="0">
-            <a:spAutoFit/>
-          </a:bodyPr>
-          <a:lstStyle/>
-          <a:p>
-            <a:endParaRPr lang="en-IN" dirty="0"/>
-          </a:p>
-          <a:p>
-            <a:pPr marL="285750" indent="-285750">
-              <a:buFont typeface="Arial" panose="020B0604020202020204" pitchFamily="34" charset="0"/>
-              <a:buChar char="•"/>
-            </a:pPr>
-            <a:r>
-              <a:rPr lang="en-IN" dirty="0"/>
-              <a:t>Correlate these alerts using Mutual Information</a:t>
-            </a:r>
-          </a:p>
-          <a:p>
-            <a:endParaRPr lang="en-IN" dirty="0"/>
-          </a:p>
-          <a:p>
-            <a:pPr marL="285750" indent="-285750">
-              <a:buFont typeface="Arial" panose="020B0604020202020204" pitchFamily="34" charset="0"/>
-              <a:buChar char="•"/>
-            </a:pPr>
-            <a:r>
-              <a:rPr lang="en-IN" dirty="0"/>
-              <a:t>Build a ontology based Knowledge Graph using Neo4j</a:t>
-            </a:r>
-          </a:p>
-          <a:p>
-            <a:endParaRPr lang="en-IN" dirty="0"/>
-          </a:p>
-          <a:p>
-            <a:pPr marL="285750" indent="-285750">
-              <a:buFont typeface="Arial" panose="020B0604020202020204" pitchFamily="34" charset="0"/>
-              <a:buChar char="•"/>
-            </a:pPr>
-            <a:r>
-              <a:rPr lang="en-IN" dirty="0"/>
-              <a:t>Querying layer to extract all relevant information  and visualizing the cypher query result in Neo4j browser</a:t>
-            </a:r>
-          </a:p>
-          <a:p>
-            <a:pPr marL="285750" indent="-285750">
-              <a:buFont typeface="Arial" panose="020B0604020202020204" pitchFamily="34" charset="0"/>
-              <a:buChar char="•"/>
-            </a:pPr>
-            <a:endParaRPr lang="en-IN" dirty="0"/>
-          </a:p>
-        </p:txBody>
-      </p:sp>
-      <p:sp>
-        <p:nvSpPr>
-          <p:cNvPr id="3" name="Title 1">
-            <a:extLst>
-              <a:ext uri="{FF2B5EF4-FFF2-40B4-BE49-F238E27FC236}">
-                <a16:creationId xmlns:a16="http://schemas.microsoft.com/office/drawing/2014/main" id="{F5BE6497-41DB-AF42-9BCE-AD5C74972F3B}"/>
-              </a:ext>
-            </a:extLst>
-          </p:cNvPr>
-          <p:cNvSpPr txBox="1">
-            <a:spLocks/>
-          </p:cNvSpPr>
-          <p:nvPr/>
-        </p:nvSpPr>
-        <p:spPr>
-          <a:xfrm>
-            <a:off x="438150" y="621187"/>
-            <a:ext cx="8420100" cy="471013"/>
-          </a:xfrm>
-          <a:prstGeom prst="rect">
-            <a:avLst/>
-          </a:prstGeom>
-        </p:spPr>
-        <p:txBody>
-          <a:bodyPr vert="horz" lIns="91440" tIns="45720" rIns="91440" bIns="45720" rtlCol="0" anchor="b">
-            <a:noAutofit/>
-          </a:bodyPr>
-          <a:lstStyle>
-            <a:lvl1pPr algn="l" defTabSz="914400" rtl="0" eaLnBrk="1" latinLnBrk="0" hangingPunct="1">
-              <a:lnSpc>
-                <a:spcPct val="100000"/>
-              </a:lnSpc>
-              <a:spcBef>
-                <a:spcPct val="0"/>
-              </a:spcBef>
-              <a:buNone/>
-              <a:defRPr sz="6600" kern="1200">
-                <a:solidFill>
-                  <a:schemeClr val="tx1"/>
-                </a:solidFill>
-                <a:latin typeface="+mj-lt"/>
-                <a:ea typeface="+mj-ea"/>
-                <a:cs typeface="+mj-cs"/>
-              </a:defRPr>
-            </a:lvl1pPr>
-          </a:lstStyle>
-          <a:p>
-            <a:r>
-              <a:rPr lang="en-IN" sz="2800" b="1" dirty="0"/>
-              <a:t>How have we achieved this ?</a:t>
-            </a:r>
-            <a:endParaRPr lang="en-US" sz="2800" dirty="0"/>
-          </a:p>
-        </p:txBody>
-      </p:sp>
-    </p:spTree>
-    <p:extLst>
-      <p:ext uri="{BB962C8B-B14F-4D97-AF65-F5344CB8AC3E}">
-        <p14:creationId xmlns:p14="http://schemas.microsoft.com/office/powerpoint/2010/main" val="1360768870"/>
-      </p:ext>
-    </p:extLst>
-  </p:cSld>
-  <p:clrMapOvr>
-    <a:masterClrMapping/>
-  </p:clrMapOvr>
-</p:sld>
-</file>
-
-<file path=ppt/slides/slide6.xml><?xml version="1.0" encoding="utf-8"?>
 <p:sld xmlns:a="http://schemas.openxmlformats.org/drawingml/2006/main" xmlns:r="http://schemas.openxmlformats.org/officeDocument/2006/relationships" xmlns:p="http://schemas.openxmlformats.org/presentationml/2006/main">
   <p:cSld>
     <p:spTree>
@@ -14117,7 +13468,7 @@
 </p:sld>
 </file>
 
-<file path=ppt/slides/slide7.xml><?xml version="1.0" encoding="utf-8"?>
+<file path=ppt/slides/slide6.xml><?xml version="1.0" encoding="utf-8"?>
 <p:sld xmlns:a="http://schemas.openxmlformats.org/drawingml/2006/main" xmlns:r="http://schemas.openxmlformats.org/officeDocument/2006/relationships" xmlns:p="http://schemas.openxmlformats.org/presentationml/2006/main">
   <p:cSld>
     <p:spTree>
@@ -14401,7 +13752,7 @@
 </p:sld>
 </file>
 
-<file path=ppt/slides/slide8.xml><?xml version="1.0" encoding="utf-8"?>
+<file path=ppt/slides/slide7.xml><?xml version="1.0" encoding="utf-8"?>
 <p:sld xmlns:a="http://schemas.openxmlformats.org/drawingml/2006/main" xmlns:r="http://schemas.openxmlformats.org/officeDocument/2006/relationships" xmlns:p="http://schemas.openxmlformats.org/presentationml/2006/main">
   <p:cSld>
     <p:spTree>
@@ -14503,7 +13854,7 @@
 </p:sld>
 </file>
 
-<file path=ppt/slides/slide9.xml><?xml version="1.0" encoding="utf-8"?>
+<file path=ppt/slides/slide8.xml><?xml version="1.0" encoding="utf-8"?>
 <p:sld xmlns:a="http://schemas.openxmlformats.org/drawingml/2006/main" xmlns:r="http://schemas.openxmlformats.org/officeDocument/2006/relationships" xmlns:p="http://schemas.openxmlformats.org/presentationml/2006/main">
   <p:cSld>
     <p:spTree>
@@ -14559,6 +13910,569 @@
     <p:extLst>
       <p:ext uri="{BB962C8B-B14F-4D97-AF65-F5344CB8AC3E}">
         <p14:creationId xmlns:p14="http://schemas.microsoft.com/office/powerpoint/2010/main" val="1548830023"/>
+      </p:ext>
+    </p:extLst>
+  </p:cSld>
+  <p:clrMapOvr>
+    <a:masterClrMapping/>
+  </p:clrMapOvr>
+</p:sld>
+</file>
+
+<file path=ppt/slides/slide9.xml><?xml version="1.0" encoding="utf-8"?>
+<p:sld xmlns:a="http://schemas.openxmlformats.org/drawingml/2006/main" xmlns:r="http://schemas.openxmlformats.org/officeDocument/2006/relationships" xmlns:p="http://schemas.openxmlformats.org/presentationml/2006/main">
+  <p:cSld>
+    <p:bg>
+      <p:bgPr>
+        <a:solidFill>
+          <a:schemeClr val="bg1"/>
+        </a:solidFill>
+        <a:effectLst/>
+      </p:bgPr>
+    </p:bg>
+    <p:spTree>
+      <p:nvGrpSpPr>
+        <p:cNvPr id="1" name=""/>
+        <p:cNvGrpSpPr/>
+        <p:nvPr/>
+      </p:nvGrpSpPr>
+      <p:grpSpPr>
+        <a:xfrm>
+          <a:off x="0" y="0"/>
+          <a:ext cx="0" cy="0"/>
+          <a:chOff x="0" y="0"/>
+          <a:chExt cx="0" cy="0"/>
+        </a:xfrm>
+      </p:grpSpPr>
+      <p:cxnSp>
+        <p:nvCxnSpPr>
+          <p:cNvPr id="17" name="Straight Connector 16">
+            <a:extLst>
+              <a:ext uri="{FF2B5EF4-FFF2-40B4-BE49-F238E27FC236}">
+                <a16:creationId xmlns:a16="http://schemas.microsoft.com/office/drawing/2014/main" id="{108D74AC-B125-4E11-BA53-E9E383966DF8}"/>
+              </a:ext>
+              <a:ext uri="{C183D7F6-B498-43B3-948B-1728B52AA6E4}">
+                <adec:decorative xmlns:adec="http://schemas.microsoft.com/office/drawing/2017/decorative" val="1"/>
+              </a:ext>
+            </a:extLst>
+          </p:cNvPr>
+          <p:cNvCxnSpPr>
+            <a:cxnSpLocks noGrp="1" noRot="1" noChangeAspect="1" noMove="1" noResize="1" noEditPoints="1" noAdjustHandles="1" noChangeArrowheads="1" noChangeShapeType="1"/>
+          </p:cNvCxnSpPr>
+          <p:nvPr>
+            <p:extLst>
+              <p:ext uri="{386F3935-93C4-4BCD-93E2-E3B085C9AB24}">
+                <p16:designElem xmlns:p16="http://schemas.microsoft.com/office/powerpoint/2015/main" val="1"/>
+              </p:ext>
+            </p:extLst>
+          </p:nvPr>
+        </p:nvCxnSpPr>
+        <p:spPr>
+          <a:xfrm>
+            <a:off x="482600" y="489855"/>
+            <a:ext cx="11147071" cy="0"/>
+          </a:xfrm>
+          <a:prstGeom prst="line">
+            <a:avLst/>
+          </a:prstGeom>
+          <a:ln w="28575">
+            <a:solidFill>
+              <a:schemeClr val="tx2"/>
+            </a:solidFill>
+          </a:ln>
+        </p:spPr>
+        <p:style>
+          <a:lnRef idx="1">
+            <a:schemeClr val="dk1"/>
+          </a:lnRef>
+          <a:fillRef idx="0">
+            <a:schemeClr val="dk1"/>
+          </a:fillRef>
+          <a:effectRef idx="0">
+            <a:schemeClr val="dk1"/>
+          </a:effectRef>
+          <a:fontRef idx="minor">
+            <a:schemeClr val="tx1"/>
+          </a:fontRef>
+        </p:style>
+      </p:cxnSp>
+      <p:cxnSp>
+        <p:nvCxnSpPr>
+          <p:cNvPr id="19" name="Straight Connector 18">
+            <a:extLst>
+              <a:ext uri="{FF2B5EF4-FFF2-40B4-BE49-F238E27FC236}">
+                <a16:creationId xmlns:a16="http://schemas.microsoft.com/office/drawing/2014/main" id="{9DC76EBE-FB9D-4054-B5D8-19E3EAFE40B2}"/>
+              </a:ext>
+              <a:ext uri="{C183D7F6-B498-43B3-948B-1728B52AA6E4}">
+                <adec:decorative xmlns:adec="http://schemas.microsoft.com/office/drawing/2017/decorative" val="1"/>
+              </a:ext>
+            </a:extLst>
+          </p:cNvPr>
+          <p:cNvCxnSpPr>
+            <a:cxnSpLocks noGrp="1" noRot="1" noChangeAspect="1" noMove="1" noResize="1" noEditPoints="1" noAdjustHandles="1" noChangeArrowheads="1" noChangeShapeType="1"/>
+          </p:cNvCxnSpPr>
+          <p:nvPr>
+            <p:extLst>
+              <p:ext uri="{386F3935-93C4-4BCD-93E2-E3B085C9AB24}">
+                <p16:designElem xmlns:p16="http://schemas.microsoft.com/office/powerpoint/2015/main" val="1"/>
+              </p:ext>
+            </p:extLst>
+          </p:nvPr>
+        </p:nvCxnSpPr>
+        <p:spPr>
+          <a:xfrm>
+            <a:off x="482600" y="6368138"/>
+            <a:ext cx="11147071" cy="0"/>
+          </a:xfrm>
+          <a:prstGeom prst="line">
+            <a:avLst/>
+          </a:prstGeom>
+          <a:ln w="28575">
+            <a:solidFill>
+              <a:schemeClr val="tx2"/>
+            </a:solidFill>
+          </a:ln>
+        </p:spPr>
+        <p:style>
+          <a:lnRef idx="1">
+            <a:schemeClr val="dk1"/>
+          </a:lnRef>
+          <a:fillRef idx="0">
+            <a:schemeClr val="dk1"/>
+          </a:fillRef>
+          <a:effectRef idx="0">
+            <a:schemeClr val="dk1"/>
+          </a:effectRef>
+          <a:fontRef idx="minor">
+            <a:schemeClr val="tx1"/>
+          </a:fontRef>
+        </p:style>
+      </p:cxnSp>
+      <p:cxnSp>
+        <p:nvCxnSpPr>
+          <p:cNvPr id="21" name="Straight Connector 20">
+            <a:extLst>
+              <a:ext uri="{FF2B5EF4-FFF2-40B4-BE49-F238E27FC236}">
+                <a16:creationId xmlns:a16="http://schemas.microsoft.com/office/drawing/2014/main" id="{7DA568B4-06BE-42A6-A5B6-A0FC251DAE00}"/>
+              </a:ext>
+              <a:ext uri="{C183D7F6-B498-43B3-948B-1728B52AA6E4}">
+                <adec:decorative xmlns:adec="http://schemas.microsoft.com/office/drawing/2017/decorative" val="1"/>
+              </a:ext>
+            </a:extLst>
+          </p:cNvPr>
+          <p:cNvCxnSpPr>
+            <a:cxnSpLocks noGrp="1" noRot="1" noChangeAspect="1" noMove="1" noResize="1" noEditPoints="1" noAdjustHandles="1" noChangeArrowheads="1" noChangeShapeType="1"/>
+          </p:cNvCxnSpPr>
+          <p:nvPr>
+            <p:extLst>
+              <p:ext uri="{386F3935-93C4-4BCD-93E2-E3B085C9AB24}">
+                <p16:designElem xmlns:p16="http://schemas.microsoft.com/office/powerpoint/2015/main" val="1"/>
+              </p:ext>
+            </p:extLst>
+          </p:nvPr>
+        </p:nvCxnSpPr>
+        <p:spPr>
+          <a:xfrm>
+            <a:off x="482600" y="489855"/>
+            <a:ext cx="11147071" cy="0"/>
+          </a:xfrm>
+          <a:prstGeom prst="line">
+            <a:avLst/>
+          </a:prstGeom>
+          <a:ln w="28575">
+            <a:solidFill>
+              <a:schemeClr val="tx2"/>
+            </a:solidFill>
+          </a:ln>
+        </p:spPr>
+        <p:style>
+          <a:lnRef idx="1">
+            <a:schemeClr val="dk1"/>
+          </a:lnRef>
+          <a:fillRef idx="0">
+            <a:schemeClr val="dk1"/>
+          </a:fillRef>
+          <a:effectRef idx="0">
+            <a:schemeClr val="dk1"/>
+          </a:effectRef>
+          <a:fontRef idx="minor">
+            <a:schemeClr val="tx1"/>
+          </a:fontRef>
+        </p:style>
+      </p:cxnSp>
+      <p:cxnSp>
+        <p:nvCxnSpPr>
+          <p:cNvPr id="23" name="Straight Connector 22">
+            <a:extLst>
+              <a:ext uri="{FF2B5EF4-FFF2-40B4-BE49-F238E27FC236}">
+                <a16:creationId xmlns:a16="http://schemas.microsoft.com/office/drawing/2014/main" id="{ACC85BFE-0D03-41B5-87E4-5FA667FA5588}"/>
+              </a:ext>
+              <a:ext uri="{C183D7F6-B498-43B3-948B-1728B52AA6E4}">
+                <adec:decorative xmlns:adec="http://schemas.microsoft.com/office/drawing/2017/decorative" val="1"/>
+              </a:ext>
+            </a:extLst>
+          </p:cNvPr>
+          <p:cNvCxnSpPr>
+            <a:cxnSpLocks noGrp="1" noRot="1" noChangeAspect="1" noMove="1" noResize="1" noEditPoints="1" noAdjustHandles="1" noChangeArrowheads="1" noChangeShapeType="1"/>
+          </p:cNvCxnSpPr>
+          <p:nvPr>
+            <p:extLst>
+              <p:ext uri="{386F3935-93C4-4BCD-93E2-E3B085C9AB24}">
+                <p16:designElem xmlns:p16="http://schemas.microsoft.com/office/powerpoint/2015/main" val="1"/>
+              </p:ext>
+            </p:extLst>
+          </p:nvPr>
+        </p:nvCxnSpPr>
+        <p:spPr>
+          <a:xfrm>
+            <a:off x="482600" y="6368138"/>
+            <a:ext cx="11147071" cy="0"/>
+          </a:xfrm>
+          <a:prstGeom prst="line">
+            <a:avLst/>
+          </a:prstGeom>
+          <a:ln w="28575">
+            <a:solidFill>
+              <a:schemeClr val="tx2"/>
+            </a:solidFill>
+          </a:ln>
+        </p:spPr>
+        <p:style>
+          <a:lnRef idx="1">
+            <a:schemeClr val="dk1"/>
+          </a:lnRef>
+          <a:fillRef idx="0">
+            <a:schemeClr val="dk1"/>
+          </a:fillRef>
+          <a:effectRef idx="0">
+            <a:schemeClr val="dk1"/>
+          </a:effectRef>
+          <a:fontRef idx="minor">
+            <a:schemeClr val="tx1"/>
+          </a:fontRef>
+        </p:style>
+      </p:cxnSp>
+      <p:sp useBgFill="1">
+        <p:nvSpPr>
+          <p:cNvPr id="25" name="Rectangle 24">
+            <a:extLst>
+              <a:ext uri="{FF2B5EF4-FFF2-40B4-BE49-F238E27FC236}">
+                <a16:creationId xmlns:a16="http://schemas.microsoft.com/office/drawing/2014/main" id="{92B0CFF1-78D7-4A83-A95E-71F9E3831622}"/>
+              </a:ext>
+              <a:ext uri="{C183D7F6-B498-43B3-948B-1728B52AA6E4}">
+                <adec:decorative xmlns:adec="http://schemas.microsoft.com/office/drawing/2017/decorative" val="1"/>
+              </a:ext>
+            </a:extLst>
+          </p:cNvPr>
+          <p:cNvSpPr>
+            <a:spLocks noGrp="1" noRot="1" noChangeAspect="1" noMove="1" noResize="1" noEditPoints="1" noAdjustHandles="1" noChangeArrowheads="1" noChangeShapeType="1" noTextEdit="1"/>
+          </p:cNvSpPr>
+          <p:nvPr>
+            <p:extLst>
+              <p:ext uri="{386F3935-93C4-4BCD-93E2-E3B085C9AB24}">
+                <p16:designElem xmlns:p16="http://schemas.microsoft.com/office/powerpoint/2015/main" val="1"/>
+              </p:ext>
+            </p:extLst>
+          </p:nvPr>
+        </p:nvSpPr>
+        <p:spPr>
+          <a:xfrm>
+            <a:off x="0" y="0"/>
+            <a:ext cx="12192000" cy="6858001"/>
+          </a:xfrm>
+          <a:prstGeom prst="rect">
+            <a:avLst/>
+          </a:prstGeom>
+          <a:ln>
+            <a:noFill/>
+          </a:ln>
+        </p:spPr>
+        <p:style>
+          <a:lnRef idx="2">
+            <a:schemeClr val="accent1">
+              <a:shade val="50000"/>
+            </a:schemeClr>
+          </a:lnRef>
+          <a:fillRef idx="1">
+            <a:schemeClr val="accent1"/>
+          </a:fillRef>
+          <a:effectRef idx="0">
+            <a:schemeClr val="accent1"/>
+          </a:effectRef>
+          <a:fontRef idx="minor">
+            <a:schemeClr val="lt1"/>
+          </a:fontRef>
+        </p:style>
+        <p:txBody>
+          <a:bodyPr rtlCol="0" anchor="ctr"/>
+          <a:lstStyle/>
+          <a:p>
+            <a:pPr algn="ctr"/>
+            <a:endParaRPr lang="en-US" dirty="0"/>
+          </a:p>
+        </p:txBody>
+      </p:sp>
+      <p:cxnSp>
+        <p:nvCxnSpPr>
+          <p:cNvPr id="27" name="Straight Connector 26">
+            <a:extLst>
+              <a:ext uri="{FF2B5EF4-FFF2-40B4-BE49-F238E27FC236}">
+                <a16:creationId xmlns:a16="http://schemas.microsoft.com/office/drawing/2014/main" id="{6108BD3D-CFD0-4A15-ACF6-EBC254CD7CF1}"/>
+              </a:ext>
+              <a:ext uri="{C183D7F6-B498-43B3-948B-1728B52AA6E4}">
+                <adec:decorative xmlns:adec="http://schemas.microsoft.com/office/drawing/2017/decorative" val="1"/>
+              </a:ext>
+            </a:extLst>
+          </p:cNvPr>
+          <p:cNvCxnSpPr>
+            <a:cxnSpLocks noGrp="1" noRot="1" noChangeAspect="1" noMove="1" noResize="1" noEditPoints="1" noAdjustHandles="1" noChangeArrowheads="1" noChangeShapeType="1"/>
+          </p:cNvCxnSpPr>
+          <p:nvPr>
+            <p:extLst>
+              <p:ext uri="{386F3935-93C4-4BCD-93E2-E3B085C9AB24}">
+                <p16:designElem xmlns:p16="http://schemas.microsoft.com/office/powerpoint/2015/main" val="1"/>
+              </p:ext>
+            </p:extLst>
+          </p:nvPr>
+        </p:nvCxnSpPr>
+        <p:spPr>
+          <a:xfrm>
+            <a:off x="482600" y="489855"/>
+            <a:ext cx="11147071" cy="0"/>
+          </a:xfrm>
+          <a:prstGeom prst="line">
+            <a:avLst/>
+          </a:prstGeom>
+          <a:ln w="28575">
+            <a:solidFill>
+              <a:schemeClr val="tx2"/>
+            </a:solidFill>
+          </a:ln>
+        </p:spPr>
+        <p:style>
+          <a:lnRef idx="1">
+            <a:schemeClr val="dk1"/>
+          </a:lnRef>
+          <a:fillRef idx="0">
+            <a:schemeClr val="dk1"/>
+          </a:fillRef>
+          <a:effectRef idx="0">
+            <a:schemeClr val="dk1"/>
+          </a:effectRef>
+          <a:fontRef idx="minor">
+            <a:schemeClr val="tx1"/>
+          </a:fontRef>
+        </p:style>
+      </p:cxnSp>
+      <p:cxnSp>
+        <p:nvCxnSpPr>
+          <p:cNvPr id="29" name="Straight Connector 28">
+            <a:extLst>
+              <a:ext uri="{FF2B5EF4-FFF2-40B4-BE49-F238E27FC236}">
+                <a16:creationId xmlns:a16="http://schemas.microsoft.com/office/drawing/2014/main" id="{DB2019E5-6C31-4640-A135-6BBA7FFCF694}"/>
+              </a:ext>
+              <a:ext uri="{C183D7F6-B498-43B3-948B-1728B52AA6E4}">
+                <adec:decorative xmlns:adec="http://schemas.microsoft.com/office/drawing/2017/decorative" val="1"/>
+              </a:ext>
+            </a:extLst>
+          </p:cNvPr>
+          <p:cNvCxnSpPr>
+            <a:cxnSpLocks noGrp="1" noRot="1" noChangeAspect="1" noMove="1" noResize="1" noEditPoints="1" noAdjustHandles="1" noChangeArrowheads="1" noChangeShapeType="1"/>
+          </p:cNvCxnSpPr>
+          <p:nvPr>
+            <p:extLst>
+              <p:ext uri="{386F3935-93C4-4BCD-93E2-E3B085C9AB24}">
+                <p16:designElem xmlns:p16="http://schemas.microsoft.com/office/powerpoint/2015/main" val="1"/>
+              </p:ext>
+            </p:extLst>
+          </p:nvPr>
+        </p:nvCxnSpPr>
+        <p:spPr>
+          <a:xfrm>
+            <a:off x="482600" y="6368138"/>
+            <a:ext cx="11147071" cy="0"/>
+          </a:xfrm>
+          <a:prstGeom prst="line">
+            <a:avLst/>
+          </a:prstGeom>
+          <a:ln w="28575">
+            <a:solidFill>
+              <a:schemeClr val="tx2"/>
+            </a:solidFill>
+          </a:ln>
+        </p:spPr>
+        <p:style>
+          <a:lnRef idx="1">
+            <a:schemeClr val="dk1"/>
+          </a:lnRef>
+          <a:fillRef idx="0">
+            <a:schemeClr val="dk1"/>
+          </a:fillRef>
+          <a:effectRef idx="0">
+            <a:schemeClr val="dk1"/>
+          </a:effectRef>
+          <a:fontRef idx="minor">
+            <a:schemeClr val="tx1"/>
+          </a:fontRef>
+        </p:style>
+      </p:cxnSp>
+      <p:sp>
+        <p:nvSpPr>
+          <p:cNvPr id="10" name="Title 1">
+            <a:extLst>
+              <a:ext uri="{FF2B5EF4-FFF2-40B4-BE49-F238E27FC236}">
+                <a16:creationId xmlns:a16="http://schemas.microsoft.com/office/drawing/2014/main" id="{3A70522E-8AF8-6A4F-8657-48DA4CC4A164}"/>
+              </a:ext>
+            </a:extLst>
+          </p:cNvPr>
+          <p:cNvSpPr txBox="1">
+            <a:spLocks/>
+          </p:cNvSpPr>
+          <p:nvPr/>
+        </p:nvSpPr>
+        <p:spPr>
+          <a:xfrm>
+            <a:off x="400432" y="738663"/>
+            <a:ext cx="8661400" cy="774192"/>
+          </a:xfrm>
+          <a:prstGeom prst="rect">
+            <a:avLst/>
+          </a:prstGeom>
+        </p:spPr>
+        <p:txBody>
+          <a:bodyPr vert="horz" lIns="91440" tIns="45720" rIns="91440" bIns="45720" rtlCol="0" anchor="b">
+            <a:noAutofit/>
+          </a:bodyPr>
+          <a:lstStyle>
+            <a:lvl1pPr algn="l" defTabSz="914400" rtl="0" eaLnBrk="1" latinLnBrk="0" hangingPunct="1">
+              <a:lnSpc>
+                <a:spcPct val="100000"/>
+              </a:lnSpc>
+              <a:spcBef>
+                <a:spcPct val="0"/>
+              </a:spcBef>
+              <a:buNone/>
+              <a:defRPr sz="6600" kern="1200">
+                <a:solidFill>
+                  <a:schemeClr val="tx1"/>
+                </a:solidFill>
+                <a:latin typeface="+mj-lt"/>
+                <a:ea typeface="+mj-ea"/>
+                <a:cs typeface="+mj-cs"/>
+              </a:defRPr>
+            </a:lvl1pPr>
+          </a:lstStyle>
+          <a:p>
+            <a:r>
+              <a:rPr lang="en-US" sz="2800" b="1" dirty="0"/>
+              <a:t>User Interaction, Query Layer, Neo4j Visualization</a:t>
+            </a:r>
+            <a:br>
+              <a:rPr lang="en-US" sz="2800" b="1" dirty="0"/>
+            </a:br>
+            <a:endParaRPr lang="en-US" sz="2800" dirty="0"/>
+          </a:p>
+        </p:txBody>
+      </p:sp>
+      <p:sp>
+        <p:nvSpPr>
+          <p:cNvPr id="11" name="TextBox 10">
+            <a:extLst>
+              <a:ext uri="{FF2B5EF4-FFF2-40B4-BE49-F238E27FC236}">
+                <a16:creationId xmlns:a16="http://schemas.microsoft.com/office/drawing/2014/main" id="{B32AE59A-BBE9-F344-B432-A0FC9A5F95BD}"/>
+              </a:ext>
+            </a:extLst>
+          </p:cNvPr>
+          <p:cNvSpPr txBox="1"/>
+          <p:nvPr/>
+        </p:nvSpPr>
+        <p:spPr>
+          <a:xfrm>
+            <a:off x="746038" y="5067970"/>
+            <a:ext cx="10455094" cy="1477328"/>
+          </a:xfrm>
+          <a:prstGeom prst="rect">
+            <a:avLst/>
+          </a:prstGeom>
+          <a:noFill/>
+        </p:spPr>
+        <p:txBody>
+          <a:bodyPr wrap="square" rtlCol="0">
+            <a:spAutoFit/>
+          </a:bodyPr>
+          <a:lstStyle/>
+          <a:p>
+            <a:r>
+              <a:rPr lang="en-IN" dirty="0"/>
+              <a:t>Neo4jAlert library provides</a:t>
+            </a:r>
+          </a:p>
+          <a:p>
+            <a:pPr marL="342900" indent="-342900">
+              <a:buAutoNum type="alphaLcParenR"/>
+            </a:pPr>
+            <a:r>
+              <a:rPr lang="en-IN" dirty="0"/>
+              <a:t>REST API to query Neo4j knowledge graph</a:t>
+            </a:r>
+          </a:p>
+          <a:p>
+            <a:pPr marL="342900" indent="-342900">
+              <a:buAutoNum type="alphaLcParenR"/>
+            </a:pPr>
+            <a:r>
+              <a:rPr lang="en-IN" dirty="0"/>
+              <a:t>User interactive terminal interface (via REST API )</a:t>
+            </a:r>
+          </a:p>
+          <a:p>
+            <a:pPr marL="342900" indent="-342900">
+              <a:buAutoNum type="alphaLcParenR"/>
+            </a:pPr>
+            <a:r>
+              <a:rPr lang="en-IN" dirty="0"/>
+              <a:t>Cypher queries that can be executed on Neo4j browser </a:t>
+            </a:r>
+          </a:p>
+          <a:p>
+            <a:endParaRPr lang="en-IN" dirty="0"/>
+          </a:p>
+        </p:txBody>
+      </p:sp>
+      <p:pic>
+        <p:nvPicPr>
+          <p:cNvPr id="2" name="Picture 1">
+            <a:extLst>
+              <a:ext uri="{FF2B5EF4-FFF2-40B4-BE49-F238E27FC236}">
+                <a16:creationId xmlns:a16="http://schemas.microsoft.com/office/drawing/2014/main" id="{EBC430A1-1F1F-3E46-8FDD-78D2818A7FDA}"/>
+              </a:ext>
+            </a:extLst>
+          </p:cNvPr>
+          <p:cNvPicPr>
+            <a:picLocks noChangeAspect="1"/>
+          </p:cNvPicPr>
+          <p:nvPr/>
+        </p:nvPicPr>
+        <p:blipFill>
+          <a:blip r:embed="rId2"/>
+          <a:stretch>
+            <a:fillRect/>
+          </a:stretch>
+        </p:blipFill>
+        <p:spPr>
+          <a:xfrm>
+            <a:off x="953997" y="1051366"/>
+            <a:ext cx="8482103" cy="3961275"/>
+          </a:xfrm>
+          <a:prstGeom prst="rect">
+            <a:avLst/>
+          </a:prstGeom>
+        </p:spPr>
+      </p:pic>
+    </p:spTree>
+    <p:extLst>
+      <p:ext uri="{BB962C8B-B14F-4D97-AF65-F5344CB8AC3E}">
+        <p14:creationId xmlns:p14="http://schemas.microsoft.com/office/powerpoint/2010/main" val="3815100322"/>
       </p:ext>
     </p:extLst>
   </p:cSld>
